--- a/spaperb_graphs/two_encoder_one_loss_spaperb/two_encoder_one_loss_model.pptx
+++ b/spaperb_graphs/two_encoder_one_loss_spaperb/two_encoder_one_loss_model.pptx
@@ -7,6 +7,7 @@
   <p:sldIdLst>
     <p:sldId id="257" r:id="rId2"/>
     <p:sldId id="258" r:id="rId3"/>
+    <p:sldId id="259" r:id="rId4"/>
   </p:sldIdLst>
   <p:sldSz cx="12192000" cy="6858000"/>
   <p:notesSz cx="6858000" cy="9144000"/>
@@ -105,6 +106,11 @@
       </a:defRPr>
     </a:lvl9pPr>
   </p:defaultTextStyle>
+  <p:extLst>
+    <p:ext uri="{EFAFB233-063F-42B5-8137-9DF3F51BA10A}">
+      <p15:sldGuideLst xmlns:p15="http://schemas.microsoft.com/office/powerpoint/2012/main"/>
+    </p:ext>
+  </p:extLst>
 </p:presentation>
 </file>
 
@@ -255,7 +261,7 @@
           <a:p>
             <a:fld id="{994B46F9-1436-CF44-87BB-35C23A1B13F8}" type="datetimeFigureOut">
               <a:rPr kumimoji="1" lang="zh-CN" altLang="en-US" smtClean="0"/>
-              <a:t>2023/7/12</a:t>
+              <a:t>2023/7/27</a:t>
             </a:fld>
             <a:endParaRPr kumimoji="1" lang="zh-CN" altLang="en-US"/>
           </a:p>
@@ -453,7 +459,7 @@
           <a:p>
             <a:fld id="{994B46F9-1436-CF44-87BB-35C23A1B13F8}" type="datetimeFigureOut">
               <a:rPr kumimoji="1" lang="zh-CN" altLang="en-US" smtClean="0"/>
-              <a:t>2023/7/12</a:t>
+              <a:t>2023/7/27</a:t>
             </a:fld>
             <a:endParaRPr kumimoji="1" lang="zh-CN" altLang="en-US"/>
           </a:p>
@@ -661,7 +667,7 @@
           <a:p>
             <a:fld id="{994B46F9-1436-CF44-87BB-35C23A1B13F8}" type="datetimeFigureOut">
               <a:rPr kumimoji="1" lang="zh-CN" altLang="en-US" smtClean="0"/>
-              <a:t>2023/7/12</a:t>
+              <a:t>2023/7/27</a:t>
             </a:fld>
             <a:endParaRPr kumimoji="1" lang="zh-CN" altLang="en-US"/>
           </a:p>
@@ -859,7 +865,7 @@
           <a:p>
             <a:fld id="{994B46F9-1436-CF44-87BB-35C23A1B13F8}" type="datetimeFigureOut">
               <a:rPr kumimoji="1" lang="zh-CN" altLang="en-US" smtClean="0"/>
-              <a:t>2023/7/12</a:t>
+              <a:t>2023/7/27</a:t>
             </a:fld>
             <a:endParaRPr kumimoji="1" lang="zh-CN" altLang="en-US"/>
           </a:p>
@@ -1134,7 +1140,7 @@
           <a:p>
             <a:fld id="{994B46F9-1436-CF44-87BB-35C23A1B13F8}" type="datetimeFigureOut">
               <a:rPr kumimoji="1" lang="zh-CN" altLang="en-US" smtClean="0"/>
-              <a:t>2023/7/12</a:t>
+              <a:t>2023/7/27</a:t>
             </a:fld>
             <a:endParaRPr kumimoji="1" lang="zh-CN" altLang="en-US"/>
           </a:p>
@@ -1399,7 +1405,7 @@
           <a:p>
             <a:fld id="{994B46F9-1436-CF44-87BB-35C23A1B13F8}" type="datetimeFigureOut">
               <a:rPr kumimoji="1" lang="zh-CN" altLang="en-US" smtClean="0"/>
-              <a:t>2023/7/12</a:t>
+              <a:t>2023/7/27</a:t>
             </a:fld>
             <a:endParaRPr kumimoji="1" lang="zh-CN" altLang="en-US"/>
           </a:p>
@@ -1811,7 +1817,7 @@
           <a:p>
             <a:fld id="{994B46F9-1436-CF44-87BB-35C23A1B13F8}" type="datetimeFigureOut">
               <a:rPr kumimoji="1" lang="zh-CN" altLang="en-US" smtClean="0"/>
-              <a:t>2023/7/12</a:t>
+              <a:t>2023/7/27</a:t>
             </a:fld>
             <a:endParaRPr kumimoji="1" lang="zh-CN" altLang="en-US"/>
           </a:p>
@@ -1952,7 +1958,7 @@
           <a:p>
             <a:fld id="{994B46F9-1436-CF44-87BB-35C23A1B13F8}" type="datetimeFigureOut">
               <a:rPr kumimoji="1" lang="zh-CN" altLang="en-US" smtClean="0"/>
-              <a:t>2023/7/12</a:t>
+              <a:t>2023/7/27</a:t>
             </a:fld>
             <a:endParaRPr kumimoji="1" lang="zh-CN" altLang="en-US"/>
           </a:p>
@@ -2065,7 +2071,7 @@
           <a:p>
             <a:fld id="{994B46F9-1436-CF44-87BB-35C23A1B13F8}" type="datetimeFigureOut">
               <a:rPr kumimoji="1" lang="zh-CN" altLang="en-US" smtClean="0"/>
-              <a:t>2023/7/12</a:t>
+              <a:t>2023/7/27</a:t>
             </a:fld>
             <a:endParaRPr kumimoji="1" lang="zh-CN" altLang="en-US"/>
           </a:p>
@@ -2376,7 +2382,7 @@
           <a:p>
             <a:fld id="{994B46F9-1436-CF44-87BB-35C23A1B13F8}" type="datetimeFigureOut">
               <a:rPr kumimoji="1" lang="zh-CN" altLang="en-US" smtClean="0"/>
-              <a:t>2023/7/12</a:t>
+              <a:t>2023/7/27</a:t>
             </a:fld>
             <a:endParaRPr kumimoji="1" lang="zh-CN" altLang="en-US"/>
           </a:p>
@@ -2664,7 +2670,7 @@
           <a:p>
             <a:fld id="{994B46F9-1436-CF44-87BB-35C23A1B13F8}" type="datetimeFigureOut">
               <a:rPr kumimoji="1" lang="zh-CN" altLang="en-US" smtClean="0"/>
-              <a:t>2023/7/12</a:t>
+              <a:t>2023/7/27</a:t>
             </a:fld>
             <a:endParaRPr kumimoji="1" lang="zh-CN" altLang="en-US"/>
           </a:p>
@@ -2905,7 +2911,7 @@
           <a:p>
             <a:fld id="{994B46F9-1436-CF44-87BB-35C23A1B13F8}" type="datetimeFigureOut">
               <a:rPr kumimoji="1" lang="zh-CN" altLang="en-US" smtClean="0"/>
-              <a:t>2023/7/12</a:t>
+              <a:t>2023/7/27</a:t>
             </a:fld>
             <a:endParaRPr kumimoji="1" lang="zh-CN" altLang="en-US"/>
           </a:p>
@@ -3322,12 +3328,53 @@
           <a:chExt cx="0" cy="0"/>
         </a:xfrm>
       </p:grpSpPr>
-      <p:sp>
-        <p:nvSpPr>
-          <p:cNvPr id="6" name="梯形 5">
-            <a:extLst>
-              <a:ext uri="{FF2B5EF4-FFF2-40B4-BE49-F238E27FC236}">
-                <a16:creationId xmlns:a16="http://schemas.microsoft.com/office/drawing/2014/main" id="{52EE0DD4-A064-7596-A675-6FD83554C458}"/>
+      <p:cxnSp>
+        <p:nvCxnSpPr>
+          <p:cNvPr id="15" name="直线箭头连接符 14">
+            <a:extLst>
+              <a:ext uri="{FF2B5EF4-FFF2-40B4-BE49-F238E27FC236}">
+                <a16:creationId xmlns:a16="http://schemas.microsoft.com/office/drawing/2014/main" id="{00B5E50B-1C48-8AF2-A583-D3E03134A3C2}"/>
+              </a:ext>
+            </a:extLst>
+          </p:cNvPr>
+          <p:cNvCxnSpPr>
+            <a:cxnSpLocks/>
+          </p:cNvCxnSpPr>
+          <p:nvPr/>
+        </p:nvCxnSpPr>
+        <p:spPr>
+          <a:xfrm>
+            <a:off x="3184079" y="941223"/>
+            <a:ext cx="810000" cy="0"/>
+          </a:xfrm>
+          <a:prstGeom prst="straightConnector1">
+            <a:avLst/>
+          </a:prstGeom>
+          <a:ln w="25400">
+            <a:tailEnd type="triangle"/>
+          </a:ln>
+        </p:spPr>
+        <p:style>
+          <a:lnRef idx="1">
+            <a:schemeClr val="accent1"/>
+          </a:lnRef>
+          <a:fillRef idx="0">
+            <a:schemeClr val="accent1"/>
+          </a:fillRef>
+          <a:effectRef idx="0">
+            <a:schemeClr val="accent1"/>
+          </a:effectRef>
+          <a:fontRef idx="minor">
+            <a:schemeClr val="tx1"/>
+          </a:fontRef>
+        </p:style>
+      </p:cxnSp>
+      <p:sp>
+        <p:nvSpPr>
+          <p:cNvPr id="37" name="梯形 36">
+            <a:extLst>
+              <a:ext uri="{FF2B5EF4-FFF2-40B4-BE49-F238E27FC236}">
+                <a16:creationId xmlns:a16="http://schemas.microsoft.com/office/drawing/2014/main" id="{DECDBFCC-FBDF-407A-6769-A403E26006F7}"/>
               </a:ext>
             </a:extLst>
           </p:cNvPr>
@@ -3336,8 +3383,8 @@
         </p:nvSpPr>
         <p:spPr>
           <a:xfrm rot="5400000">
-            <a:off x="4309225" y="1825636"/>
-            <a:ext cx="1156059" cy="1088246"/>
+            <a:off x="4204890" y="397100"/>
+            <a:ext cx="924564" cy="1088246"/>
           </a:xfrm>
           <a:prstGeom prst="trapezoid">
             <a:avLst/>
@@ -3392,10 +3439,10 @@
       </p:sp>
       <p:sp>
         <p:nvSpPr>
-          <p:cNvPr id="7" name="文本框 6">
-            <a:extLst>
-              <a:ext uri="{FF2B5EF4-FFF2-40B4-BE49-F238E27FC236}">
-                <a16:creationId xmlns:a16="http://schemas.microsoft.com/office/drawing/2014/main" id="{CB55584C-55C3-F25B-9A34-2364CD995933}"/>
+          <p:cNvPr id="38" name="文本框 37">
+            <a:extLst>
+              <a:ext uri="{FF2B5EF4-FFF2-40B4-BE49-F238E27FC236}">
+                <a16:creationId xmlns:a16="http://schemas.microsoft.com/office/drawing/2014/main" id="{DEB31574-D34A-59A9-B086-5F501F790F48}"/>
               </a:ext>
             </a:extLst>
           </p:cNvPr>
@@ -3404,8 +3451,8 @@
         </p:nvSpPr>
         <p:spPr>
           <a:xfrm>
-            <a:off x="4388561" y="2046594"/>
-            <a:ext cx="997389" cy="646331"/>
+            <a:off x="4129791" y="608710"/>
+            <a:ext cx="997389" cy="516907"/>
           </a:xfrm>
           <a:prstGeom prst="rect">
             <a:avLst/>
@@ -3413,17 +3460,19 @@
           <a:noFill/>
         </p:spPr>
         <p:txBody>
-          <a:bodyPr wrap="none" rtlCol="0">
+          <a:bodyPr wrap="square" rtlCol="0">
             <a:spAutoFit/>
           </a:bodyPr>
           <a:lstStyle/>
           <a:p>
+            <a:pPr algn="ctr"/>
             <a:r>
               <a:rPr kumimoji="1" lang="en-US" altLang="zh-CN" dirty="0"/>
-              <a:t>Content</a:t>
+              <a:t>Style</a:t>
             </a:r>
           </a:p>
           <a:p>
+            <a:pPr algn="ctr"/>
             <a:r>
               <a:rPr kumimoji="1" lang="en-US" altLang="zh-CN" dirty="0"/>
               <a:t>Encoder</a:t>
@@ -3434,10 +3483,10 @@
       </p:sp>
       <p:cxnSp>
         <p:nvCxnSpPr>
-          <p:cNvPr id="12" name="直线箭头连接符 11">
-            <a:extLst>
-              <a:ext uri="{FF2B5EF4-FFF2-40B4-BE49-F238E27FC236}">
-                <a16:creationId xmlns:a16="http://schemas.microsoft.com/office/drawing/2014/main" id="{6426F148-3BEA-9E81-EE08-88EE15D42DE3}"/>
+          <p:cNvPr id="39" name="直线箭头连接符 38">
+            <a:extLst>
+              <a:ext uri="{FF2B5EF4-FFF2-40B4-BE49-F238E27FC236}">
+                <a16:creationId xmlns:a16="http://schemas.microsoft.com/office/drawing/2014/main" id="{E3A2E065-DA9F-1EEF-298A-9E9AF3E69D64}"/>
               </a:ext>
             </a:extLst>
           </p:cNvPr>
@@ -3448,8 +3497,8 @@
         </p:nvCxnSpPr>
         <p:spPr>
           <a:xfrm>
-            <a:off x="5476808" y="2369759"/>
-            <a:ext cx="720000" cy="540000"/>
+            <a:off x="5338920" y="954847"/>
+            <a:ext cx="810000" cy="0"/>
           </a:xfrm>
           <a:prstGeom prst="straightConnector1">
             <a:avLst/>
@@ -3473,131 +3522,12 @@
           </a:fontRef>
         </p:style>
       </p:cxnSp>
-      <p:cxnSp>
-        <p:nvCxnSpPr>
-          <p:cNvPr id="14" name="直线箭头连接符 13">
-            <a:extLst>
-              <a:ext uri="{FF2B5EF4-FFF2-40B4-BE49-F238E27FC236}">
-                <a16:creationId xmlns:a16="http://schemas.microsoft.com/office/drawing/2014/main" id="{59BD7938-8E65-25BB-8094-10CA8F9AAB1A}"/>
-              </a:ext>
-            </a:extLst>
-          </p:cNvPr>
-          <p:cNvCxnSpPr/>
-          <p:nvPr/>
-        </p:nvCxnSpPr>
-        <p:spPr>
-          <a:xfrm>
-            <a:off x="3443953" y="1698909"/>
-            <a:ext cx="720000" cy="360000"/>
-          </a:xfrm>
-          <a:prstGeom prst="straightConnector1">
-            <a:avLst/>
-          </a:prstGeom>
-          <a:ln w="25400">
-            <a:tailEnd type="triangle"/>
-          </a:ln>
-        </p:spPr>
-        <p:style>
-          <a:lnRef idx="1">
-            <a:schemeClr val="accent1"/>
-          </a:lnRef>
-          <a:fillRef idx="0">
-            <a:schemeClr val="accent1"/>
-          </a:fillRef>
-          <a:effectRef idx="0">
-            <a:schemeClr val="accent1"/>
-          </a:effectRef>
-          <a:fontRef idx="minor">
-            <a:schemeClr val="tx1"/>
-          </a:fontRef>
-        </p:style>
-      </p:cxnSp>
-      <p:cxnSp>
-        <p:nvCxnSpPr>
-          <p:cNvPr id="15" name="直线箭头连接符 14">
-            <a:extLst>
-              <a:ext uri="{FF2B5EF4-FFF2-40B4-BE49-F238E27FC236}">
-                <a16:creationId xmlns:a16="http://schemas.microsoft.com/office/drawing/2014/main" id="{00B5E50B-1C48-8AF2-A583-D3E03134A3C2}"/>
-              </a:ext>
-            </a:extLst>
-          </p:cNvPr>
-          <p:cNvCxnSpPr/>
-          <p:nvPr/>
-        </p:nvCxnSpPr>
-        <p:spPr>
-          <a:xfrm>
-            <a:off x="3404160" y="5287674"/>
-            <a:ext cx="810000" cy="0"/>
-          </a:xfrm>
-          <a:prstGeom prst="straightConnector1">
-            <a:avLst/>
-          </a:prstGeom>
-          <a:ln w="25400">
-            <a:tailEnd type="triangle"/>
-          </a:ln>
-        </p:spPr>
-        <p:style>
-          <a:lnRef idx="1">
-            <a:schemeClr val="accent1"/>
-          </a:lnRef>
-          <a:fillRef idx="0">
-            <a:schemeClr val="accent1"/>
-          </a:fillRef>
-          <a:effectRef idx="0">
-            <a:schemeClr val="accent1"/>
-          </a:effectRef>
-          <a:fontRef idx="minor">
-            <a:schemeClr val="tx1"/>
-          </a:fontRef>
-        </p:style>
-      </p:cxnSp>
-      <p:cxnSp>
-        <p:nvCxnSpPr>
-          <p:cNvPr id="22" name="直线箭头连接符 21">
-            <a:extLst>
-              <a:ext uri="{FF2B5EF4-FFF2-40B4-BE49-F238E27FC236}">
-                <a16:creationId xmlns:a16="http://schemas.microsoft.com/office/drawing/2014/main" id="{0C6977A1-9207-83AC-CAC8-68799BC22947}"/>
-              </a:ext>
-            </a:extLst>
-          </p:cNvPr>
-          <p:cNvCxnSpPr>
-            <a:cxnSpLocks/>
-          </p:cNvCxnSpPr>
-          <p:nvPr/>
-        </p:nvCxnSpPr>
-        <p:spPr>
-          <a:xfrm flipV="1">
-            <a:off x="5476808" y="1829759"/>
-            <a:ext cx="720000" cy="540000"/>
-          </a:xfrm>
-          <a:prstGeom prst="straightConnector1">
-            <a:avLst/>
-          </a:prstGeom>
-          <a:ln w="25400">
-            <a:tailEnd type="triangle"/>
-          </a:ln>
-        </p:spPr>
-        <p:style>
-          <a:lnRef idx="1">
-            <a:schemeClr val="accent1"/>
-          </a:lnRef>
-          <a:fillRef idx="0">
-            <a:schemeClr val="accent1"/>
-          </a:fillRef>
-          <a:effectRef idx="0">
-            <a:schemeClr val="accent1"/>
-          </a:effectRef>
-          <a:fontRef idx="minor">
-            <a:schemeClr val="tx1"/>
-          </a:fontRef>
-        </p:style>
-      </p:cxnSp>
-      <p:sp>
-        <p:nvSpPr>
-          <p:cNvPr id="23" name="矩形 22">
-            <a:extLst>
-              <a:ext uri="{FF2B5EF4-FFF2-40B4-BE49-F238E27FC236}">
-                <a16:creationId xmlns:a16="http://schemas.microsoft.com/office/drawing/2014/main" id="{4E482811-448A-A751-D537-819AE2D54ACE}"/>
+      <p:sp>
+        <p:nvSpPr>
+          <p:cNvPr id="45" name="矩形 44">
+            <a:extLst>
+              <a:ext uri="{FF2B5EF4-FFF2-40B4-BE49-F238E27FC236}">
+                <a16:creationId xmlns:a16="http://schemas.microsoft.com/office/drawing/2014/main" id="{8ED0C11E-DF20-4719-2035-8E5D2405CEBE}"/>
               </a:ext>
             </a:extLst>
           </p:cNvPr>
@@ -3606,8 +3536,8 @@
         </p:nvSpPr>
         <p:spPr>
           <a:xfrm>
-            <a:off x="6503533" y="1139394"/>
-            <a:ext cx="180000" cy="180000"/>
+            <a:off x="6283452" y="603406"/>
+            <a:ext cx="180000" cy="143956"/>
           </a:xfrm>
           <a:prstGeom prst="rect">
             <a:avLst/>
@@ -3615,26 +3545,24 @@
           <a:gradFill flip="none" rotWithShape="1">
             <a:gsLst>
               <a:gs pos="0">
-                <a:schemeClr val="accent2">
-                  <a:lumMod val="40000"/>
-                  <a:lumOff val="60000"/>
-                </a:schemeClr>
-              </a:gs>
-              <a:gs pos="54000">
-                <a:schemeClr val="accent2">
-                  <a:lumMod val="95000"/>
-                  <a:lumOff val="5000"/>
+                <a:schemeClr val="accent6">
+                  <a:lumMod val="67000"/>
+                </a:schemeClr>
+              </a:gs>
+              <a:gs pos="48000">
+                <a:schemeClr val="accent6">
+                  <a:lumMod val="97000"/>
+                  <a:lumOff val="3000"/>
                 </a:schemeClr>
               </a:gs>
               <a:gs pos="100000">
-                <a:schemeClr val="accent2">
+                <a:schemeClr val="accent6">
                   <a:lumMod val="60000"/>
+                  <a:lumOff val="40000"/>
                 </a:schemeClr>
               </a:gs>
             </a:gsLst>
-            <a:path path="circle">
-              <a:fillToRect l="50000" t="130000" r="50000" b="-30000"/>
-            </a:path>
+            <a:lin ang="16200000" scaled="1"/>
             <a:tileRect/>
           </a:gradFill>
         </p:spPr>
@@ -3665,10 +3593,10 @@
       </p:sp>
       <p:sp>
         <p:nvSpPr>
-          <p:cNvPr id="26" name="矩形 25">
-            <a:extLst>
-              <a:ext uri="{FF2B5EF4-FFF2-40B4-BE49-F238E27FC236}">
-                <a16:creationId xmlns:a16="http://schemas.microsoft.com/office/drawing/2014/main" id="{455C04DF-FBC2-34FC-7318-5D00BFFEB01E}"/>
+          <p:cNvPr id="46" name="矩形 45">
+            <a:extLst>
+              <a:ext uri="{FF2B5EF4-FFF2-40B4-BE49-F238E27FC236}">
+                <a16:creationId xmlns:a16="http://schemas.microsoft.com/office/drawing/2014/main" id="{BFB4FE99-C8F0-028F-00D3-19B49D6BFF59}"/>
               </a:ext>
             </a:extLst>
           </p:cNvPr>
@@ -3677,8 +3605,8 @@
         </p:nvSpPr>
         <p:spPr>
           <a:xfrm>
-            <a:off x="6503533" y="1381794"/>
-            <a:ext cx="180000" cy="180000"/>
+            <a:off x="6283452" y="797267"/>
+            <a:ext cx="180000" cy="143956"/>
           </a:xfrm>
           <a:prstGeom prst="rect">
             <a:avLst/>
@@ -3686,26 +3614,24 @@
           <a:gradFill flip="none" rotWithShape="1">
             <a:gsLst>
               <a:gs pos="0">
-                <a:schemeClr val="accent2">
-                  <a:lumMod val="40000"/>
-                  <a:lumOff val="60000"/>
-                </a:schemeClr>
-              </a:gs>
-              <a:gs pos="54000">
-                <a:schemeClr val="accent2">
-                  <a:lumMod val="95000"/>
-                  <a:lumOff val="5000"/>
+                <a:schemeClr val="accent6">
+                  <a:lumMod val="67000"/>
+                </a:schemeClr>
+              </a:gs>
+              <a:gs pos="48000">
+                <a:schemeClr val="accent6">
+                  <a:lumMod val="97000"/>
+                  <a:lumOff val="3000"/>
                 </a:schemeClr>
               </a:gs>
               <a:gs pos="100000">
-                <a:schemeClr val="accent2">
+                <a:schemeClr val="accent6">
                   <a:lumMod val="60000"/>
+                  <a:lumOff val="40000"/>
                 </a:schemeClr>
               </a:gs>
             </a:gsLst>
-            <a:path path="circle">
-              <a:fillToRect l="50000" t="130000" r="50000" b="-30000"/>
-            </a:path>
+            <a:lin ang="16200000" scaled="1"/>
             <a:tileRect/>
           </a:gradFill>
         </p:spPr>
@@ -3736,10 +3662,10 @@
       </p:sp>
       <p:sp>
         <p:nvSpPr>
-          <p:cNvPr id="27" name="矩形 26">
-            <a:extLst>
-              <a:ext uri="{FF2B5EF4-FFF2-40B4-BE49-F238E27FC236}">
-                <a16:creationId xmlns:a16="http://schemas.microsoft.com/office/drawing/2014/main" id="{9F71421C-07C9-407D-FC2F-AB9F81D60167}"/>
+          <p:cNvPr id="47" name="矩形 46">
+            <a:extLst>
+              <a:ext uri="{FF2B5EF4-FFF2-40B4-BE49-F238E27FC236}">
+                <a16:creationId xmlns:a16="http://schemas.microsoft.com/office/drawing/2014/main" id="{E41AB206-FBA4-3209-8A1E-7D289A78A194}"/>
               </a:ext>
             </a:extLst>
           </p:cNvPr>
@@ -3748,8 +3674,8 @@
         </p:nvSpPr>
         <p:spPr>
           <a:xfrm>
-            <a:off x="6503533" y="1624194"/>
-            <a:ext cx="180000" cy="180000"/>
+            <a:off x="6283452" y="991128"/>
+            <a:ext cx="180000" cy="143956"/>
           </a:xfrm>
           <a:prstGeom prst="rect">
             <a:avLst/>
@@ -3757,26 +3683,24 @@
           <a:gradFill flip="none" rotWithShape="1">
             <a:gsLst>
               <a:gs pos="0">
-                <a:schemeClr val="accent2">
-                  <a:lumMod val="40000"/>
-                  <a:lumOff val="60000"/>
-                </a:schemeClr>
-              </a:gs>
-              <a:gs pos="54000">
-                <a:schemeClr val="accent2">
-                  <a:lumMod val="95000"/>
-                  <a:lumOff val="5000"/>
+                <a:schemeClr val="accent6">
+                  <a:lumMod val="67000"/>
+                </a:schemeClr>
+              </a:gs>
+              <a:gs pos="48000">
+                <a:schemeClr val="accent6">
+                  <a:lumMod val="97000"/>
+                  <a:lumOff val="3000"/>
                 </a:schemeClr>
               </a:gs>
               <a:gs pos="100000">
-                <a:schemeClr val="accent2">
+                <a:schemeClr val="accent6">
                   <a:lumMod val="60000"/>
+                  <a:lumOff val="40000"/>
                 </a:schemeClr>
               </a:gs>
             </a:gsLst>
-            <a:path path="circle">
-              <a:fillToRect l="50000" t="130000" r="50000" b="-30000"/>
-            </a:path>
+            <a:lin ang="16200000" scaled="1"/>
             <a:tileRect/>
           </a:gradFill>
         </p:spPr>
@@ -3807,10 +3731,10 @@
       </p:sp>
       <p:sp>
         <p:nvSpPr>
-          <p:cNvPr id="28" name="矩形 27">
-            <a:extLst>
-              <a:ext uri="{FF2B5EF4-FFF2-40B4-BE49-F238E27FC236}">
-                <a16:creationId xmlns:a16="http://schemas.microsoft.com/office/drawing/2014/main" id="{BB6411D7-C066-B718-F764-16F508644E8B}"/>
+          <p:cNvPr id="48" name="矩形 47">
+            <a:extLst>
+              <a:ext uri="{FF2B5EF4-FFF2-40B4-BE49-F238E27FC236}">
+                <a16:creationId xmlns:a16="http://schemas.microsoft.com/office/drawing/2014/main" id="{30D3F566-EF4A-BEA8-A1A1-439C0F4815F0}"/>
               </a:ext>
             </a:extLst>
           </p:cNvPr>
@@ -3819,8 +3743,8 @@
         </p:nvSpPr>
         <p:spPr>
           <a:xfrm>
-            <a:off x="6503533" y="1866594"/>
-            <a:ext cx="180000" cy="180000"/>
+            <a:off x="6283452" y="1184989"/>
+            <a:ext cx="180000" cy="143956"/>
           </a:xfrm>
           <a:prstGeom prst="rect">
             <a:avLst/>
@@ -3828,26 +3752,24 @@
           <a:gradFill flip="none" rotWithShape="1">
             <a:gsLst>
               <a:gs pos="0">
-                <a:schemeClr val="accent2">
-                  <a:lumMod val="40000"/>
-                  <a:lumOff val="60000"/>
-                </a:schemeClr>
-              </a:gs>
-              <a:gs pos="54000">
-                <a:schemeClr val="accent2">
-                  <a:lumMod val="95000"/>
-                  <a:lumOff val="5000"/>
+                <a:schemeClr val="accent6">
+                  <a:lumMod val="67000"/>
+                </a:schemeClr>
+              </a:gs>
+              <a:gs pos="48000">
+                <a:schemeClr val="accent6">
+                  <a:lumMod val="97000"/>
+                  <a:lumOff val="3000"/>
                 </a:schemeClr>
               </a:gs>
               <a:gs pos="100000">
-                <a:schemeClr val="accent2">
+                <a:schemeClr val="accent6">
                   <a:lumMod val="60000"/>
+                  <a:lumOff val="40000"/>
                 </a:schemeClr>
               </a:gs>
             </a:gsLst>
-            <a:path path="circle">
-              <a:fillToRect l="50000" t="130000" r="50000" b="-30000"/>
-            </a:path>
+            <a:lin ang="16200000" scaled="1"/>
             <a:tileRect/>
           </a:gradFill>
         </p:spPr>
@@ -3878,10 +3800,50 @@
       </p:sp>
       <p:sp>
         <p:nvSpPr>
-          <p:cNvPr id="30" name="矩形 29">
-            <a:extLst>
-              <a:ext uri="{FF2B5EF4-FFF2-40B4-BE49-F238E27FC236}">
-                <a16:creationId xmlns:a16="http://schemas.microsoft.com/office/drawing/2014/main" id="{5B30DFA7-7A68-AAD0-51CC-05BB4F2060D0}"/>
+          <p:cNvPr id="50" name="文本框 49">
+            <a:extLst>
+              <a:ext uri="{FF2B5EF4-FFF2-40B4-BE49-F238E27FC236}">
+                <a16:creationId xmlns:a16="http://schemas.microsoft.com/office/drawing/2014/main" id="{2808AF0C-AF29-FAE3-F7AB-302482540354}"/>
+              </a:ext>
+            </a:extLst>
+          </p:cNvPr>
+          <p:cNvSpPr txBox="1"/>
+          <p:nvPr/>
+        </p:nvSpPr>
+        <p:spPr>
+          <a:xfrm>
+            <a:off x="6931154" y="733727"/>
+            <a:ext cx="809994" cy="369219"/>
+          </a:xfrm>
+          <a:prstGeom prst="rect">
+            <a:avLst/>
+          </a:prstGeom>
+          <a:noFill/>
+        </p:spPr>
+        <p:txBody>
+          <a:bodyPr wrap="square">
+            <a:spAutoFit/>
+          </a:bodyPr>
+          <a:lstStyle/>
+          <a:p>
+            <a:r>
+              <a:rPr kumimoji="1" lang="en-US" altLang="zh-CN" sz="2400" dirty="0" err="1"/>
+              <a:t>Z</a:t>
+            </a:r>
+            <a:r>
+              <a:rPr kumimoji="1" lang="en-US" altLang="zh-CN" sz="2400" baseline="-25000" dirty="0" err="1"/>
+              <a:t>style</a:t>
+            </a:r>
+            <a:endParaRPr kumimoji="1" lang="zh-CN" altLang="en-US" sz="2400" baseline="-25000" dirty="0"/>
+          </a:p>
+        </p:txBody>
+      </p:sp>
+      <p:sp>
+        <p:nvSpPr>
+          <p:cNvPr id="51" name="矩形 50">
+            <a:extLst>
+              <a:ext uri="{FF2B5EF4-FFF2-40B4-BE49-F238E27FC236}">
+                <a16:creationId xmlns:a16="http://schemas.microsoft.com/office/drawing/2014/main" id="{1FF473CC-F231-C68C-3592-1715005E3B55}"/>
               </a:ext>
             </a:extLst>
           </p:cNvPr>
@@ -3890,8 +3852,8 @@
         </p:nvSpPr>
         <p:spPr>
           <a:xfrm>
-            <a:off x="6503533" y="2692925"/>
-            <a:ext cx="180000" cy="180000"/>
+            <a:off x="2859535" y="571268"/>
+            <a:ext cx="180000" cy="143956"/>
           </a:xfrm>
           <a:prstGeom prst="rect">
             <a:avLst/>
@@ -3899,26 +3861,24 @@
           <a:gradFill flip="none" rotWithShape="1">
             <a:gsLst>
               <a:gs pos="0">
-                <a:schemeClr val="accent1">
-                  <a:lumMod val="0"/>
-                  <a:lumOff val="100000"/>
-                </a:schemeClr>
-              </a:gs>
-              <a:gs pos="15000">
-                <a:schemeClr val="accent1">
-                  <a:lumMod val="0"/>
-                  <a:lumOff val="100000"/>
+                <a:schemeClr val="accent6">
+                  <a:lumMod val="67000"/>
+                </a:schemeClr>
+              </a:gs>
+              <a:gs pos="48000">
+                <a:schemeClr val="accent6">
+                  <a:lumMod val="97000"/>
+                  <a:lumOff val="3000"/>
                 </a:schemeClr>
               </a:gs>
               <a:gs pos="100000">
-                <a:schemeClr val="accent1">
-                  <a:lumMod val="100000"/>
+                <a:schemeClr val="accent6">
+                  <a:lumMod val="60000"/>
+                  <a:lumOff val="40000"/>
                 </a:schemeClr>
               </a:gs>
             </a:gsLst>
-            <a:path path="circle">
-              <a:fillToRect l="50000" t="-80000" r="50000" b="180000"/>
-            </a:path>
+            <a:lin ang="16200000" scaled="1"/>
             <a:tileRect/>
           </a:gradFill>
         </p:spPr>
@@ -3949,10 +3909,10 @@
       </p:sp>
       <p:sp>
         <p:nvSpPr>
-          <p:cNvPr id="31" name="矩形 30">
-            <a:extLst>
-              <a:ext uri="{FF2B5EF4-FFF2-40B4-BE49-F238E27FC236}">
-                <a16:creationId xmlns:a16="http://schemas.microsoft.com/office/drawing/2014/main" id="{720FEE83-4B16-B49D-FB47-43FFE4F5D08D}"/>
+          <p:cNvPr id="52" name="矩形 51">
+            <a:extLst>
+              <a:ext uri="{FF2B5EF4-FFF2-40B4-BE49-F238E27FC236}">
+                <a16:creationId xmlns:a16="http://schemas.microsoft.com/office/drawing/2014/main" id="{7E862505-1462-6917-22AC-64B4B4188640}"/>
               </a:ext>
             </a:extLst>
           </p:cNvPr>
@@ -3961,8 +3921,8 @@
         </p:nvSpPr>
         <p:spPr>
           <a:xfrm>
-            <a:off x="6503533" y="2935325"/>
-            <a:ext cx="180000" cy="180000"/>
+            <a:off x="2859535" y="765129"/>
+            <a:ext cx="180000" cy="143956"/>
           </a:xfrm>
           <a:prstGeom prst="rect">
             <a:avLst/>
@@ -3970,25 +3930,25 @@
           <a:gradFill flip="none" rotWithShape="1">
             <a:gsLst>
               <a:gs pos="0">
-                <a:schemeClr val="accent1">
-                  <a:lumMod val="0"/>
-                  <a:lumOff val="100000"/>
-                </a:schemeClr>
-              </a:gs>
-              <a:gs pos="15000">
-                <a:schemeClr val="accent1">
-                  <a:lumMod val="0"/>
-                  <a:lumOff val="100000"/>
+                <a:schemeClr val="accent6">
+                  <a:lumMod val="40000"/>
+                  <a:lumOff val="60000"/>
+                </a:schemeClr>
+              </a:gs>
+              <a:gs pos="46000">
+                <a:schemeClr val="accent6">
+                  <a:lumMod val="95000"/>
+                  <a:lumOff val="5000"/>
                 </a:schemeClr>
               </a:gs>
               <a:gs pos="100000">
-                <a:schemeClr val="accent1">
-                  <a:lumMod val="100000"/>
+                <a:schemeClr val="accent6">
+                  <a:lumMod val="60000"/>
                 </a:schemeClr>
               </a:gs>
             </a:gsLst>
             <a:path path="circle">
-              <a:fillToRect l="50000" t="-80000" r="50000" b="180000"/>
+              <a:fillToRect l="50000" t="130000" r="50000" b="-30000"/>
             </a:path>
             <a:tileRect/>
           </a:gradFill>
@@ -4020,10 +3980,10 @@
       </p:sp>
       <p:sp>
         <p:nvSpPr>
-          <p:cNvPr id="32" name="矩形 31">
-            <a:extLst>
-              <a:ext uri="{FF2B5EF4-FFF2-40B4-BE49-F238E27FC236}">
-                <a16:creationId xmlns:a16="http://schemas.microsoft.com/office/drawing/2014/main" id="{A2BA1EAB-7C35-E522-8AD7-130D9DAE7C96}"/>
+          <p:cNvPr id="53" name="矩形 52">
+            <a:extLst>
+              <a:ext uri="{FF2B5EF4-FFF2-40B4-BE49-F238E27FC236}">
+                <a16:creationId xmlns:a16="http://schemas.microsoft.com/office/drawing/2014/main" id="{80FAC281-D3D6-136D-B660-9C5D24E24E3F}"/>
               </a:ext>
             </a:extLst>
           </p:cNvPr>
@@ -4032,8 +3992,8 @@
         </p:nvSpPr>
         <p:spPr>
           <a:xfrm>
-            <a:off x="6503533" y="3177725"/>
-            <a:ext cx="180000" cy="180000"/>
+            <a:off x="2859535" y="958990"/>
+            <a:ext cx="180000" cy="143956"/>
           </a:xfrm>
           <a:prstGeom prst="rect">
             <a:avLst/>
@@ -4041,19 +4001,19 @@
           <a:gradFill flip="none" rotWithShape="1">
             <a:gsLst>
               <a:gs pos="0">
-                <a:schemeClr val="accent1">
+                <a:schemeClr val="accent6">
                   <a:lumMod val="0"/>
                   <a:lumOff val="100000"/>
                 </a:schemeClr>
               </a:gs>
-              <a:gs pos="15000">
-                <a:schemeClr val="accent1">
+              <a:gs pos="35000">
+                <a:schemeClr val="accent6">
                   <a:lumMod val="0"/>
                   <a:lumOff val="100000"/>
                 </a:schemeClr>
               </a:gs>
               <a:gs pos="100000">
-                <a:schemeClr val="accent1">
+                <a:schemeClr val="accent6">
                   <a:lumMod val="100000"/>
                 </a:schemeClr>
               </a:gs>
@@ -4091,10 +4051,10 @@
       </p:sp>
       <p:sp>
         <p:nvSpPr>
-          <p:cNvPr id="33" name="矩形 32">
-            <a:extLst>
-              <a:ext uri="{FF2B5EF4-FFF2-40B4-BE49-F238E27FC236}">
-                <a16:creationId xmlns:a16="http://schemas.microsoft.com/office/drawing/2014/main" id="{F514D751-1E4B-4B01-4741-B10A783FA26B}"/>
+          <p:cNvPr id="54" name="矩形 53">
+            <a:extLst>
+              <a:ext uri="{FF2B5EF4-FFF2-40B4-BE49-F238E27FC236}">
+                <a16:creationId xmlns:a16="http://schemas.microsoft.com/office/drawing/2014/main" id="{7A1B23FA-A553-81AF-1726-3E9C0231599C}"/>
               </a:ext>
             </a:extLst>
           </p:cNvPr>
@@ -4103,8 +4063,8 @@
         </p:nvSpPr>
         <p:spPr>
           <a:xfrm>
-            <a:off x="6503533" y="3420125"/>
-            <a:ext cx="180000" cy="180000"/>
+            <a:off x="2859535" y="1152850"/>
+            <a:ext cx="180000" cy="143956"/>
           </a:xfrm>
           <a:prstGeom prst="rect">
             <a:avLst/>
@@ -4112,26 +4072,31 @@
           <a:gradFill flip="none" rotWithShape="1">
             <a:gsLst>
               <a:gs pos="0">
-                <a:schemeClr val="accent1">
-                  <a:lumMod val="0"/>
-                  <a:lumOff val="100000"/>
-                </a:schemeClr>
-              </a:gs>
-              <a:gs pos="15000">
-                <a:schemeClr val="accent1">
-                  <a:lumMod val="0"/>
-                  <a:lumOff val="100000"/>
+                <a:schemeClr val="accent6">
+                  <a:lumMod val="5000"/>
+                  <a:lumOff val="95000"/>
+                </a:schemeClr>
+              </a:gs>
+              <a:gs pos="74000">
+                <a:schemeClr val="accent6">
+                  <a:lumMod val="45000"/>
+                  <a:lumOff val="55000"/>
+                </a:schemeClr>
+              </a:gs>
+              <a:gs pos="83000">
+                <a:schemeClr val="accent6">
+                  <a:lumMod val="45000"/>
+                  <a:lumOff val="55000"/>
                 </a:schemeClr>
               </a:gs>
               <a:gs pos="100000">
-                <a:schemeClr val="accent1">
-                  <a:lumMod val="100000"/>
+                <a:schemeClr val="accent6">
+                  <a:lumMod val="30000"/>
+                  <a:lumOff val="70000"/>
                 </a:schemeClr>
               </a:gs>
             </a:gsLst>
-            <a:path path="circle">
-              <a:fillToRect l="50000" t="-80000" r="50000" b="180000"/>
-            </a:path>
+            <a:lin ang="5400000" scaled="1"/>
             <a:tileRect/>
           </a:gradFill>
         </p:spPr>
@@ -4162,10 +4127,10 @@
       </p:sp>
       <p:sp>
         <p:nvSpPr>
-          <p:cNvPr id="34" name="文本框 33">
-            <a:extLst>
-              <a:ext uri="{FF2B5EF4-FFF2-40B4-BE49-F238E27FC236}">
-                <a16:creationId xmlns:a16="http://schemas.microsoft.com/office/drawing/2014/main" id="{80174827-EC4A-2FDD-20FE-36C67D5E9A32}"/>
+          <p:cNvPr id="55" name="文本框 54">
+            <a:extLst>
+              <a:ext uri="{FF2B5EF4-FFF2-40B4-BE49-F238E27FC236}">
+                <a16:creationId xmlns:a16="http://schemas.microsoft.com/office/drawing/2014/main" id="{B7DE1804-1A21-61F6-7B7F-E9E70E3CB57A}"/>
               </a:ext>
             </a:extLst>
           </p:cNvPr>
@@ -4174,8 +4139,8 @@
         </p:nvSpPr>
         <p:spPr>
           <a:xfrm>
-            <a:off x="6862711" y="1368094"/>
-            <a:ext cx="2060179" cy="461665"/>
+            <a:off x="2098016" y="707383"/>
+            <a:ext cx="764953" cy="492292"/>
           </a:xfrm>
           <a:prstGeom prst="rect">
             <a:avLst/>
@@ -4183,69 +4148,32 @@
           <a:noFill/>
         </p:spPr>
         <p:txBody>
-          <a:bodyPr wrap="none" rtlCol="0">
+          <a:bodyPr wrap="square" rtlCol="0">
             <a:spAutoFit/>
           </a:bodyPr>
           <a:lstStyle/>
           <a:p>
+            <a:pPr algn="ctr"/>
             <a:r>
-              <a:rPr kumimoji="1" lang="en-US" altLang="zh-CN" sz="2400" dirty="0" err="1"/>
-              <a:t>Z</a:t>
+              <a:rPr kumimoji="1" lang="en-US" altLang="zh-CN" sz="1700" dirty="0"/>
+              <a:t>Style</a:t>
             </a:r>
+          </a:p>
+          <a:p>
+            <a:pPr algn="ctr"/>
             <a:r>
-              <a:rPr kumimoji="1" lang="en-US" altLang="zh-CN" sz="2400" baseline="-25000" dirty="0" err="1"/>
-              <a:t>content_Stimulated</a:t>
+              <a:rPr kumimoji="1" lang="en-US" altLang="zh-CN" sz="1700" dirty="0"/>
+              <a:t>vector</a:t>
             </a:r>
-            <a:endParaRPr kumimoji="1" lang="zh-CN" altLang="en-US" sz="2400" baseline="-25000" dirty="0"/>
-          </a:p>
-        </p:txBody>
-      </p:sp>
-      <p:sp>
-        <p:nvSpPr>
-          <p:cNvPr id="36" name="文本框 35">
-            <a:extLst>
-              <a:ext uri="{FF2B5EF4-FFF2-40B4-BE49-F238E27FC236}">
-                <a16:creationId xmlns:a16="http://schemas.microsoft.com/office/drawing/2014/main" id="{B7AF5956-0FA7-928B-BB65-3166986BB667}"/>
-              </a:ext>
-            </a:extLst>
-          </p:cNvPr>
-          <p:cNvSpPr txBox="1"/>
-          <p:nvPr/>
-        </p:nvSpPr>
-        <p:spPr>
-          <a:xfrm>
-            <a:off x="6862711" y="2884492"/>
-            <a:ext cx="1785954" cy="461665"/>
-          </a:xfrm>
-          <a:prstGeom prst="rect">
-            <a:avLst/>
-          </a:prstGeom>
-          <a:noFill/>
-        </p:spPr>
-        <p:txBody>
-          <a:bodyPr wrap="square">
-            <a:spAutoFit/>
-          </a:bodyPr>
-          <a:lstStyle/>
-          <a:p>
-            <a:r>
-              <a:rPr kumimoji="1" lang="en-US" altLang="zh-CN" sz="2400" dirty="0" err="1"/>
-              <a:t>Z</a:t>
-            </a:r>
-            <a:r>
-              <a:rPr kumimoji="1" lang="en-US" altLang="zh-CN" sz="2400" baseline="-25000" dirty="0" err="1"/>
-              <a:t>content_control</a:t>
-            </a:r>
-            <a:endParaRPr kumimoji="1" lang="zh-CN" altLang="en-US" sz="2400" baseline="-25000" dirty="0"/>
-          </a:p>
-        </p:txBody>
-      </p:sp>
-      <p:sp>
-        <p:nvSpPr>
-          <p:cNvPr id="37" name="梯形 36">
-            <a:extLst>
-              <a:ext uri="{FF2B5EF4-FFF2-40B4-BE49-F238E27FC236}">
-                <a16:creationId xmlns:a16="http://schemas.microsoft.com/office/drawing/2014/main" id="{DECDBFCC-FBDF-407A-6769-A403E26006F7}"/>
+          </a:p>
+        </p:txBody>
+      </p:sp>
+      <p:sp>
+        <p:nvSpPr>
+          <p:cNvPr id="6" name="梯形 5">
+            <a:extLst>
+              <a:ext uri="{FF2B5EF4-FFF2-40B4-BE49-F238E27FC236}">
+                <a16:creationId xmlns:a16="http://schemas.microsoft.com/office/drawing/2014/main" id="{52EE0DD4-A064-7596-A675-6FD83554C458}"/>
               </a:ext>
             </a:extLst>
           </p:cNvPr>
@@ -4254,8 +4182,8 @@
         </p:nvSpPr>
         <p:spPr>
           <a:xfrm rot="5400000">
-            <a:off x="4309224" y="4743551"/>
-            <a:ext cx="1156059" cy="1088246"/>
+            <a:off x="4204890" y="2801969"/>
+            <a:ext cx="924564" cy="1088246"/>
           </a:xfrm>
           <a:prstGeom prst="trapezoid">
             <a:avLst/>
@@ -4310,10 +4238,10 @@
       </p:sp>
       <p:sp>
         <p:nvSpPr>
-          <p:cNvPr id="38" name="文本框 37">
-            <a:extLst>
-              <a:ext uri="{FF2B5EF4-FFF2-40B4-BE49-F238E27FC236}">
-                <a16:creationId xmlns:a16="http://schemas.microsoft.com/office/drawing/2014/main" id="{DEB31574-D34A-59A9-B086-5F501F790F48}"/>
+          <p:cNvPr id="7" name="文本框 6">
+            <a:extLst>
+              <a:ext uri="{FF2B5EF4-FFF2-40B4-BE49-F238E27FC236}">
+                <a16:creationId xmlns:a16="http://schemas.microsoft.com/office/drawing/2014/main" id="{CB55584C-55C3-F25B-9A34-2364CD995933}"/>
               </a:ext>
             </a:extLst>
           </p:cNvPr>
@@ -4322,8 +4250,8 @@
         </p:nvSpPr>
         <p:spPr>
           <a:xfrm>
-            <a:off x="4365705" y="4964509"/>
-            <a:ext cx="997389" cy="646331"/>
+            <a:off x="4135549" y="3015661"/>
+            <a:ext cx="997389" cy="516907"/>
           </a:xfrm>
           <a:prstGeom prst="rect">
             <a:avLst/>
@@ -4331,19 +4259,17 @@
           <a:noFill/>
         </p:spPr>
         <p:txBody>
-          <a:bodyPr wrap="none" rtlCol="0">
+          <a:bodyPr wrap="square" rtlCol="0">
             <a:spAutoFit/>
           </a:bodyPr>
           <a:lstStyle/>
           <a:p>
-            <a:pPr algn="ctr"/>
             <a:r>
               <a:rPr kumimoji="1" lang="en-US" altLang="zh-CN" dirty="0"/>
-              <a:t>Style</a:t>
+              <a:t>Content</a:t>
             </a:r>
           </a:p>
           <a:p>
-            <a:pPr algn="ctr"/>
             <a:r>
               <a:rPr kumimoji="1" lang="en-US" altLang="zh-CN" dirty="0"/>
               <a:t>Encoder</a:t>
@@ -4352,53 +4278,12 @@
           </a:p>
         </p:txBody>
       </p:sp>
-      <p:cxnSp>
-        <p:nvCxnSpPr>
-          <p:cNvPr id="39" name="直线箭头连接符 38">
-            <a:extLst>
-              <a:ext uri="{FF2B5EF4-FFF2-40B4-BE49-F238E27FC236}">
-                <a16:creationId xmlns:a16="http://schemas.microsoft.com/office/drawing/2014/main" id="{E3A2E065-DA9F-1EEF-298A-9E9AF3E69D64}"/>
-              </a:ext>
-            </a:extLst>
-          </p:cNvPr>
-          <p:cNvCxnSpPr>
-            <a:cxnSpLocks/>
-          </p:cNvCxnSpPr>
-          <p:nvPr/>
-        </p:nvCxnSpPr>
-        <p:spPr>
-          <a:xfrm>
-            <a:off x="5559001" y="5304709"/>
-            <a:ext cx="810000" cy="0"/>
-          </a:xfrm>
-          <a:prstGeom prst="straightConnector1">
-            <a:avLst/>
-          </a:prstGeom>
-          <a:ln w="25400">
-            <a:tailEnd type="triangle"/>
-          </a:ln>
-        </p:spPr>
-        <p:style>
-          <a:lnRef idx="1">
-            <a:schemeClr val="accent1"/>
-          </a:lnRef>
-          <a:fillRef idx="0">
-            <a:schemeClr val="accent1"/>
-          </a:fillRef>
-          <a:effectRef idx="0">
-            <a:schemeClr val="accent1"/>
-          </a:effectRef>
-          <a:fontRef idx="minor">
-            <a:schemeClr val="tx1"/>
-          </a:fontRef>
-        </p:style>
-      </p:cxnSp>
-      <p:sp>
-        <p:nvSpPr>
-          <p:cNvPr id="45" name="矩形 44">
-            <a:extLst>
-              <a:ext uri="{FF2B5EF4-FFF2-40B4-BE49-F238E27FC236}">
-                <a16:creationId xmlns:a16="http://schemas.microsoft.com/office/drawing/2014/main" id="{8ED0C11E-DF20-4719-2035-8E5D2405CEBE}"/>
+      <p:sp>
+        <p:nvSpPr>
+          <p:cNvPr id="23" name="矩形 22">
+            <a:extLst>
+              <a:ext uri="{FF2B5EF4-FFF2-40B4-BE49-F238E27FC236}">
+                <a16:creationId xmlns:a16="http://schemas.microsoft.com/office/drawing/2014/main" id="{4E482811-448A-A751-D537-819AE2D54ACE}"/>
               </a:ext>
             </a:extLst>
           </p:cNvPr>
@@ -4407,8 +4292,8 @@
         </p:nvSpPr>
         <p:spPr>
           <a:xfrm>
-            <a:off x="6503533" y="4865274"/>
-            <a:ext cx="180000" cy="180000"/>
+            <a:off x="6215833" y="3989017"/>
+            <a:ext cx="180000" cy="143956"/>
           </a:xfrm>
           <a:prstGeom prst="rect">
             <a:avLst/>
@@ -4416,24 +4301,26 @@
           <a:gradFill flip="none" rotWithShape="1">
             <a:gsLst>
               <a:gs pos="0">
-                <a:schemeClr val="accent6">
-                  <a:lumMod val="67000"/>
-                </a:schemeClr>
-              </a:gs>
-              <a:gs pos="48000">
-                <a:schemeClr val="accent6">
-                  <a:lumMod val="97000"/>
-                  <a:lumOff val="3000"/>
+                <a:schemeClr val="accent2">
+                  <a:lumMod val="40000"/>
+                  <a:lumOff val="60000"/>
+                </a:schemeClr>
+              </a:gs>
+              <a:gs pos="54000">
+                <a:schemeClr val="accent2">
+                  <a:lumMod val="95000"/>
+                  <a:lumOff val="5000"/>
                 </a:schemeClr>
               </a:gs>
               <a:gs pos="100000">
-                <a:schemeClr val="accent6">
+                <a:schemeClr val="accent2">
                   <a:lumMod val="60000"/>
-                  <a:lumOff val="40000"/>
                 </a:schemeClr>
               </a:gs>
             </a:gsLst>
-            <a:lin ang="16200000" scaled="1"/>
+            <a:path path="circle">
+              <a:fillToRect l="50000" t="130000" r="50000" b="-30000"/>
+            </a:path>
             <a:tileRect/>
           </a:gradFill>
         </p:spPr>
@@ -4464,10 +4351,10 @@
       </p:sp>
       <p:sp>
         <p:nvSpPr>
-          <p:cNvPr id="46" name="矩形 45">
-            <a:extLst>
-              <a:ext uri="{FF2B5EF4-FFF2-40B4-BE49-F238E27FC236}">
-                <a16:creationId xmlns:a16="http://schemas.microsoft.com/office/drawing/2014/main" id="{BFB4FE99-C8F0-028F-00D3-19B49D6BFF59}"/>
+          <p:cNvPr id="26" name="矩形 25">
+            <a:extLst>
+              <a:ext uri="{FF2B5EF4-FFF2-40B4-BE49-F238E27FC236}">
+                <a16:creationId xmlns:a16="http://schemas.microsoft.com/office/drawing/2014/main" id="{455C04DF-FBC2-34FC-7318-5D00BFFEB01E}"/>
               </a:ext>
             </a:extLst>
           </p:cNvPr>
@@ -4476,8 +4363,8 @@
         </p:nvSpPr>
         <p:spPr>
           <a:xfrm>
-            <a:off x="6503533" y="5107674"/>
-            <a:ext cx="180000" cy="180000"/>
+            <a:off x="6215833" y="4182877"/>
+            <a:ext cx="180000" cy="143956"/>
           </a:xfrm>
           <a:prstGeom prst="rect">
             <a:avLst/>
@@ -4485,24 +4372,26 @@
           <a:gradFill flip="none" rotWithShape="1">
             <a:gsLst>
               <a:gs pos="0">
-                <a:schemeClr val="accent6">
-                  <a:lumMod val="67000"/>
-                </a:schemeClr>
-              </a:gs>
-              <a:gs pos="48000">
-                <a:schemeClr val="accent6">
-                  <a:lumMod val="97000"/>
-                  <a:lumOff val="3000"/>
+                <a:schemeClr val="accent2">
+                  <a:lumMod val="40000"/>
+                  <a:lumOff val="60000"/>
+                </a:schemeClr>
+              </a:gs>
+              <a:gs pos="54000">
+                <a:schemeClr val="accent2">
+                  <a:lumMod val="95000"/>
+                  <a:lumOff val="5000"/>
                 </a:schemeClr>
               </a:gs>
               <a:gs pos="100000">
-                <a:schemeClr val="accent6">
+                <a:schemeClr val="accent2">
                   <a:lumMod val="60000"/>
-                  <a:lumOff val="40000"/>
                 </a:schemeClr>
               </a:gs>
             </a:gsLst>
-            <a:lin ang="16200000" scaled="1"/>
+            <a:path path="circle">
+              <a:fillToRect l="50000" t="130000" r="50000" b="-30000"/>
+            </a:path>
             <a:tileRect/>
           </a:gradFill>
         </p:spPr>
@@ -4533,10 +4422,10 @@
       </p:sp>
       <p:sp>
         <p:nvSpPr>
-          <p:cNvPr id="47" name="矩形 46">
-            <a:extLst>
-              <a:ext uri="{FF2B5EF4-FFF2-40B4-BE49-F238E27FC236}">
-                <a16:creationId xmlns:a16="http://schemas.microsoft.com/office/drawing/2014/main" id="{E41AB206-FBA4-3209-8A1E-7D289A78A194}"/>
+          <p:cNvPr id="27" name="矩形 26">
+            <a:extLst>
+              <a:ext uri="{FF2B5EF4-FFF2-40B4-BE49-F238E27FC236}">
+                <a16:creationId xmlns:a16="http://schemas.microsoft.com/office/drawing/2014/main" id="{9F71421C-07C9-407D-FC2F-AB9F81D60167}"/>
               </a:ext>
             </a:extLst>
           </p:cNvPr>
@@ -4545,8 +4434,8 @@
         </p:nvSpPr>
         <p:spPr>
           <a:xfrm>
-            <a:off x="6503533" y="5350074"/>
-            <a:ext cx="180000" cy="180000"/>
+            <a:off x="6215833" y="4376738"/>
+            <a:ext cx="180000" cy="143956"/>
           </a:xfrm>
           <a:prstGeom prst="rect">
             <a:avLst/>
@@ -4554,24 +4443,26 @@
           <a:gradFill flip="none" rotWithShape="1">
             <a:gsLst>
               <a:gs pos="0">
-                <a:schemeClr val="accent6">
-                  <a:lumMod val="67000"/>
-                </a:schemeClr>
-              </a:gs>
-              <a:gs pos="48000">
-                <a:schemeClr val="accent6">
-                  <a:lumMod val="97000"/>
-                  <a:lumOff val="3000"/>
+                <a:schemeClr val="accent2">
+                  <a:lumMod val="40000"/>
+                  <a:lumOff val="60000"/>
+                </a:schemeClr>
+              </a:gs>
+              <a:gs pos="54000">
+                <a:schemeClr val="accent2">
+                  <a:lumMod val="95000"/>
+                  <a:lumOff val="5000"/>
                 </a:schemeClr>
               </a:gs>
               <a:gs pos="100000">
-                <a:schemeClr val="accent6">
+                <a:schemeClr val="accent2">
                   <a:lumMod val="60000"/>
-                  <a:lumOff val="40000"/>
                 </a:schemeClr>
               </a:gs>
             </a:gsLst>
-            <a:lin ang="16200000" scaled="1"/>
+            <a:path path="circle">
+              <a:fillToRect l="50000" t="130000" r="50000" b="-30000"/>
+            </a:path>
             <a:tileRect/>
           </a:gradFill>
         </p:spPr>
@@ -4602,10 +4493,10 @@
       </p:sp>
       <p:sp>
         <p:nvSpPr>
-          <p:cNvPr id="48" name="矩形 47">
-            <a:extLst>
-              <a:ext uri="{FF2B5EF4-FFF2-40B4-BE49-F238E27FC236}">
-                <a16:creationId xmlns:a16="http://schemas.microsoft.com/office/drawing/2014/main" id="{30D3F566-EF4A-BEA8-A1A1-439C0F4815F0}"/>
+          <p:cNvPr id="28" name="矩形 27">
+            <a:extLst>
+              <a:ext uri="{FF2B5EF4-FFF2-40B4-BE49-F238E27FC236}">
+                <a16:creationId xmlns:a16="http://schemas.microsoft.com/office/drawing/2014/main" id="{BB6411D7-C066-B718-F764-16F508644E8B}"/>
               </a:ext>
             </a:extLst>
           </p:cNvPr>
@@ -4614,8 +4505,8 @@
         </p:nvSpPr>
         <p:spPr>
           <a:xfrm>
-            <a:off x="6503533" y="5592474"/>
-            <a:ext cx="180000" cy="180000"/>
+            <a:off x="6215833" y="4570599"/>
+            <a:ext cx="180000" cy="143956"/>
           </a:xfrm>
           <a:prstGeom prst="rect">
             <a:avLst/>
@@ -4623,24 +4514,26 @@
           <a:gradFill flip="none" rotWithShape="1">
             <a:gsLst>
               <a:gs pos="0">
-                <a:schemeClr val="accent6">
-                  <a:lumMod val="67000"/>
-                </a:schemeClr>
-              </a:gs>
-              <a:gs pos="48000">
-                <a:schemeClr val="accent6">
-                  <a:lumMod val="97000"/>
-                  <a:lumOff val="3000"/>
+                <a:schemeClr val="accent2">
+                  <a:lumMod val="40000"/>
+                  <a:lumOff val="60000"/>
+                </a:schemeClr>
+              </a:gs>
+              <a:gs pos="54000">
+                <a:schemeClr val="accent2">
+                  <a:lumMod val="95000"/>
+                  <a:lumOff val="5000"/>
                 </a:schemeClr>
               </a:gs>
               <a:gs pos="100000">
-                <a:schemeClr val="accent6">
+                <a:schemeClr val="accent2">
                   <a:lumMod val="60000"/>
-                  <a:lumOff val="40000"/>
                 </a:schemeClr>
               </a:gs>
             </a:gsLst>
-            <a:lin ang="16200000" scaled="1"/>
+            <a:path path="circle">
+              <a:fillToRect l="50000" t="130000" r="50000" b="-30000"/>
+            </a:path>
             <a:tileRect/>
           </a:gradFill>
         </p:spPr>
@@ -4669,12 +4562,99 @@
           </a:p>
         </p:txBody>
       </p:sp>
-      <p:sp>
-        <p:nvSpPr>
-          <p:cNvPr id="50" name="文本框 49">
-            <a:extLst>
-              <a:ext uri="{FF2B5EF4-FFF2-40B4-BE49-F238E27FC236}">
-                <a16:creationId xmlns:a16="http://schemas.microsoft.com/office/drawing/2014/main" id="{2808AF0C-AF29-FAE3-F7AB-302482540354}"/>
+      <p:cxnSp>
+        <p:nvCxnSpPr>
+          <p:cNvPr id="56" name="直线箭头连接符 55">
+            <a:extLst>
+              <a:ext uri="{FF2B5EF4-FFF2-40B4-BE49-F238E27FC236}">
+                <a16:creationId xmlns:a16="http://schemas.microsoft.com/office/drawing/2014/main" id="{A1EA47E6-5C95-25BF-7B28-FC7254D0CF84}"/>
+              </a:ext>
+            </a:extLst>
+          </p:cNvPr>
+          <p:cNvCxnSpPr>
+            <a:cxnSpLocks/>
+          </p:cNvCxnSpPr>
+          <p:nvPr/>
+        </p:nvCxnSpPr>
+        <p:spPr>
+          <a:xfrm flipV="1">
+            <a:off x="3533552" y="3329859"/>
+            <a:ext cx="540000" cy="0"/>
+          </a:xfrm>
+          <a:prstGeom prst="straightConnector1">
+            <a:avLst/>
+          </a:prstGeom>
+          <a:ln w="25400" cmpd="sng">
+            <a:headEnd w="lg" len="lg"/>
+            <a:tailEnd type="stealth" w="lg" len="lg"/>
+          </a:ln>
+        </p:spPr>
+        <p:style>
+          <a:lnRef idx="1">
+            <a:schemeClr val="accent1"/>
+          </a:lnRef>
+          <a:fillRef idx="0">
+            <a:schemeClr val="accent1"/>
+          </a:fillRef>
+          <a:effectRef idx="0">
+            <a:schemeClr val="accent1"/>
+          </a:effectRef>
+          <a:fontRef idx="minor">
+            <a:schemeClr val="tx1"/>
+          </a:fontRef>
+        </p:style>
+      </p:cxnSp>
+      <p:sp>
+        <p:nvSpPr>
+          <p:cNvPr id="59" name="右大括号 58">
+            <a:extLst>
+              <a:ext uri="{FF2B5EF4-FFF2-40B4-BE49-F238E27FC236}">
+                <a16:creationId xmlns:a16="http://schemas.microsoft.com/office/drawing/2014/main" id="{178968AE-6945-C157-6902-42A6279077C1}"/>
+              </a:ext>
+            </a:extLst>
+          </p:cNvPr>
+          <p:cNvSpPr/>
+          <p:nvPr/>
+        </p:nvSpPr>
+        <p:spPr>
+          <a:xfrm>
+            <a:off x="8479348" y="953529"/>
+            <a:ext cx="274225" cy="1097753"/>
+          </a:xfrm>
+          <a:prstGeom prst="rightBrace">
+            <a:avLst/>
+          </a:prstGeom>
+          <a:ln w="25400"/>
+        </p:spPr>
+        <p:style>
+          <a:lnRef idx="1">
+            <a:schemeClr val="accent1"/>
+          </a:lnRef>
+          <a:fillRef idx="0">
+            <a:schemeClr val="accent1"/>
+          </a:fillRef>
+          <a:effectRef idx="0">
+            <a:schemeClr val="accent1"/>
+          </a:effectRef>
+          <a:fontRef idx="minor">
+            <a:schemeClr val="tx1"/>
+          </a:fontRef>
+        </p:style>
+        <p:txBody>
+          <a:bodyPr rtlCol="0" anchor="ctr"/>
+          <a:lstStyle/>
+          <a:p>
+            <a:pPr algn="ctr"/>
+            <a:endParaRPr kumimoji="1" lang="zh-CN" altLang="en-US"/>
+          </a:p>
+        </p:txBody>
+      </p:sp>
+      <p:sp>
+        <p:nvSpPr>
+          <p:cNvPr id="60" name="文本框 59">
+            <a:extLst>
+              <a:ext uri="{FF2B5EF4-FFF2-40B4-BE49-F238E27FC236}">
+                <a16:creationId xmlns:a16="http://schemas.microsoft.com/office/drawing/2014/main" id="{604D29B3-9B4C-BA8F-609C-B0C6F061F50B}"/>
               </a:ext>
             </a:extLst>
           </p:cNvPr>
@@ -4683,8 +4663,8 @@
         </p:nvSpPr>
         <p:spPr>
           <a:xfrm>
-            <a:off x="7050341" y="5016656"/>
-            <a:ext cx="809994" cy="461665"/>
+            <a:off x="7118784" y="1293181"/>
+            <a:ext cx="434734" cy="418448"/>
           </a:xfrm>
           <a:prstGeom prst="rect">
             <a:avLst/>
@@ -4692,29 +4672,67 @@
           <a:noFill/>
         </p:spPr>
         <p:txBody>
-          <a:bodyPr wrap="square">
+          <a:bodyPr wrap="square" rtlCol="0">
             <a:spAutoFit/>
           </a:bodyPr>
           <a:lstStyle/>
           <a:p>
             <a:r>
-              <a:rPr kumimoji="1" lang="en-US" altLang="zh-CN" sz="2400" dirty="0" err="1"/>
-              <a:t>Z</a:t>
+              <a:rPr kumimoji="1" lang="en-US" altLang="zh-CN" sz="2800" b="1" dirty="0"/>
+              <a:t>+</a:t>
             </a:r>
+            <a:endParaRPr kumimoji="1" lang="zh-CN" altLang="en-US" sz="2800" b="1" dirty="0"/>
+          </a:p>
+        </p:txBody>
+      </p:sp>
+      <p:sp>
+        <p:nvSpPr>
+          <p:cNvPr id="67" name="文本框 66">
+            <a:extLst>
+              <a:ext uri="{FF2B5EF4-FFF2-40B4-BE49-F238E27FC236}">
+                <a16:creationId xmlns:a16="http://schemas.microsoft.com/office/drawing/2014/main" id="{BF643DD9-1090-33B3-AD3B-483F0503D103}"/>
+              </a:ext>
+            </a:extLst>
+          </p:cNvPr>
+          <p:cNvSpPr txBox="1"/>
+          <p:nvPr/>
+        </p:nvSpPr>
+        <p:spPr>
+          <a:xfrm>
+            <a:off x="8120507" y="2971461"/>
+            <a:ext cx="963725" cy="516907"/>
+          </a:xfrm>
+          <a:prstGeom prst="rect">
+            <a:avLst/>
+          </a:prstGeom>
+          <a:noFill/>
+        </p:spPr>
+        <p:txBody>
+          <a:bodyPr wrap="square" rtlCol="0">
+            <a:spAutoFit/>
+          </a:bodyPr>
+          <a:lstStyle/>
+          <a:p>
             <a:r>
-              <a:rPr kumimoji="1" lang="en-US" altLang="zh-CN" sz="2400" baseline="-25000" dirty="0" err="1"/>
-              <a:t>style</a:t>
+              <a:rPr kumimoji="1" lang="en-US" altLang="zh-CN" dirty="0"/>
+              <a:t>Smooth</a:t>
             </a:r>
-            <a:endParaRPr kumimoji="1" lang="zh-CN" altLang="en-US" sz="2400" baseline="-25000" dirty="0"/>
-          </a:p>
-        </p:txBody>
-      </p:sp>
-      <p:sp>
-        <p:nvSpPr>
-          <p:cNvPr id="51" name="矩形 50">
-            <a:extLst>
-              <a:ext uri="{FF2B5EF4-FFF2-40B4-BE49-F238E27FC236}">
-                <a16:creationId xmlns:a16="http://schemas.microsoft.com/office/drawing/2014/main" id="{1FF473CC-F231-C68C-3592-1715005E3B55}"/>
+          </a:p>
+          <a:p>
+            <a:r>
+              <a:rPr kumimoji="1" lang="en-US" altLang="zh-CN" dirty="0"/>
+              <a:t>L1Loss</a:t>
+            </a:r>
+            <a:endParaRPr kumimoji="1" lang="zh-CN" altLang="en-US" dirty="0"/>
+          </a:p>
+        </p:txBody>
+      </p:sp>
+      <p:sp>
+        <p:nvSpPr>
+          <p:cNvPr id="78" name="梯形 77">
+            <a:extLst>
+              <a:ext uri="{FF2B5EF4-FFF2-40B4-BE49-F238E27FC236}">
+                <a16:creationId xmlns:a16="http://schemas.microsoft.com/office/drawing/2014/main" id="{14E275CF-2D2B-1B98-4FBB-FC3E0251CF4D}"/>
               </a:ext>
             </a:extLst>
           </p:cNvPr>
@@ -4722,36 +4740,19 @@
           <p:nvPr/>
         </p:nvSpPr>
         <p:spPr>
-          <a:xfrm>
-            <a:off x="3079616" y="4825089"/>
-            <a:ext cx="180000" cy="180000"/>
-          </a:xfrm>
-          <a:prstGeom prst="rect">
-            <a:avLst/>
-          </a:prstGeom>
-          <a:gradFill flip="none" rotWithShape="1">
-            <a:gsLst>
-              <a:gs pos="0">
-                <a:schemeClr val="accent6">
-                  <a:lumMod val="67000"/>
-                </a:schemeClr>
-              </a:gs>
-              <a:gs pos="48000">
-                <a:schemeClr val="accent6">
-                  <a:lumMod val="97000"/>
-                  <a:lumOff val="3000"/>
-                </a:schemeClr>
-              </a:gs>
-              <a:gs pos="100000">
-                <a:schemeClr val="accent6">
-                  <a:lumMod val="60000"/>
-                  <a:lumOff val="40000"/>
-                </a:schemeClr>
-              </a:gs>
-            </a:gsLst>
-            <a:lin ang="16200000" scaled="1"/>
-            <a:tileRect/>
-          </a:gradFill>
+          <a:xfrm rot="16200000" flipH="1">
+            <a:off x="4442763" y="4946113"/>
+            <a:ext cx="841011" cy="1100318"/>
+          </a:xfrm>
+          <a:prstGeom prst="trapezoid">
+            <a:avLst/>
+          </a:prstGeom>
+          <a:noFill/>
+          <a:ln w="38100">
+            <a:solidFill>
+              <a:schemeClr val="accent1"/>
+            </a:solidFill>
+          </a:ln>
         </p:spPr>
         <p:style>
           <a:lnRef idx="2">
@@ -4774,16 +4775,109 @@
           <a:lstStyle/>
           <a:p>
             <a:pPr algn="ctr"/>
-            <a:endParaRPr kumimoji="1" lang="zh-CN" altLang="en-US"/>
-          </a:p>
-        </p:txBody>
-      </p:sp>
-      <p:sp>
-        <p:nvSpPr>
-          <p:cNvPr id="52" name="矩形 51">
-            <a:extLst>
-              <a:ext uri="{FF2B5EF4-FFF2-40B4-BE49-F238E27FC236}">
-                <a16:creationId xmlns:a16="http://schemas.microsoft.com/office/drawing/2014/main" id="{7E862505-1462-6917-22AC-64B4B4188640}"/>
+            <a:endParaRPr kumimoji="1" lang="zh-CN" altLang="en-US">
+              <a:ln w="0">
+                <a:solidFill>
+                  <a:sysClr val="windowText" lastClr="000000"/>
+                </a:solidFill>
+              </a:ln>
+              <a:solidFill>
+                <a:schemeClr val="tx1"/>
+              </a:solidFill>
+              <a:effectLst>
+                <a:outerShdw blurRad="50800" dist="38100" dir="2700000" algn="tl" rotWithShape="0">
+                  <a:prstClr val="black">
+                    <a:alpha val="40000"/>
+                  </a:prstClr>
+                </a:outerShdw>
+              </a:effectLst>
+            </a:endParaRPr>
+          </a:p>
+        </p:txBody>
+      </p:sp>
+      <p:sp>
+        <p:nvSpPr>
+          <p:cNvPr id="79" name="文本框 78">
+            <a:extLst>
+              <a:ext uri="{FF2B5EF4-FFF2-40B4-BE49-F238E27FC236}">
+                <a16:creationId xmlns:a16="http://schemas.microsoft.com/office/drawing/2014/main" id="{8667367F-5EAF-3317-8597-2589CA7BEE44}"/>
+              </a:ext>
+            </a:extLst>
+          </p:cNvPr>
+          <p:cNvSpPr txBox="1"/>
+          <p:nvPr/>
+        </p:nvSpPr>
+        <p:spPr>
+          <a:xfrm>
+            <a:off x="4372387" y="5326183"/>
+            <a:ext cx="1040869" cy="268682"/>
+          </a:xfrm>
+          <a:prstGeom prst="rect">
+            <a:avLst/>
+          </a:prstGeom>
+          <a:noFill/>
+        </p:spPr>
+        <p:txBody>
+          <a:bodyPr wrap="none" rtlCol="0">
+            <a:spAutoFit/>
+          </a:bodyPr>
+          <a:lstStyle/>
+          <a:p>
+            <a:r>
+              <a:rPr kumimoji="1" lang="en-US" altLang="zh-CN" dirty="0"/>
+              <a:t>Decoder</a:t>
+            </a:r>
+            <a:endParaRPr kumimoji="1" lang="zh-CN" altLang="en-US" dirty="0"/>
+          </a:p>
+        </p:txBody>
+      </p:sp>
+      <p:cxnSp>
+        <p:nvCxnSpPr>
+          <p:cNvPr id="80" name="直线箭头连接符 79">
+            <a:extLst>
+              <a:ext uri="{FF2B5EF4-FFF2-40B4-BE49-F238E27FC236}">
+                <a16:creationId xmlns:a16="http://schemas.microsoft.com/office/drawing/2014/main" id="{F456F261-7BC2-5FEC-CFA7-385D2FF087BF}"/>
+              </a:ext>
+            </a:extLst>
+          </p:cNvPr>
+          <p:cNvCxnSpPr>
+            <a:cxnSpLocks/>
+          </p:cNvCxnSpPr>
+          <p:nvPr/>
+        </p:nvCxnSpPr>
+        <p:spPr>
+          <a:xfrm>
+            <a:off x="5572054" y="5510860"/>
+            <a:ext cx="818986" cy="0"/>
+          </a:xfrm>
+          <a:prstGeom prst="straightConnector1">
+            <a:avLst/>
+          </a:prstGeom>
+          <a:ln w="25400">
+            <a:tailEnd type="triangle"/>
+          </a:ln>
+        </p:spPr>
+        <p:style>
+          <a:lnRef idx="1">
+            <a:schemeClr val="accent1"/>
+          </a:lnRef>
+          <a:fillRef idx="0">
+            <a:schemeClr val="accent1"/>
+          </a:fillRef>
+          <a:effectRef idx="0">
+            <a:schemeClr val="accent1"/>
+          </a:effectRef>
+          <a:fontRef idx="minor">
+            <a:schemeClr val="tx1"/>
+          </a:fontRef>
+        </p:style>
+      </p:cxnSp>
+      <p:sp>
+        <p:nvSpPr>
+          <p:cNvPr id="81" name="矩形 80">
+            <a:extLst>
+              <a:ext uri="{FF2B5EF4-FFF2-40B4-BE49-F238E27FC236}">
+                <a16:creationId xmlns:a16="http://schemas.microsoft.com/office/drawing/2014/main" id="{A32E4BD9-AA3F-F101-B046-A1BCFBE835ED}"/>
               </a:ext>
             </a:extLst>
           </p:cNvPr>
@@ -4792,8 +4886,8 @@
         </p:nvSpPr>
         <p:spPr>
           <a:xfrm>
-            <a:off x="3079616" y="5067489"/>
-            <a:ext cx="180000" cy="180000"/>
+            <a:off x="1010128" y="5135930"/>
+            <a:ext cx="181997" cy="130947"/>
           </a:xfrm>
           <a:prstGeom prst="rect">
             <a:avLst/>
@@ -4801,25 +4895,25 @@
           <a:gradFill flip="none" rotWithShape="1">
             <a:gsLst>
               <a:gs pos="0">
-                <a:schemeClr val="accent6">
-                  <a:lumMod val="40000"/>
-                  <a:lumOff val="60000"/>
-                </a:schemeClr>
-              </a:gs>
-              <a:gs pos="46000">
-                <a:schemeClr val="accent6">
-                  <a:lumMod val="95000"/>
-                  <a:lumOff val="5000"/>
+                <a:schemeClr val="accent1">
+                  <a:lumMod val="0"/>
+                  <a:lumOff val="100000"/>
+                </a:schemeClr>
+              </a:gs>
+              <a:gs pos="15000">
+                <a:schemeClr val="accent1">
+                  <a:lumMod val="0"/>
+                  <a:lumOff val="100000"/>
                 </a:schemeClr>
               </a:gs>
               <a:gs pos="100000">
-                <a:schemeClr val="accent6">
-                  <a:lumMod val="60000"/>
+                <a:schemeClr val="accent1">
+                  <a:lumMod val="100000"/>
                 </a:schemeClr>
               </a:gs>
             </a:gsLst>
             <a:path path="circle">
-              <a:fillToRect l="50000" t="130000" r="50000" b="-30000"/>
+              <a:fillToRect l="50000" t="-80000" r="50000" b="180000"/>
             </a:path>
             <a:tileRect/>
           </a:gradFill>
@@ -4851,10 +4945,10 @@
       </p:sp>
       <p:sp>
         <p:nvSpPr>
-          <p:cNvPr id="53" name="矩形 52">
-            <a:extLst>
-              <a:ext uri="{FF2B5EF4-FFF2-40B4-BE49-F238E27FC236}">
-                <a16:creationId xmlns:a16="http://schemas.microsoft.com/office/drawing/2014/main" id="{80FAC281-D3D6-136D-B660-9C5D24E24E3F}"/>
+          <p:cNvPr id="82" name="矩形 81">
+            <a:extLst>
+              <a:ext uri="{FF2B5EF4-FFF2-40B4-BE49-F238E27FC236}">
+                <a16:creationId xmlns:a16="http://schemas.microsoft.com/office/drawing/2014/main" id="{6963C1FD-2C04-C60C-ECD0-21189B86928F}"/>
               </a:ext>
             </a:extLst>
           </p:cNvPr>
@@ -4863,8 +4957,8 @@
         </p:nvSpPr>
         <p:spPr>
           <a:xfrm>
-            <a:off x="3079616" y="5309889"/>
-            <a:ext cx="180000" cy="180000"/>
+            <a:off x="1010128" y="5312271"/>
+            <a:ext cx="181997" cy="130947"/>
           </a:xfrm>
           <a:prstGeom prst="rect">
             <a:avLst/>
@@ -4872,19 +4966,19 @@
           <a:gradFill flip="none" rotWithShape="1">
             <a:gsLst>
               <a:gs pos="0">
-                <a:schemeClr val="accent6">
+                <a:schemeClr val="accent1">
                   <a:lumMod val="0"/>
                   <a:lumOff val="100000"/>
                 </a:schemeClr>
               </a:gs>
-              <a:gs pos="35000">
-                <a:schemeClr val="accent6">
+              <a:gs pos="15000">
+                <a:schemeClr val="accent1">
                   <a:lumMod val="0"/>
                   <a:lumOff val="100000"/>
                 </a:schemeClr>
               </a:gs>
               <a:gs pos="100000">
-                <a:schemeClr val="accent6">
+                <a:schemeClr val="accent1">
                   <a:lumMod val="100000"/>
                 </a:schemeClr>
               </a:gs>
@@ -4922,10 +5016,10 @@
       </p:sp>
       <p:sp>
         <p:nvSpPr>
-          <p:cNvPr id="54" name="矩形 53">
-            <a:extLst>
-              <a:ext uri="{FF2B5EF4-FFF2-40B4-BE49-F238E27FC236}">
-                <a16:creationId xmlns:a16="http://schemas.microsoft.com/office/drawing/2014/main" id="{7A1B23FA-A553-81AF-1726-3E9C0231599C}"/>
+          <p:cNvPr id="83" name="矩形 82">
+            <a:extLst>
+              <a:ext uri="{FF2B5EF4-FFF2-40B4-BE49-F238E27FC236}">
+                <a16:creationId xmlns:a16="http://schemas.microsoft.com/office/drawing/2014/main" id="{80A0577D-9A3F-3500-AA61-E7D7C1C2F6BF}"/>
               </a:ext>
             </a:extLst>
           </p:cNvPr>
@@ -4934,8 +5028,8 @@
         </p:nvSpPr>
         <p:spPr>
           <a:xfrm>
-            <a:off x="3079616" y="5552289"/>
-            <a:ext cx="180000" cy="180000"/>
+            <a:off x="1010128" y="5488613"/>
+            <a:ext cx="181997" cy="130947"/>
           </a:xfrm>
           <a:prstGeom prst="rect">
             <a:avLst/>
@@ -4943,31 +5037,26 @@
           <a:gradFill flip="none" rotWithShape="1">
             <a:gsLst>
               <a:gs pos="0">
-                <a:schemeClr val="accent6">
-                  <a:lumMod val="5000"/>
-                  <a:lumOff val="95000"/>
-                </a:schemeClr>
-              </a:gs>
-              <a:gs pos="74000">
-                <a:schemeClr val="accent6">
-                  <a:lumMod val="45000"/>
-                  <a:lumOff val="55000"/>
-                </a:schemeClr>
-              </a:gs>
-              <a:gs pos="83000">
-                <a:schemeClr val="accent6">
-                  <a:lumMod val="45000"/>
-                  <a:lumOff val="55000"/>
+                <a:schemeClr val="accent1">
+                  <a:lumMod val="0"/>
+                  <a:lumOff val="100000"/>
+                </a:schemeClr>
+              </a:gs>
+              <a:gs pos="15000">
+                <a:schemeClr val="accent1">
+                  <a:lumMod val="0"/>
+                  <a:lumOff val="100000"/>
                 </a:schemeClr>
               </a:gs>
               <a:gs pos="100000">
-                <a:schemeClr val="accent6">
-                  <a:lumMod val="30000"/>
-                  <a:lumOff val="70000"/>
+                <a:schemeClr val="accent1">
+                  <a:lumMod val="100000"/>
                 </a:schemeClr>
               </a:gs>
             </a:gsLst>
-            <a:lin ang="5400000" scaled="1"/>
+            <a:path path="circle">
+              <a:fillToRect l="50000" t="-80000" r="50000" b="180000"/>
+            </a:path>
             <a:tileRect/>
           </a:gradFill>
         </p:spPr>
@@ -4998,10 +5087,81 @@
       </p:sp>
       <p:sp>
         <p:nvSpPr>
-          <p:cNvPr id="55" name="文本框 54">
-            <a:extLst>
-              <a:ext uri="{FF2B5EF4-FFF2-40B4-BE49-F238E27FC236}">
-                <a16:creationId xmlns:a16="http://schemas.microsoft.com/office/drawing/2014/main" id="{B7DE1804-1A21-61F6-7B7F-E9E70E3CB57A}"/>
+          <p:cNvPr id="84" name="矩形 83">
+            <a:extLst>
+              <a:ext uri="{FF2B5EF4-FFF2-40B4-BE49-F238E27FC236}">
+                <a16:creationId xmlns:a16="http://schemas.microsoft.com/office/drawing/2014/main" id="{EA66DF03-74F7-542C-6A15-FEE842E72059}"/>
+              </a:ext>
+            </a:extLst>
+          </p:cNvPr>
+          <p:cNvSpPr/>
+          <p:nvPr/>
+        </p:nvSpPr>
+        <p:spPr>
+          <a:xfrm>
+            <a:off x="1010128" y="5664954"/>
+            <a:ext cx="181997" cy="130947"/>
+          </a:xfrm>
+          <a:prstGeom prst="rect">
+            <a:avLst/>
+          </a:prstGeom>
+          <a:gradFill flip="none" rotWithShape="1">
+            <a:gsLst>
+              <a:gs pos="0">
+                <a:schemeClr val="accent1">
+                  <a:lumMod val="0"/>
+                  <a:lumOff val="100000"/>
+                </a:schemeClr>
+              </a:gs>
+              <a:gs pos="15000">
+                <a:schemeClr val="accent1">
+                  <a:lumMod val="0"/>
+                  <a:lumOff val="100000"/>
+                </a:schemeClr>
+              </a:gs>
+              <a:gs pos="100000">
+                <a:schemeClr val="accent1">
+                  <a:lumMod val="100000"/>
+                </a:schemeClr>
+              </a:gs>
+            </a:gsLst>
+            <a:path path="circle">
+              <a:fillToRect l="50000" t="-80000" r="50000" b="180000"/>
+            </a:path>
+            <a:tileRect/>
+          </a:gradFill>
+        </p:spPr>
+        <p:style>
+          <a:lnRef idx="2">
+            <a:schemeClr val="accent1">
+              <a:shade val="50000"/>
+            </a:schemeClr>
+          </a:lnRef>
+          <a:fillRef idx="1">
+            <a:schemeClr val="accent1"/>
+          </a:fillRef>
+          <a:effectRef idx="0">
+            <a:schemeClr val="accent1"/>
+          </a:effectRef>
+          <a:fontRef idx="minor">
+            <a:schemeClr val="lt1"/>
+          </a:fontRef>
+        </p:style>
+        <p:txBody>
+          <a:bodyPr rtlCol="0" anchor="ctr"/>
+          <a:lstStyle/>
+          <a:p>
+            <a:pPr algn="ctr"/>
+            <a:endParaRPr kumimoji="1" lang="zh-CN" altLang="en-US"/>
+          </a:p>
+        </p:txBody>
+      </p:sp>
+      <p:sp>
+        <p:nvSpPr>
+          <p:cNvPr id="85" name="文本框 84">
+            <a:extLst>
+              <a:ext uri="{FF2B5EF4-FFF2-40B4-BE49-F238E27FC236}">
+                <a16:creationId xmlns:a16="http://schemas.microsoft.com/office/drawing/2014/main" id="{CB1538F6-A49C-9F20-7824-6DD9BCDCB4D1}"/>
               </a:ext>
             </a:extLst>
           </p:cNvPr>
@@ -5010,8 +5170,8 @@
         </p:nvSpPr>
         <p:spPr>
           <a:xfrm>
-            <a:off x="2318097" y="4995285"/>
-            <a:ext cx="764953" cy="615553"/>
+            <a:off x="1373291" y="5275291"/>
+            <a:ext cx="1805766" cy="335853"/>
           </a:xfrm>
           <a:prstGeom prst="rect">
             <a:avLst/>
@@ -5019,32 +5179,29 @@
           <a:noFill/>
         </p:spPr>
         <p:txBody>
-          <a:bodyPr wrap="none" rtlCol="0">
+          <a:bodyPr wrap="square">
             <a:spAutoFit/>
           </a:bodyPr>
           <a:lstStyle/>
           <a:p>
-            <a:pPr algn="ctr"/>
             <a:r>
-              <a:rPr kumimoji="1" lang="en-US" altLang="zh-CN" sz="1700" dirty="0"/>
-              <a:t>Style</a:t>
+              <a:rPr kumimoji="1" lang="en-US" altLang="zh-CN" sz="2400" dirty="0" err="1"/>
+              <a:t>Z</a:t>
             </a:r>
-          </a:p>
-          <a:p>
-            <a:pPr algn="ctr"/>
             <a:r>
-              <a:rPr kumimoji="1" lang="en-US" altLang="zh-CN" sz="1700" dirty="0"/>
-              <a:t>vector</a:t>
+              <a:rPr kumimoji="1" lang="en-US" altLang="zh-CN" sz="2400" baseline="-25000" dirty="0" err="1"/>
+              <a:t>content_control</a:t>
             </a:r>
+            <a:endParaRPr kumimoji="1" lang="zh-CN" altLang="en-US" sz="2400" baseline="-25000" dirty="0"/>
           </a:p>
         </p:txBody>
       </p:sp>
       <p:cxnSp>
         <p:nvCxnSpPr>
-          <p:cNvPr id="56" name="直线箭头连接符 55">
-            <a:extLst>
-              <a:ext uri="{FF2B5EF4-FFF2-40B4-BE49-F238E27FC236}">
-                <a16:creationId xmlns:a16="http://schemas.microsoft.com/office/drawing/2014/main" id="{A1EA47E6-5C95-25BF-7B28-FC7254D0CF84}"/>
+          <p:cNvPr id="86" name="直线箭头连接符 85">
+            <a:extLst>
+              <a:ext uri="{FF2B5EF4-FFF2-40B4-BE49-F238E27FC236}">
+                <a16:creationId xmlns:a16="http://schemas.microsoft.com/office/drawing/2014/main" id="{B3B4FBFD-309C-ECEC-CC9E-6740214E7AE5}"/>
               </a:ext>
             </a:extLst>
           </p:cNvPr>
@@ -5055,8 +5212,8 @@
         </p:nvCxnSpPr>
         <p:spPr>
           <a:xfrm flipV="1">
-            <a:off x="3443953" y="2638391"/>
-            <a:ext cx="720000" cy="360000"/>
+            <a:off x="3254566" y="5510860"/>
+            <a:ext cx="818986" cy="0"/>
           </a:xfrm>
           <a:prstGeom prst="straightConnector1">
             <a:avLst/>
@@ -5082,25 +5239,102 @@
       </p:cxnSp>
       <p:sp>
         <p:nvSpPr>
-          <p:cNvPr id="59" name="右大括号 58">
-            <a:extLst>
-              <a:ext uri="{FF2B5EF4-FFF2-40B4-BE49-F238E27FC236}">
-                <a16:creationId xmlns:a16="http://schemas.microsoft.com/office/drawing/2014/main" id="{178968AE-6945-C157-6902-42A6279077C1}"/>
-              </a:ext>
-            </a:extLst>
-          </p:cNvPr>
-          <p:cNvSpPr/>
-          <p:nvPr/>
-        </p:nvSpPr>
-        <p:spPr>
-          <a:xfrm>
-            <a:off x="8785777" y="3177725"/>
-            <a:ext cx="274225" cy="2172349"/>
-          </a:xfrm>
-          <a:prstGeom prst="rightBrace">
-            <a:avLst/>
-          </a:prstGeom>
-          <a:ln w="25400"/>
+          <p:cNvPr id="89" name="文本框 88">
+            <a:extLst>
+              <a:ext uri="{FF2B5EF4-FFF2-40B4-BE49-F238E27FC236}">
+                <a16:creationId xmlns:a16="http://schemas.microsoft.com/office/drawing/2014/main" id="{1A271F79-0F7B-B6C6-B3B6-FD1BE8FE9FD3}"/>
+              </a:ext>
+            </a:extLst>
+          </p:cNvPr>
+          <p:cNvSpPr txBox="1"/>
+          <p:nvPr/>
+        </p:nvSpPr>
+        <p:spPr>
+          <a:xfrm>
+            <a:off x="9675875" y="4779949"/>
+            <a:ext cx="1347197" cy="291073"/>
+          </a:xfrm>
+          <a:prstGeom prst="rect">
+            <a:avLst/>
+          </a:prstGeom>
+          <a:noFill/>
+        </p:spPr>
+        <p:txBody>
+          <a:bodyPr wrap="none" rtlCol="0">
+            <a:spAutoFit/>
+          </a:bodyPr>
+          <a:lstStyle/>
+          <a:p>
+            <a:r>
+              <a:rPr kumimoji="1" lang="en-US" altLang="zh-CN" sz="2000" dirty="0"/>
+              <a:t>stimulated</a:t>
+            </a:r>
+            <a:endParaRPr kumimoji="1" lang="zh-CN" altLang="en-US" sz="2000" dirty="0"/>
+          </a:p>
+        </p:txBody>
+      </p:sp>
+      <p:sp>
+        <p:nvSpPr>
+          <p:cNvPr id="90" name="文本框 89">
+            <a:extLst>
+              <a:ext uri="{FF2B5EF4-FFF2-40B4-BE49-F238E27FC236}">
+                <a16:creationId xmlns:a16="http://schemas.microsoft.com/office/drawing/2014/main" id="{0CD5E31C-4FF8-1659-3D3A-E5DFB7C191F3}"/>
+              </a:ext>
+            </a:extLst>
+          </p:cNvPr>
+          <p:cNvSpPr txBox="1"/>
+          <p:nvPr/>
+        </p:nvSpPr>
+        <p:spPr>
+          <a:xfrm>
+            <a:off x="6523981" y="4773541"/>
+            <a:ext cx="1332416" cy="400110"/>
+          </a:xfrm>
+          <a:prstGeom prst="rect">
+            <a:avLst/>
+          </a:prstGeom>
+          <a:noFill/>
+        </p:spPr>
+        <p:txBody>
+          <a:bodyPr wrap="none" rtlCol="0">
+            <a:spAutoFit/>
+          </a:bodyPr>
+          <a:lstStyle/>
+          <a:p>
+            <a:r>
+              <a:rPr kumimoji="1" lang="en-US" altLang="zh-CN" sz="2000" i="1" dirty="0"/>
+              <a:t>stimulated</a:t>
+            </a:r>
+            <a:endParaRPr kumimoji="1" lang="zh-CN" altLang="en-US" sz="2000" i="1" dirty="0"/>
+          </a:p>
+        </p:txBody>
+      </p:sp>
+      <p:cxnSp>
+        <p:nvCxnSpPr>
+          <p:cNvPr id="91" name="直线箭头连接符 90">
+            <a:extLst>
+              <a:ext uri="{FF2B5EF4-FFF2-40B4-BE49-F238E27FC236}">
+                <a16:creationId xmlns:a16="http://schemas.microsoft.com/office/drawing/2014/main" id="{4BC841EE-7FEE-81F8-0C70-F7416464BC21}"/>
+              </a:ext>
+            </a:extLst>
+          </p:cNvPr>
+          <p:cNvCxnSpPr>
+            <a:cxnSpLocks/>
+          </p:cNvCxnSpPr>
+          <p:nvPr/>
+        </p:nvCxnSpPr>
+        <p:spPr>
+          <a:xfrm>
+            <a:off x="7903145" y="5468200"/>
+            <a:ext cx="1772730" cy="0"/>
+          </a:xfrm>
+          <a:prstGeom prst="straightConnector1">
+            <a:avLst/>
+          </a:prstGeom>
+          <a:ln w="19050">
+            <a:headEnd type="triangle"/>
+            <a:tailEnd type="triangle"/>
+          </a:ln>
         </p:spPr>
         <p:style>
           <a:lnRef idx="1">
@@ -5116,21 +5350,13 @@
             <a:schemeClr val="tx1"/>
           </a:fontRef>
         </p:style>
-        <p:txBody>
-          <a:bodyPr rtlCol="0" anchor="ctr"/>
-          <a:lstStyle/>
-          <a:p>
-            <a:pPr algn="ctr"/>
-            <a:endParaRPr kumimoji="1" lang="zh-CN" altLang="en-US"/>
-          </a:p>
-        </p:txBody>
-      </p:sp>
-      <p:sp>
-        <p:nvSpPr>
-          <p:cNvPr id="60" name="文本框 59">
-            <a:extLst>
-              <a:ext uri="{FF2B5EF4-FFF2-40B4-BE49-F238E27FC236}">
-                <a16:creationId xmlns:a16="http://schemas.microsoft.com/office/drawing/2014/main" id="{604D29B3-9B4C-BA8F-609C-B0C6F061F50B}"/>
+      </p:cxnSp>
+      <p:sp>
+        <p:nvSpPr>
+          <p:cNvPr id="92" name="文本框 91">
+            <a:extLst>
+              <a:ext uri="{FF2B5EF4-FFF2-40B4-BE49-F238E27FC236}">
+                <a16:creationId xmlns:a16="http://schemas.microsoft.com/office/drawing/2014/main" id="{1F880A2E-503A-37B7-A04B-5B977CA18D7A}"/>
               </a:ext>
             </a:extLst>
           </p:cNvPr>
@@ -5139,8 +5365,8 @@
         </p:nvSpPr>
         <p:spPr>
           <a:xfrm>
-            <a:off x="7237971" y="4002289"/>
-            <a:ext cx="434734" cy="523220"/>
+            <a:off x="7959276" y="5472541"/>
+            <a:ext cx="1583831" cy="268682"/>
           </a:xfrm>
           <a:prstGeom prst="rect">
             <a:avLst/>
@@ -5154,13 +5380,902 @@
           <a:lstStyle/>
           <a:p>
             <a:r>
-              <a:rPr kumimoji="1" lang="en-US" altLang="zh-CN" sz="2800" b="1" dirty="0"/>
-              <a:t>+</a:t>
+              <a:rPr kumimoji="1" lang="en-US" altLang="zh-CN" dirty="0"/>
+              <a:t>SmoothL1loss</a:t>
             </a:r>
-            <a:endParaRPr kumimoji="1" lang="zh-CN" altLang="en-US" sz="2800" b="1" dirty="0"/>
-          </a:p>
-        </p:txBody>
-      </p:sp>
+            <a:endParaRPr kumimoji="1" lang="zh-CN" altLang="en-US" dirty="0"/>
+          </a:p>
+        </p:txBody>
+      </p:sp>
+      <p:sp>
+        <p:nvSpPr>
+          <p:cNvPr id="93" name="文本框 92">
+            <a:extLst>
+              <a:ext uri="{FF2B5EF4-FFF2-40B4-BE49-F238E27FC236}">
+                <a16:creationId xmlns:a16="http://schemas.microsoft.com/office/drawing/2014/main" id="{76B927BB-55AD-7B6D-AAB7-AEF7BF2FA8F9}"/>
+              </a:ext>
+            </a:extLst>
+          </p:cNvPr>
+          <p:cNvSpPr txBox="1"/>
+          <p:nvPr/>
+        </p:nvSpPr>
+        <p:spPr>
+          <a:xfrm>
+            <a:off x="6952137" y="4584179"/>
+            <a:ext cx="446040" cy="553998"/>
+          </a:xfrm>
+          <a:prstGeom prst="rect">
+            <a:avLst/>
+          </a:prstGeom>
+          <a:noFill/>
+        </p:spPr>
+        <p:txBody>
+          <a:bodyPr wrap="square" rtlCol="0">
+            <a:spAutoFit/>
+          </a:bodyPr>
+          <a:lstStyle/>
+          <a:p>
+            <a:r>
+              <a:rPr kumimoji="1" lang="en-US" altLang="zh-CN" sz="3000" dirty="0"/>
+              <a:t>^</a:t>
+            </a:r>
+            <a:endParaRPr kumimoji="1" lang="zh-CN" altLang="en-US" sz="3000" dirty="0"/>
+          </a:p>
+        </p:txBody>
+      </p:sp>
+      <p:sp>
+        <p:nvSpPr>
+          <p:cNvPr id="95" name="椭圆 94">
+            <a:extLst>
+              <a:ext uri="{FF2B5EF4-FFF2-40B4-BE49-F238E27FC236}">
+                <a16:creationId xmlns:a16="http://schemas.microsoft.com/office/drawing/2014/main" id="{6667CFF6-6805-7B2B-644C-D6A2066EEF07}"/>
+              </a:ext>
+            </a:extLst>
+          </p:cNvPr>
+          <p:cNvSpPr/>
+          <p:nvPr/>
+        </p:nvSpPr>
+        <p:spPr>
+          <a:xfrm>
+            <a:off x="6523808" y="5189003"/>
+            <a:ext cx="1276670" cy="649349"/>
+          </a:xfrm>
+          <a:prstGeom prst="ellipse">
+            <a:avLst/>
+          </a:prstGeom>
+          <a:blipFill dpi="0" rotWithShape="1">
+            <a:blip r:embed="rId2">
+              <a:extLst>
+                <a:ext uri="{28A0092B-C50C-407E-A947-70E740481C1C}">
+                  <a14:useLocalDpi xmlns:a14="http://schemas.microsoft.com/office/drawing/2010/main" val="0"/>
+                </a:ext>
+              </a:extLst>
+            </a:blip>
+            <a:srcRect/>
+            <a:stretch>
+              <a:fillRect l="-2247" t="-16126" r="-21548" b="1630"/>
+            </a:stretch>
+          </a:blipFill>
+        </p:spPr>
+        <p:style>
+          <a:lnRef idx="2">
+            <a:schemeClr val="accent1">
+              <a:shade val="50000"/>
+            </a:schemeClr>
+          </a:lnRef>
+          <a:fillRef idx="1">
+            <a:schemeClr val="accent1"/>
+          </a:fillRef>
+          <a:effectRef idx="0">
+            <a:schemeClr val="accent1"/>
+          </a:effectRef>
+          <a:fontRef idx="minor">
+            <a:schemeClr val="lt1"/>
+          </a:fontRef>
+        </p:style>
+        <p:txBody>
+          <a:bodyPr rtlCol="0" anchor="ctr"/>
+          <a:lstStyle/>
+          <a:p>
+            <a:pPr algn="ctr"/>
+            <a:endParaRPr kumimoji="1" lang="zh-CN" altLang="en-US"/>
+          </a:p>
+        </p:txBody>
+      </p:sp>
+      <p:sp>
+        <p:nvSpPr>
+          <p:cNvPr id="96" name="椭圆 95">
+            <a:extLst>
+              <a:ext uri="{FF2B5EF4-FFF2-40B4-BE49-F238E27FC236}">
+                <a16:creationId xmlns:a16="http://schemas.microsoft.com/office/drawing/2014/main" id="{1D240AA7-C7EB-C773-C0A2-EE146C4EC97D}"/>
+              </a:ext>
+            </a:extLst>
+          </p:cNvPr>
+          <p:cNvSpPr/>
+          <p:nvPr/>
+        </p:nvSpPr>
+        <p:spPr>
+          <a:xfrm>
+            <a:off x="9834673" y="5201403"/>
+            <a:ext cx="1347198" cy="649349"/>
+          </a:xfrm>
+          <a:prstGeom prst="ellipse">
+            <a:avLst/>
+          </a:prstGeom>
+          <a:blipFill dpi="0" rotWithShape="1">
+            <a:blip r:embed="rId3">
+              <a:extLst>
+                <a:ext uri="{28A0092B-C50C-407E-A947-70E740481C1C}">
+                  <a14:useLocalDpi xmlns:a14="http://schemas.microsoft.com/office/drawing/2010/main" val="0"/>
+                </a:ext>
+              </a:extLst>
+            </a:blip>
+            <a:srcRect/>
+            <a:stretch>
+              <a:fillRect l="-1443" t="-16010" r="-22198"/>
+            </a:stretch>
+          </a:blipFill>
+        </p:spPr>
+        <p:style>
+          <a:lnRef idx="2">
+            <a:schemeClr val="accent1">
+              <a:shade val="50000"/>
+            </a:schemeClr>
+          </a:lnRef>
+          <a:fillRef idx="1">
+            <a:schemeClr val="accent1"/>
+          </a:fillRef>
+          <a:effectRef idx="0">
+            <a:schemeClr val="accent1"/>
+          </a:effectRef>
+          <a:fontRef idx="minor">
+            <a:schemeClr val="lt1"/>
+          </a:fontRef>
+        </p:style>
+        <p:txBody>
+          <a:bodyPr rtlCol="0" anchor="ctr"/>
+          <a:lstStyle/>
+          <a:p>
+            <a:pPr algn="ctr"/>
+            <a:endParaRPr kumimoji="1" lang="zh-CN" altLang="en-US"/>
+          </a:p>
+        </p:txBody>
+      </p:sp>
+      <p:cxnSp>
+        <p:nvCxnSpPr>
+          <p:cNvPr id="102" name="肘形连接符 101">
+            <a:extLst>
+              <a:ext uri="{FF2B5EF4-FFF2-40B4-BE49-F238E27FC236}">
+                <a16:creationId xmlns:a16="http://schemas.microsoft.com/office/drawing/2014/main" id="{ED1F92A0-A71E-A366-9575-1DE9D03B289E}"/>
+              </a:ext>
+            </a:extLst>
+          </p:cNvPr>
+          <p:cNvCxnSpPr>
+            <a:cxnSpLocks/>
+            <a:stCxn id="34" idx="0"/>
+          </p:cNvCxnSpPr>
+          <p:nvPr/>
+        </p:nvCxnSpPr>
+        <p:spPr>
+          <a:xfrm rot="5400000" flipH="1" flipV="1">
+            <a:off x="7410147" y="1965955"/>
+            <a:ext cx="2400920" cy="2011013"/>
+          </a:xfrm>
+          <a:prstGeom prst="bentConnector3">
+            <a:avLst>
+              <a:gd name="adj1" fmla="val 50000"/>
+            </a:avLst>
+          </a:prstGeom>
+          <a:ln w="25400">
+            <a:solidFill>
+              <a:schemeClr val="accent2"/>
+            </a:solidFill>
+            <a:prstDash val="dash"/>
+            <a:headEnd type="triangle"/>
+            <a:tailEnd type="triangle"/>
+          </a:ln>
+        </p:spPr>
+        <p:style>
+          <a:lnRef idx="1">
+            <a:schemeClr val="accent1"/>
+          </a:lnRef>
+          <a:fillRef idx="0">
+            <a:schemeClr val="accent1"/>
+          </a:fillRef>
+          <a:effectRef idx="0">
+            <a:schemeClr val="accent1"/>
+          </a:effectRef>
+          <a:fontRef idx="minor">
+            <a:schemeClr val="tx1"/>
+          </a:fontRef>
+        </p:style>
+      </p:cxnSp>
+      <p:cxnSp>
+        <p:nvCxnSpPr>
+          <p:cNvPr id="108" name="肘形连接符 107">
+            <a:extLst>
+              <a:ext uri="{FF2B5EF4-FFF2-40B4-BE49-F238E27FC236}">
+                <a16:creationId xmlns:a16="http://schemas.microsoft.com/office/drawing/2014/main" id="{E47C8058-2211-0E70-B980-38323AE2E2E5}"/>
+              </a:ext>
+            </a:extLst>
+          </p:cNvPr>
+          <p:cNvCxnSpPr>
+            <a:cxnSpLocks/>
+            <a:stCxn id="116" idx="1"/>
+          </p:cNvCxnSpPr>
+          <p:nvPr/>
+        </p:nvCxnSpPr>
+        <p:spPr>
+          <a:xfrm rot="10800000" flipV="1">
+            <a:off x="897070" y="2041736"/>
+            <a:ext cx="5379676" cy="3431283"/>
+          </a:xfrm>
+          <a:prstGeom prst="bentConnector3">
+            <a:avLst>
+              <a:gd name="adj1" fmla="val 104249"/>
+            </a:avLst>
+          </a:prstGeom>
+          <a:ln w="19050">
+            <a:prstDash val="lgDash"/>
+            <a:headEnd type="triangle"/>
+            <a:tailEnd type="triangle"/>
+          </a:ln>
+        </p:spPr>
+        <p:style>
+          <a:lnRef idx="1">
+            <a:schemeClr val="accent1"/>
+          </a:lnRef>
+          <a:fillRef idx="0">
+            <a:schemeClr val="accent1"/>
+          </a:fillRef>
+          <a:effectRef idx="0">
+            <a:schemeClr val="accent1"/>
+          </a:effectRef>
+          <a:fontRef idx="minor">
+            <a:schemeClr val="tx1"/>
+          </a:fontRef>
+        </p:style>
+      </p:cxnSp>
+      <p:sp>
+        <p:nvSpPr>
+          <p:cNvPr id="115" name="矩形 114">
+            <a:extLst>
+              <a:ext uri="{FF2B5EF4-FFF2-40B4-BE49-F238E27FC236}">
+                <a16:creationId xmlns:a16="http://schemas.microsoft.com/office/drawing/2014/main" id="{2D23A697-EF82-3772-12F6-7300A9DC8626}"/>
+              </a:ext>
+            </a:extLst>
+          </p:cNvPr>
+          <p:cNvSpPr/>
+          <p:nvPr/>
+        </p:nvSpPr>
+        <p:spPr>
+          <a:xfrm>
+            <a:off x="6276746" y="1799922"/>
+            <a:ext cx="181997" cy="130947"/>
+          </a:xfrm>
+          <a:prstGeom prst="rect">
+            <a:avLst/>
+          </a:prstGeom>
+          <a:gradFill flip="none" rotWithShape="1">
+            <a:gsLst>
+              <a:gs pos="0">
+                <a:schemeClr val="accent1">
+                  <a:lumMod val="0"/>
+                  <a:lumOff val="100000"/>
+                </a:schemeClr>
+              </a:gs>
+              <a:gs pos="15000">
+                <a:schemeClr val="accent1">
+                  <a:lumMod val="0"/>
+                  <a:lumOff val="100000"/>
+                </a:schemeClr>
+              </a:gs>
+              <a:gs pos="100000">
+                <a:schemeClr val="accent1">
+                  <a:lumMod val="100000"/>
+                </a:schemeClr>
+              </a:gs>
+            </a:gsLst>
+            <a:path path="circle">
+              <a:fillToRect l="50000" t="-80000" r="50000" b="180000"/>
+            </a:path>
+            <a:tileRect/>
+          </a:gradFill>
+        </p:spPr>
+        <p:style>
+          <a:lnRef idx="2">
+            <a:schemeClr val="accent1">
+              <a:shade val="50000"/>
+            </a:schemeClr>
+          </a:lnRef>
+          <a:fillRef idx="1">
+            <a:schemeClr val="accent1"/>
+          </a:fillRef>
+          <a:effectRef idx="0">
+            <a:schemeClr val="accent1"/>
+          </a:effectRef>
+          <a:fontRef idx="minor">
+            <a:schemeClr val="lt1"/>
+          </a:fontRef>
+        </p:style>
+        <p:txBody>
+          <a:bodyPr rtlCol="0" anchor="ctr"/>
+          <a:lstStyle/>
+          <a:p>
+            <a:pPr algn="ctr"/>
+            <a:endParaRPr kumimoji="1" lang="zh-CN" altLang="en-US">
+              <a:solidFill>
+                <a:srgbClr val="FF0000"/>
+              </a:solidFill>
+            </a:endParaRPr>
+          </a:p>
+        </p:txBody>
+      </p:sp>
+      <p:sp>
+        <p:nvSpPr>
+          <p:cNvPr id="116" name="矩形 115">
+            <a:extLst>
+              <a:ext uri="{FF2B5EF4-FFF2-40B4-BE49-F238E27FC236}">
+                <a16:creationId xmlns:a16="http://schemas.microsoft.com/office/drawing/2014/main" id="{AED455DB-F5C8-95FB-A734-A9B78C4337A0}"/>
+              </a:ext>
+            </a:extLst>
+          </p:cNvPr>
+          <p:cNvSpPr/>
+          <p:nvPr/>
+        </p:nvSpPr>
+        <p:spPr>
+          <a:xfrm>
+            <a:off x="6276746" y="1976263"/>
+            <a:ext cx="181997" cy="130947"/>
+          </a:xfrm>
+          <a:prstGeom prst="rect">
+            <a:avLst/>
+          </a:prstGeom>
+          <a:gradFill flip="none" rotWithShape="1">
+            <a:gsLst>
+              <a:gs pos="0">
+                <a:schemeClr val="accent1">
+                  <a:lumMod val="0"/>
+                  <a:lumOff val="100000"/>
+                </a:schemeClr>
+              </a:gs>
+              <a:gs pos="15000">
+                <a:schemeClr val="accent1">
+                  <a:lumMod val="0"/>
+                  <a:lumOff val="100000"/>
+                </a:schemeClr>
+              </a:gs>
+              <a:gs pos="100000">
+                <a:schemeClr val="accent1">
+                  <a:lumMod val="100000"/>
+                </a:schemeClr>
+              </a:gs>
+            </a:gsLst>
+            <a:path path="circle">
+              <a:fillToRect l="50000" t="-80000" r="50000" b="180000"/>
+            </a:path>
+            <a:tileRect/>
+          </a:gradFill>
+        </p:spPr>
+        <p:style>
+          <a:lnRef idx="2">
+            <a:schemeClr val="accent1">
+              <a:shade val="50000"/>
+            </a:schemeClr>
+          </a:lnRef>
+          <a:fillRef idx="1">
+            <a:schemeClr val="accent1"/>
+          </a:fillRef>
+          <a:effectRef idx="0">
+            <a:schemeClr val="accent1"/>
+          </a:effectRef>
+          <a:fontRef idx="minor">
+            <a:schemeClr val="lt1"/>
+          </a:fontRef>
+        </p:style>
+        <p:txBody>
+          <a:bodyPr rtlCol="0" anchor="ctr"/>
+          <a:lstStyle/>
+          <a:p>
+            <a:pPr algn="ctr"/>
+            <a:endParaRPr kumimoji="1" lang="zh-CN" altLang="en-US"/>
+          </a:p>
+        </p:txBody>
+      </p:sp>
+      <p:sp>
+        <p:nvSpPr>
+          <p:cNvPr id="117" name="矩形 116">
+            <a:extLst>
+              <a:ext uri="{FF2B5EF4-FFF2-40B4-BE49-F238E27FC236}">
+                <a16:creationId xmlns:a16="http://schemas.microsoft.com/office/drawing/2014/main" id="{A38A37D9-7F89-84B7-C1E8-6929D6711747}"/>
+              </a:ext>
+            </a:extLst>
+          </p:cNvPr>
+          <p:cNvSpPr/>
+          <p:nvPr/>
+        </p:nvSpPr>
+        <p:spPr>
+          <a:xfrm>
+            <a:off x="6276746" y="2152605"/>
+            <a:ext cx="181997" cy="130947"/>
+          </a:xfrm>
+          <a:prstGeom prst="rect">
+            <a:avLst/>
+          </a:prstGeom>
+          <a:gradFill flip="none" rotWithShape="1">
+            <a:gsLst>
+              <a:gs pos="0">
+                <a:schemeClr val="accent1">
+                  <a:lumMod val="0"/>
+                  <a:lumOff val="100000"/>
+                </a:schemeClr>
+              </a:gs>
+              <a:gs pos="15000">
+                <a:schemeClr val="accent1">
+                  <a:lumMod val="0"/>
+                  <a:lumOff val="100000"/>
+                </a:schemeClr>
+              </a:gs>
+              <a:gs pos="100000">
+                <a:schemeClr val="accent1">
+                  <a:lumMod val="100000"/>
+                </a:schemeClr>
+              </a:gs>
+            </a:gsLst>
+            <a:path path="circle">
+              <a:fillToRect l="50000" t="-80000" r="50000" b="180000"/>
+            </a:path>
+            <a:tileRect/>
+          </a:gradFill>
+        </p:spPr>
+        <p:style>
+          <a:lnRef idx="2">
+            <a:schemeClr val="accent1">
+              <a:shade val="50000"/>
+            </a:schemeClr>
+          </a:lnRef>
+          <a:fillRef idx="1">
+            <a:schemeClr val="accent1"/>
+          </a:fillRef>
+          <a:effectRef idx="0">
+            <a:schemeClr val="accent1"/>
+          </a:effectRef>
+          <a:fontRef idx="minor">
+            <a:schemeClr val="lt1"/>
+          </a:fontRef>
+        </p:style>
+        <p:txBody>
+          <a:bodyPr rtlCol="0" anchor="ctr"/>
+          <a:lstStyle/>
+          <a:p>
+            <a:pPr algn="ctr"/>
+            <a:endParaRPr kumimoji="1" lang="zh-CN" altLang="en-US"/>
+          </a:p>
+        </p:txBody>
+      </p:sp>
+      <p:sp>
+        <p:nvSpPr>
+          <p:cNvPr id="118" name="矩形 117">
+            <a:extLst>
+              <a:ext uri="{FF2B5EF4-FFF2-40B4-BE49-F238E27FC236}">
+                <a16:creationId xmlns:a16="http://schemas.microsoft.com/office/drawing/2014/main" id="{8D147F84-7307-A9F7-5C6A-418CBAB9159E}"/>
+              </a:ext>
+            </a:extLst>
+          </p:cNvPr>
+          <p:cNvSpPr/>
+          <p:nvPr/>
+        </p:nvSpPr>
+        <p:spPr>
+          <a:xfrm>
+            <a:off x="6276746" y="2328946"/>
+            <a:ext cx="181997" cy="130947"/>
+          </a:xfrm>
+          <a:prstGeom prst="rect">
+            <a:avLst/>
+          </a:prstGeom>
+          <a:gradFill flip="none" rotWithShape="1">
+            <a:gsLst>
+              <a:gs pos="0">
+                <a:schemeClr val="accent1">
+                  <a:lumMod val="0"/>
+                  <a:lumOff val="100000"/>
+                </a:schemeClr>
+              </a:gs>
+              <a:gs pos="15000">
+                <a:schemeClr val="accent1">
+                  <a:lumMod val="0"/>
+                  <a:lumOff val="100000"/>
+                </a:schemeClr>
+              </a:gs>
+              <a:gs pos="100000">
+                <a:schemeClr val="accent1">
+                  <a:lumMod val="100000"/>
+                </a:schemeClr>
+              </a:gs>
+            </a:gsLst>
+            <a:path path="circle">
+              <a:fillToRect l="50000" t="-80000" r="50000" b="180000"/>
+            </a:path>
+            <a:tileRect/>
+          </a:gradFill>
+        </p:spPr>
+        <p:style>
+          <a:lnRef idx="2">
+            <a:schemeClr val="accent1">
+              <a:shade val="50000"/>
+            </a:schemeClr>
+          </a:lnRef>
+          <a:fillRef idx="1">
+            <a:schemeClr val="accent1"/>
+          </a:fillRef>
+          <a:effectRef idx="0">
+            <a:schemeClr val="accent1"/>
+          </a:effectRef>
+          <a:fontRef idx="minor">
+            <a:schemeClr val="lt1"/>
+          </a:fontRef>
+        </p:style>
+        <p:txBody>
+          <a:bodyPr rtlCol="0" anchor="ctr"/>
+          <a:lstStyle/>
+          <a:p>
+            <a:pPr algn="ctr"/>
+            <a:endParaRPr kumimoji="1" lang="zh-CN" altLang="en-US"/>
+          </a:p>
+        </p:txBody>
+      </p:sp>
+      <p:sp>
+        <p:nvSpPr>
+          <p:cNvPr id="119" name="文本框 118">
+            <a:extLst>
+              <a:ext uri="{FF2B5EF4-FFF2-40B4-BE49-F238E27FC236}">
+                <a16:creationId xmlns:a16="http://schemas.microsoft.com/office/drawing/2014/main" id="{D1EB56E9-9B77-E452-9C14-52DBECF8F60D}"/>
+              </a:ext>
+            </a:extLst>
+          </p:cNvPr>
+          <p:cNvSpPr txBox="1"/>
+          <p:nvPr/>
+        </p:nvSpPr>
+        <p:spPr>
+          <a:xfrm>
+            <a:off x="6582584" y="1864211"/>
+            <a:ext cx="1805766" cy="335853"/>
+          </a:xfrm>
+          <a:prstGeom prst="rect">
+            <a:avLst/>
+          </a:prstGeom>
+          <a:noFill/>
+        </p:spPr>
+        <p:txBody>
+          <a:bodyPr wrap="square">
+            <a:spAutoFit/>
+          </a:bodyPr>
+          <a:lstStyle/>
+          <a:p>
+            <a:r>
+              <a:rPr kumimoji="1" lang="en-US" altLang="zh-CN" sz="2400" dirty="0" err="1"/>
+              <a:t>Z</a:t>
+            </a:r>
+            <a:r>
+              <a:rPr kumimoji="1" lang="en-US" altLang="zh-CN" sz="2400" baseline="-25000" dirty="0" err="1"/>
+              <a:t>content_control</a:t>
+            </a:r>
+            <a:endParaRPr kumimoji="1" lang="zh-CN" altLang="en-US" sz="2400" baseline="-25000" dirty="0"/>
+          </a:p>
+        </p:txBody>
+      </p:sp>
+      <p:grpSp>
+        <p:nvGrpSpPr>
+          <p:cNvPr id="122" name="组合 121">
+            <a:extLst>
+              <a:ext uri="{FF2B5EF4-FFF2-40B4-BE49-F238E27FC236}">
+                <a16:creationId xmlns:a16="http://schemas.microsoft.com/office/drawing/2014/main" id="{F6B79FC1-1C1E-CA30-97D4-AACB10ABF8FD}"/>
+              </a:ext>
+            </a:extLst>
+          </p:cNvPr>
+          <p:cNvGrpSpPr/>
+          <p:nvPr/>
+        </p:nvGrpSpPr>
+        <p:grpSpPr>
+          <a:xfrm>
+            <a:off x="1171614" y="2260867"/>
+            <a:ext cx="1853383" cy="987466"/>
+            <a:chOff x="1171325" y="2047872"/>
+            <a:chExt cx="1853383" cy="987466"/>
+          </a:xfrm>
+        </p:grpSpPr>
+        <p:sp>
+          <p:nvSpPr>
+            <p:cNvPr id="13" name="椭圆 12">
+              <a:extLst>
+                <a:ext uri="{FF2B5EF4-FFF2-40B4-BE49-F238E27FC236}">
+                  <a16:creationId xmlns:a16="http://schemas.microsoft.com/office/drawing/2014/main" id="{488C4366-BCEA-2985-6710-444248FA18C5}"/>
+                </a:ext>
+              </a:extLst>
+            </p:cNvPr>
+            <p:cNvSpPr/>
+            <p:nvPr/>
+          </p:nvSpPr>
+          <p:spPr>
+            <a:xfrm>
+              <a:off x="1171325" y="2047872"/>
+              <a:ext cx="1853383" cy="987466"/>
+            </a:xfrm>
+            <a:prstGeom prst="ellipse">
+              <a:avLst/>
+            </a:prstGeom>
+            <a:blipFill dpi="0" rotWithShape="1">
+              <a:blip r:embed="rId3">
+                <a:extLst>
+                  <a:ext uri="{28A0092B-C50C-407E-A947-70E740481C1C}">
+                    <a14:useLocalDpi xmlns:a14="http://schemas.microsoft.com/office/drawing/2010/main" val="0"/>
+                  </a:ext>
+                </a:extLst>
+              </a:blip>
+              <a:srcRect/>
+              <a:stretch>
+                <a:fillRect l="-1443" t="-16010" r="-22198"/>
+              </a:stretch>
+            </a:blipFill>
+          </p:spPr>
+          <p:style>
+            <a:lnRef idx="2">
+              <a:schemeClr val="accent1">
+                <a:shade val="50000"/>
+              </a:schemeClr>
+            </a:lnRef>
+            <a:fillRef idx="1">
+              <a:schemeClr val="accent1"/>
+            </a:fillRef>
+            <a:effectRef idx="0">
+              <a:schemeClr val="accent1"/>
+            </a:effectRef>
+            <a:fontRef idx="minor">
+              <a:schemeClr val="lt1"/>
+            </a:fontRef>
+          </p:style>
+          <p:txBody>
+            <a:bodyPr rtlCol="0" anchor="ctr"/>
+            <a:lstStyle/>
+            <a:p>
+              <a:pPr algn="ctr"/>
+              <a:endParaRPr kumimoji="1" lang="zh-CN" altLang="en-US"/>
+            </a:p>
+          </p:txBody>
+        </p:sp>
+        <p:sp>
+          <p:nvSpPr>
+            <p:cNvPr id="72" name="文本框 71">
+              <a:extLst>
+                <a:ext uri="{FF2B5EF4-FFF2-40B4-BE49-F238E27FC236}">
+                  <a16:creationId xmlns:a16="http://schemas.microsoft.com/office/drawing/2014/main" id="{5314B7BE-55F5-C257-DD73-97E0ECAFE213}"/>
+                </a:ext>
+              </a:extLst>
+            </p:cNvPr>
+            <p:cNvSpPr txBox="1"/>
+            <p:nvPr/>
+          </p:nvSpPr>
+          <p:spPr>
+            <a:xfrm>
+              <a:off x="1527114" y="2690877"/>
+              <a:ext cx="1244270" cy="338554"/>
+            </a:xfrm>
+            <a:prstGeom prst="rect">
+              <a:avLst/>
+            </a:prstGeom>
+            <a:noFill/>
+          </p:spPr>
+          <p:txBody>
+            <a:bodyPr wrap="square" rtlCol="0">
+              <a:spAutoFit/>
+            </a:bodyPr>
+            <a:lstStyle/>
+            <a:p>
+              <a:r>
+                <a:rPr kumimoji="1" lang="en-US" altLang="zh-CN" sz="1600" dirty="0"/>
+                <a:t>stimulated</a:t>
+              </a:r>
+              <a:endParaRPr kumimoji="1" lang="zh-CN" altLang="en-US" sz="1600" dirty="0"/>
+            </a:p>
+          </p:txBody>
+        </p:sp>
+      </p:grpSp>
+      <p:grpSp>
+        <p:nvGrpSpPr>
+          <p:cNvPr id="121" name="组合 120">
+            <a:extLst>
+              <a:ext uri="{FF2B5EF4-FFF2-40B4-BE49-F238E27FC236}">
+                <a16:creationId xmlns:a16="http://schemas.microsoft.com/office/drawing/2014/main" id="{F0D6D590-E0E9-4266-1879-60E12CC4841B}"/>
+              </a:ext>
+            </a:extLst>
+          </p:cNvPr>
+          <p:cNvGrpSpPr/>
+          <p:nvPr/>
+        </p:nvGrpSpPr>
+        <p:grpSpPr>
+          <a:xfrm>
+            <a:off x="1137111" y="3373690"/>
+            <a:ext cx="1853383" cy="1055453"/>
+            <a:chOff x="1117595" y="3900572"/>
+            <a:chExt cx="1853383" cy="1055453"/>
+          </a:xfrm>
+        </p:grpSpPr>
+        <p:sp>
+          <p:nvSpPr>
+            <p:cNvPr id="94" name="椭圆 93">
+              <a:extLst>
+                <a:ext uri="{FF2B5EF4-FFF2-40B4-BE49-F238E27FC236}">
+                  <a16:creationId xmlns:a16="http://schemas.microsoft.com/office/drawing/2014/main" id="{15CB5189-69B0-7890-75CB-E25765F8DD5B}"/>
+                </a:ext>
+              </a:extLst>
+            </p:cNvPr>
+            <p:cNvSpPr/>
+            <p:nvPr/>
+          </p:nvSpPr>
+          <p:spPr>
+            <a:xfrm>
+              <a:off x="1117595" y="3916165"/>
+              <a:ext cx="1853383" cy="1039860"/>
+            </a:xfrm>
+            <a:prstGeom prst="ellipse">
+              <a:avLst/>
+            </a:prstGeom>
+            <a:blipFill dpi="0" rotWithShape="1">
+              <a:blip r:embed="rId2">
+                <a:extLst>
+                  <a:ext uri="{28A0092B-C50C-407E-A947-70E740481C1C}">
+                    <a14:useLocalDpi xmlns:a14="http://schemas.microsoft.com/office/drawing/2010/main" val="0"/>
+                  </a:ext>
+                </a:extLst>
+              </a:blip>
+              <a:srcRect/>
+              <a:stretch>
+                <a:fillRect l="-2247" t="-16126" r="-21548" b="1630"/>
+              </a:stretch>
+            </a:blipFill>
+          </p:spPr>
+          <p:style>
+            <a:lnRef idx="2">
+              <a:schemeClr val="accent1">
+                <a:shade val="50000"/>
+              </a:schemeClr>
+            </a:lnRef>
+            <a:fillRef idx="1">
+              <a:schemeClr val="accent1"/>
+            </a:fillRef>
+            <a:effectRef idx="0">
+              <a:schemeClr val="accent1"/>
+            </a:effectRef>
+            <a:fontRef idx="minor">
+              <a:schemeClr val="lt1"/>
+            </a:fontRef>
+          </p:style>
+          <p:txBody>
+            <a:bodyPr rtlCol="0" anchor="ctr"/>
+            <a:lstStyle/>
+            <a:p>
+              <a:pPr algn="ctr"/>
+              <a:endParaRPr kumimoji="1" lang="zh-CN" altLang="en-US"/>
+            </a:p>
+          </p:txBody>
+        </p:sp>
+        <p:sp>
+          <p:nvSpPr>
+            <p:cNvPr id="73" name="文本框 72">
+              <a:extLst>
+                <a:ext uri="{FF2B5EF4-FFF2-40B4-BE49-F238E27FC236}">
+                  <a16:creationId xmlns:a16="http://schemas.microsoft.com/office/drawing/2014/main" id="{6B8988A6-CC65-B308-FB60-89C3D9D53224}"/>
+                </a:ext>
+              </a:extLst>
+            </p:cNvPr>
+            <p:cNvSpPr txBox="1"/>
+            <p:nvPr/>
+          </p:nvSpPr>
+          <p:spPr>
+            <a:xfrm>
+              <a:off x="1656264" y="3900572"/>
+              <a:ext cx="962123" cy="338554"/>
+            </a:xfrm>
+            <a:prstGeom prst="rect">
+              <a:avLst/>
+            </a:prstGeom>
+            <a:noFill/>
+          </p:spPr>
+          <p:txBody>
+            <a:bodyPr wrap="square" rtlCol="0">
+              <a:spAutoFit/>
+            </a:bodyPr>
+            <a:lstStyle/>
+            <a:p>
+              <a:r>
+                <a:rPr kumimoji="1" lang="en-US" altLang="zh-CN" sz="1600" dirty="0"/>
+                <a:t>control</a:t>
+              </a:r>
+              <a:endParaRPr kumimoji="1" lang="zh-CN" altLang="en-US" sz="1600" dirty="0"/>
+            </a:p>
+          </p:txBody>
+        </p:sp>
+      </p:grpSp>
+      <p:cxnSp>
+        <p:nvCxnSpPr>
+          <p:cNvPr id="128" name="肘形连接符 127">
+            <a:extLst>
+              <a:ext uri="{FF2B5EF4-FFF2-40B4-BE49-F238E27FC236}">
+                <a16:creationId xmlns:a16="http://schemas.microsoft.com/office/drawing/2014/main" id="{509F55A9-1F29-E363-7D10-1D8650420688}"/>
+              </a:ext>
+            </a:extLst>
+          </p:cNvPr>
+          <p:cNvCxnSpPr>
+            <a:cxnSpLocks/>
+            <a:stCxn id="13" idx="6"/>
+          </p:cNvCxnSpPr>
+          <p:nvPr/>
+        </p:nvCxnSpPr>
+        <p:spPr>
+          <a:xfrm>
+            <a:off x="3024997" y="2754600"/>
+            <a:ext cx="508555" cy="591492"/>
+          </a:xfrm>
+          <a:prstGeom prst="bentConnector2">
+            <a:avLst/>
+          </a:prstGeom>
+          <a:ln w="22225"/>
+        </p:spPr>
+        <p:style>
+          <a:lnRef idx="1">
+            <a:schemeClr val="accent1"/>
+          </a:lnRef>
+          <a:fillRef idx="0">
+            <a:schemeClr val="accent1"/>
+          </a:fillRef>
+          <a:effectRef idx="0">
+            <a:schemeClr val="accent1"/>
+          </a:effectRef>
+          <a:fontRef idx="minor">
+            <a:schemeClr val="tx1"/>
+          </a:fontRef>
+        </p:style>
+      </p:cxnSp>
+      <p:cxnSp>
+        <p:nvCxnSpPr>
+          <p:cNvPr id="132" name="肘形连接符 131">
+            <a:extLst>
+              <a:ext uri="{FF2B5EF4-FFF2-40B4-BE49-F238E27FC236}">
+                <a16:creationId xmlns:a16="http://schemas.microsoft.com/office/drawing/2014/main" id="{E25A98BF-4BFC-8CD8-6605-952A2ABBA758}"/>
+              </a:ext>
+            </a:extLst>
+          </p:cNvPr>
+          <p:cNvCxnSpPr>
+            <a:cxnSpLocks/>
+            <a:stCxn id="94" idx="6"/>
+          </p:cNvCxnSpPr>
+          <p:nvPr/>
+        </p:nvCxnSpPr>
+        <p:spPr>
+          <a:xfrm flipV="1">
+            <a:off x="2990494" y="3345453"/>
+            <a:ext cx="543600" cy="563760"/>
+          </a:xfrm>
+          <a:prstGeom prst="bentConnector2">
+            <a:avLst/>
+          </a:prstGeom>
+          <a:ln w="22225"/>
+        </p:spPr>
+        <p:style>
+          <a:lnRef idx="1">
+            <a:schemeClr val="accent1"/>
+          </a:lnRef>
+          <a:fillRef idx="0">
+            <a:schemeClr val="accent1"/>
+          </a:fillRef>
+          <a:effectRef idx="0">
+            <a:schemeClr val="accent1"/>
+          </a:effectRef>
+          <a:fontRef idx="minor">
+            <a:schemeClr val="tx1"/>
+          </a:fontRef>
+        </p:style>
+      </p:cxnSp>
       <p:sp>
         <p:nvSpPr>
           <p:cNvPr id="62" name="文本框 61">
@@ -5175,8 +6290,8 @@
         </p:nvSpPr>
         <p:spPr>
           <a:xfrm>
-            <a:off x="9178712" y="4018120"/>
-            <a:ext cx="994362" cy="461665"/>
+            <a:off x="9095486" y="1283115"/>
+            <a:ext cx="994362" cy="369219"/>
           </a:xfrm>
           <a:prstGeom prst="rect">
             <a:avLst/>
@@ -5201,33 +6316,67 @@
           </a:p>
         </p:txBody>
       </p:sp>
+      <p:sp>
+        <p:nvSpPr>
+          <p:cNvPr id="34" name="文本框 33">
+            <a:extLst>
+              <a:ext uri="{FF2B5EF4-FFF2-40B4-BE49-F238E27FC236}">
+                <a16:creationId xmlns:a16="http://schemas.microsoft.com/office/drawing/2014/main" id="{80174827-EC4A-2FDD-20FE-36C67D5E9A32}"/>
+              </a:ext>
+            </a:extLst>
+          </p:cNvPr>
+          <p:cNvSpPr txBox="1"/>
+          <p:nvPr/>
+        </p:nvSpPr>
+        <p:spPr>
+          <a:xfrm>
+            <a:off x="6575011" y="4171921"/>
+            <a:ext cx="2060179" cy="369219"/>
+          </a:xfrm>
+          <a:prstGeom prst="rect">
+            <a:avLst/>
+          </a:prstGeom>
+          <a:noFill/>
+        </p:spPr>
+        <p:txBody>
+          <a:bodyPr wrap="square" rtlCol="0">
+            <a:spAutoFit/>
+          </a:bodyPr>
+          <a:lstStyle/>
+          <a:p>
+            <a:r>
+              <a:rPr kumimoji="1" lang="en-US" altLang="zh-CN" sz="2400" dirty="0" err="1"/>
+              <a:t>Z</a:t>
+            </a:r>
+            <a:r>
+              <a:rPr kumimoji="1" lang="en-US" altLang="zh-CN" sz="2400" baseline="-25000" dirty="0" err="1"/>
+              <a:t>content_Stimulated</a:t>
+            </a:r>
+            <a:endParaRPr kumimoji="1" lang="zh-CN" altLang="en-US" sz="2400" baseline="-25000" dirty="0"/>
+          </a:p>
+        </p:txBody>
+      </p:sp>
       <p:cxnSp>
         <p:nvCxnSpPr>
-          <p:cNvPr id="66" name="直线箭头连接符 65">
-            <a:extLst>
-              <a:ext uri="{FF2B5EF4-FFF2-40B4-BE49-F238E27FC236}">
-                <a16:creationId xmlns:a16="http://schemas.microsoft.com/office/drawing/2014/main" id="{ADEDB8FF-E4F7-F712-F2E6-7236AD0EFE1F}"/>
-              </a:ext>
-            </a:extLst>
-          </p:cNvPr>
-          <p:cNvCxnSpPr>
-            <a:stCxn id="34" idx="3"/>
-            <a:endCxn id="62" idx="0"/>
-          </p:cNvCxnSpPr>
+          <p:cNvPr id="146" name="直线连接符 145">
+            <a:extLst>
+              <a:ext uri="{FF2B5EF4-FFF2-40B4-BE49-F238E27FC236}">
+                <a16:creationId xmlns:a16="http://schemas.microsoft.com/office/drawing/2014/main" id="{9B024A07-4103-EFD6-4AEA-42E9C33CCE7D}"/>
+              </a:ext>
+            </a:extLst>
+          </p:cNvPr>
+          <p:cNvCxnSpPr/>
           <p:nvPr/>
         </p:nvCxnSpPr>
         <p:spPr>
           <a:xfrm>
-            <a:off x="8922890" y="1598927"/>
-            <a:ext cx="753003" cy="2419193"/>
-          </a:xfrm>
-          <a:prstGeom prst="straightConnector1">
-            <a:avLst/>
-          </a:prstGeom>
-          <a:ln>
-            <a:headEnd type="triangle"/>
-            <a:tailEnd type="triangle"/>
-          </a:ln>
+            <a:off x="5259176" y="3329859"/>
+            <a:ext cx="540000" cy="0"/>
+          </a:xfrm>
+          <a:prstGeom prst="line">
+            <a:avLst/>
+          </a:prstGeom>
+          <a:ln w="25400"/>
         </p:spPr>
         <p:style>
           <a:lnRef idx="1">
@@ -5244,178 +6393,89 @@
           </a:fontRef>
         </p:style>
       </p:cxnSp>
-      <p:sp>
-        <p:nvSpPr>
-          <p:cNvPr id="67" name="文本框 66">
-            <a:extLst>
-              <a:ext uri="{FF2B5EF4-FFF2-40B4-BE49-F238E27FC236}">
-                <a16:creationId xmlns:a16="http://schemas.microsoft.com/office/drawing/2014/main" id="{BF643DD9-1090-33B3-AD3B-483F0503D103}"/>
-              </a:ext>
-            </a:extLst>
-          </p:cNvPr>
-          <p:cNvSpPr txBox="1"/>
-          <p:nvPr/>
-        </p:nvSpPr>
-        <p:spPr>
-          <a:xfrm rot="20524170">
-            <a:off x="9299391" y="2369759"/>
-            <a:ext cx="963725" cy="646331"/>
-          </a:xfrm>
-          <a:prstGeom prst="rect">
-            <a:avLst/>
-          </a:prstGeom>
-          <a:noFill/>
-        </p:spPr>
-        <p:txBody>
-          <a:bodyPr wrap="none" rtlCol="0">
-            <a:spAutoFit/>
-          </a:bodyPr>
-          <a:lstStyle/>
-          <a:p>
-            <a:r>
-              <a:rPr kumimoji="1" lang="en-US" altLang="zh-CN" dirty="0"/>
-              <a:t>Smooth</a:t>
-            </a:r>
-          </a:p>
-          <a:p>
-            <a:r>
-              <a:rPr kumimoji="1" lang="en-US" altLang="zh-CN" dirty="0"/>
-              <a:t>L1Loss</a:t>
-            </a:r>
-            <a:endParaRPr kumimoji="1" lang="zh-CN" altLang="en-US" dirty="0"/>
-          </a:p>
-        </p:txBody>
-      </p:sp>
-      <p:pic>
-        <p:nvPicPr>
-          <p:cNvPr id="69" name="图片 68">
-            <a:extLst>
-              <a:ext uri="{FF2B5EF4-FFF2-40B4-BE49-F238E27FC236}">
-                <a16:creationId xmlns:a16="http://schemas.microsoft.com/office/drawing/2014/main" id="{A0B66E5C-39FD-2207-D62E-57B843293BC5}"/>
-              </a:ext>
-            </a:extLst>
-          </p:cNvPr>
-          <p:cNvPicPr>
-            <a:picLocks/>
-          </p:cNvPicPr>
-          <p:nvPr/>
-        </p:nvPicPr>
-        <p:blipFill rotWithShape="1">
-          <a:blip r:embed="rId2"/>
-          <a:srcRect l="3826" t="16445" r="23929" b="10474"/>
-          <a:stretch/>
-        </p:blipFill>
-        <p:spPr>
-          <a:xfrm>
-            <a:off x="1598097" y="1058926"/>
-            <a:ext cx="1440000" cy="1080000"/>
-          </a:xfrm>
-          <a:prstGeom prst="rect">
-            <a:avLst/>
-          </a:prstGeom>
-        </p:spPr>
-      </p:pic>
-      <p:pic>
-        <p:nvPicPr>
-          <p:cNvPr id="71" name="图片 70">
-            <a:extLst>
-              <a:ext uri="{FF2B5EF4-FFF2-40B4-BE49-F238E27FC236}">
-                <a16:creationId xmlns:a16="http://schemas.microsoft.com/office/drawing/2014/main" id="{E4046FDD-4640-9859-75D6-F6D308DBD6C1}"/>
-              </a:ext>
-            </a:extLst>
-          </p:cNvPr>
-          <p:cNvPicPr>
-            <a:picLocks/>
-          </p:cNvPicPr>
-          <p:nvPr/>
-        </p:nvPicPr>
-        <p:blipFill rotWithShape="1">
-          <a:blip r:embed="rId3"/>
-          <a:srcRect l="4044" t="9412" r="23532" b="4655"/>
-          <a:stretch/>
-        </p:blipFill>
-        <p:spPr>
-          <a:xfrm>
-            <a:off x="1598097" y="2479635"/>
-            <a:ext cx="1440000" cy="1080000"/>
-          </a:xfrm>
-          <a:prstGeom prst="rect">
-            <a:avLst/>
-          </a:prstGeom>
-        </p:spPr>
-      </p:pic>
-      <p:sp>
-        <p:nvSpPr>
-          <p:cNvPr id="72" name="文本框 71">
-            <a:extLst>
-              <a:ext uri="{FF2B5EF4-FFF2-40B4-BE49-F238E27FC236}">
-                <a16:creationId xmlns:a16="http://schemas.microsoft.com/office/drawing/2014/main" id="{5314B7BE-55F5-C257-DD73-97E0ECAFE213}"/>
-              </a:ext>
-            </a:extLst>
-          </p:cNvPr>
-          <p:cNvSpPr txBox="1"/>
-          <p:nvPr/>
-        </p:nvSpPr>
-        <p:spPr>
-          <a:xfrm>
-            <a:off x="1651889" y="518162"/>
-            <a:ext cx="1332416" cy="400110"/>
-          </a:xfrm>
-          <a:prstGeom prst="rect">
-            <a:avLst/>
-          </a:prstGeom>
-          <a:noFill/>
-        </p:spPr>
-        <p:txBody>
-          <a:bodyPr wrap="none" rtlCol="0">
-            <a:spAutoFit/>
-          </a:bodyPr>
-          <a:lstStyle/>
-          <a:p>
-            <a:r>
-              <a:rPr kumimoji="1" lang="en-US" altLang="zh-CN" sz="2000" dirty="0"/>
-              <a:t>stimulated</a:t>
-            </a:r>
-            <a:endParaRPr kumimoji="1" lang="zh-CN" altLang="en-US" sz="2000" dirty="0"/>
-          </a:p>
-        </p:txBody>
-      </p:sp>
-      <p:sp>
-        <p:nvSpPr>
-          <p:cNvPr id="73" name="文本框 72">
-            <a:extLst>
-              <a:ext uri="{FF2B5EF4-FFF2-40B4-BE49-F238E27FC236}">
-                <a16:creationId xmlns:a16="http://schemas.microsoft.com/office/drawing/2014/main" id="{6B8988A6-CC65-B308-FB60-89C3D9D53224}"/>
-              </a:ext>
-            </a:extLst>
-          </p:cNvPr>
-          <p:cNvSpPr txBox="1"/>
-          <p:nvPr/>
-        </p:nvSpPr>
-        <p:spPr>
-          <a:xfrm>
-            <a:off x="1738450" y="3700289"/>
-            <a:ext cx="962123" cy="400110"/>
-          </a:xfrm>
-          <a:prstGeom prst="rect">
-            <a:avLst/>
-          </a:prstGeom>
-          <a:noFill/>
-        </p:spPr>
-        <p:txBody>
-          <a:bodyPr wrap="none" rtlCol="0">
-            <a:spAutoFit/>
-          </a:bodyPr>
-          <a:lstStyle/>
-          <a:p>
-            <a:r>
-              <a:rPr kumimoji="1" lang="en-US" altLang="zh-CN" sz="2000" dirty="0"/>
-              <a:t>control</a:t>
-            </a:r>
-            <a:endParaRPr kumimoji="1" lang="zh-CN" altLang="en-US" sz="2000" dirty="0"/>
-          </a:p>
-        </p:txBody>
-      </p:sp>
+      <p:cxnSp>
+        <p:nvCxnSpPr>
+          <p:cNvPr id="150" name="肘形连接符 149">
+            <a:extLst>
+              <a:ext uri="{FF2B5EF4-FFF2-40B4-BE49-F238E27FC236}">
+                <a16:creationId xmlns:a16="http://schemas.microsoft.com/office/drawing/2014/main" id="{D654D1B8-D864-9297-ED3C-A52D7574A127}"/>
+              </a:ext>
+            </a:extLst>
+          </p:cNvPr>
+          <p:cNvCxnSpPr>
+            <a:cxnSpLocks/>
+          </p:cNvCxnSpPr>
+          <p:nvPr/>
+        </p:nvCxnSpPr>
+        <p:spPr>
+          <a:xfrm rot="16200000" flipH="1">
+            <a:off x="5460179" y="3647715"/>
+            <a:ext cx="1047811" cy="369817"/>
+          </a:xfrm>
+          <a:prstGeom prst="bentConnector2">
+            <a:avLst/>
+          </a:prstGeom>
+          <a:ln w="19050">
+            <a:tailEnd type="triangle"/>
+          </a:ln>
+        </p:spPr>
+        <p:style>
+          <a:lnRef idx="1">
+            <a:schemeClr val="accent1"/>
+          </a:lnRef>
+          <a:fillRef idx="0">
+            <a:schemeClr val="accent1"/>
+          </a:fillRef>
+          <a:effectRef idx="0">
+            <a:schemeClr val="accent1"/>
+          </a:effectRef>
+          <a:fontRef idx="minor">
+            <a:schemeClr val="tx1"/>
+          </a:fontRef>
+        </p:style>
+      </p:cxnSp>
+      <p:cxnSp>
+        <p:nvCxnSpPr>
+          <p:cNvPr id="158" name="肘形连接符 157">
+            <a:extLst>
+              <a:ext uri="{FF2B5EF4-FFF2-40B4-BE49-F238E27FC236}">
+                <a16:creationId xmlns:a16="http://schemas.microsoft.com/office/drawing/2014/main" id="{A33E6984-74D1-F8DF-F210-F8A650E4FB48}"/>
+              </a:ext>
+            </a:extLst>
+          </p:cNvPr>
+          <p:cNvCxnSpPr>
+            <a:cxnSpLocks/>
+            <a:endCxn id="117" idx="1"/>
+          </p:cNvCxnSpPr>
+          <p:nvPr/>
+        </p:nvCxnSpPr>
+        <p:spPr>
+          <a:xfrm rot="5400000" flipH="1" flipV="1">
+            <a:off x="5478272" y="2538984"/>
+            <a:ext cx="1119379" cy="477570"/>
+          </a:xfrm>
+          <a:prstGeom prst="bentConnector2">
+            <a:avLst/>
+          </a:prstGeom>
+          <a:ln w="19050">
+            <a:tailEnd type="triangle"/>
+          </a:ln>
+        </p:spPr>
+        <p:style>
+          <a:lnRef idx="1">
+            <a:schemeClr val="accent1"/>
+          </a:lnRef>
+          <a:fillRef idx="0">
+            <a:schemeClr val="accent1"/>
+          </a:fillRef>
+          <a:effectRef idx="0">
+            <a:schemeClr val="accent1"/>
+          </a:effectRef>
+          <a:fontRef idx="minor">
+            <a:schemeClr val="tx1"/>
+          </a:fontRef>
+        </p:style>
+      </p:cxnSp>
     </p:spTree>
     <p:extLst>
       <p:ext uri="{BB962C8B-B14F-4D97-AF65-F5344CB8AC3E}">
@@ -5446,12 +6506,53 @@
           <a:chExt cx="0" cy="0"/>
         </a:xfrm>
       </p:grpSpPr>
-      <p:sp>
-        <p:nvSpPr>
-          <p:cNvPr id="4" name="梯形 3">
-            <a:extLst>
-              <a:ext uri="{FF2B5EF4-FFF2-40B4-BE49-F238E27FC236}">
-                <a16:creationId xmlns:a16="http://schemas.microsoft.com/office/drawing/2014/main" id="{0664E389-9A9E-52B0-250D-3C35DB62714E}"/>
+      <p:cxnSp>
+        <p:nvCxnSpPr>
+          <p:cNvPr id="15" name="直线箭头连接符 14">
+            <a:extLst>
+              <a:ext uri="{FF2B5EF4-FFF2-40B4-BE49-F238E27FC236}">
+                <a16:creationId xmlns:a16="http://schemas.microsoft.com/office/drawing/2014/main" id="{00B5E50B-1C48-8AF2-A583-D3E03134A3C2}"/>
+              </a:ext>
+            </a:extLst>
+          </p:cNvPr>
+          <p:cNvCxnSpPr>
+            <a:cxnSpLocks/>
+          </p:cNvCxnSpPr>
+          <p:nvPr/>
+        </p:nvCxnSpPr>
+        <p:spPr>
+          <a:xfrm>
+            <a:off x="2637739" y="1595270"/>
+            <a:ext cx="810000" cy="0"/>
+          </a:xfrm>
+          <a:prstGeom prst="straightConnector1">
+            <a:avLst/>
+          </a:prstGeom>
+          <a:ln w="25400">
+            <a:tailEnd type="triangle"/>
+          </a:ln>
+        </p:spPr>
+        <p:style>
+          <a:lnRef idx="1">
+            <a:schemeClr val="accent1"/>
+          </a:lnRef>
+          <a:fillRef idx="0">
+            <a:schemeClr val="accent1"/>
+          </a:fillRef>
+          <a:effectRef idx="0">
+            <a:schemeClr val="accent1"/>
+          </a:effectRef>
+          <a:fontRef idx="minor">
+            <a:schemeClr val="tx1"/>
+          </a:fontRef>
+        </p:style>
+      </p:cxnSp>
+      <p:sp>
+        <p:nvSpPr>
+          <p:cNvPr id="37" name="梯形 36">
+            <a:extLst>
+              <a:ext uri="{FF2B5EF4-FFF2-40B4-BE49-F238E27FC236}">
+                <a16:creationId xmlns:a16="http://schemas.microsoft.com/office/drawing/2014/main" id="{DECDBFCC-FBDF-407A-6769-A403E26006F7}"/>
               </a:ext>
             </a:extLst>
           </p:cNvPr>
@@ -5459,9 +6560,9 @@
           <p:nvPr/>
         </p:nvSpPr>
         <p:spPr>
-          <a:xfrm rot="16200000" flipH="1">
-            <a:off x="4239238" y="2923464"/>
-            <a:ext cx="1156059" cy="1088246"/>
+          <a:xfrm rot="5400000">
+            <a:off x="3658550" y="1051147"/>
+            <a:ext cx="924564" cy="1088246"/>
           </a:xfrm>
           <a:prstGeom prst="trapezoid">
             <a:avLst/>
@@ -5516,10 +6617,10 @@
       </p:sp>
       <p:sp>
         <p:nvSpPr>
-          <p:cNvPr id="5" name="文本框 4">
-            <a:extLst>
-              <a:ext uri="{FF2B5EF4-FFF2-40B4-BE49-F238E27FC236}">
-                <a16:creationId xmlns:a16="http://schemas.microsoft.com/office/drawing/2014/main" id="{499AD0FD-B929-30F7-720F-FA760F5E2AF8}"/>
+          <p:cNvPr id="38" name="文本框 37">
+            <a:extLst>
+              <a:ext uri="{FF2B5EF4-FFF2-40B4-BE49-F238E27FC236}">
+                <a16:creationId xmlns:a16="http://schemas.microsoft.com/office/drawing/2014/main" id="{DEB31574-D34A-59A9-B086-5F501F790F48}"/>
               </a:ext>
             </a:extLst>
           </p:cNvPr>
@@ -5528,8 +6629,8 @@
         </p:nvSpPr>
         <p:spPr>
           <a:xfrm>
-            <a:off x="4302542" y="3295704"/>
-            <a:ext cx="1029449" cy="369332"/>
+            <a:off x="3583451" y="1262757"/>
+            <a:ext cx="997389" cy="516907"/>
           </a:xfrm>
           <a:prstGeom prst="rect">
             <a:avLst/>
@@ -5537,14 +6638,22 @@
           <a:noFill/>
         </p:spPr>
         <p:txBody>
-          <a:bodyPr wrap="none" rtlCol="0">
+          <a:bodyPr wrap="square" rtlCol="0">
             <a:spAutoFit/>
           </a:bodyPr>
           <a:lstStyle/>
           <a:p>
+            <a:pPr algn="ctr"/>
             <a:r>
               <a:rPr kumimoji="1" lang="en-US" altLang="zh-CN" dirty="0"/>
-              <a:t>Decoder</a:t>
+              <a:t>Style</a:t>
+            </a:r>
+          </a:p>
+          <a:p>
+            <a:pPr algn="ctr"/>
+            <a:r>
+              <a:rPr kumimoji="1" lang="en-US" altLang="zh-CN" dirty="0"/>
+              <a:t>Encoder</a:t>
             </a:r>
             <a:endParaRPr kumimoji="1" lang="zh-CN" altLang="en-US" dirty="0"/>
           </a:p>
@@ -5552,10 +6661,10 @@
       </p:sp>
       <p:cxnSp>
         <p:nvCxnSpPr>
-          <p:cNvPr id="6" name="直线箭头连接符 5">
-            <a:extLst>
-              <a:ext uri="{FF2B5EF4-FFF2-40B4-BE49-F238E27FC236}">
-                <a16:creationId xmlns:a16="http://schemas.microsoft.com/office/drawing/2014/main" id="{9057A49F-D362-1712-7B68-833573E1E631}"/>
+          <p:cNvPr id="39" name="直线箭头连接符 38">
+            <a:extLst>
+              <a:ext uri="{FF2B5EF4-FFF2-40B4-BE49-F238E27FC236}">
+                <a16:creationId xmlns:a16="http://schemas.microsoft.com/office/drawing/2014/main" id="{E3A2E065-DA9F-1EEF-298A-9E9AF3E69D64}"/>
               </a:ext>
             </a:extLst>
           </p:cNvPr>
@@ -5566,7 +6675,7 @@
         </p:nvCxnSpPr>
         <p:spPr>
           <a:xfrm>
-            <a:off x="5518276" y="3487640"/>
+            <a:off x="4792580" y="1608894"/>
             <a:ext cx="810000" cy="0"/>
           </a:xfrm>
           <a:prstGeom prst="straightConnector1">
@@ -5593,10 +6702,10 @@
       </p:cxnSp>
       <p:sp>
         <p:nvSpPr>
-          <p:cNvPr id="13" name="矩形 12">
-            <a:extLst>
-              <a:ext uri="{FF2B5EF4-FFF2-40B4-BE49-F238E27FC236}">
-                <a16:creationId xmlns:a16="http://schemas.microsoft.com/office/drawing/2014/main" id="{5FD26E28-8250-9000-3894-11ACAE599CEE}"/>
+          <p:cNvPr id="45" name="矩形 44">
+            <a:extLst>
+              <a:ext uri="{FF2B5EF4-FFF2-40B4-BE49-F238E27FC236}">
+                <a16:creationId xmlns:a16="http://schemas.microsoft.com/office/drawing/2014/main" id="{8ED0C11E-DF20-4719-2035-8E5D2405CEBE}"/>
               </a:ext>
             </a:extLst>
           </p:cNvPr>
@@ -5605,8 +6714,8 @@
         </p:nvSpPr>
         <p:spPr>
           <a:xfrm>
-            <a:off x="1006402" y="2972259"/>
-            <a:ext cx="180000" cy="180000"/>
+            <a:off x="5737112" y="1257453"/>
+            <a:ext cx="180000" cy="143956"/>
           </a:xfrm>
           <a:prstGeom prst="rect">
             <a:avLst/>
@@ -5614,26 +6723,24 @@
           <a:gradFill flip="none" rotWithShape="1">
             <a:gsLst>
               <a:gs pos="0">
-                <a:schemeClr val="accent1">
-                  <a:lumMod val="0"/>
-                  <a:lumOff val="100000"/>
-                </a:schemeClr>
-              </a:gs>
-              <a:gs pos="15000">
-                <a:schemeClr val="accent1">
-                  <a:lumMod val="0"/>
-                  <a:lumOff val="100000"/>
+                <a:schemeClr val="accent6">
+                  <a:lumMod val="67000"/>
+                </a:schemeClr>
+              </a:gs>
+              <a:gs pos="48000">
+                <a:schemeClr val="accent6">
+                  <a:lumMod val="97000"/>
+                  <a:lumOff val="3000"/>
                 </a:schemeClr>
               </a:gs>
               <a:gs pos="100000">
-                <a:schemeClr val="accent1">
-                  <a:lumMod val="100000"/>
+                <a:schemeClr val="accent6">
+                  <a:lumMod val="60000"/>
+                  <a:lumOff val="40000"/>
                 </a:schemeClr>
               </a:gs>
             </a:gsLst>
-            <a:path path="circle">
-              <a:fillToRect l="50000" t="-80000" r="50000" b="180000"/>
-            </a:path>
+            <a:lin ang="16200000" scaled="1"/>
             <a:tileRect/>
           </a:gradFill>
         </p:spPr>
@@ -5664,10 +6771,10 @@
       </p:sp>
       <p:sp>
         <p:nvSpPr>
-          <p:cNvPr id="14" name="矩形 13">
-            <a:extLst>
-              <a:ext uri="{FF2B5EF4-FFF2-40B4-BE49-F238E27FC236}">
-                <a16:creationId xmlns:a16="http://schemas.microsoft.com/office/drawing/2014/main" id="{26390AD8-D66C-0F6D-4218-99F5D09FB974}"/>
+          <p:cNvPr id="46" name="矩形 45">
+            <a:extLst>
+              <a:ext uri="{FF2B5EF4-FFF2-40B4-BE49-F238E27FC236}">
+                <a16:creationId xmlns:a16="http://schemas.microsoft.com/office/drawing/2014/main" id="{BFB4FE99-C8F0-028F-00D3-19B49D6BFF59}"/>
               </a:ext>
             </a:extLst>
           </p:cNvPr>
@@ -5676,8 +6783,8 @@
         </p:nvSpPr>
         <p:spPr>
           <a:xfrm>
-            <a:off x="1006402" y="3214659"/>
-            <a:ext cx="180000" cy="180000"/>
+            <a:off x="5737112" y="1451314"/>
+            <a:ext cx="180000" cy="143956"/>
           </a:xfrm>
           <a:prstGeom prst="rect">
             <a:avLst/>
@@ -5685,26 +6792,24 @@
           <a:gradFill flip="none" rotWithShape="1">
             <a:gsLst>
               <a:gs pos="0">
-                <a:schemeClr val="accent1">
-                  <a:lumMod val="0"/>
-                  <a:lumOff val="100000"/>
-                </a:schemeClr>
-              </a:gs>
-              <a:gs pos="15000">
-                <a:schemeClr val="accent1">
-                  <a:lumMod val="0"/>
-                  <a:lumOff val="100000"/>
+                <a:schemeClr val="accent6">
+                  <a:lumMod val="67000"/>
+                </a:schemeClr>
+              </a:gs>
+              <a:gs pos="48000">
+                <a:schemeClr val="accent6">
+                  <a:lumMod val="97000"/>
+                  <a:lumOff val="3000"/>
                 </a:schemeClr>
               </a:gs>
               <a:gs pos="100000">
-                <a:schemeClr val="accent1">
-                  <a:lumMod val="100000"/>
+                <a:schemeClr val="accent6">
+                  <a:lumMod val="60000"/>
+                  <a:lumOff val="40000"/>
                 </a:schemeClr>
               </a:gs>
             </a:gsLst>
-            <a:path path="circle">
-              <a:fillToRect l="50000" t="-80000" r="50000" b="180000"/>
-            </a:path>
+            <a:lin ang="16200000" scaled="1"/>
             <a:tileRect/>
           </a:gradFill>
         </p:spPr>
@@ -5735,10 +6840,10 @@
       </p:sp>
       <p:sp>
         <p:nvSpPr>
-          <p:cNvPr id="15" name="矩形 14">
-            <a:extLst>
-              <a:ext uri="{FF2B5EF4-FFF2-40B4-BE49-F238E27FC236}">
-                <a16:creationId xmlns:a16="http://schemas.microsoft.com/office/drawing/2014/main" id="{014C1B18-91B3-A34B-5F56-7CD80CAB87DF}"/>
+          <p:cNvPr id="47" name="矩形 46">
+            <a:extLst>
+              <a:ext uri="{FF2B5EF4-FFF2-40B4-BE49-F238E27FC236}">
+                <a16:creationId xmlns:a16="http://schemas.microsoft.com/office/drawing/2014/main" id="{E41AB206-FBA4-3209-8A1E-7D289A78A194}"/>
               </a:ext>
             </a:extLst>
           </p:cNvPr>
@@ -5747,8 +6852,8 @@
         </p:nvSpPr>
         <p:spPr>
           <a:xfrm>
-            <a:off x="1006402" y="3457059"/>
-            <a:ext cx="180000" cy="180000"/>
+            <a:off x="5737112" y="1645175"/>
+            <a:ext cx="180000" cy="143956"/>
           </a:xfrm>
           <a:prstGeom prst="rect">
             <a:avLst/>
@@ -5756,26 +6861,24 @@
           <a:gradFill flip="none" rotWithShape="1">
             <a:gsLst>
               <a:gs pos="0">
-                <a:schemeClr val="accent1">
-                  <a:lumMod val="0"/>
-                  <a:lumOff val="100000"/>
-                </a:schemeClr>
-              </a:gs>
-              <a:gs pos="15000">
-                <a:schemeClr val="accent1">
-                  <a:lumMod val="0"/>
-                  <a:lumOff val="100000"/>
+                <a:schemeClr val="accent6">
+                  <a:lumMod val="67000"/>
+                </a:schemeClr>
+              </a:gs>
+              <a:gs pos="48000">
+                <a:schemeClr val="accent6">
+                  <a:lumMod val="97000"/>
+                  <a:lumOff val="3000"/>
                 </a:schemeClr>
               </a:gs>
               <a:gs pos="100000">
-                <a:schemeClr val="accent1">
-                  <a:lumMod val="100000"/>
+                <a:schemeClr val="accent6">
+                  <a:lumMod val="60000"/>
+                  <a:lumOff val="40000"/>
                 </a:schemeClr>
               </a:gs>
             </a:gsLst>
-            <a:path path="circle">
-              <a:fillToRect l="50000" t="-80000" r="50000" b="180000"/>
-            </a:path>
+            <a:lin ang="16200000" scaled="1"/>
             <a:tileRect/>
           </a:gradFill>
         </p:spPr>
@@ -5806,10 +6909,10 @@
       </p:sp>
       <p:sp>
         <p:nvSpPr>
-          <p:cNvPr id="16" name="矩形 15">
-            <a:extLst>
-              <a:ext uri="{FF2B5EF4-FFF2-40B4-BE49-F238E27FC236}">
-                <a16:creationId xmlns:a16="http://schemas.microsoft.com/office/drawing/2014/main" id="{6BD1F0EE-DF4E-0BED-0BB1-3DDA4872EE53}"/>
+          <p:cNvPr id="48" name="矩形 47">
+            <a:extLst>
+              <a:ext uri="{FF2B5EF4-FFF2-40B4-BE49-F238E27FC236}">
+                <a16:creationId xmlns:a16="http://schemas.microsoft.com/office/drawing/2014/main" id="{30D3F566-EF4A-BEA8-A1A1-439C0F4815F0}"/>
               </a:ext>
             </a:extLst>
           </p:cNvPr>
@@ -5818,8 +6921,8 @@
         </p:nvSpPr>
         <p:spPr>
           <a:xfrm>
-            <a:off x="1006402" y="3699459"/>
-            <a:ext cx="180000" cy="180000"/>
+            <a:off x="5737112" y="1839036"/>
+            <a:ext cx="180000" cy="143956"/>
           </a:xfrm>
           <a:prstGeom prst="rect">
             <a:avLst/>
@@ -5827,26 +6930,24 @@
           <a:gradFill flip="none" rotWithShape="1">
             <a:gsLst>
               <a:gs pos="0">
-                <a:schemeClr val="accent1">
-                  <a:lumMod val="0"/>
-                  <a:lumOff val="100000"/>
-                </a:schemeClr>
-              </a:gs>
-              <a:gs pos="15000">
-                <a:schemeClr val="accent1">
-                  <a:lumMod val="0"/>
-                  <a:lumOff val="100000"/>
+                <a:schemeClr val="accent6">
+                  <a:lumMod val="67000"/>
+                </a:schemeClr>
+              </a:gs>
+              <a:gs pos="48000">
+                <a:schemeClr val="accent6">
+                  <a:lumMod val="97000"/>
+                  <a:lumOff val="3000"/>
                 </a:schemeClr>
               </a:gs>
               <a:gs pos="100000">
-                <a:schemeClr val="accent1">
-                  <a:lumMod val="100000"/>
+                <a:schemeClr val="accent6">
+                  <a:lumMod val="60000"/>
+                  <a:lumOff val="40000"/>
                 </a:schemeClr>
               </a:gs>
             </a:gsLst>
-            <a:path path="circle">
-              <a:fillToRect l="50000" t="-80000" r="50000" b="180000"/>
-            </a:path>
+            <a:lin ang="16200000" scaled="1"/>
             <a:tileRect/>
           </a:gradFill>
         </p:spPr>
@@ -5877,10 +6978,10 @@
       </p:sp>
       <p:sp>
         <p:nvSpPr>
-          <p:cNvPr id="18" name="文本框 17">
-            <a:extLst>
-              <a:ext uri="{FF2B5EF4-FFF2-40B4-BE49-F238E27FC236}">
-                <a16:creationId xmlns:a16="http://schemas.microsoft.com/office/drawing/2014/main" id="{29023DBC-9782-0671-AA71-18CDA4B85DFF}"/>
+          <p:cNvPr id="50" name="文本框 49">
+            <a:extLst>
+              <a:ext uri="{FF2B5EF4-FFF2-40B4-BE49-F238E27FC236}">
+                <a16:creationId xmlns:a16="http://schemas.microsoft.com/office/drawing/2014/main" id="{2808AF0C-AF29-FAE3-F7AB-302482540354}"/>
               </a:ext>
             </a:extLst>
           </p:cNvPr>
@@ -5889,8 +6990,1343 @@
         </p:nvSpPr>
         <p:spPr>
           <a:xfrm>
-            <a:off x="1365580" y="3163826"/>
-            <a:ext cx="1785954" cy="461665"/>
+            <a:off x="6384814" y="1387774"/>
+            <a:ext cx="809994" cy="369219"/>
+          </a:xfrm>
+          <a:prstGeom prst="rect">
+            <a:avLst/>
+          </a:prstGeom>
+          <a:noFill/>
+        </p:spPr>
+        <p:txBody>
+          <a:bodyPr wrap="square">
+            <a:spAutoFit/>
+          </a:bodyPr>
+          <a:lstStyle/>
+          <a:p>
+            <a:r>
+              <a:rPr kumimoji="1" lang="en-US" altLang="zh-CN" sz="2400" dirty="0" err="1"/>
+              <a:t>Z</a:t>
+            </a:r>
+            <a:r>
+              <a:rPr kumimoji="1" lang="en-US" altLang="zh-CN" sz="2400" baseline="-25000" dirty="0" err="1"/>
+              <a:t>style</a:t>
+            </a:r>
+            <a:endParaRPr kumimoji="1" lang="zh-CN" altLang="en-US" sz="2400" baseline="-25000" dirty="0"/>
+          </a:p>
+        </p:txBody>
+      </p:sp>
+      <p:sp>
+        <p:nvSpPr>
+          <p:cNvPr id="51" name="矩形 50">
+            <a:extLst>
+              <a:ext uri="{FF2B5EF4-FFF2-40B4-BE49-F238E27FC236}">
+                <a16:creationId xmlns:a16="http://schemas.microsoft.com/office/drawing/2014/main" id="{1FF473CC-F231-C68C-3592-1715005E3B55}"/>
+              </a:ext>
+            </a:extLst>
+          </p:cNvPr>
+          <p:cNvSpPr/>
+          <p:nvPr/>
+        </p:nvSpPr>
+        <p:spPr>
+          <a:xfrm>
+            <a:off x="2313195" y="1225315"/>
+            <a:ext cx="180000" cy="143956"/>
+          </a:xfrm>
+          <a:prstGeom prst="rect">
+            <a:avLst/>
+          </a:prstGeom>
+          <a:gradFill flip="none" rotWithShape="1">
+            <a:gsLst>
+              <a:gs pos="0">
+                <a:schemeClr val="accent6">
+                  <a:lumMod val="67000"/>
+                </a:schemeClr>
+              </a:gs>
+              <a:gs pos="48000">
+                <a:schemeClr val="accent6">
+                  <a:lumMod val="97000"/>
+                  <a:lumOff val="3000"/>
+                </a:schemeClr>
+              </a:gs>
+              <a:gs pos="100000">
+                <a:schemeClr val="accent6">
+                  <a:lumMod val="60000"/>
+                  <a:lumOff val="40000"/>
+                </a:schemeClr>
+              </a:gs>
+            </a:gsLst>
+            <a:lin ang="16200000" scaled="1"/>
+            <a:tileRect/>
+          </a:gradFill>
+        </p:spPr>
+        <p:style>
+          <a:lnRef idx="2">
+            <a:schemeClr val="accent1">
+              <a:shade val="50000"/>
+            </a:schemeClr>
+          </a:lnRef>
+          <a:fillRef idx="1">
+            <a:schemeClr val="accent1"/>
+          </a:fillRef>
+          <a:effectRef idx="0">
+            <a:schemeClr val="accent1"/>
+          </a:effectRef>
+          <a:fontRef idx="minor">
+            <a:schemeClr val="lt1"/>
+          </a:fontRef>
+        </p:style>
+        <p:txBody>
+          <a:bodyPr rtlCol="0" anchor="ctr"/>
+          <a:lstStyle/>
+          <a:p>
+            <a:pPr algn="ctr"/>
+            <a:endParaRPr kumimoji="1" lang="zh-CN" altLang="en-US"/>
+          </a:p>
+        </p:txBody>
+      </p:sp>
+      <p:sp>
+        <p:nvSpPr>
+          <p:cNvPr id="52" name="矩形 51">
+            <a:extLst>
+              <a:ext uri="{FF2B5EF4-FFF2-40B4-BE49-F238E27FC236}">
+                <a16:creationId xmlns:a16="http://schemas.microsoft.com/office/drawing/2014/main" id="{7E862505-1462-6917-22AC-64B4B4188640}"/>
+              </a:ext>
+            </a:extLst>
+          </p:cNvPr>
+          <p:cNvSpPr/>
+          <p:nvPr/>
+        </p:nvSpPr>
+        <p:spPr>
+          <a:xfrm>
+            <a:off x="2313195" y="1419176"/>
+            <a:ext cx="180000" cy="143956"/>
+          </a:xfrm>
+          <a:prstGeom prst="rect">
+            <a:avLst/>
+          </a:prstGeom>
+          <a:gradFill flip="none" rotWithShape="1">
+            <a:gsLst>
+              <a:gs pos="0">
+                <a:schemeClr val="accent6">
+                  <a:lumMod val="40000"/>
+                  <a:lumOff val="60000"/>
+                </a:schemeClr>
+              </a:gs>
+              <a:gs pos="46000">
+                <a:schemeClr val="accent6">
+                  <a:lumMod val="95000"/>
+                  <a:lumOff val="5000"/>
+                </a:schemeClr>
+              </a:gs>
+              <a:gs pos="100000">
+                <a:schemeClr val="accent6">
+                  <a:lumMod val="60000"/>
+                </a:schemeClr>
+              </a:gs>
+            </a:gsLst>
+            <a:path path="circle">
+              <a:fillToRect l="50000" t="130000" r="50000" b="-30000"/>
+            </a:path>
+            <a:tileRect/>
+          </a:gradFill>
+        </p:spPr>
+        <p:style>
+          <a:lnRef idx="2">
+            <a:schemeClr val="accent1">
+              <a:shade val="50000"/>
+            </a:schemeClr>
+          </a:lnRef>
+          <a:fillRef idx="1">
+            <a:schemeClr val="accent1"/>
+          </a:fillRef>
+          <a:effectRef idx="0">
+            <a:schemeClr val="accent1"/>
+          </a:effectRef>
+          <a:fontRef idx="minor">
+            <a:schemeClr val="lt1"/>
+          </a:fontRef>
+        </p:style>
+        <p:txBody>
+          <a:bodyPr rtlCol="0" anchor="ctr"/>
+          <a:lstStyle/>
+          <a:p>
+            <a:pPr algn="ctr"/>
+            <a:endParaRPr kumimoji="1" lang="zh-CN" altLang="en-US"/>
+          </a:p>
+        </p:txBody>
+      </p:sp>
+      <p:sp>
+        <p:nvSpPr>
+          <p:cNvPr id="53" name="矩形 52">
+            <a:extLst>
+              <a:ext uri="{FF2B5EF4-FFF2-40B4-BE49-F238E27FC236}">
+                <a16:creationId xmlns:a16="http://schemas.microsoft.com/office/drawing/2014/main" id="{80FAC281-D3D6-136D-B660-9C5D24E24E3F}"/>
+              </a:ext>
+            </a:extLst>
+          </p:cNvPr>
+          <p:cNvSpPr/>
+          <p:nvPr/>
+        </p:nvSpPr>
+        <p:spPr>
+          <a:xfrm>
+            <a:off x="2313195" y="1613037"/>
+            <a:ext cx="180000" cy="143956"/>
+          </a:xfrm>
+          <a:prstGeom prst="rect">
+            <a:avLst/>
+          </a:prstGeom>
+          <a:gradFill flip="none" rotWithShape="1">
+            <a:gsLst>
+              <a:gs pos="0">
+                <a:schemeClr val="accent6">
+                  <a:lumMod val="0"/>
+                  <a:lumOff val="100000"/>
+                </a:schemeClr>
+              </a:gs>
+              <a:gs pos="35000">
+                <a:schemeClr val="accent6">
+                  <a:lumMod val="0"/>
+                  <a:lumOff val="100000"/>
+                </a:schemeClr>
+              </a:gs>
+              <a:gs pos="100000">
+                <a:schemeClr val="accent6">
+                  <a:lumMod val="100000"/>
+                </a:schemeClr>
+              </a:gs>
+            </a:gsLst>
+            <a:path path="circle">
+              <a:fillToRect l="50000" t="-80000" r="50000" b="180000"/>
+            </a:path>
+            <a:tileRect/>
+          </a:gradFill>
+        </p:spPr>
+        <p:style>
+          <a:lnRef idx="2">
+            <a:schemeClr val="accent1">
+              <a:shade val="50000"/>
+            </a:schemeClr>
+          </a:lnRef>
+          <a:fillRef idx="1">
+            <a:schemeClr val="accent1"/>
+          </a:fillRef>
+          <a:effectRef idx="0">
+            <a:schemeClr val="accent1"/>
+          </a:effectRef>
+          <a:fontRef idx="minor">
+            <a:schemeClr val="lt1"/>
+          </a:fontRef>
+        </p:style>
+        <p:txBody>
+          <a:bodyPr rtlCol="0" anchor="ctr"/>
+          <a:lstStyle/>
+          <a:p>
+            <a:pPr algn="ctr"/>
+            <a:endParaRPr kumimoji="1" lang="zh-CN" altLang="en-US"/>
+          </a:p>
+        </p:txBody>
+      </p:sp>
+      <p:sp>
+        <p:nvSpPr>
+          <p:cNvPr id="54" name="矩形 53">
+            <a:extLst>
+              <a:ext uri="{FF2B5EF4-FFF2-40B4-BE49-F238E27FC236}">
+                <a16:creationId xmlns:a16="http://schemas.microsoft.com/office/drawing/2014/main" id="{7A1B23FA-A553-81AF-1726-3E9C0231599C}"/>
+              </a:ext>
+            </a:extLst>
+          </p:cNvPr>
+          <p:cNvSpPr/>
+          <p:nvPr/>
+        </p:nvSpPr>
+        <p:spPr>
+          <a:xfrm>
+            <a:off x="2313195" y="1806897"/>
+            <a:ext cx="180000" cy="143956"/>
+          </a:xfrm>
+          <a:prstGeom prst="rect">
+            <a:avLst/>
+          </a:prstGeom>
+          <a:gradFill flip="none" rotWithShape="1">
+            <a:gsLst>
+              <a:gs pos="0">
+                <a:schemeClr val="accent6">
+                  <a:lumMod val="5000"/>
+                  <a:lumOff val="95000"/>
+                </a:schemeClr>
+              </a:gs>
+              <a:gs pos="74000">
+                <a:schemeClr val="accent6">
+                  <a:lumMod val="45000"/>
+                  <a:lumOff val="55000"/>
+                </a:schemeClr>
+              </a:gs>
+              <a:gs pos="83000">
+                <a:schemeClr val="accent6">
+                  <a:lumMod val="45000"/>
+                  <a:lumOff val="55000"/>
+                </a:schemeClr>
+              </a:gs>
+              <a:gs pos="100000">
+                <a:schemeClr val="accent6">
+                  <a:lumMod val="30000"/>
+                  <a:lumOff val="70000"/>
+                </a:schemeClr>
+              </a:gs>
+            </a:gsLst>
+            <a:lin ang="5400000" scaled="1"/>
+            <a:tileRect/>
+          </a:gradFill>
+        </p:spPr>
+        <p:style>
+          <a:lnRef idx="2">
+            <a:schemeClr val="accent1">
+              <a:shade val="50000"/>
+            </a:schemeClr>
+          </a:lnRef>
+          <a:fillRef idx="1">
+            <a:schemeClr val="accent1"/>
+          </a:fillRef>
+          <a:effectRef idx="0">
+            <a:schemeClr val="accent1"/>
+          </a:effectRef>
+          <a:fontRef idx="minor">
+            <a:schemeClr val="lt1"/>
+          </a:fontRef>
+        </p:style>
+        <p:txBody>
+          <a:bodyPr rtlCol="0" anchor="ctr"/>
+          <a:lstStyle/>
+          <a:p>
+            <a:pPr algn="ctr"/>
+            <a:endParaRPr kumimoji="1" lang="zh-CN" altLang="en-US"/>
+          </a:p>
+        </p:txBody>
+      </p:sp>
+      <p:sp>
+        <p:nvSpPr>
+          <p:cNvPr id="55" name="文本框 54">
+            <a:extLst>
+              <a:ext uri="{FF2B5EF4-FFF2-40B4-BE49-F238E27FC236}">
+                <a16:creationId xmlns:a16="http://schemas.microsoft.com/office/drawing/2014/main" id="{B7DE1804-1A21-61F6-7B7F-E9E70E3CB57A}"/>
+              </a:ext>
+            </a:extLst>
+          </p:cNvPr>
+          <p:cNvSpPr txBox="1"/>
+          <p:nvPr/>
+        </p:nvSpPr>
+        <p:spPr>
+          <a:xfrm>
+            <a:off x="1551676" y="1361430"/>
+            <a:ext cx="764953" cy="492292"/>
+          </a:xfrm>
+          <a:prstGeom prst="rect">
+            <a:avLst/>
+          </a:prstGeom>
+          <a:noFill/>
+        </p:spPr>
+        <p:txBody>
+          <a:bodyPr wrap="square" rtlCol="0">
+            <a:spAutoFit/>
+          </a:bodyPr>
+          <a:lstStyle/>
+          <a:p>
+            <a:pPr algn="ctr"/>
+            <a:r>
+              <a:rPr kumimoji="1" lang="en-US" altLang="zh-CN" sz="1700" dirty="0"/>
+              <a:t>Style</a:t>
+            </a:r>
+          </a:p>
+          <a:p>
+            <a:pPr algn="ctr"/>
+            <a:r>
+              <a:rPr kumimoji="1" lang="en-US" altLang="zh-CN" sz="1700" dirty="0"/>
+              <a:t>vector</a:t>
+            </a:r>
+          </a:p>
+        </p:txBody>
+      </p:sp>
+      <p:sp>
+        <p:nvSpPr>
+          <p:cNvPr id="6" name="梯形 5">
+            <a:extLst>
+              <a:ext uri="{FF2B5EF4-FFF2-40B4-BE49-F238E27FC236}">
+                <a16:creationId xmlns:a16="http://schemas.microsoft.com/office/drawing/2014/main" id="{52EE0DD4-A064-7596-A675-6FD83554C458}"/>
+              </a:ext>
+            </a:extLst>
+          </p:cNvPr>
+          <p:cNvSpPr/>
+          <p:nvPr/>
+        </p:nvSpPr>
+        <p:spPr>
+          <a:xfrm rot="5400000">
+            <a:off x="3671628" y="3706438"/>
+            <a:ext cx="924564" cy="1088246"/>
+          </a:xfrm>
+          <a:prstGeom prst="trapezoid">
+            <a:avLst/>
+          </a:prstGeom>
+          <a:noFill/>
+          <a:ln w="38100">
+            <a:solidFill>
+              <a:schemeClr val="accent1"/>
+            </a:solidFill>
+          </a:ln>
+        </p:spPr>
+        <p:style>
+          <a:lnRef idx="2">
+            <a:schemeClr val="accent1">
+              <a:shade val="50000"/>
+            </a:schemeClr>
+          </a:lnRef>
+          <a:fillRef idx="1">
+            <a:schemeClr val="accent1"/>
+          </a:fillRef>
+          <a:effectRef idx="0">
+            <a:schemeClr val="accent1"/>
+          </a:effectRef>
+          <a:fontRef idx="minor">
+            <a:schemeClr val="lt1"/>
+          </a:fontRef>
+        </p:style>
+        <p:txBody>
+          <a:bodyPr rtlCol="0" anchor="ctr"/>
+          <a:lstStyle/>
+          <a:p>
+            <a:pPr algn="ctr"/>
+            <a:endParaRPr kumimoji="1" lang="zh-CN" altLang="en-US">
+              <a:ln w="0">
+                <a:solidFill>
+                  <a:sysClr val="windowText" lastClr="000000"/>
+                </a:solidFill>
+              </a:ln>
+              <a:solidFill>
+                <a:schemeClr val="tx1"/>
+              </a:solidFill>
+              <a:effectLst>
+                <a:outerShdw blurRad="50800" dist="38100" dir="2700000" algn="tl" rotWithShape="0">
+                  <a:prstClr val="black">
+                    <a:alpha val="40000"/>
+                  </a:prstClr>
+                </a:outerShdw>
+              </a:effectLst>
+            </a:endParaRPr>
+          </a:p>
+        </p:txBody>
+      </p:sp>
+      <p:sp>
+        <p:nvSpPr>
+          <p:cNvPr id="7" name="文本框 6">
+            <a:extLst>
+              <a:ext uri="{FF2B5EF4-FFF2-40B4-BE49-F238E27FC236}">
+                <a16:creationId xmlns:a16="http://schemas.microsoft.com/office/drawing/2014/main" id="{CB55584C-55C3-F25B-9A34-2364CD995933}"/>
+              </a:ext>
+            </a:extLst>
+          </p:cNvPr>
+          <p:cNvSpPr txBox="1"/>
+          <p:nvPr/>
+        </p:nvSpPr>
+        <p:spPr>
+          <a:xfrm>
+            <a:off x="3602286" y="3920130"/>
+            <a:ext cx="997389" cy="516907"/>
+          </a:xfrm>
+          <a:prstGeom prst="rect">
+            <a:avLst/>
+          </a:prstGeom>
+          <a:noFill/>
+        </p:spPr>
+        <p:txBody>
+          <a:bodyPr wrap="square" rtlCol="0">
+            <a:spAutoFit/>
+          </a:bodyPr>
+          <a:lstStyle/>
+          <a:p>
+            <a:r>
+              <a:rPr kumimoji="1" lang="en-US" altLang="zh-CN" dirty="0"/>
+              <a:t>Content</a:t>
+            </a:r>
+          </a:p>
+          <a:p>
+            <a:r>
+              <a:rPr kumimoji="1" lang="en-US" altLang="zh-CN" dirty="0"/>
+              <a:t>Encoder</a:t>
+            </a:r>
+            <a:endParaRPr kumimoji="1" lang="zh-CN" altLang="en-US" dirty="0"/>
+          </a:p>
+        </p:txBody>
+      </p:sp>
+      <p:sp>
+        <p:nvSpPr>
+          <p:cNvPr id="23" name="矩形 22">
+            <a:extLst>
+              <a:ext uri="{FF2B5EF4-FFF2-40B4-BE49-F238E27FC236}">
+                <a16:creationId xmlns:a16="http://schemas.microsoft.com/office/drawing/2014/main" id="{4E482811-448A-A751-D537-819AE2D54ACE}"/>
+              </a:ext>
+            </a:extLst>
+          </p:cNvPr>
+          <p:cNvSpPr/>
+          <p:nvPr/>
+        </p:nvSpPr>
+        <p:spPr>
+          <a:xfrm>
+            <a:off x="5682571" y="4893486"/>
+            <a:ext cx="180000" cy="143956"/>
+          </a:xfrm>
+          <a:prstGeom prst="rect">
+            <a:avLst/>
+          </a:prstGeom>
+          <a:gradFill flip="none" rotWithShape="1">
+            <a:gsLst>
+              <a:gs pos="0">
+                <a:schemeClr val="accent2">
+                  <a:lumMod val="40000"/>
+                  <a:lumOff val="60000"/>
+                </a:schemeClr>
+              </a:gs>
+              <a:gs pos="54000">
+                <a:schemeClr val="accent2">
+                  <a:lumMod val="95000"/>
+                  <a:lumOff val="5000"/>
+                </a:schemeClr>
+              </a:gs>
+              <a:gs pos="100000">
+                <a:schemeClr val="accent2">
+                  <a:lumMod val="60000"/>
+                </a:schemeClr>
+              </a:gs>
+            </a:gsLst>
+            <a:path path="circle">
+              <a:fillToRect l="50000" t="130000" r="50000" b="-30000"/>
+            </a:path>
+            <a:tileRect/>
+          </a:gradFill>
+        </p:spPr>
+        <p:style>
+          <a:lnRef idx="2">
+            <a:schemeClr val="accent1">
+              <a:shade val="50000"/>
+            </a:schemeClr>
+          </a:lnRef>
+          <a:fillRef idx="1">
+            <a:schemeClr val="accent1"/>
+          </a:fillRef>
+          <a:effectRef idx="0">
+            <a:schemeClr val="accent1"/>
+          </a:effectRef>
+          <a:fontRef idx="minor">
+            <a:schemeClr val="lt1"/>
+          </a:fontRef>
+        </p:style>
+        <p:txBody>
+          <a:bodyPr rtlCol="0" anchor="ctr"/>
+          <a:lstStyle/>
+          <a:p>
+            <a:pPr algn="ctr"/>
+            <a:endParaRPr kumimoji="1" lang="zh-CN" altLang="en-US"/>
+          </a:p>
+        </p:txBody>
+      </p:sp>
+      <p:sp>
+        <p:nvSpPr>
+          <p:cNvPr id="26" name="矩形 25">
+            <a:extLst>
+              <a:ext uri="{FF2B5EF4-FFF2-40B4-BE49-F238E27FC236}">
+                <a16:creationId xmlns:a16="http://schemas.microsoft.com/office/drawing/2014/main" id="{455C04DF-FBC2-34FC-7318-5D00BFFEB01E}"/>
+              </a:ext>
+            </a:extLst>
+          </p:cNvPr>
+          <p:cNvSpPr/>
+          <p:nvPr/>
+        </p:nvSpPr>
+        <p:spPr>
+          <a:xfrm>
+            <a:off x="5682571" y="5087346"/>
+            <a:ext cx="180000" cy="143956"/>
+          </a:xfrm>
+          <a:prstGeom prst="rect">
+            <a:avLst/>
+          </a:prstGeom>
+          <a:gradFill flip="none" rotWithShape="1">
+            <a:gsLst>
+              <a:gs pos="0">
+                <a:schemeClr val="accent2">
+                  <a:lumMod val="40000"/>
+                  <a:lumOff val="60000"/>
+                </a:schemeClr>
+              </a:gs>
+              <a:gs pos="54000">
+                <a:schemeClr val="accent2">
+                  <a:lumMod val="95000"/>
+                  <a:lumOff val="5000"/>
+                </a:schemeClr>
+              </a:gs>
+              <a:gs pos="100000">
+                <a:schemeClr val="accent2">
+                  <a:lumMod val="60000"/>
+                </a:schemeClr>
+              </a:gs>
+            </a:gsLst>
+            <a:path path="circle">
+              <a:fillToRect l="50000" t="130000" r="50000" b="-30000"/>
+            </a:path>
+            <a:tileRect/>
+          </a:gradFill>
+        </p:spPr>
+        <p:style>
+          <a:lnRef idx="2">
+            <a:schemeClr val="accent1">
+              <a:shade val="50000"/>
+            </a:schemeClr>
+          </a:lnRef>
+          <a:fillRef idx="1">
+            <a:schemeClr val="accent1"/>
+          </a:fillRef>
+          <a:effectRef idx="0">
+            <a:schemeClr val="accent1"/>
+          </a:effectRef>
+          <a:fontRef idx="minor">
+            <a:schemeClr val="lt1"/>
+          </a:fontRef>
+        </p:style>
+        <p:txBody>
+          <a:bodyPr rtlCol="0" anchor="ctr"/>
+          <a:lstStyle/>
+          <a:p>
+            <a:pPr algn="ctr"/>
+            <a:endParaRPr kumimoji="1" lang="zh-CN" altLang="en-US"/>
+          </a:p>
+        </p:txBody>
+      </p:sp>
+      <p:sp>
+        <p:nvSpPr>
+          <p:cNvPr id="27" name="矩形 26">
+            <a:extLst>
+              <a:ext uri="{FF2B5EF4-FFF2-40B4-BE49-F238E27FC236}">
+                <a16:creationId xmlns:a16="http://schemas.microsoft.com/office/drawing/2014/main" id="{9F71421C-07C9-407D-FC2F-AB9F81D60167}"/>
+              </a:ext>
+            </a:extLst>
+          </p:cNvPr>
+          <p:cNvSpPr/>
+          <p:nvPr/>
+        </p:nvSpPr>
+        <p:spPr>
+          <a:xfrm>
+            <a:off x="5682571" y="5281207"/>
+            <a:ext cx="180000" cy="143956"/>
+          </a:xfrm>
+          <a:prstGeom prst="rect">
+            <a:avLst/>
+          </a:prstGeom>
+          <a:gradFill flip="none" rotWithShape="1">
+            <a:gsLst>
+              <a:gs pos="0">
+                <a:schemeClr val="accent2">
+                  <a:lumMod val="40000"/>
+                  <a:lumOff val="60000"/>
+                </a:schemeClr>
+              </a:gs>
+              <a:gs pos="54000">
+                <a:schemeClr val="accent2">
+                  <a:lumMod val="95000"/>
+                  <a:lumOff val="5000"/>
+                </a:schemeClr>
+              </a:gs>
+              <a:gs pos="100000">
+                <a:schemeClr val="accent2">
+                  <a:lumMod val="60000"/>
+                </a:schemeClr>
+              </a:gs>
+            </a:gsLst>
+            <a:path path="circle">
+              <a:fillToRect l="50000" t="130000" r="50000" b="-30000"/>
+            </a:path>
+            <a:tileRect/>
+          </a:gradFill>
+        </p:spPr>
+        <p:style>
+          <a:lnRef idx="2">
+            <a:schemeClr val="accent1">
+              <a:shade val="50000"/>
+            </a:schemeClr>
+          </a:lnRef>
+          <a:fillRef idx="1">
+            <a:schemeClr val="accent1"/>
+          </a:fillRef>
+          <a:effectRef idx="0">
+            <a:schemeClr val="accent1"/>
+          </a:effectRef>
+          <a:fontRef idx="minor">
+            <a:schemeClr val="lt1"/>
+          </a:fontRef>
+        </p:style>
+        <p:txBody>
+          <a:bodyPr rtlCol="0" anchor="ctr"/>
+          <a:lstStyle/>
+          <a:p>
+            <a:pPr algn="ctr"/>
+            <a:endParaRPr kumimoji="1" lang="zh-CN" altLang="en-US"/>
+          </a:p>
+        </p:txBody>
+      </p:sp>
+      <p:sp>
+        <p:nvSpPr>
+          <p:cNvPr id="28" name="矩形 27">
+            <a:extLst>
+              <a:ext uri="{FF2B5EF4-FFF2-40B4-BE49-F238E27FC236}">
+                <a16:creationId xmlns:a16="http://schemas.microsoft.com/office/drawing/2014/main" id="{BB6411D7-C066-B718-F764-16F508644E8B}"/>
+              </a:ext>
+            </a:extLst>
+          </p:cNvPr>
+          <p:cNvSpPr/>
+          <p:nvPr/>
+        </p:nvSpPr>
+        <p:spPr>
+          <a:xfrm>
+            <a:off x="5682571" y="5475068"/>
+            <a:ext cx="180000" cy="143956"/>
+          </a:xfrm>
+          <a:prstGeom prst="rect">
+            <a:avLst/>
+          </a:prstGeom>
+          <a:gradFill flip="none" rotWithShape="1">
+            <a:gsLst>
+              <a:gs pos="0">
+                <a:schemeClr val="accent2">
+                  <a:lumMod val="40000"/>
+                  <a:lumOff val="60000"/>
+                </a:schemeClr>
+              </a:gs>
+              <a:gs pos="54000">
+                <a:schemeClr val="accent2">
+                  <a:lumMod val="95000"/>
+                  <a:lumOff val="5000"/>
+                </a:schemeClr>
+              </a:gs>
+              <a:gs pos="100000">
+                <a:schemeClr val="accent2">
+                  <a:lumMod val="60000"/>
+                </a:schemeClr>
+              </a:gs>
+            </a:gsLst>
+            <a:path path="circle">
+              <a:fillToRect l="50000" t="130000" r="50000" b="-30000"/>
+            </a:path>
+            <a:tileRect/>
+          </a:gradFill>
+        </p:spPr>
+        <p:style>
+          <a:lnRef idx="2">
+            <a:schemeClr val="accent1">
+              <a:shade val="50000"/>
+            </a:schemeClr>
+          </a:lnRef>
+          <a:fillRef idx="1">
+            <a:schemeClr val="accent1"/>
+          </a:fillRef>
+          <a:effectRef idx="0">
+            <a:schemeClr val="accent1"/>
+          </a:effectRef>
+          <a:fontRef idx="minor">
+            <a:schemeClr val="lt1"/>
+          </a:fontRef>
+        </p:style>
+        <p:txBody>
+          <a:bodyPr rtlCol="0" anchor="ctr"/>
+          <a:lstStyle/>
+          <a:p>
+            <a:pPr algn="ctr"/>
+            <a:endParaRPr kumimoji="1" lang="zh-CN" altLang="en-US"/>
+          </a:p>
+        </p:txBody>
+      </p:sp>
+      <p:cxnSp>
+        <p:nvCxnSpPr>
+          <p:cNvPr id="56" name="直线箭头连接符 55">
+            <a:extLst>
+              <a:ext uri="{FF2B5EF4-FFF2-40B4-BE49-F238E27FC236}">
+                <a16:creationId xmlns:a16="http://schemas.microsoft.com/office/drawing/2014/main" id="{A1EA47E6-5C95-25BF-7B28-FC7254D0CF84}"/>
+              </a:ext>
+            </a:extLst>
+          </p:cNvPr>
+          <p:cNvCxnSpPr>
+            <a:cxnSpLocks/>
+          </p:cNvCxnSpPr>
+          <p:nvPr/>
+        </p:nvCxnSpPr>
+        <p:spPr>
+          <a:xfrm flipV="1">
+            <a:off x="3000290" y="4234328"/>
+            <a:ext cx="540000" cy="0"/>
+          </a:xfrm>
+          <a:prstGeom prst="straightConnector1">
+            <a:avLst/>
+          </a:prstGeom>
+          <a:ln w="25400" cmpd="sng">
+            <a:headEnd w="lg" len="lg"/>
+            <a:tailEnd type="stealth" w="lg" len="lg"/>
+          </a:ln>
+        </p:spPr>
+        <p:style>
+          <a:lnRef idx="1">
+            <a:schemeClr val="accent1"/>
+          </a:lnRef>
+          <a:fillRef idx="0">
+            <a:schemeClr val="accent1"/>
+          </a:fillRef>
+          <a:effectRef idx="0">
+            <a:schemeClr val="accent1"/>
+          </a:effectRef>
+          <a:fontRef idx="minor">
+            <a:schemeClr val="tx1"/>
+          </a:fontRef>
+        </p:style>
+      </p:cxnSp>
+      <p:sp>
+        <p:nvSpPr>
+          <p:cNvPr id="59" name="右大括号 58">
+            <a:extLst>
+              <a:ext uri="{FF2B5EF4-FFF2-40B4-BE49-F238E27FC236}">
+                <a16:creationId xmlns:a16="http://schemas.microsoft.com/office/drawing/2014/main" id="{178968AE-6945-C157-6902-42A6279077C1}"/>
+              </a:ext>
+            </a:extLst>
+          </p:cNvPr>
+          <p:cNvSpPr/>
+          <p:nvPr/>
+        </p:nvSpPr>
+        <p:spPr>
+          <a:xfrm>
+            <a:off x="7946086" y="1225315"/>
+            <a:ext cx="274225" cy="2139047"/>
+          </a:xfrm>
+          <a:prstGeom prst="rightBrace">
+            <a:avLst/>
+          </a:prstGeom>
+          <a:ln w="25400"/>
+        </p:spPr>
+        <p:style>
+          <a:lnRef idx="1">
+            <a:schemeClr val="accent1"/>
+          </a:lnRef>
+          <a:fillRef idx="0">
+            <a:schemeClr val="accent1"/>
+          </a:fillRef>
+          <a:effectRef idx="0">
+            <a:schemeClr val="accent1"/>
+          </a:effectRef>
+          <a:fontRef idx="minor">
+            <a:schemeClr val="tx1"/>
+          </a:fontRef>
+        </p:style>
+        <p:txBody>
+          <a:bodyPr rtlCol="0" anchor="ctr"/>
+          <a:lstStyle/>
+          <a:p>
+            <a:pPr algn="ctr"/>
+            <a:endParaRPr kumimoji="1" lang="zh-CN" altLang="en-US"/>
+          </a:p>
+        </p:txBody>
+      </p:sp>
+      <p:sp>
+        <p:nvSpPr>
+          <p:cNvPr id="60" name="文本框 59">
+            <a:extLst>
+              <a:ext uri="{FF2B5EF4-FFF2-40B4-BE49-F238E27FC236}">
+                <a16:creationId xmlns:a16="http://schemas.microsoft.com/office/drawing/2014/main" id="{604D29B3-9B4C-BA8F-609C-B0C6F061F50B}"/>
+              </a:ext>
+            </a:extLst>
+          </p:cNvPr>
+          <p:cNvSpPr txBox="1"/>
+          <p:nvPr/>
+        </p:nvSpPr>
+        <p:spPr>
+          <a:xfrm>
+            <a:off x="6572444" y="1947228"/>
+            <a:ext cx="434734" cy="418448"/>
+          </a:xfrm>
+          <a:prstGeom prst="rect">
+            <a:avLst/>
+          </a:prstGeom>
+          <a:noFill/>
+        </p:spPr>
+        <p:txBody>
+          <a:bodyPr wrap="square" rtlCol="0">
+            <a:spAutoFit/>
+          </a:bodyPr>
+          <a:lstStyle/>
+          <a:p>
+            <a:r>
+              <a:rPr kumimoji="1" lang="en-US" altLang="zh-CN" sz="2800" b="1" dirty="0"/>
+              <a:t>+</a:t>
+            </a:r>
+            <a:endParaRPr kumimoji="1" lang="zh-CN" altLang="en-US" sz="2800" b="1" dirty="0"/>
+          </a:p>
+        </p:txBody>
+      </p:sp>
+      <p:sp>
+        <p:nvSpPr>
+          <p:cNvPr id="67" name="文本框 66">
+            <a:extLst>
+              <a:ext uri="{FF2B5EF4-FFF2-40B4-BE49-F238E27FC236}">
+                <a16:creationId xmlns:a16="http://schemas.microsoft.com/office/drawing/2014/main" id="{BF643DD9-1090-33B3-AD3B-483F0503D103}"/>
+              </a:ext>
+            </a:extLst>
+          </p:cNvPr>
+          <p:cNvSpPr txBox="1"/>
+          <p:nvPr/>
+        </p:nvSpPr>
+        <p:spPr>
+          <a:xfrm>
+            <a:off x="7587245" y="3875930"/>
+            <a:ext cx="963725" cy="646331"/>
+          </a:xfrm>
+          <a:prstGeom prst="rect">
+            <a:avLst/>
+          </a:prstGeom>
+          <a:noFill/>
+        </p:spPr>
+        <p:txBody>
+          <a:bodyPr wrap="square" rtlCol="0">
+            <a:spAutoFit/>
+          </a:bodyPr>
+          <a:lstStyle/>
+          <a:p>
+            <a:r>
+              <a:rPr kumimoji="1" lang="en-US" altLang="zh-CN" dirty="0"/>
+              <a:t>Smooth</a:t>
+            </a:r>
+          </a:p>
+          <a:p>
+            <a:r>
+              <a:rPr kumimoji="1" lang="en-US" altLang="zh-CN" dirty="0"/>
+              <a:t>L1Loss</a:t>
+            </a:r>
+            <a:endParaRPr kumimoji="1" lang="zh-CN" altLang="en-US" dirty="0"/>
+          </a:p>
+        </p:txBody>
+      </p:sp>
+      <p:sp>
+        <p:nvSpPr>
+          <p:cNvPr id="78" name="梯形 77">
+            <a:extLst>
+              <a:ext uri="{FF2B5EF4-FFF2-40B4-BE49-F238E27FC236}">
+                <a16:creationId xmlns:a16="http://schemas.microsoft.com/office/drawing/2014/main" id="{14E275CF-2D2B-1B98-4FBB-FC3E0251CF4D}"/>
+              </a:ext>
+            </a:extLst>
+          </p:cNvPr>
+          <p:cNvSpPr/>
+          <p:nvPr/>
+        </p:nvSpPr>
+        <p:spPr>
+          <a:xfrm rot="16200000" flipH="1">
+            <a:off x="10049097" y="1851237"/>
+            <a:ext cx="1040867" cy="983784"/>
+          </a:xfrm>
+          <a:prstGeom prst="trapezoid">
+            <a:avLst>
+              <a:gd name="adj" fmla="val 28795"/>
+            </a:avLst>
+          </a:prstGeom>
+          <a:noFill/>
+          <a:ln w="38100">
+            <a:solidFill>
+              <a:schemeClr val="accent1"/>
+            </a:solidFill>
+          </a:ln>
+        </p:spPr>
+        <p:style>
+          <a:lnRef idx="2">
+            <a:schemeClr val="accent1">
+              <a:shade val="50000"/>
+            </a:schemeClr>
+          </a:lnRef>
+          <a:fillRef idx="1">
+            <a:schemeClr val="accent1"/>
+          </a:fillRef>
+          <a:effectRef idx="0">
+            <a:schemeClr val="accent1"/>
+          </a:effectRef>
+          <a:fontRef idx="minor">
+            <a:schemeClr val="lt1"/>
+          </a:fontRef>
+        </p:style>
+        <p:txBody>
+          <a:bodyPr rtlCol="0" anchor="ctr"/>
+          <a:lstStyle/>
+          <a:p>
+            <a:pPr algn="ctr"/>
+            <a:endParaRPr kumimoji="1" lang="zh-CN" altLang="en-US">
+              <a:ln w="0">
+                <a:solidFill>
+                  <a:sysClr val="windowText" lastClr="000000"/>
+                </a:solidFill>
+              </a:ln>
+              <a:solidFill>
+                <a:schemeClr val="tx1"/>
+              </a:solidFill>
+              <a:effectLst>
+                <a:outerShdw blurRad="50800" dist="38100" dir="2700000" algn="tl" rotWithShape="0">
+                  <a:prstClr val="black">
+                    <a:alpha val="40000"/>
+                  </a:prstClr>
+                </a:outerShdw>
+              </a:effectLst>
+            </a:endParaRPr>
+          </a:p>
+        </p:txBody>
+      </p:sp>
+      <p:cxnSp>
+        <p:nvCxnSpPr>
+          <p:cNvPr id="102" name="肘形连接符 101">
+            <a:extLst>
+              <a:ext uri="{FF2B5EF4-FFF2-40B4-BE49-F238E27FC236}">
+                <a16:creationId xmlns:a16="http://schemas.microsoft.com/office/drawing/2014/main" id="{ED1F92A0-A71E-A366-9575-1DE9D03B289E}"/>
+              </a:ext>
+            </a:extLst>
+          </p:cNvPr>
+          <p:cNvCxnSpPr>
+            <a:cxnSpLocks/>
+          </p:cNvCxnSpPr>
+          <p:nvPr/>
+        </p:nvCxnSpPr>
+        <p:spPr>
+          <a:xfrm rot="5400000" flipH="1" flipV="1">
+            <a:off x="6636001" y="2873098"/>
+            <a:ext cx="2820452" cy="1955348"/>
+          </a:xfrm>
+          <a:prstGeom prst="bentConnector3">
+            <a:avLst>
+              <a:gd name="adj1" fmla="val 50000"/>
+            </a:avLst>
+          </a:prstGeom>
+          <a:ln w="25400">
+            <a:solidFill>
+              <a:schemeClr val="accent2"/>
+            </a:solidFill>
+            <a:prstDash val="dash"/>
+            <a:headEnd type="triangle"/>
+            <a:tailEnd type="triangle"/>
+          </a:ln>
+        </p:spPr>
+        <p:style>
+          <a:lnRef idx="1">
+            <a:schemeClr val="accent1"/>
+          </a:lnRef>
+          <a:fillRef idx="0">
+            <a:schemeClr val="accent1"/>
+          </a:fillRef>
+          <a:effectRef idx="0">
+            <a:schemeClr val="accent1"/>
+          </a:effectRef>
+          <a:fontRef idx="minor">
+            <a:schemeClr val="tx1"/>
+          </a:fontRef>
+        </p:style>
+      </p:cxnSp>
+      <p:sp>
+        <p:nvSpPr>
+          <p:cNvPr id="115" name="矩形 114">
+            <a:extLst>
+              <a:ext uri="{FF2B5EF4-FFF2-40B4-BE49-F238E27FC236}">
+                <a16:creationId xmlns:a16="http://schemas.microsoft.com/office/drawing/2014/main" id="{2D23A697-EF82-3772-12F6-7300A9DC8626}"/>
+              </a:ext>
+            </a:extLst>
+          </p:cNvPr>
+          <p:cNvSpPr/>
+          <p:nvPr/>
+        </p:nvSpPr>
+        <p:spPr>
+          <a:xfrm>
+            <a:off x="5743484" y="2704391"/>
+            <a:ext cx="181997" cy="130947"/>
+          </a:xfrm>
+          <a:prstGeom prst="rect">
+            <a:avLst/>
+          </a:prstGeom>
+          <a:gradFill flip="none" rotWithShape="1">
+            <a:gsLst>
+              <a:gs pos="0">
+                <a:schemeClr val="accent1">
+                  <a:lumMod val="0"/>
+                  <a:lumOff val="100000"/>
+                </a:schemeClr>
+              </a:gs>
+              <a:gs pos="15000">
+                <a:schemeClr val="accent1">
+                  <a:lumMod val="0"/>
+                  <a:lumOff val="100000"/>
+                </a:schemeClr>
+              </a:gs>
+              <a:gs pos="100000">
+                <a:schemeClr val="accent1">
+                  <a:lumMod val="100000"/>
+                </a:schemeClr>
+              </a:gs>
+            </a:gsLst>
+            <a:path path="circle">
+              <a:fillToRect l="50000" t="-80000" r="50000" b="180000"/>
+            </a:path>
+            <a:tileRect/>
+          </a:gradFill>
+        </p:spPr>
+        <p:style>
+          <a:lnRef idx="2">
+            <a:schemeClr val="accent1">
+              <a:shade val="50000"/>
+            </a:schemeClr>
+          </a:lnRef>
+          <a:fillRef idx="1">
+            <a:schemeClr val="accent1"/>
+          </a:fillRef>
+          <a:effectRef idx="0">
+            <a:schemeClr val="accent1"/>
+          </a:effectRef>
+          <a:fontRef idx="minor">
+            <a:schemeClr val="lt1"/>
+          </a:fontRef>
+        </p:style>
+        <p:txBody>
+          <a:bodyPr rtlCol="0" anchor="ctr"/>
+          <a:lstStyle/>
+          <a:p>
+            <a:pPr algn="ctr"/>
+            <a:endParaRPr kumimoji="1" lang="zh-CN" altLang="en-US">
+              <a:solidFill>
+                <a:srgbClr val="FF0000"/>
+              </a:solidFill>
+            </a:endParaRPr>
+          </a:p>
+        </p:txBody>
+      </p:sp>
+      <p:sp>
+        <p:nvSpPr>
+          <p:cNvPr id="116" name="矩形 115">
+            <a:extLst>
+              <a:ext uri="{FF2B5EF4-FFF2-40B4-BE49-F238E27FC236}">
+                <a16:creationId xmlns:a16="http://schemas.microsoft.com/office/drawing/2014/main" id="{AED455DB-F5C8-95FB-A734-A9B78C4337A0}"/>
+              </a:ext>
+            </a:extLst>
+          </p:cNvPr>
+          <p:cNvSpPr/>
+          <p:nvPr/>
+        </p:nvSpPr>
+        <p:spPr>
+          <a:xfrm>
+            <a:off x="5743484" y="2880732"/>
+            <a:ext cx="181997" cy="130947"/>
+          </a:xfrm>
+          <a:prstGeom prst="rect">
+            <a:avLst/>
+          </a:prstGeom>
+          <a:gradFill flip="none" rotWithShape="1">
+            <a:gsLst>
+              <a:gs pos="0">
+                <a:schemeClr val="accent1">
+                  <a:lumMod val="0"/>
+                  <a:lumOff val="100000"/>
+                </a:schemeClr>
+              </a:gs>
+              <a:gs pos="15000">
+                <a:schemeClr val="accent1">
+                  <a:lumMod val="0"/>
+                  <a:lumOff val="100000"/>
+                </a:schemeClr>
+              </a:gs>
+              <a:gs pos="100000">
+                <a:schemeClr val="accent1">
+                  <a:lumMod val="100000"/>
+                </a:schemeClr>
+              </a:gs>
+            </a:gsLst>
+            <a:path path="circle">
+              <a:fillToRect l="50000" t="-80000" r="50000" b="180000"/>
+            </a:path>
+            <a:tileRect/>
+          </a:gradFill>
+        </p:spPr>
+        <p:style>
+          <a:lnRef idx="2">
+            <a:schemeClr val="accent1">
+              <a:shade val="50000"/>
+            </a:schemeClr>
+          </a:lnRef>
+          <a:fillRef idx="1">
+            <a:schemeClr val="accent1"/>
+          </a:fillRef>
+          <a:effectRef idx="0">
+            <a:schemeClr val="accent1"/>
+          </a:effectRef>
+          <a:fontRef idx="minor">
+            <a:schemeClr val="lt1"/>
+          </a:fontRef>
+        </p:style>
+        <p:txBody>
+          <a:bodyPr rtlCol="0" anchor="ctr"/>
+          <a:lstStyle/>
+          <a:p>
+            <a:pPr algn="ctr"/>
+            <a:endParaRPr kumimoji="1" lang="zh-CN" altLang="en-US"/>
+          </a:p>
+        </p:txBody>
+      </p:sp>
+      <p:sp>
+        <p:nvSpPr>
+          <p:cNvPr id="117" name="矩形 116">
+            <a:extLst>
+              <a:ext uri="{FF2B5EF4-FFF2-40B4-BE49-F238E27FC236}">
+                <a16:creationId xmlns:a16="http://schemas.microsoft.com/office/drawing/2014/main" id="{A38A37D9-7F89-84B7-C1E8-6929D6711747}"/>
+              </a:ext>
+            </a:extLst>
+          </p:cNvPr>
+          <p:cNvSpPr/>
+          <p:nvPr/>
+        </p:nvSpPr>
+        <p:spPr>
+          <a:xfrm>
+            <a:off x="5743484" y="3057074"/>
+            <a:ext cx="181997" cy="130947"/>
+          </a:xfrm>
+          <a:prstGeom prst="rect">
+            <a:avLst/>
+          </a:prstGeom>
+          <a:gradFill flip="none" rotWithShape="1">
+            <a:gsLst>
+              <a:gs pos="0">
+                <a:schemeClr val="accent1">
+                  <a:lumMod val="0"/>
+                  <a:lumOff val="100000"/>
+                </a:schemeClr>
+              </a:gs>
+              <a:gs pos="15000">
+                <a:schemeClr val="accent1">
+                  <a:lumMod val="0"/>
+                  <a:lumOff val="100000"/>
+                </a:schemeClr>
+              </a:gs>
+              <a:gs pos="100000">
+                <a:schemeClr val="accent1">
+                  <a:lumMod val="100000"/>
+                </a:schemeClr>
+              </a:gs>
+            </a:gsLst>
+            <a:path path="circle">
+              <a:fillToRect l="50000" t="-80000" r="50000" b="180000"/>
+            </a:path>
+            <a:tileRect/>
+          </a:gradFill>
+        </p:spPr>
+        <p:style>
+          <a:lnRef idx="2">
+            <a:schemeClr val="accent1">
+              <a:shade val="50000"/>
+            </a:schemeClr>
+          </a:lnRef>
+          <a:fillRef idx="1">
+            <a:schemeClr val="accent1"/>
+          </a:fillRef>
+          <a:effectRef idx="0">
+            <a:schemeClr val="accent1"/>
+          </a:effectRef>
+          <a:fontRef idx="minor">
+            <a:schemeClr val="lt1"/>
+          </a:fontRef>
+        </p:style>
+        <p:txBody>
+          <a:bodyPr rtlCol="0" anchor="ctr"/>
+          <a:lstStyle/>
+          <a:p>
+            <a:pPr algn="ctr"/>
+            <a:endParaRPr kumimoji="1" lang="zh-CN" altLang="en-US"/>
+          </a:p>
+        </p:txBody>
+      </p:sp>
+      <p:sp>
+        <p:nvSpPr>
+          <p:cNvPr id="118" name="矩形 117">
+            <a:extLst>
+              <a:ext uri="{FF2B5EF4-FFF2-40B4-BE49-F238E27FC236}">
+                <a16:creationId xmlns:a16="http://schemas.microsoft.com/office/drawing/2014/main" id="{8D147F84-7307-A9F7-5C6A-418CBAB9159E}"/>
+              </a:ext>
+            </a:extLst>
+          </p:cNvPr>
+          <p:cNvSpPr/>
+          <p:nvPr/>
+        </p:nvSpPr>
+        <p:spPr>
+          <a:xfrm>
+            <a:off x="5743484" y="3233415"/>
+            <a:ext cx="181997" cy="130947"/>
+          </a:xfrm>
+          <a:prstGeom prst="rect">
+            <a:avLst/>
+          </a:prstGeom>
+          <a:gradFill flip="none" rotWithShape="1">
+            <a:gsLst>
+              <a:gs pos="0">
+                <a:schemeClr val="accent1">
+                  <a:lumMod val="0"/>
+                  <a:lumOff val="100000"/>
+                </a:schemeClr>
+              </a:gs>
+              <a:gs pos="15000">
+                <a:schemeClr val="accent1">
+                  <a:lumMod val="0"/>
+                  <a:lumOff val="100000"/>
+                </a:schemeClr>
+              </a:gs>
+              <a:gs pos="100000">
+                <a:schemeClr val="accent1">
+                  <a:lumMod val="100000"/>
+                </a:schemeClr>
+              </a:gs>
+            </a:gsLst>
+            <a:path path="circle">
+              <a:fillToRect l="50000" t="-80000" r="50000" b="180000"/>
+            </a:path>
+            <a:tileRect/>
+          </a:gradFill>
+        </p:spPr>
+        <p:style>
+          <a:lnRef idx="2">
+            <a:schemeClr val="accent1">
+              <a:shade val="50000"/>
+            </a:schemeClr>
+          </a:lnRef>
+          <a:fillRef idx="1">
+            <a:schemeClr val="accent1"/>
+          </a:fillRef>
+          <a:effectRef idx="0">
+            <a:schemeClr val="accent1"/>
+          </a:effectRef>
+          <a:fontRef idx="minor">
+            <a:schemeClr val="lt1"/>
+          </a:fontRef>
+        </p:style>
+        <p:txBody>
+          <a:bodyPr rtlCol="0" anchor="ctr"/>
+          <a:lstStyle/>
+          <a:p>
+            <a:pPr algn="ctr"/>
+            <a:endParaRPr kumimoji="1" lang="zh-CN" altLang="en-US"/>
+          </a:p>
+        </p:txBody>
+      </p:sp>
+      <p:sp>
+        <p:nvSpPr>
+          <p:cNvPr id="119" name="文本框 118">
+            <a:extLst>
+              <a:ext uri="{FF2B5EF4-FFF2-40B4-BE49-F238E27FC236}">
+                <a16:creationId xmlns:a16="http://schemas.microsoft.com/office/drawing/2014/main" id="{D1EB56E9-9B77-E452-9C14-52DBECF8F60D}"/>
+              </a:ext>
+            </a:extLst>
+          </p:cNvPr>
+          <p:cNvSpPr txBox="1"/>
+          <p:nvPr/>
+        </p:nvSpPr>
+        <p:spPr>
+          <a:xfrm>
+            <a:off x="6049322" y="2768680"/>
+            <a:ext cx="1805766" cy="335853"/>
           </a:xfrm>
           <a:prstGeom prst="rect">
             <a:avLst/>
@@ -5915,31 +8351,264 @@
           </a:p>
         </p:txBody>
       </p:sp>
+      <p:grpSp>
+        <p:nvGrpSpPr>
+          <p:cNvPr id="122" name="组合 121">
+            <a:extLst>
+              <a:ext uri="{FF2B5EF4-FFF2-40B4-BE49-F238E27FC236}">
+                <a16:creationId xmlns:a16="http://schemas.microsoft.com/office/drawing/2014/main" id="{F6B79FC1-1C1E-CA30-97D4-AACB10ABF8FD}"/>
+              </a:ext>
+            </a:extLst>
+          </p:cNvPr>
+          <p:cNvGrpSpPr/>
+          <p:nvPr/>
+        </p:nvGrpSpPr>
+        <p:grpSpPr>
+          <a:xfrm>
+            <a:off x="638352" y="3165336"/>
+            <a:ext cx="1853383" cy="987466"/>
+            <a:chOff x="1171325" y="2047872"/>
+            <a:chExt cx="1853383" cy="987466"/>
+          </a:xfrm>
+        </p:grpSpPr>
+        <p:sp>
+          <p:nvSpPr>
+            <p:cNvPr id="13" name="椭圆 12">
+              <a:extLst>
+                <a:ext uri="{FF2B5EF4-FFF2-40B4-BE49-F238E27FC236}">
+                  <a16:creationId xmlns:a16="http://schemas.microsoft.com/office/drawing/2014/main" id="{488C4366-BCEA-2985-6710-444248FA18C5}"/>
+                </a:ext>
+              </a:extLst>
+            </p:cNvPr>
+            <p:cNvSpPr/>
+            <p:nvPr/>
+          </p:nvSpPr>
+          <p:spPr>
+            <a:xfrm>
+              <a:off x="1171325" y="2047872"/>
+              <a:ext cx="1853383" cy="987466"/>
+            </a:xfrm>
+            <a:prstGeom prst="ellipse">
+              <a:avLst/>
+            </a:prstGeom>
+            <a:blipFill dpi="0" rotWithShape="1">
+              <a:blip r:embed="rId2">
+                <a:extLst>
+                  <a:ext uri="{28A0092B-C50C-407E-A947-70E740481C1C}">
+                    <a14:useLocalDpi xmlns:a14="http://schemas.microsoft.com/office/drawing/2010/main" val="0"/>
+                  </a:ext>
+                </a:extLst>
+              </a:blip>
+              <a:srcRect/>
+              <a:stretch>
+                <a:fillRect l="-1443" t="-16010" r="-22198"/>
+              </a:stretch>
+            </a:blipFill>
+          </p:spPr>
+          <p:style>
+            <a:lnRef idx="2">
+              <a:schemeClr val="accent1">
+                <a:shade val="50000"/>
+              </a:schemeClr>
+            </a:lnRef>
+            <a:fillRef idx="1">
+              <a:schemeClr val="accent1"/>
+            </a:fillRef>
+            <a:effectRef idx="0">
+              <a:schemeClr val="accent1"/>
+            </a:effectRef>
+            <a:fontRef idx="minor">
+              <a:schemeClr val="lt1"/>
+            </a:fontRef>
+          </p:style>
+          <p:txBody>
+            <a:bodyPr rtlCol="0" anchor="ctr"/>
+            <a:lstStyle/>
+            <a:p>
+              <a:pPr algn="ctr"/>
+              <a:endParaRPr kumimoji="1" lang="zh-CN" altLang="en-US"/>
+            </a:p>
+          </p:txBody>
+        </p:sp>
+        <p:sp>
+          <p:nvSpPr>
+            <p:cNvPr id="72" name="文本框 71">
+              <a:extLst>
+                <a:ext uri="{FF2B5EF4-FFF2-40B4-BE49-F238E27FC236}">
+                  <a16:creationId xmlns:a16="http://schemas.microsoft.com/office/drawing/2014/main" id="{5314B7BE-55F5-C257-DD73-97E0ECAFE213}"/>
+                </a:ext>
+              </a:extLst>
+            </p:cNvPr>
+            <p:cNvSpPr txBox="1"/>
+            <p:nvPr/>
+          </p:nvSpPr>
+          <p:spPr>
+            <a:xfrm>
+              <a:off x="1527114" y="2690876"/>
+              <a:ext cx="1244270" cy="309600"/>
+            </a:xfrm>
+            <a:prstGeom prst="rect">
+              <a:avLst/>
+            </a:prstGeom>
+            <a:noFill/>
+          </p:spPr>
+          <p:txBody>
+            <a:bodyPr wrap="square" rtlCol="0">
+              <a:spAutoFit/>
+            </a:bodyPr>
+            <a:lstStyle/>
+            <a:p>
+              <a:pPr algn="ctr"/>
+              <a:r>
+                <a:rPr kumimoji="1" lang="en-US" altLang="zh-CN" sz="1400" dirty="0"/>
+                <a:t>stimulated</a:t>
+              </a:r>
+              <a:endParaRPr kumimoji="1" lang="zh-CN" altLang="en-US" sz="1400" dirty="0"/>
+            </a:p>
+          </p:txBody>
+        </p:sp>
+      </p:grpSp>
+      <p:grpSp>
+        <p:nvGrpSpPr>
+          <p:cNvPr id="121" name="组合 120">
+            <a:extLst>
+              <a:ext uri="{FF2B5EF4-FFF2-40B4-BE49-F238E27FC236}">
+                <a16:creationId xmlns:a16="http://schemas.microsoft.com/office/drawing/2014/main" id="{F0D6D590-E0E9-4266-1879-60E12CC4841B}"/>
+              </a:ext>
+            </a:extLst>
+          </p:cNvPr>
+          <p:cNvGrpSpPr/>
+          <p:nvPr/>
+        </p:nvGrpSpPr>
+        <p:grpSpPr>
+          <a:xfrm>
+            <a:off x="603849" y="4249922"/>
+            <a:ext cx="1853383" cy="1083690"/>
+            <a:chOff x="1117595" y="3872335"/>
+            <a:chExt cx="1853383" cy="1083690"/>
+          </a:xfrm>
+        </p:grpSpPr>
+        <p:sp>
+          <p:nvSpPr>
+            <p:cNvPr id="94" name="椭圆 93">
+              <a:extLst>
+                <a:ext uri="{FF2B5EF4-FFF2-40B4-BE49-F238E27FC236}">
+                  <a16:creationId xmlns:a16="http://schemas.microsoft.com/office/drawing/2014/main" id="{15CB5189-69B0-7890-75CB-E25765F8DD5B}"/>
+                </a:ext>
+              </a:extLst>
+            </p:cNvPr>
+            <p:cNvSpPr/>
+            <p:nvPr/>
+          </p:nvSpPr>
+          <p:spPr>
+            <a:xfrm>
+              <a:off x="1117595" y="3916165"/>
+              <a:ext cx="1853383" cy="1039860"/>
+            </a:xfrm>
+            <a:prstGeom prst="ellipse">
+              <a:avLst/>
+            </a:prstGeom>
+            <a:blipFill dpi="0" rotWithShape="1">
+              <a:blip r:embed="rId3">
+                <a:extLst>
+                  <a:ext uri="{28A0092B-C50C-407E-A947-70E740481C1C}">
+                    <a14:useLocalDpi xmlns:a14="http://schemas.microsoft.com/office/drawing/2010/main" val="0"/>
+                  </a:ext>
+                </a:extLst>
+              </a:blip>
+              <a:srcRect/>
+              <a:stretch>
+                <a:fillRect l="-2247" t="-16126" r="-21548" b="1630"/>
+              </a:stretch>
+            </a:blipFill>
+          </p:spPr>
+          <p:style>
+            <a:lnRef idx="2">
+              <a:schemeClr val="accent1">
+                <a:shade val="50000"/>
+              </a:schemeClr>
+            </a:lnRef>
+            <a:fillRef idx="1">
+              <a:schemeClr val="accent1"/>
+            </a:fillRef>
+            <a:effectRef idx="0">
+              <a:schemeClr val="accent1"/>
+            </a:effectRef>
+            <a:fontRef idx="minor">
+              <a:schemeClr val="lt1"/>
+            </a:fontRef>
+          </p:style>
+          <p:txBody>
+            <a:bodyPr rtlCol="0" anchor="ctr"/>
+            <a:lstStyle/>
+            <a:p>
+              <a:pPr algn="ctr"/>
+              <a:endParaRPr kumimoji="1" lang="zh-CN" altLang="en-US"/>
+            </a:p>
+          </p:txBody>
+        </p:sp>
+        <p:sp>
+          <p:nvSpPr>
+            <p:cNvPr id="73" name="文本框 72">
+              <a:extLst>
+                <a:ext uri="{FF2B5EF4-FFF2-40B4-BE49-F238E27FC236}">
+                  <a16:creationId xmlns:a16="http://schemas.microsoft.com/office/drawing/2014/main" id="{6B8988A6-CC65-B308-FB60-89C3D9D53224}"/>
+                </a:ext>
+              </a:extLst>
+            </p:cNvPr>
+            <p:cNvSpPr txBox="1"/>
+            <p:nvPr/>
+          </p:nvSpPr>
+          <p:spPr>
+            <a:xfrm>
+              <a:off x="1564086" y="3872335"/>
+              <a:ext cx="962123" cy="307777"/>
+            </a:xfrm>
+            <a:prstGeom prst="rect">
+              <a:avLst/>
+            </a:prstGeom>
+            <a:noFill/>
+          </p:spPr>
+          <p:txBody>
+            <a:bodyPr wrap="square" rtlCol="0">
+              <a:spAutoFit/>
+            </a:bodyPr>
+            <a:lstStyle/>
+            <a:p>
+              <a:pPr algn="ctr"/>
+              <a:r>
+                <a:rPr kumimoji="1" lang="en-US" altLang="zh-CN" sz="1400" dirty="0"/>
+                <a:t>control</a:t>
+              </a:r>
+              <a:endParaRPr kumimoji="1" lang="zh-CN" altLang="en-US" sz="1400" dirty="0"/>
+            </a:p>
+          </p:txBody>
+        </p:sp>
+      </p:grpSp>
       <p:cxnSp>
         <p:nvCxnSpPr>
-          <p:cNvPr id="19" name="直线箭头连接符 18">
-            <a:extLst>
-              <a:ext uri="{FF2B5EF4-FFF2-40B4-BE49-F238E27FC236}">
-                <a16:creationId xmlns:a16="http://schemas.microsoft.com/office/drawing/2014/main" id="{53D56375-549F-9715-4020-1274CD86B1AC}"/>
+          <p:cNvPr id="128" name="肘形连接符 127">
+            <a:extLst>
+              <a:ext uri="{FF2B5EF4-FFF2-40B4-BE49-F238E27FC236}">
+                <a16:creationId xmlns:a16="http://schemas.microsoft.com/office/drawing/2014/main" id="{509F55A9-1F29-E363-7D10-1D8650420688}"/>
               </a:ext>
             </a:extLst>
           </p:cNvPr>
           <p:cNvCxnSpPr>
             <a:cxnSpLocks/>
+            <a:stCxn id="13" idx="6"/>
           </p:cNvCxnSpPr>
           <p:nvPr/>
         </p:nvCxnSpPr>
         <p:spPr>
-          <a:xfrm flipV="1">
-            <a:off x="3226215" y="3487640"/>
-            <a:ext cx="810000" cy="0"/>
-          </a:xfrm>
-          <a:prstGeom prst="straightConnector1">
-            <a:avLst/>
-          </a:prstGeom>
-          <a:ln w="25400">
-            <a:tailEnd type="triangle"/>
-          </a:ln>
+          <a:xfrm>
+            <a:off x="2491735" y="3659069"/>
+            <a:ext cx="508555" cy="591492"/>
+          </a:xfrm>
+          <a:prstGeom prst="bentConnector2">
+            <a:avLst/>
+          </a:prstGeom>
+          <a:ln w="22225"/>
         </p:spPr>
         <p:style>
           <a:lnRef idx="1">
@@ -5956,164 +8625,30 @@
           </a:fontRef>
         </p:style>
       </p:cxnSp>
-      <p:pic>
-        <p:nvPicPr>
-          <p:cNvPr id="23" name="图片 22">
-            <a:extLst>
-              <a:ext uri="{FF2B5EF4-FFF2-40B4-BE49-F238E27FC236}">
-                <a16:creationId xmlns:a16="http://schemas.microsoft.com/office/drawing/2014/main" id="{EE7BE8DC-2402-12B0-9CD1-4DA3C8722C98}"/>
-              </a:ext>
-            </a:extLst>
-          </p:cNvPr>
-          <p:cNvPicPr>
-            <a:picLocks/>
-          </p:cNvPicPr>
-          <p:nvPr/>
-        </p:nvPicPr>
-        <p:blipFill rotWithShape="1">
-          <a:blip r:embed="rId2"/>
-          <a:srcRect l="4372" t="7013" r="19974" b="4134"/>
-          <a:stretch/>
-        </p:blipFill>
-        <p:spPr>
-          <a:xfrm>
-            <a:off x="6383791" y="2889000"/>
-            <a:ext cx="1440000" cy="1080000"/>
-          </a:xfrm>
-          <a:prstGeom prst="rect">
-            <a:avLst/>
-          </a:prstGeom>
-        </p:spPr>
-      </p:pic>
-      <p:pic>
-        <p:nvPicPr>
-          <p:cNvPr id="24" name="图片 23">
-            <a:extLst>
-              <a:ext uri="{FF2B5EF4-FFF2-40B4-BE49-F238E27FC236}">
-                <a16:creationId xmlns:a16="http://schemas.microsoft.com/office/drawing/2014/main" id="{AEF5C18B-DB2F-100C-7083-0DC3DBBE15BF}"/>
-              </a:ext>
-            </a:extLst>
-          </p:cNvPr>
-          <p:cNvPicPr>
-            <a:picLocks/>
-          </p:cNvPicPr>
-          <p:nvPr/>
-        </p:nvPicPr>
-        <p:blipFill rotWithShape="1">
-          <a:blip r:embed="rId3"/>
-          <a:srcRect l="3826" t="16445" r="23929" b="10474"/>
-          <a:stretch/>
-        </p:blipFill>
-        <p:spPr>
-          <a:xfrm>
-            <a:off x="9577071" y="2889000"/>
-            <a:ext cx="1440000" cy="1080000"/>
-          </a:xfrm>
-          <a:prstGeom prst="rect">
-            <a:avLst/>
-          </a:prstGeom>
-        </p:spPr>
-      </p:pic>
-      <p:sp>
-        <p:nvSpPr>
-          <p:cNvPr id="26" name="文本框 25">
-            <a:extLst>
-              <a:ext uri="{FF2B5EF4-FFF2-40B4-BE49-F238E27FC236}">
-                <a16:creationId xmlns:a16="http://schemas.microsoft.com/office/drawing/2014/main" id="{7767BB4D-208E-0FBB-35C1-A38C6BA13EA4}"/>
-              </a:ext>
-            </a:extLst>
-          </p:cNvPr>
-          <p:cNvSpPr txBox="1"/>
-          <p:nvPr/>
-        </p:nvSpPr>
-        <p:spPr>
-          <a:xfrm>
-            <a:off x="9577071" y="2482925"/>
-            <a:ext cx="1332416" cy="400110"/>
-          </a:xfrm>
-          <a:prstGeom prst="rect">
-            <a:avLst/>
-          </a:prstGeom>
-          <a:noFill/>
-        </p:spPr>
-        <p:txBody>
-          <a:bodyPr wrap="none" rtlCol="0">
-            <a:spAutoFit/>
-          </a:bodyPr>
-          <a:lstStyle/>
-          <a:p>
-            <a:r>
-              <a:rPr kumimoji="1" lang="en-US" altLang="zh-CN" sz="2000" dirty="0"/>
-              <a:t>stimulated</a:t>
-            </a:r>
-            <a:endParaRPr kumimoji="1" lang="zh-CN" altLang="en-US" sz="2000" dirty="0"/>
-          </a:p>
-        </p:txBody>
-      </p:sp>
-      <p:sp>
-        <p:nvSpPr>
-          <p:cNvPr id="31" name="文本框 30">
-            <a:extLst>
-              <a:ext uri="{FF2B5EF4-FFF2-40B4-BE49-F238E27FC236}">
-                <a16:creationId xmlns:a16="http://schemas.microsoft.com/office/drawing/2014/main" id="{19FD67B2-3BBA-27D2-8500-6EB4B2E0D68D}"/>
-              </a:ext>
-            </a:extLst>
-          </p:cNvPr>
-          <p:cNvSpPr txBox="1"/>
-          <p:nvPr/>
-        </p:nvSpPr>
-        <p:spPr>
-          <a:xfrm>
-            <a:off x="6383791" y="2474898"/>
-            <a:ext cx="1332416" cy="400110"/>
-          </a:xfrm>
-          <a:prstGeom prst="rect">
-            <a:avLst/>
-          </a:prstGeom>
-          <a:noFill/>
-        </p:spPr>
-        <p:txBody>
-          <a:bodyPr wrap="none" rtlCol="0">
-            <a:spAutoFit/>
-          </a:bodyPr>
-          <a:lstStyle/>
-          <a:p>
-            <a:r>
-              <a:rPr kumimoji="1" lang="en-US" altLang="zh-CN" sz="2000" i="1" u="sng" dirty="0"/>
-              <a:t>stimulated</a:t>
-            </a:r>
-            <a:endParaRPr kumimoji="1" lang="zh-CN" altLang="en-US" sz="2000" i="1" u="sng" dirty="0"/>
-          </a:p>
-        </p:txBody>
-      </p:sp>
       <p:cxnSp>
         <p:nvCxnSpPr>
-          <p:cNvPr id="37" name="直线箭头连接符 36">
-            <a:extLst>
-              <a:ext uri="{FF2B5EF4-FFF2-40B4-BE49-F238E27FC236}">
-                <a16:creationId xmlns:a16="http://schemas.microsoft.com/office/drawing/2014/main" id="{445B534E-7193-E566-69C6-495D734DAD57}"/>
+          <p:cNvPr id="132" name="肘形连接符 131">
+            <a:extLst>
+              <a:ext uri="{FF2B5EF4-FFF2-40B4-BE49-F238E27FC236}">
+                <a16:creationId xmlns:a16="http://schemas.microsoft.com/office/drawing/2014/main" id="{E25A98BF-4BFC-8CD8-6605-952A2ABBA758}"/>
               </a:ext>
             </a:extLst>
           </p:cNvPr>
           <p:cNvCxnSpPr>
             <a:cxnSpLocks/>
-            <a:stCxn id="23" idx="3"/>
-            <a:endCxn id="24" idx="1"/>
+            <a:stCxn id="94" idx="6"/>
           </p:cNvCxnSpPr>
           <p:nvPr/>
         </p:nvCxnSpPr>
         <p:spPr>
-          <a:xfrm>
-            <a:off x="7823791" y="3429000"/>
-            <a:ext cx="1753280" cy="0"/>
-          </a:xfrm>
-          <a:prstGeom prst="straightConnector1">
-            <a:avLst/>
-          </a:prstGeom>
-          <a:ln w="19050">
-            <a:headEnd type="triangle"/>
-            <a:tailEnd type="triangle"/>
-          </a:ln>
+          <a:xfrm flipV="1">
+            <a:off x="2457232" y="4249922"/>
+            <a:ext cx="543600" cy="563760"/>
+          </a:xfrm>
+          <a:prstGeom prst="bentConnector2">
+            <a:avLst/>
+          </a:prstGeom>
+          <a:ln w="22225"/>
         </p:spPr>
         <p:style>
           <a:lnRef idx="1">
@@ -6132,10 +8667,10 @@
       </p:cxnSp>
       <p:sp>
         <p:nvSpPr>
-          <p:cNvPr id="42" name="文本框 41">
-            <a:extLst>
-              <a:ext uri="{FF2B5EF4-FFF2-40B4-BE49-F238E27FC236}">
-                <a16:creationId xmlns:a16="http://schemas.microsoft.com/office/drawing/2014/main" id="{EB045F16-8D16-8B81-3496-4E2D5C291D83}"/>
+          <p:cNvPr id="34" name="文本框 33">
+            <a:extLst>
+              <a:ext uri="{FF2B5EF4-FFF2-40B4-BE49-F238E27FC236}">
+                <a16:creationId xmlns:a16="http://schemas.microsoft.com/office/drawing/2014/main" id="{80174827-EC4A-2FDD-20FE-36C67D5E9A32}"/>
               </a:ext>
             </a:extLst>
           </p:cNvPr>
@@ -6144,8 +8679,460 @@
         </p:nvSpPr>
         <p:spPr>
           <a:xfrm>
-            <a:off x="7879306" y="3434966"/>
-            <a:ext cx="1566454" cy="369332"/>
+            <a:off x="6041749" y="5076390"/>
+            <a:ext cx="2060179" cy="369219"/>
+          </a:xfrm>
+          <a:prstGeom prst="rect">
+            <a:avLst/>
+          </a:prstGeom>
+          <a:noFill/>
+        </p:spPr>
+        <p:txBody>
+          <a:bodyPr wrap="square" rtlCol="0">
+            <a:spAutoFit/>
+          </a:bodyPr>
+          <a:lstStyle/>
+          <a:p>
+            <a:r>
+              <a:rPr kumimoji="1" lang="en-US" altLang="zh-CN" sz="2400" dirty="0" err="1"/>
+              <a:t>Z</a:t>
+            </a:r>
+            <a:r>
+              <a:rPr kumimoji="1" lang="en-US" altLang="zh-CN" sz="2400" baseline="-25000" dirty="0" err="1"/>
+              <a:t>content_Stimulated</a:t>
+            </a:r>
+            <a:endParaRPr kumimoji="1" lang="zh-CN" altLang="en-US" sz="2400" baseline="-25000" dirty="0"/>
+          </a:p>
+        </p:txBody>
+      </p:sp>
+      <p:cxnSp>
+        <p:nvCxnSpPr>
+          <p:cNvPr id="146" name="直线连接符 145">
+            <a:extLst>
+              <a:ext uri="{FF2B5EF4-FFF2-40B4-BE49-F238E27FC236}">
+                <a16:creationId xmlns:a16="http://schemas.microsoft.com/office/drawing/2014/main" id="{9B024A07-4103-EFD6-4AEA-42E9C33CCE7D}"/>
+              </a:ext>
+            </a:extLst>
+          </p:cNvPr>
+          <p:cNvCxnSpPr/>
+          <p:nvPr/>
+        </p:nvCxnSpPr>
+        <p:spPr>
+          <a:xfrm>
+            <a:off x="4725914" y="4234328"/>
+            <a:ext cx="540000" cy="0"/>
+          </a:xfrm>
+          <a:prstGeom prst="line">
+            <a:avLst/>
+          </a:prstGeom>
+          <a:ln w="25400"/>
+        </p:spPr>
+        <p:style>
+          <a:lnRef idx="1">
+            <a:schemeClr val="accent1"/>
+          </a:lnRef>
+          <a:fillRef idx="0">
+            <a:schemeClr val="accent1"/>
+          </a:fillRef>
+          <a:effectRef idx="0">
+            <a:schemeClr val="accent1"/>
+          </a:effectRef>
+          <a:fontRef idx="minor">
+            <a:schemeClr val="tx1"/>
+          </a:fontRef>
+        </p:style>
+      </p:cxnSp>
+      <p:cxnSp>
+        <p:nvCxnSpPr>
+          <p:cNvPr id="150" name="肘形连接符 149">
+            <a:extLst>
+              <a:ext uri="{FF2B5EF4-FFF2-40B4-BE49-F238E27FC236}">
+                <a16:creationId xmlns:a16="http://schemas.microsoft.com/office/drawing/2014/main" id="{D654D1B8-D864-9297-ED3C-A52D7574A127}"/>
+              </a:ext>
+            </a:extLst>
+          </p:cNvPr>
+          <p:cNvCxnSpPr>
+            <a:cxnSpLocks/>
+          </p:cNvCxnSpPr>
+          <p:nvPr/>
+        </p:nvCxnSpPr>
+        <p:spPr>
+          <a:xfrm rot="16200000" flipH="1">
+            <a:off x="4926917" y="4552184"/>
+            <a:ext cx="1047811" cy="369817"/>
+          </a:xfrm>
+          <a:prstGeom prst="bentConnector2">
+            <a:avLst/>
+          </a:prstGeom>
+          <a:ln w="19050">
+            <a:tailEnd type="triangle"/>
+          </a:ln>
+        </p:spPr>
+        <p:style>
+          <a:lnRef idx="1">
+            <a:schemeClr val="accent1"/>
+          </a:lnRef>
+          <a:fillRef idx="0">
+            <a:schemeClr val="accent1"/>
+          </a:fillRef>
+          <a:effectRef idx="0">
+            <a:schemeClr val="accent1"/>
+          </a:effectRef>
+          <a:fontRef idx="minor">
+            <a:schemeClr val="tx1"/>
+          </a:fontRef>
+        </p:style>
+      </p:cxnSp>
+      <p:cxnSp>
+        <p:nvCxnSpPr>
+          <p:cNvPr id="158" name="肘形连接符 157">
+            <a:extLst>
+              <a:ext uri="{FF2B5EF4-FFF2-40B4-BE49-F238E27FC236}">
+                <a16:creationId xmlns:a16="http://schemas.microsoft.com/office/drawing/2014/main" id="{A33E6984-74D1-F8DF-F210-F8A650E4FB48}"/>
+              </a:ext>
+            </a:extLst>
+          </p:cNvPr>
+          <p:cNvCxnSpPr>
+            <a:cxnSpLocks/>
+            <a:endCxn id="117" idx="1"/>
+          </p:cNvCxnSpPr>
+          <p:nvPr/>
+        </p:nvCxnSpPr>
+        <p:spPr>
+          <a:xfrm rot="5400000" flipH="1" flipV="1">
+            <a:off x="4945010" y="3443453"/>
+            <a:ext cx="1119379" cy="477570"/>
+          </a:xfrm>
+          <a:prstGeom prst="bentConnector2">
+            <a:avLst/>
+          </a:prstGeom>
+          <a:ln w="19050">
+            <a:tailEnd type="triangle"/>
+          </a:ln>
+        </p:spPr>
+        <p:style>
+          <a:lnRef idx="1">
+            <a:schemeClr val="accent1"/>
+          </a:lnRef>
+          <a:fillRef idx="0">
+            <a:schemeClr val="accent1"/>
+          </a:fillRef>
+          <a:effectRef idx="0">
+            <a:schemeClr val="accent1"/>
+          </a:effectRef>
+          <a:fontRef idx="minor">
+            <a:schemeClr val="tx1"/>
+          </a:fontRef>
+        </p:style>
+      </p:cxnSp>
+      <p:grpSp>
+        <p:nvGrpSpPr>
+          <p:cNvPr id="68" name="组合 67">
+            <a:extLst>
+              <a:ext uri="{FF2B5EF4-FFF2-40B4-BE49-F238E27FC236}">
+                <a16:creationId xmlns:a16="http://schemas.microsoft.com/office/drawing/2014/main" id="{A20BA38C-FE4D-79AF-198B-BC7A6C9FEECF}"/>
+              </a:ext>
+            </a:extLst>
+          </p:cNvPr>
+          <p:cNvGrpSpPr>
+            <a:grpSpLocks noChangeAspect="1"/>
+          </p:cNvGrpSpPr>
+          <p:nvPr/>
+        </p:nvGrpSpPr>
+        <p:grpSpPr>
+          <a:xfrm>
+            <a:off x="9904565" y="3678371"/>
+            <a:ext cx="1283284" cy="720000"/>
+            <a:chOff x="1117595" y="3916165"/>
+            <a:chExt cx="1853383" cy="1039860"/>
+          </a:xfrm>
+        </p:grpSpPr>
+        <p:sp>
+          <p:nvSpPr>
+            <p:cNvPr id="69" name="椭圆 68">
+              <a:extLst>
+                <a:ext uri="{FF2B5EF4-FFF2-40B4-BE49-F238E27FC236}">
+                  <a16:creationId xmlns:a16="http://schemas.microsoft.com/office/drawing/2014/main" id="{AB99B3C5-7669-A5F9-7E1A-1ACD185ECF07}"/>
+                </a:ext>
+              </a:extLst>
+            </p:cNvPr>
+            <p:cNvSpPr/>
+            <p:nvPr/>
+          </p:nvSpPr>
+          <p:spPr>
+            <a:xfrm>
+              <a:off x="1117595" y="3916165"/>
+              <a:ext cx="1853383" cy="1039860"/>
+            </a:xfrm>
+            <a:prstGeom prst="ellipse">
+              <a:avLst/>
+            </a:prstGeom>
+            <a:blipFill dpi="0" rotWithShape="1">
+              <a:blip r:embed="rId3">
+                <a:extLst>
+                  <a:ext uri="{28A0092B-C50C-407E-A947-70E740481C1C}">
+                    <a14:useLocalDpi xmlns:a14="http://schemas.microsoft.com/office/drawing/2010/main" val="0"/>
+                  </a:ext>
+                </a:extLst>
+              </a:blip>
+              <a:srcRect/>
+              <a:stretch>
+                <a:fillRect l="-2247" t="-16126" r="-21548" b="1630"/>
+              </a:stretch>
+            </a:blipFill>
+          </p:spPr>
+          <p:style>
+            <a:lnRef idx="2">
+              <a:schemeClr val="accent1">
+                <a:shade val="50000"/>
+              </a:schemeClr>
+            </a:lnRef>
+            <a:fillRef idx="1">
+              <a:schemeClr val="accent1"/>
+            </a:fillRef>
+            <a:effectRef idx="0">
+              <a:schemeClr val="accent1"/>
+            </a:effectRef>
+            <a:fontRef idx="minor">
+              <a:schemeClr val="lt1"/>
+            </a:fontRef>
+          </p:style>
+          <p:txBody>
+            <a:bodyPr rtlCol="0" anchor="ctr"/>
+            <a:lstStyle/>
+            <a:p>
+              <a:pPr algn="ctr"/>
+              <a:endParaRPr kumimoji="1" lang="zh-CN" altLang="en-US"/>
+            </a:p>
+          </p:txBody>
+        </p:sp>
+        <p:sp>
+          <p:nvSpPr>
+            <p:cNvPr id="70" name="文本框 69">
+              <a:extLst>
+                <a:ext uri="{FF2B5EF4-FFF2-40B4-BE49-F238E27FC236}">
+                  <a16:creationId xmlns:a16="http://schemas.microsoft.com/office/drawing/2014/main" id="{1C8CF12B-C356-8C12-37BE-E2A404B655B7}"/>
+                </a:ext>
+              </a:extLst>
+            </p:cNvPr>
+            <p:cNvSpPr txBox="1"/>
+            <p:nvPr/>
+          </p:nvSpPr>
+          <p:spPr>
+            <a:xfrm>
+              <a:off x="1426194" y="3945722"/>
+              <a:ext cx="1236186" cy="412188"/>
+            </a:xfrm>
+            <a:prstGeom prst="rect">
+              <a:avLst/>
+            </a:prstGeom>
+            <a:noFill/>
+          </p:spPr>
+          <p:txBody>
+            <a:bodyPr wrap="square" rtlCol="0">
+              <a:spAutoFit/>
+            </a:bodyPr>
+            <a:lstStyle/>
+            <a:p>
+              <a:pPr algn="ctr">
+                <a:lnSpc>
+                  <a:spcPts val="700"/>
+                </a:lnSpc>
+              </a:pPr>
+              <a:r>
+                <a:rPr kumimoji="1" lang="en-US" altLang="zh-CN" sz="1050" b="1" dirty="0"/>
+                <a:t>^</a:t>
+              </a:r>
+            </a:p>
+            <a:p>
+              <a:pPr>
+                <a:lnSpc>
+                  <a:spcPts val="700"/>
+                </a:lnSpc>
+              </a:pPr>
+              <a:r>
+                <a:rPr kumimoji="1" lang="en-US" altLang="zh-CN" sz="1050" i="1" dirty="0" err="1"/>
+                <a:t>stimuluated</a:t>
+              </a:r>
+              <a:endParaRPr kumimoji="1" lang="zh-CN" altLang="en-US" sz="1050" i="1" dirty="0"/>
+            </a:p>
+          </p:txBody>
+        </p:sp>
+      </p:grpSp>
+      <p:grpSp>
+        <p:nvGrpSpPr>
+          <p:cNvPr id="71" name="组合 70">
+            <a:extLst>
+              <a:ext uri="{FF2B5EF4-FFF2-40B4-BE49-F238E27FC236}">
+                <a16:creationId xmlns:a16="http://schemas.microsoft.com/office/drawing/2014/main" id="{5A2C313D-A731-2B4F-1196-2588F1F5DC23}"/>
+              </a:ext>
+            </a:extLst>
+          </p:cNvPr>
+          <p:cNvGrpSpPr>
+            <a:grpSpLocks noChangeAspect="1"/>
+          </p:cNvGrpSpPr>
+          <p:nvPr/>
+        </p:nvGrpSpPr>
+        <p:grpSpPr>
+          <a:xfrm>
+            <a:off x="9904565" y="5032629"/>
+            <a:ext cx="1281103" cy="692383"/>
+            <a:chOff x="1171325" y="2047872"/>
+            <a:chExt cx="1853383" cy="1033504"/>
+          </a:xfrm>
+        </p:grpSpPr>
+        <p:sp>
+          <p:nvSpPr>
+            <p:cNvPr id="74" name="椭圆 73">
+              <a:extLst>
+                <a:ext uri="{FF2B5EF4-FFF2-40B4-BE49-F238E27FC236}">
+                  <a16:creationId xmlns:a16="http://schemas.microsoft.com/office/drawing/2014/main" id="{1DFEF3AD-0EE4-1E82-63D1-A50C83BD52EE}"/>
+                </a:ext>
+              </a:extLst>
+            </p:cNvPr>
+            <p:cNvSpPr/>
+            <p:nvPr/>
+          </p:nvSpPr>
+          <p:spPr>
+            <a:xfrm>
+              <a:off x="1171325" y="2047872"/>
+              <a:ext cx="1853383" cy="987466"/>
+            </a:xfrm>
+            <a:prstGeom prst="ellipse">
+              <a:avLst/>
+            </a:prstGeom>
+            <a:blipFill dpi="0" rotWithShape="1">
+              <a:blip r:embed="rId2">
+                <a:extLst>
+                  <a:ext uri="{28A0092B-C50C-407E-A947-70E740481C1C}">
+                    <a14:useLocalDpi xmlns:a14="http://schemas.microsoft.com/office/drawing/2010/main" val="0"/>
+                  </a:ext>
+                </a:extLst>
+              </a:blip>
+              <a:srcRect/>
+              <a:stretch>
+                <a:fillRect l="-1443" t="-16010" r="-22198"/>
+              </a:stretch>
+            </a:blipFill>
+          </p:spPr>
+          <p:style>
+            <a:lnRef idx="2">
+              <a:schemeClr val="accent1">
+                <a:shade val="50000"/>
+              </a:schemeClr>
+            </a:lnRef>
+            <a:fillRef idx="1">
+              <a:schemeClr val="accent1"/>
+            </a:fillRef>
+            <a:effectRef idx="0">
+              <a:schemeClr val="accent1"/>
+            </a:effectRef>
+            <a:fontRef idx="minor">
+              <a:schemeClr val="lt1"/>
+            </a:fontRef>
+          </p:style>
+          <p:txBody>
+            <a:bodyPr rtlCol="0" anchor="ctr"/>
+            <a:lstStyle/>
+            <a:p>
+              <a:pPr algn="ctr"/>
+              <a:endParaRPr kumimoji="1" lang="zh-CN" altLang="en-US"/>
+            </a:p>
+          </p:txBody>
+        </p:sp>
+        <p:sp>
+          <p:nvSpPr>
+            <p:cNvPr id="75" name="文本框 74">
+              <a:extLst>
+                <a:ext uri="{FF2B5EF4-FFF2-40B4-BE49-F238E27FC236}">
+                  <a16:creationId xmlns:a16="http://schemas.microsoft.com/office/drawing/2014/main" id="{9DADAD47-37C6-2BC9-65FF-F546787539C3}"/>
+                </a:ext>
+              </a:extLst>
+            </p:cNvPr>
+            <p:cNvSpPr txBox="1"/>
+            <p:nvPr/>
+          </p:nvSpPr>
+          <p:spPr>
+            <a:xfrm>
+              <a:off x="1527114" y="2690877"/>
+              <a:ext cx="1244269" cy="390499"/>
+            </a:xfrm>
+            <a:prstGeom prst="rect">
+              <a:avLst/>
+            </a:prstGeom>
+            <a:noFill/>
+          </p:spPr>
+          <p:txBody>
+            <a:bodyPr wrap="square" rtlCol="0">
+              <a:spAutoFit/>
+            </a:bodyPr>
+            <a:lstStyle/>
+            <a:p>
+              <a:r>
+                <a:rPr kumimoji="1" lang="en-US" altLang="zh-CN" sz="1100" dirty="0"/>
+                <a:t>stimulated</a:t>
+              </a:r>
+              <a:endParaRPr kumimoji="1" lang="zh-CN" altLang="en-US" sz="1100" dirty="0"/>
+            </a:p>
+          </p:txBody>
+        </p:sp>
+      </p:grpSp>
+      <p:sp>
+        <p:nvSpPr>
+          <p:cNvPr id="62" name="文本框 61">
+            <a:extLst>
+              <a:ext uri="{FF2B5EF4-FFF2-40B4-BE49-F238E27FC236}">
+                <a16:creationId xmlns:a16="http://schemas.microsoft.com/office/drawing/2014/main" id="{7FDAE9BD-3975-8968-B6C1-BF00840F0F7F}"/>
+              </a:ext>
+            </a:extLst>
+          </p:cNvPr>
+          <p:cNvSpPr txBox="1"/>
+          <p:nvPr/>
+        </p:nvSpPr>
+        <p:spPr>
+          <a:xfrm>
+            <a:off x="8538971" y="1973909"/>
+            <a:ext cx="994362" cy="369219"/>
+          </a:xfrm>
+          <a:prstGeom prst="rect">
+            <a:avLst/>
+          </a:prstGeom>
+          <a:noFill/>
+        </p:spPr>
+        <p:txBody>
+          <a:bodyPr wrap="square">
+            <a:spAutoFit/>
+          </a:bodyPr>
+          <a:lstStyle/>
+          <a:p>
+            <a:r>
+              <a:rPr kumimoji="1" lang="en-US" altLang="zh-CN" sz="2400" dirty="0" err="1"/>
+              <a:t>Z</a:t>
+            </a:r>
+            <a:r>
+              <a:rPr kumimoji="1" lang="en-US" altLang="zh-CN" sz="2400" baseline="-25000" dirty="0" err="1"/>
+              <a:t>predict</a:t>
+            </a:r>
+            <a:endParaRPr kumimoji="1" lang="zh-CN" altLang="en-US" sz="2400" baseline="-25000" dirty="0"/>
+          </a:p>
+        </p:txBody>
+      </p:sp>
+      <p:sp>
+        <p:nvSpPr>
+          <p:cNvPr id="18" name="文本框 17">
+            <a:extLst>
+              <a:ext uri="{FF2B5EF4-FFF2-40B4-BE49-F238E27FC236}">
+                <a16:creationId xmlns:a16="http://schemas.microsoft.com/office/drawing/2014/main" id="{5491CD5D-B2C9-5E05-D7D3-9F9599042303}"/>
+              </a:ext>
+            </a:extLst>
+          </p:cNvPr>
+          <p:cNvSpPr txBox="1"/>
+          <p:nvPr/>
+        </p:nvSpPr>
+        <p:spPr>
+          <a:xfrm>
+            <a:off x="10054806" y="2125307"/>
+            <a:ext cx="1029449" cy="369332"/>
           </a:xfrm>
           <a:prstGeom prst="rect">
             <a:avLst/>
@@ -6160,18 +9147,147 @@
           <a:p>
             <a:r>
               <a:rPr kumimoji="1" lang="en-US" altLang="zh-CN" dirty="0"/>
-              <a:t>SmoothL1loss</a:t>
+              <a:t>Decoder</a:t>
             </a:r>
             <a:endParaRPr kumimoji="1" lang="zh-CN" altLang="en-US" dirty="0"/>
           </a:p>
         </p:txBody>
       </p:sp>
-      <p:sp>
-        <p:nvSpPr>
-          <p:cNvPr id="29" name="文本框 28">
-            <a:extLst>
-              <a:ext uri="{FF2B5EF4-FFF2-40B4-BE49-F238E27FC236}">
-                <a16:creationId xmlns:a16="http://schemas.microsoft.com/office/drawing/2014/main" id="{A19A567F-E174-1BF1-B79A-AFEBC93DF6D8}"/>
+      <p:cxnSp>
+        <p:nvCxnSpPr>
+          <p:cNvPr id="21" name="肘形连接符 20">
+            <a:extLst>
+              <a:ext uri="{FF2B5EF4-FFF2-40B4-BE49-F238E27FC236}">
+                <a16:creationId xmlns:a16="http://schemas.microsoft.com/office/drawing/2014/main" id="{53D4B614-F841-C6C6-C4BE-313971094FF6}"/>
+              </a:ext>
+            </a:extLst>
+          </p:cNvPr>
+          <p:cNvCxnSpPr>
+            <a:stCxn id="18" idx="3"/>
+            <a:endCxn id="70" idx="0"/>
+          </p:cNvCxnSpPr>
+          <p:nvPr/>
+        </p:nvCxnSpPr>
+        <p:spPr>
+          <a:xfrm flipH="1">
+            <a:off x="10546207" y="2309973"/>
+            <a:ext cx="538048" cy="1388863"/>
+          </a:xfrm>
+          <a:prstGeom prst="bentConnector4">
+            <a:avLst>
+              <a:gd name="adj1" fmla="val -42487"/>
+              <a:gd name="adj2" fmla="val 56648"/>
+            </a:avLst>
+          </a:prstGeom>
+          <a:ln w="25400">
+            <a:tailEnd type="triangle"/>
+          </a:ln>
+        </p:spPr>
+        <p:style>
+          <a:lnRef idx="1">
+            <a:schemeClr val="accent1"/>
+          </a:lnRef>
+          <a:fillRef idx="0">
+            <a:schemeClr val="accent1"/>
+          </a:fillRef>
+          <a:effectRef idx="0">
+            <a:schemeClr val="accent1"/>
+          </a:effectRef>
+          <a:fontRef idx="minor">
+            <a:schemeClr val="tx1"/>
+          </a:fontRef>
+        </p:style>
+      </p:cxnSp>
+      <p:sp>
+        <p:nvSpPr>
+          <p:cNvPr id="99" name="左右箭头 98">
+            <a:extLst>
+              <a:ext uri="{FF2B5EF4-FFF2-40B4-BE49-F238E27FC236}">
+                <a16:creationId xmlns:a16="http://schemas.microsoft.com/office/drawing/2014/main" id="{A4371FCD-4607-9718-3F9D-B5E714FBB73E}"/>
+              </a:ext>
+            </a:extLst>
+          </p:cNvPr>
+          <p:cNvSpPr/>
+          <p:nvPr/>
+        </p:nvSpPr>
+        <p:spPr>
+          <a:xfrm rot="16243277">
+            <a:off x="10275875" y="4632695"/>
+            <a:ext cx="538483" cy="188728"/>
+          </a:xfrm>
+          <a:prstGeom prst="leftRightArrow">
+            <a:avLst>
+              <a:gd name="adj1" fmla="val 15289"/>
+              <a:gd name="adj2" fmla="val 98783"/>
+            </a:avLst>
+          </a:prstGeom>
+          <a:gradFill flip="none" rotWithShape="1">
+            <a:gsLst>
+              <a:gs pos="60000">
+                <a:srgbClr val="FFC000">
+                  <a:tint val="66000"/>
+                  <a:satMod val="160000"/>
+                </a:srgbClr>
+              </a:gs>
+              <a:gs pos="100000">
+                <a:srgbClr val="FFC000">
+                  <a:tint val="44500"/>
+                  <a:satMod val="160000"/>
+                </a:srgbClr>
+              </a:gs>
+              <a:gs pos="86000">
+                <a:srgbClr val="FFC000">
+                  <a:tint val="23500"/>
+                  <a:satMod val="160000"/>
+                </a:srgbClr>
+              </a:gs>
+            </a:gsLst>
+            <a:lin ang="16200000" scaled="1"/>
+            <a:tileRect/>
+          </a:gradFill>
+          <a:ln>
+            <a:noFill/>
+          </a:ln>
+        </p:spPr>
+        <p:style>
+          <a:lnRef idx="0">
+            <a:schemeClr val="accent1">
+              <a:tint val="60000"/>
+              <a:hueOff val="0"/>
+              <a:satOff val="0"/>
+              <a:lumOff val="0"/>
+              <a:alphaOff val="0"/>
+            </a:schemeClr>
+          </a:lnRef>
+          <a:fillRef idx="1">
+            <a:schemeClr val="accent1">
+              <a:tint val="60000"/>
+              <a:hueOff val="0"/>
+              <a:satOff val="0"/>
+              <a:lumOff val="0"/>
+              <a:alphaOff val="0"/>
+            </a:schemeClr>
+          </a:fillRef>
+          <a:effectRef idx="0">
+            <a:schemeClr val="accent1">
+              <a:tint val="60000"/>
+              <a:hueOff val="0"/>
+              <a:satOff val="0"/>
+              <a:lumOff val="0"/>
+              <a:alphaOff val="0"/>
+            </a:schemeClr>
+          </a:effectRef>
+          <a:fontRef idx="minor">
+            <a:schemeClr val="lt1"/>
+          </a:fontRef>
+        </p:style>
+      </p:sp>
+      <p:sp>
+        <p:nvSpPr>
+          <p:cNvPr id="25" name="文本框 24">
+            <a:extLst>
+              <a:ext uri="{FF2B5EF4-FFF2-40B4-BE49-F238E27FC236}">
+                <a16:creationId xmlns:a16="http://schemas.microsoft.com/office/drawing/2014/main" id="{A811F53F-4661-FA2B-D103-F2F0F6C44A9A}"/>
               </a:ext>
             </a:extLst>
           </p:cNvPr>
@@ -6180,8 +9296,2758 @@
         </p:nvSpPr>
         <p:spPr>
           <a:xfrm>
-            <a:off x="6829426" y="2194917"/>
-            <a:ext cx="441146" cy="553998"/>
+            <a:off x="6239800" y="3961703"/>
+            <a:ext cx="65" cy="276999"/>
+          </a:xfrm>
+          <a:prstGeom prst="rect">
+            <a:avLst/>
+          </a:prstGeom>
+          <a:noFill/>
+        </p:spPr>
+        <p:txBody>
+          <a:bodyPr wrap="none" lIns="0" tIns="0" rIns="0" bIns="0" rtlCol="0">
+            <a:spAutoFit/>
+          </a:bodyPr>
+          <a:lstStyle/>
+          <a:p>
+            <a:endParaRPr kumimoji="1" lang="zh-CN" altLang="en-US" dirty="0"/>
+          </a:p>
+        </p:txBody>
+      </p:sp>
+      <p:sp>
+        <p:nvSpPr>
+          <p:cNvPr id="101" name="文本框 100">
+            <a:extLst>
+              <a:ext uri="{FF2B5EF4-FFF2-40B4-BE49-F238E27FC236}">
+                <a16:creationId xmlns:a16="http://schemas.microsoft.com/office/drawing/2014/main" id="{4A2D1583-D7F4-E62B-CB09-F56E3F658B5E}"/>
+              </a:ext>
+            </a:extLst>
+          </p:cNvPr>
+          <p:cNvSpPr txBox="1"/>
+          <p:nvPr/>
+        </p:nvSpPr>
+        <p:spPr>
+          <a:xfrm>
+            <a:off x="9194824" y="4543926"/>
+            <a:ext cx="1374706" cy="307777"/>
+          </a:xfrm>
+          <a:prstGeom prst="rect">
+            <a:avLst/>
+          </a:prstGeom>
+          <a:noFill/>
+        </p:spPr>
+        <p:txBody>
+          <a:bodyPr wrap="square">
+            <a:spAutoFit/>
+          </a:bodyPr>
+          <a:lstStyle/>
+          <a:p>
+            <a:r>
+              <a:rPr kumimoji="1" lang="en-US" altLang="zh-CN" sz="1400" dirty="0"/>
+              <a:t>SmoothL1Loss</a:t>
+            </a:r>
+            <a:endParaRPr kumimoji="1" lang="zh-CN" altLang="en-US" sz="1400" dirty="0"/>
+          </a:p>
+        </p:txBody>
+      </p:sp>
+      <p:cxnSp>
+        <p:nvCxnSpPr>
+          <p:cNvPr id="33" name="直线箭头连接符 32">
+            <a:extLst>
+              <a:ext uri="{FF2B5EF4-FFF2-40B4-BE49-F238E27FC236}">
+                <a16:creationId xmlns:a16="http://schemas.microsoft.com/office/drawing/2014/main" id="{B41C1027-1549-D2AE-9B07-2C3D97E0F882}"/>
+              </a:ext>
+            </a:extLst>
+          </p:cNvPr>
+          <p:cNvCxnSpPr>
+            <a:endCxn id="18" idx="1"/>
+          </p:cNvCxnSpPr>
+          <p:nvPr/>
+        </p:nvCxnSpPr>
+        <p:spPr>
+          <a:xfrm>
+            <a:off x="9458107" y="2309973"/>
+            <a:ext cx="596699" cy="0"/>
+          </a:xfrm>
+          <a:prstGeom prst="straightConnector1">
+            <a:avLst/>
+          </a:prstGeom>
+          <a:ln w="25400">
+            <a:tailEnd type="triangle"/>
+          </a:ln>
+        </p:spPr>
+        <p:style>
+          <a:lnRef idx="1">
+            <a:schemeClr val="accent1"/>
+          </a:lnRef>
+          <a:fillRef idx="0">
+            <a:schemeClr val="accent1"/>
+          </a:fillRef>
+          <a:effectRef idx="0">
+            <a:schemeClr val="accent1"/>
+          </a:effectRef>
+          <a:fontRef idx="minor">
+            <a:schemeClr val="tx1"/>
+          </a:fontRef>
+        </p:style>
+      </p:cxnSp>
+    </p:spTree>
+    <p:extLst>
+      <p:ext uri="{BB962C8B-B14F-4D97-AF65-F5344CB8AC3E}">
+        <p14:creationId xmlns:p14="http://schemas.microsoft.com/office/powerpoint/2010/main" val="723409829"/>
+      </p:ext>
+    </p:extLst>
+  </p:cSld>
+  <p:clrMapOvr>
+    <a:masterClrMapping/>
+  </p:clrMapOvr>
+</p:sld>
+</file>
+
+<file path=ppt/slides/slide3.xml><?xml version="1.0" encoding="utf-8"?>
+<p:sld xmlns:a="http://schemas.openxmlformats.org/drawingml/2006/main" xmlns:r="http://schemas.openxmlformats.org/officeDocument/2006/relationships" xmlns:p="http://schemas.openxmlformats.org/presentationml/2006/main">
+  <p:cSld>
+    <p:spTree>
+      <p:nvGrpSpPr>
+        <p:cNvPr id="1" name=""/>
+        <p:cNvGrpSpPr/>
+        <p:nvPr/>
+      </p:nvGrpSpPr>
+      <p:grpSpPr>
+        <a:xfrm>
+          <a:off x="0" y="0"/>
+          <a:ext cx="0" cy="0"/>
+          <a:chOff x="0" y="0"/>
+          <a:chExt cx="0" cy="0"/>
+        </a:xfrm>
+      </p:grpSpPr>
+      <p:cxnSp>
+        <p:nvCxnSpPr>
+          <p:cNvPr id="15" name="直线箭头连接符 14">
+            <a:extLst>
+              <a:ext uri="{FF2B5EF4-FFF2-40B4-BE49-F238E27FC236}">
+                <a16:creationId xmlns:a16="http://schemas.microsoft.com/office/drawing/2014/main" id="{00B5E50B-1C48-8AF2-A583-D3E03134A3C2}"/>
+              </a:ext>
+            </a:extLst>
+          </p:cNvPr>
+          <p:cNvCxnSpPr>
+            <a:cxnSpLocks/>
+          </p:cNvCxnSpPr>
+          <p:nvPr/>
+        </p:nvCxnSpPr>
+        <p:spPr>
+          <a:xfrm>
+            <a:off x="2637739" y="1595270"/>
+            <a:ext cx="810000" cy="0"/>
+          </a:xfrm>
+          <a:prstGeom prst="straightConnector1">
+            <a:avLst/>
+          </a:prstGeom>
+          <a:ln w="25400">
+            <a:tailEnd type="triangle"/>
+          </a:ln>
+        </p:spPr>
+        <p:style>
+          <a:lnRef idx="1">
+            <a:schemeClr val="accent1"/>
+          </a:lnRef>
+          <a:fillRef idx="0">
+            <a:schemeClr val="accent1"/>
+          </a:fillRef>
+          <a:effectRef idx="0">
+            <a:schemeClr val="accent1"/>
+          </a:effectRef>
+          <a:fontRef idx="minor">
+            <a:schemeClr val="tx1"/>
+          </a:fontRef>
+        </p:style>
+      </p:cxnSp>
+      <p:sp>
+        <p:nvSpPr>
+          <p:cNvPr id="37" name="梯形 36">
+            <a:extLst>
+              <a:ext uri="{FF2B5EF4-FFF2-40B4-BE49-F238E27FC236}">
+                <a16:creationId xmlns:a16="http://schemas.microsoft.com/office/drawing/2014/main" id="{DECDBFCC-FBDF-407A-6769-A403E26006F7}"/>
+              </a:ext>
+            </a:extLst>
+          </p:cNvPr>
+          <p:cNvSpPr/>
+          <p:nvPr/>
+        </p:nvSpPr>
+        <p:spPr>
+          <a:xfrm rot="5400000">
+            <a:off x="3658550" y="1051147"/>
+            <a:ext cx="924564" cy="1088246"/>
+          </a:xfrm>
+          <a:prstGeom prst="trapezoid">
+            <a:avLst/>
+          </a:prstGeom>
+          <a:noFill/>
+          <a:ln w="38100">
+            <a:solidFill>
+              <a:schemeClr val="accent1"/>
+            </a:solidFill>
+          </a:ln>
+        </p:spPr>
+        <p:style>
+          <a:lnRef idx="2">
+            <a:schemeClr val="accent1">
+              <a:shade val="50000"/>
+            </a:schemeClr>
+          </a:lnRef>
+          <a:fillRef idx="1">
+            <a:schemeClr val="accent1"/>
+          </a:fillRef>
+          <a:effectRef idx="0">
+            <a:schemeClr val="accent1"/>
+          </a:effectRef>
+          <a:fontRef idx="minor">
+            <a:schemeClr val="lt1"/>
+          </a:fontRef>
+        </p:style>
+        <p:txBody>
+          <a:bodyPr rtlCol="0" anchor="ctr"/>
+          <a:lstStyle/>
+          <a:p>
+            <a:pPr algn="ctr"/>
+            <a:endParaRPr kumimoji="1" lang="zh-CN" altLang="en-US">
+              <a:ln w="0">
+                <a:solidFill>
+                  <a:sysClr val="windowText" lastClr="000000"/>
+                </a:solidFill>
+              </a:ln>
+              <a:solidFill>
+                <a:schemeClr val="tx1"/>
+              </a:solidFill>
+              <a:effectLst>
+                <a:outerShdw blurRad="50800" dist="38100" dir="2700000" algn="tl" rotWithShape="0">
+                  <a:prstClr val="black">
+                    <a:alpha val="40000"/>
+                  </a:prstClr>
+                </a:outerShdw>
+              </a:effectLst>
+            </a:endParaRPr>
+          </a:p>
+        </p:txBody>
+      </p:sp>
+      <p:sp>
+        <p:nvSpPr>
+          <p:cNvPr id="38" name="文本框 37">
+            <a:extLst>
+              <a:ext uri="{FF2B5EF4-FFF2-40B4-BE49-F238E27FC236}">
+                <a16:creationId xmlns:a16="http://schemas.microsoft.com/office/drawing/2014/main" id="{DEB31574-D34A-59A9-B086-5F501F790F48}"/>
+              </a:ext>
+            </a:extLst>
+          </p:cNvPr>
+          <p:cNvSpPr txBox="1"/>
+          <p:nvPr/>
+        </p:nvSpPr>
+        <p:spPr>
+          <a:xfrm>
+            <a:off x="3583451" y="1262757"/>
+            <a:ext cx="997389" cy="516907"/>
+          </a:xfrm>
+          <a:prstGeom prst="rect">
+            <a:avLst/>
+          </a:prstGeom>
+          <a:noFill/>
+        </p:spPr>
+        <p:txBody>
+          <a:bodyPr wrap="square" rtlCol="0">
+            <a:spAutoFit/>
+          </a:bodyPr>
+          <a:lstStyle/>
+          <a:p>
+            <a:pPr algn="ctr"/>
+            <a:r>
+              <a:rPr kumimoji="1" lang="en-US" altLang="zh-CN" dirty="0"/>
+              <a:t>Style</a:t>
+            </a:r>
+          </a:p>
+          <a:p>
+            <a:pPr algn="ctr"/>
+            <a:r>
+              <a:rPr kumimoji="1" lang="en-US" altLang="zh-CN" dirty="0"/>
+              <a:t>Encoder</a:t>
+            </a:r>
+            <a:endParaRPr kumimoji="1" lang="zh-CN" altLang="en-US" dirty="0"/>
+          </a:p>
+        </p:txBody>
+      </p:sp>
+      <p:cxnSp>
+        <p:nvCxnSpPr>
+          <p:cNvPr id="39" name="直线箭头连接符 38">
+            <a:extLst>
+              <a:ext uri="{FF2B5EF4-FFF2-40B4-BE49-F238E27FC236}">
+                <a16:creationId xmlns:a16="http://schemas.microsoft.com/office/drawing/2014/main" id="{E3A2E065-DA9F-1EEF-298A-9E9AF3E69D64}"/>
+              </a:ext>
+            </a:extLst>
+          </p:cNvPr>
+          <p:cNvCxnSpPr>
+            <a:cxnSpLocks/>
+          </p:cNvCxnSpPr>
+          <p:nvPr/>
+        </p:nvCxnSpPr>
+        <p:spPr>
+          <a:xfrm>
+            <a:off x="4792580" y="1608894"/>
+            <a:ext cx="810000" cy="0"/>
+          </a:xfrm>
+          <a:prstGeom prst="straightConnector1">
+            <a:avLst/>
+          </a:prstGeom>
+          <a:ln w="25400">
+            <a:tailEnd type="triangle"/>
+          </a:ln>
+        </p:spPr>
+        <p:style>
+          <a:lnRef idx="1">
+            <a:schemeClr val="accent1"/>
+          </a:lnRef>
+          <a:fillRef idx="0">
+            <a:schemeClr val="accent1"/>
+          </a:fillRef>
+          <a:effectRef idx="0">
+            <a:schemeClr val="accent1"/>
+          </a:effectRef>
+          <a:fontRef idx="minor">
+            <a:schemeClr val="tx1"/>
+          </a:fontRef>
+        </p:style>
+      </p:cxnSp>
+      <p:sp>
+        <p:nvSpPr>
+          <p:cNvPr id="45" name="矩形 44">
+            <a:extLst>
+              <a:ext uri="{FF2B5EF4-FFF2-40B4-BE49-F238E27FC236}">
+                <a16:creationId xmlns:a16="http://schemas.microsoft.com/office/drawing/2014/main" id="{8ED0C11E-DF20-4719-2035-8E5D2405CEBE}"/>
+              </a:ext>
+            </a:extLst>
+          </p:cNvPr>
+          <p:cNvSpPr/>
+          <p:nvPr/>
+        </p:nvSpPr>
+        <p:spPr>
+          <a:xfrm>
+            <a:off x="5737112" y="1257453"/>
+            <a:ext cx="180000" cy="143956"/>
+          </a:xfrm>
+          <a:prstGeom prst="rect">
+            <a:avLst/>
+          </a:prstGeom>
+          <a:gradFill flip="none" rotWithShape="1">
+            <a:gsLst>
+              <a:gs pos="0">
+                <a:schemeClr val="accent6">
+                  <a:lumMod val="67000"/>
+                </a:schemeClr>
+              </a:gs>
+              <a:gs pos="48000">
+                <a:schemeClr val="accent6">
+                  <a:lumMod val="97000"/>
+                  <a:lumOff val="3000"/>
+                </a:schemeClr>
+              </a:gs>
+              <a:gs pos="100000">
+                <a:schemeClr val="accent6">
+                  <a:lumMod val="60000"/>
+                  <a:lumOff val="40000"/>
+                </a:schemeClr>
+              </a:gs>
+            </a:gsLst>
+            <a:lin ang="16200000" scaled="1"/>
+            <a:tileRect/>
+          </a:gradFill>
+        </p:spPr>
+        <p:style>
+          <a:lnRef idx="2">
+            <a:schemeClr val="accent1">
+              <a:shade val="50000"/>
+            </a:schemeClr>
+          </a:lnRef>
+          <a:fillRef idx="1">
+            <a:schemeClr val="accent1"/>
+          </a:fillRef>
+          <a:effectRef idx="0">
+            <a:schemeClr val="accent1"/>
+          </a:effectRef>
+          <a:fontRef idx="minor">
+            <a:schemeClr val="lt1"/>
+          </a:fontRef>
+        </p:style>
+        <p:txBody>
+          <a:bodyPr rtlCol="0" anchor="ctr"/>
+          <a:lstStyle/>
+          <a:p>
+            <a:pPr algn="ctr"/>
+            <a:endParaRPr kumimoji="1" lang="zh-CN" altLang="en-US"/>
+          </a:p>
+        </p:txBody>
+      </p:sp>
+      <p:sp>
+        <p:nvSpPr>
+          <p:cNvPr id="46" name="矩形 45">
+            <a:extLst>
+              <a:ext uri="{FF2B5EF4-FFF2-40B4-BE49-F238E27FC236}">
+                <a16:creationId xmlns:a16="http://schemas.microsoft.com/office/drawing/2014/main" id="{BFB4FE99-C8F0-028F-00D3-19B49D6BFF59}"/>
+              </a:ext>
+            </a:extLst>
+          </p:cNvPr>
+          <p:cNvSpPr/>
+          <p:nvPr/>
+        </p:nvSpPr>
+        <p:spPr>
+          <a:xfrm>
+            <a:off x="5737112" y="1451314"/>
+            <a:ext cx="180000" cy="143956"/>
+          </a:xfrm>
+          <a:prstGeom prst="rect">
+            <a:avLst/>
+          </a:prstGeom>
+          <a:gradFill flip="none" rotWithShape="1">
+            <a:gsLst>
+              <a:gs pos="0">
+                <a:schemeClr val="accent6">
+                  <a:lumMod val="67000"/>
+                </a:schemeClr>
+              </a:gs>
+              <a:gs pos="48000">
+                <a:schemeClr val="accent6">
+                  <a:lumMod val="97000"/>
+                  <a:lumOff val="3000"/>
+                </a:schemeClr>
+              </a:gs>
+              <a:gs pos="100000">
+                <a:schemeClr val="accent6">
+                  <a:lumMod val="60000"/>
+                  <a:lumOff val="40000"/>
+                </a:schemeClr>
+              </a:gs>
+            </a:gsLst>
+            <a:lin ang="16200000" scaled="1"/>
+            <a:tileRect/>
+          </a:gradFill>
+        </p:spPr>
+        <p:style>
+          <a:lnRef idx="2">
+            <a:schemeClr val="accent1">
+              <a:shade val="50000"/>
+            </a:schemeClr>
+          </a:lnRef>
+          <a:fillRef idx="1">
+            <a:schemeClr val="accent1"/>
+          </a:fillRef>
+          <a:effectRef idx="0">
+            <a:schemeClr val="accent1"/>
+          </a:effectRef>
+          <a:fontRef idx="minor">
+            <a:schemeClr val="lt1"/>
+          </a:fontRef>
+        </p:style>
+        <p:txBody>
+          <a:bodyPr rtlCol="0" anchor="ctr"/>
+          <a:lstStyle/>
+          <a:p>
+            <a:pPr algn="ctr"/>
+            <a:endParaRPr kumimoji="1" lang="zh-CN" altLang="en-US"/>
+          </a:p>
+        </p:txBody>
+      </p:sp>
+      <p:sp>
+        <p:nvSpPr>
+          <p:cNvPr id="47" name="矩形 46">
+            <a:extLst>
+              <a:ext uri="{FF2B5EF4-FFF2-40B4-BE49-F238E27FC236}">
+                <a16:creationId xmlns:a16="http://schemas.microsoft.com/office/drawing/2014/main" id="{E41AB206-FBA4-3209-8A1E-7D289A78A194}"/>
+              </a:ext>
+            </a:extLst>
+          </p:cNvPr>
+          <p:cNvSpPr/>
+          <p:nvPr/>
+        </p:nvSpPr>
+        <p:spPr>
+          <a:xfrm>
+            <a:off x="5737112" y="1645175"/>
+            <a:ext cx="180000" cy="143956"/>
+          </a:xfrm>
+          <a:prstGeom prst="rect">
+            <a:avLst/>
+          </a:prstGeom>
+          <a:gradFill flip="none" rotWithShape="1">
+            <a:gsLst>
+              <a:gs pos="0">
+                <a:schemeClr val="accent6">
+                  <a:lumMod val="67000"/>
+                </a:schemeClr>
+              </a:gs>
+              <a:gs pos="48000">
+                <a:schemeClr val="accent6">
+                  <a:lumMod val="97000"/>
+                  <a:lumOff val="3000"/>
+                </a:schemeClr>
+              </a:gs>
+              <a:gs pos="100000">
+                <a:schemeClr val="accent6">
+                  <a:lumMod val="60000"/>
+                  <a:lumOff val="40000"/>
+                </a:schemeClr>
+              </a:gs>
+            </a:gsLst>
+            <a:lin ang="16200000" scaled="1"/>
+            <a:tileRect/>
+          </a:gradFill>
+        </p:spPr>
+        <p:style>
+          <a:lnRef idx="2">
+            <a:schemeClr val="accent1">
+              <a:shade val="50000"/>
+            </a:schemeClr>
+          </a:lnRef>
+          <a:fillRef idx="1">
+            <a:schemeClr val="accent1"/>
+          </a:fillRef>
+          <a:effectRef idx="0">
+            <a:schemeClr val="accent1"/>
+          </a:effectRef>
+          <a:fontRef idx="minor">
+            <a:schemeClr val="lt1"/>
+          </a:fontRef>
+        </p:style>
+        <p:txBody>
+          <a:bodyPr rtlCol="0" anchor="ctr"/>
+          <a:lstStyle/>
+          <a:p>
+            <a:pPr algn="ctr"/>
+            <a:endParaRPr kumimoji="1" lang="zh-CN" altLang="en-US"/>
+          </a:p>
+        </p:txBody>
+      </p:sp>
+      <p:sp>
+        <p:nvSpPr>
+          <p:cNvPr id="48" name="矩形 47">
+            <a:extLst>
+              <a:ext uri="{FF2B5EF4-FFF2-40B4-BE49-F238E27FC236}">
+                <a16:creationId xmlns:a16="http://schemas.microsoft.com/office/drawing/2014/main" id="{30D3F566-EF4A-BEA8-A1A1-439C0F4815F0}"/>
+              </a:ext>
+            </a:extLst>
+          </p:cNvPr>
+          <p:cNvSpPr/>
+          <p:nvPr/>
+        </p:nvSpPr>
+        <p:spPr>
+          <a:xfrm>
+            <a:off x="5737112" y="1839036"/>
+            <a:ext cx="180000" cy="143956"/>
+          </a:xfrm>
+          <a:prstGeom prst="rect">
+            <a:avLst/>
+          </a:prstGeom>
+          <a:gradFill flip="none" rotWithShape="1">
+            <a:gsLst>
+              <a:gs pos="0">
+                <a:schemeClr val="accent6">
+                  <a:lumMod val="67000"/>
+                </a:schemeClr>
+              </a:gs>
+              <a:gs pos="48000">
+                <a:schemeClr val="accent6">
+                  <a:lumMod val="97000"/>
+                  <a:lumOff val="3000"/>
+                </a:schemeClr>
+              </a:gs>
+              <a:gs pos="100000">
+                <a:schemeClr val="accent6">
+                  <a:lumMod val="60000"/>
+                  <a:lumOff val="40000"/>
+                </a:schemeClr>
+              </a:gs>
+            </a:gsLst>
+            <a:lin ang="16200000" scaled="1"/>
+            <a:tileRect/>
+          </a:gradFill>
+        </p:spPr>
+        <p:style>
+          <a:lnRef idx="2">
+            <a:schemeClr val="accent1">
+              <a:shade val="50000"/>
+            </a:schemeClr>
+          </a:lnRef>
+          <a:fillRef idx="1">
+            <a:schemeClr val="accent1"/>
+          </a:fillRef>
+          <a:effectRef idx="0">
+            <a:schemeClr val="accent1"/>
+          </a:effectRef>
+          <a:fontRef idx="minor">
+            <a:schemeClr val="lt1"/>
+          </a:fontRef>
+        </p:style>
+        <p:txBody>
+          <a:bodyPr rtlCol="0" anchor="ctr"/>
+          <a:lstStyle/>
+          <a:p>
+            <a:pPr algn="ctr"/>
+            <a:endParaRPr kumimoji="1" lang="zh-CN" altLang="en-US"/>
+          </a:p>
+        </p:txBody>
+      </p:sp>
+      <p:sp>
+        <p:nvSpPr>
+          <p:cNvPr id="50" name="文本框 49">
+            <a:extLst>
+              <a:ext uri="{FF2B5EF4-FFF2-40B4-BE49-F238E27FC236}">
+                <a16:creationId xmlns:a16="http://schemas.microsoft.com/office/drawing/2014/main" id="{2808AF0C-AF29-FAE3-F7AB-302482540354}"/>
+              </a:ext>
+            </a:extLst>
+          </p:cNvPr>
+          <p:cNvSpPr txBox="1"/>
+          <p:nvPr/>
+        </p:nvSpPr>
+        <p:spPr>
+          <a:xfrm>
+            <a:off x="6384814" y="1387774"/>
+            <a:ext cx="809994" cy="369219"/>
+          </a:xfrm>
+          <a:prstGeom prst="rect">
+            <a:avLst/>
+          </a:prstGeom>
+          <a:noFill/>
+        </p:spPr>
+        <p:txBody>
+          <a:bodyPr wrap="square">
+            <a:spAutoFit/>
+          </a:bodyPr>
+          <a:lstStyle/>
+          <a:p>
+            <a:r>
+              <a:rPr kumimoji="1" lang="en-US" altLang="zh-CN" sz="2400" dirty="0" err="1"/>
+              <a:t>Z</a:t>
+            </a:r>
+            <a:r>
+              <a:rPr kumimoji="1" lang="en-US" altLang="zh-CN" sz="2400" baseline="-25000" dirty="0" err="1"/>
+              <a:t>style</a:t>
+            </a:r>
+            <a:endParaRPr kumimoji="1" lang="zh-CN" altLang="en-US" sz="2400" baseline="-25000" dirty="0"/>
+          </a:p>
+        </p:txBody>
+      </p:sp>
+      <p:sp>
+        <p:nvSpPr>
+          <p:cNvPr id="51" name="矩形 50">
+            <a:extLst>
+              <a:ext uri="{FF2B5EF4-FFF2-40B4-BE49-F238E27FC236}">
+                <a16:creationId xmlns:a16="http://schemas.microsoft.com/office/drawing/2014/main" id="{1FF473CC-F231-C68C-3592-1715005E3B55}"/>
+              </a:ext>
+            </a:extLst>
+          </p:cNvPr>
+          <p:cNvSpPr/>
+          <p:nvPr/>
+        </p:nvSpPr>
+        <p:spPr>
+          <a:xfrm>
+            <a:off x="2313195" y="1225315"/>
+            <a:ext cx="180000" cy="143956"/>
+          </a:xfrm>
+          <a:prstGeom prst="rect">
+            <a:avLst/>
+          </a:prstGeom>
+          <a:gradFill flip="none" rotWithShape="1">
+            <a:gsLst>
+              <a:gs pos="0">
+                <a:schemeClr val="accent6">
+                  <a:lumMod val="67000"/>
+                </a:schemeClr>
+              </a:gs>
+              <a:gs pos="48000">
+                <a:schemeClr val="accent6">
+                  <a:lumMod val="97000"/>
+                  <a:lumOff val="3000"/>
+                </a:schemeClr>
+              </a:gs>
+              <a:gs pos="100000">
+                <a:schemeClr val="accent6">
+                  <a:lumMod val="60000"/>
+                  <a:lumOff val="40000"/>
+                </a:schemeClr>
+              </a:gs>
+            </a:gsLst>
+            <a:lin ang="16200000" scaled="1"/>
+            <a:tileRect/>
+          </a:gradFill>
+        </p:spPr>
+        <p:style>
+          <a:lnRef idx="2">
+            <a:schemeClr val="accent1">
+              <a:shade val="50000"/>
+            </a:schemeClr>
+          </a:lnRef>
+          <a:fillRef idx="1">
+            <a:schemeClr val="accent1"/>
+          </a:fillRef>
+          <a:effectRef idx="0">
+            <a:schemeClr val="accent1"/>
+          </a:effectRef>
+          <a:fontRef idx="minor">
+            <a:schemeClr val="lt1"/>
+          </a:fontRef>
+        </p:style>
+        <p:txBody>
+          <a:bodyPr rtlCol="0" anchor="ctr"/>
+          <a:lstStyle/>
+          <a:p>
+            <a:pPr algn="ctr"/>
+            <a:endParaRPr kumimoji="1" lang="zh-CN" altLang="en-US"/>
+          </a:p>
+        </p:txBody>
+      </p:sp>
+      <p:sp>
+        <p:nvSpPr>
+          <p:cNvPr id="52" name="矩形 51">
+            <a:extLst>
+              <a:ext uri="{FF2B5EF4-FFF2-40B4-BE49-F238E27FC236}">
+                <a16:creationId xmlns:a16="http://schemas.microsoft.com/office/drawing/2014/main" id="{7E862505-1462-6917-22AC-64B4B4188640}"/>
+              </a:ext>
+            </a:extLst>
+          </p:cNvPr>
+          <p:cNvSpPr/>
+          <p:nvPr/>
+        </p:nvSpPr>
+        <p:spPr>
+          <a:xfrm>
+            <a:off x="2313195" y="1419176"/>
+            <a:ext cx="180000" cy="143956"/>
+          </a:xfrm>
+          <a:prstGeom prst="rect">
+            <a:avLst/>
+          </a:prstGeom>
+          <a:gradFill flip="none" rotWithShape="1">
+            <a:gsLst>
+              <a:gs pos="0">
+                <a:schemeClr val="accent6">
+                  <a:lumMod val="40000"/>
+                  <a:lumOff val="60000"/>
+                </a:schemeClr>
+              </a:gs>
+              <a:gs pos="46000">
+                <a:schemeClr val="accent6">
+                  <a:lumMod val="95000"/>
+                  <a:lumOff val="5000"/>
+                </a:schemeClr>
+              </a:gs>
+              <a:gs pos="100000">
+                <a:schemeClr val="accent6">
+                  <a:lumMod val="60000"/>
+                </a:schemeClr>
+              </a:gs>
+            </a:gsLst>
+            <a:path path="circle">
+              <a:fillToRect l="50000" t="130000" r="50000" b="-30000"/>
+            </a:path>
+            <a:tileRect/>
+          </a:gradFill>
+        </p:spPr>
+        <p:style>
+          <a:lnRef idx="2">
+            <a:schemeClr val="accent1">
+              <a:shade val="50000"/>
+            </a:schemeClr>
+          </a:lnRef>
+          <a:fillRef idx="1">
+            <a:schemeClr val="accent1"/>
+          </a:fillRef>
+          <a:effectRef idx="0">
+            <a:schemeClr val="accent1"/>
+          </a:effectRef>
+          <a:fontRef idx="minor">
+            <a:schemeClr val="lt1"/>
+          </a:fontRef>
+        </p:style>
+        <p:txBody>
+          <a:bodyPr rtlCol="0" anchor="ctr"/>
+          <a:lstStyle/>
+          <a:p>
+            <a:pPr algn="ctr"/>
+            <a:endParaRPr kumimoji="1" lang="zh-CN" altLang="en-US"/>
+          </a:p>
+        </p:txBody>
+      </p:sp>
+      <p:sp>
+        <p:nvSpPr>
+          <p:cNvPr id="53" name="矩形 52">
+            <a:extLst>
+              <a:ext uri="{FF2B5EF4-FFF2-40B4-BE49-F238E27FC236}">
+                <a16:creationId xmlns:a16="http://schemas.microsoft.com/office/drawing/2014/main" id="{80FAC281-D3D6-136D-B660-9C5D24E24E3F}"/>
+              </a:ext>
+            </a:extLst>
+          </p:cNvPr>
+          <p:cNvSpPr/>
+          <p:nvPr/>
+        </p:nvSpPr>
+        <p:spPr>
+          <a:xfrm>
+            <a:off x="2313195" y="1613037"/>
+            <a:ext cx="180000" cy="143956"/>
+          </a:xfrm>
+          <a:prstGeom prst="rect">
+            <a:avLst/>
+          </a:prstGeom>
+          <a:gradFill flip="none" rotWithShape="1">
+            <a:gsLst>
+              <a:gs pos="0">
+                <a:schemeClr val="accent6">
+                  <a:lumMod val="0"/>
+                  <a:lumOff val="100000"/>
+                </a:schemeClr>
+              </a:gs>
+              <a:gs pos="35000">
+                <a:schemeClr val="accent6">
+                  <a:lumMod val="0"/>
+                  <a:lumOff val="100000"/>
+                </a:schemeClr>
+              </a:gs>
+              <a:gs pos="100000">
+                <a:schemeClr val="accent6">
+                  <a:lumMod val="100000"/>
+                </a:schemeClr>
+              </a:gs>
+            </a:gsLst>
+            <a:path path="circle">
+              <a:fillToRect l="50000" t="-80000" r="50000" b="180000"/>
+            </a:path>
+            <a:tileRect/>
+          </a:gradFill>
+        </p:spPr>
+        <p:style>
+          <a:lnRef idx="2">
+            <a:schemeClr val="accent1">
+              <a:shade val="50000"/>
+            </a:schemeClr>
+          </a:lnRef>
+          <a:fillRef idx="1">
+            <a:schemeClr val="accent1"/>
+          </a:fillRef>
+          <a:effectRef idx="0">
+            <a:schemeClr val="accent1"/>
+          </a:effectRef>
+          <a:fontRef idx="minor">
+            <a:schemeClr val="lt1"/>
+          </a:fontRef>
+        </p:style>
+        <p:txBody>
+          <a:bodyPr rtlCol="0" anchor="ctr"/>
+          <a:lstStyle/>
+          <a:p>
+            <a:pPr algn="ctr"/>
+            <a:endParaRPr kumimoji="1" lang="zh-CN" altLang="en-US"/>
+          </a:p>
+        </p:txBody>
+      </p:sp>
+      <p:sp>
+        <p:nvSpPr>
+          <p:cNvPr id="54" name="矩形 53">
+            <a:extLst>
+              <a:ext uri="{FF2B5EF4-FFF2-40B4-BE49-F238E27FC236}">
+                <a16:creationId xmlns:a16="http://schemas.microsoft.com/office/drawing/2014/main" id="{7A1B23FA-A553-81AF-1726-3E9C0231599C}"/>
+              </a:ext>
+            </a:extLst>
+          </p:cNvPr>
+          <p:cNvSpPr/>
+          <p:nvPr/>
+        </p:nvSpPr>
+        <p:spPr>
+          <a:xfrm>
+            <a:off x="2313195" y="1806897"/>
+            <a:ext cx="180000" cy="143956"/>
+          </a:xfrm>
+          <a:prstGeom prst="rect">
+            <a:avLst/>
+          </a:prstGeom>
+          <a:gradFill flip="none" rotWithShape="1">
+            <a:gsLst>
+              <a:gs pos="0">
+                <a:schemeClr val="accent6">
+                  <a:lumMod val="5000"/>
+                  <a:lumOff val="95000"/>
+                </a:schemeClr>
+              </a:gs>
+              <a:gs pos="74000">
+                <a:schemeClr val="accent6">
+                  <a:lumMod val="45000"/>
+                  <a:lumOff val="55000"/>
+                </a:schemeClr>
+              </a:gs>
+              <a:gs pos="83000">
+                <a:schemeClr val="accent6">
+                  <a:lumMod val="45000"/>
+                  <a:lumOff val="55000"/>
+                </a:schemeClr>
+              </a:gs>
+              <a:gs pos="100000">
+                <a:schemeClr val="accent6">
+                  <a:lumMod val="30000"/>
+                  <a:lumOff val="70000"/>
+                </a:schemeClr>
+              </a:gs>
+            </a:gsLst>
+            <a:lin ang="5400000" scaled="1"/>
+            <a:tileRect/>
+          </a:gradFill>
+        </p:spPr>
+        <p:style>
+          <a:lnRef idx="2">
+            <a:schemeClr val="accent1">
+              <a:shade val="50000"/>
+            </a:schemeClr>
+          </a:lnRef>
+          <a:fillRef idx="1">
+            <a:schemeClr val="accent1"/>
+          </a:fillRef>
+          <a:effectRef idx="0">
+            <a:schemeClr val="accent1"/>
+          </a:effectRef>
+          <a:fontRef idx="minor">
+            <a:schemeClr val="lt1"/>
+          </a:fontRef>
+        </p:style>
+        <p:txBody>
+          <a:bodyPr rtlCol="0" anchor="ctr"/>
+          <a:lstStyle/>
+          <a:p>
+            <a:pPr algn="ctr"/>
+            <a:endParaRPr kumimoji="1" lang="zh-CN" altLang="en-US"/>
+          </a:p>
+        </p:txBody>
+      </p:sp>
+      <p:sp>
+        <p:nvSpPr>
+          <p:cNvPr id="55" name="文本框 54">
+            <a:extLst>
+              <a:ext uri="{FF2B5EF4-FFF2-40B4-BE49-F238E27FC236}">
+                <a16:creationId xmlns:a16="http://schemas.microsoft.com/office/drawing/2014/main" id="{B7DE1804-1A21-61F6-7B7F-E9E70E3CB57A}"/>
+              </a:ext>
+            </a:extLst>
+          </p:cNvPr>
+          <p:cNvSpPr txBox="1"/>
+          <p:nvPr/>
+        </p:nvSpPr>
+        <p:spPr>
+          <a:xfrm>
+            <a:off x="1551676" y="1361430"/>
+            <a:ext cx="764953" cy="492292"/>
+          </a:xfrm>
+          <a:prstGeom prst="rect">
+            <a:avLst/>
+          </a:prstGeom>
+          <a:noFill/>
+        </p:spPr>
+        <p:txBody>
+          <a:bodyPr wrap="square" rtlCol="0">
+            <a:spAutoFit/>
+          </a:bodyPr>
+          <a:lstStyle/>
+          <a:p>
+            <a:pPr algn="ctr"/>
+            <a:r>
+              <a:rPr kumimoji="1" lang="en-US" altLang="zh-CN" sz="1700" dirty="0"/>
+              <a:t>Style</a:t>
+            </a:r>
+          </a:p>
+          <a:p>
+            <a:pPr algn="ctr"/>
+            <a:r>
+              <a:rPr kumimoji="1" lang="en-US" altLang="zh-CN" sz="1700" dirty="0"/>
+              <a:t>vector</a:t>
+            </a:r>
+          </a:p>
+        </p:txBody>
+      </p:sp>
+      <p:sp>
+        <p:nvSpPr>
+          <p:cNvPr id="6" name="梯形 5">
+            <a:extLst>
+              <a:ext uri="{FF2B5EF4-FFF2-40B4-BE49-F238E27FC236}">
+                <a16:creationId xmlns:a16="http://schemas.microsoft.com/office/drawing/2014/main" id="{52EE0DD4-A064-7596-A675-6FD83554C458}"/>
+              </a:ext>
+            </a:extLst>
+          </p:cNvPr>
+          <p:cNvSpPr/>
+          <p:nvPr/>
+        </p:nvSpPr>
+        <p:spPr>
+          <a:xfrm rot="5400000">
+            <a:off x="3671628" y="3706438"/>
+            <a:ext cx="924564" cy="1088246"/>
+          </a:xfrm>
+          <a:prstGeom prst="trapezoid">
+            <a:avLst/>
+          </a:prstGeom>
+          <a:noFill/>
+          <a:ln w="38100">
+            <a:solidFill>
+              <a:schemeClr val="accent1"/>
+            </a:solidFill>
+          </a:ln>
+        </p:spPr>
+        <p:style>
+          <a:lnRef idx="2">
+            <a:schemeClr val="accent1">
+              <a:shade val="50000"/>
+            </a:schemeClr>
+          </a:lnRef>
+          <a:fillRef idx="1">
+            <a:schemeClr val="accent1"/>
+          </a:fillRef>
+          <a:effectRef idx="0">
+            <a:schemeClr val="accent1"/>
+          </a:effectRef>
+          <a:fontRef idx="minor">
+            <a:schemeClr val="lt1"/>
+          </a:fontRef>
+        </p:style>
+        <p:txBody>
+          <a:bodyPr rtlCol="0" anchor="ctr"/>
+          <a:lstStyle/>
+          <a:p>
+            <a:pPr algn="ctr"/>
+            <a:endParaRPr kumimoji="1" lang="zh-CN" altLang="en-US">
+              <a:ln w="0">
+                <a:solidFill>
+                  <a:sysClr val="windowText" lastClr="000000"/>
+                </a:solidFill>
+              </a:ln>
+              <a:solidFill>
+                <a:schemeClr val="tx1"/>
+              </a:solidFill>
+              <a:effectLst>
+                <a:outerShdw blurRad="50800" dist="38100" dir="2700000" algn="tl" rotWithShape="0">
+                  <a:prstClr val="black">
+                    <a:alpha val="40000"/>
+                  </a:prstClr>
+                </a:outerShdw>
+              </a:effectLst>
+            </a:endParaRPr>
+          </a:p>
+        </p:txBody>
+      </p:sp>
+      <p:sp>
+        <p:nvSpPr>
+          <p:cNvPr id="7" name="文本框 6">
+            <a:extLst>
+              <a:ext uri="{FF2B5EF4-FFF2-40B4-BE49-F238E27FC236}">
+                <a16:creationId xmlns:a16="http://schemas.microsoft.com/office/drawing/2014/main" id="{CB55584C-55C3-F25B-9A34-2364CD995933}"/>
+              </a:ext>
+            </a:extLst>
+          </p:cNvPr>
+          <p:cNvSpPr txBox="1"/>
+          <p:nvPr/>
+        </p:nvSpPr>
+        <p:spPr>
+          <a:xfrm>
+            <a:off x="3602286" y="3920130"/>
+            <a:ext cx="997389" cy="516907"/>
+          </a:xfrm>
+          <a:prstGeom prst="rect">
+            <a:avLst/>
+          </a:prstGeom>
+          <a:noFill/>
+        </p:spPr>
+        <p:txBody>
+          <a:bodyPr wrap="square" rtlCol="0">
+            <a:spAutoFit/>
+          </a:bodyPr>
+          <a:lstStyle/>
+          <a:p>
+            <a:r>
+              <a:rPr kumimoji="1" lang="en-US" altLang="zh-CN" dirty="0"/>
+              <a:t>Content</a:t>
+            </a:r>
+          </a:p>
+          <a:p>
+            <a:r>
+              <a:rPr kumimoji="1" lang="en-US" altLang="zh-CN" dirty="0"/>
+              <a:t>Encoder</a:t>
+            </a:r>
+            <a:endParaRPr kumimoji="1" lang="zh-CN" altLang="en-US" dirty="0"/>
+          </a:p>
+        </p:txBody>
+      </p:sp>
+      <p:sp>
+        <p:nvSpPr>
+          <p:cNvPr id="23" name="矩形 22">
+            <a:extLst>
+              <a:ext uri="{FF2B5EF4-FFF2-40B4-BE49-F238E27FC236}">
+                <a16:creationId xmlns:a16="http://schemas.microsoft.com/office/drawing/2014/main" id="{4E482811-448A-A751-D537-819AE2D54ACE}"/>
+              </a:ext>
+            </a:extLst>
+          </p:cNvPr>
+          <p:cNvSpPr/>
+          <p:nvPr/>
+        </p:nvSpPr>
+        <p:spPr>
+          <a:xfrm>
+            <a:off x="5682571" y="4893486"/>
+            <a:ext cx="180000" cy="143956"/>
+          </a:xfrm>
+          <a:prstGeom prst="rect">
+            <a:avLst/>
+          </a:prstGeom>
+          <a:gradFill flip="none" rotWithShape="1">
+            <a:gsLst>
+              <a:gs pos="0">
+                <a:schemeClr val="accent2">
+                  <a:lumMod val="40000"/>
+                  <a:lumOff val="60000"/>
+                </a:schemeClr>
+              </a:gs>
+              <a:gs pos="54000">
+                <a:schemeClr val="accent2">
+                  <a:lumMod val="95000"/>
+                  <a:lumOff val="5000"/>
+                </a:schemeClr>
+              </a:gs>
+              <a:gs pos="100000">
+                <a:schemeClr val="accent2">
+                  <a:lumMod val="60000"/>
+                </a:schemeClr>
+              </a:gs>
+            </a:gsLst>
+            <a:path path="circle">
+              <a:fillToRect l="50000" t="130000" r="50000" b="-30000"/>
+            </a:path>
+            <a:tileRect/>
+          </a:gradFill>
+        </p:spPr>
+        <p:style>
+          <a:lnRef idx="2">
+            <a:schemeClr val="accent1">
+              <a:shade val="50000"/>
+            </a:schemeClr>
+          </a:lnRef>
+          <a:fillRef idx="1">
+            <a:schemeClr val="accent1"/>
+          </a:fillRef>
+          <a:effectRef idx="0">
+            <a:schemeClr val="accent1"/>
+          </a:effectRef>
+          <a:fontRef idx="minor">
+            <a:schemeClr val="lt1"/>
+          </a:fontRef>
+        </p:style>
+        <p:txBody>
+          <a:bodyPr rtlCol="0" anchor="ctr"/>
+          <a:lstStyle/>
+          <a:p>
+            <a:pPr algn="ctr"/>
+            <a:endParaRPr kumimoji="1" lang="zh-CN" altLang="en-US"/>
+          </a:p>
+        </p:txBody>
+      </p:sp>
+      <p:sp>
+        <p:nvSpPr>
+          <p:cNvPr id="26" name="矩形 25">
+            <a:extLst>
+              <a:ext uri="{FF2B5EF4-FFF2-40B4-BE49-F238E27FC236}">
+                <a16:creationId xmlns:a16="http://schemas.microsoft.com/office/drawing/2014/main" id="{455C04DF-FBC2-34FC-7318-5D00BFFEB01E}"/>
+              </a:ext>
+            </a:extLst>
+          </p:cNvPr>
+          <p:cNvSpPr/>
+          <p:nvPr/>
+        </p:nvSpPr>
+        <p:spPr>
+          <a:xfrm>
+            <a:off x="5682571" y="5087346"/>
+            <a:ext cx="180000" cy="143956"/>
+          </a:xfrm>
+          <a:prstGeom prst="rect">
+            <a:avLst/>
+          </a:prstGeom>
+          <a:gradFill flip="none" rotWithShape="1">
+            <a:gsLst>
+              <a:gs pos="0">
+                <a:schemeClr val="accent2">
+                  <a:lumMod val="40000"/>
+                  <a:lumOff val="60000"/>
+                </a:schemeClr>
+              </a:gs>
+              <a:gs pos="54000">
+                <a:schemeClr val="accent2">
+                  <a:lumMod val="95000"/>
+                  <a:lumOff val="5000"/>
+                </a:schemeClr>
+              </a:gs>
+              <a:gs pos="100000">
+                <a:schemeClr val="accent2">
+                  <a:lumMod val="60000"/>
+                </a:schemeClr>
+              </a:gs>
+            </a:gsLst>
+            <a:path path="circle">
+              <a:fillToRect l="50000" t="130000" r="50000" b="-30000"/>
+            </a:path>
+            <a:tileRect/>
+          </a:gradFill>
+        </p:spPr>
+        <p:style>
+          <a:lnRef idx="2">
+            <a:schemeClr val="accent1">
+              <a:shade val="50000"/>
+            </a:schemeClr>
+          </a:lnRef>
+          <a:fillRef idx="1">
+            <a:schemeClr val="accent1"/>
+          </a:fillRef>
+          <a:effectRef idx="0">
+            <a:schemeClr val="accent1"/>
+          </a:effectRef>
+          <a:fontRef idx="minor">
+            <a:schemeClr val="lt1"/>
+          </a:fontRef>
+        </p:style>
+        <p:txBody>
+          <a:bodyPr rtlCol="0" anchor="ctr"/>
+          <a:lstStyle/>
+          <a:p>
+            <a:pPr algn="ctr"/>
+            <a:endParaRPr kumimoji="1" lang="zh-CN" altLang="en-US"/>
+          </a:p>
+        </p:txBody>
+      </p:sp>
+      <p:sp>
+        <p:nvSpPr>
+          <p:cNvPr id="27" name="矩形 26">
+            <a:extLst>
+              <a:ext uri="{FF2B5EF4-FFF2-40B4-BE49-F238E27FC236}">
+                <a16:creationId xmlns:a16="http://schemas.microsoft.com/office/drawing/2014/main" id="{9F71421C-07C9-407D-FC2F-AB9F81D60167}"/>
+              </a:ext>
+            </a:extLst>
+          </p:cNvPr>
+          <p:cNvSpPr/>
+          <p:nvPr/>
+        </p:nvSpPr>
+        <p:spPr>
+          <a:xfrm>
+            <a:off x="5682571" y="5281207"/>
+            <a:ext cx="180000" cy="143956"/>
+          </a:xfrm>
+          <a:prstGeom prst="rect">
+            <a:avLst/>
+          </a:prstGeom>
+          <a:gradFill flip="none" rotWithShape="1">
+            <a:gsLst>
+              <a:gs pos="0">
+                <a:schemeClr val="accent2">
+                  <a:lumMod val="40000"/>
+                  <a:lumOff val="60000"/>
+                </a:schemeClr>
+              </a:gs>
+              <a:gs pos="54000">
+                <a:schemeClr val="accent2">
+                  <a:lumMod val="95000"/>
+                  <a:lumOff val="5000"/>
+                </a:schemeClr>
+              </a:gs>
+              <a:gs pos="100000">
+                <a:schemeClr val="accent2">
+                  <a:lumMod val="60000"/>
+                </a:schemeClr>
+              </a:gs>
+            </a:gsLst>
+            <a:path path="circle">
+              <a:fillToRect l="50000" t="130000" r="50000" b="-30000"/>
+            </a:path>
+            <a:tileRect/>
+          </a:gradFill>
+        </p:spPr>
+        <p:style>
+          <a:lnRef idx="2">
+            <a:schemeClr val="accent1">
+              <a:shade val="50000"/>
+            </a:schemeClr>
+          </a:lnRef>
+          <a:fillRef idx="1">
+            <a:schemeClr val="accent1"/>
+          </a:fillRef>
+          <a:effectRef idx="0">
+            <a:schemeClr val="accent1"/>
+          </a:effectRef>
+          <a:fontRef idx="minor">
+            <a:schemeClr val="lt1"/>
+          </a:fontRef>
+        </p:style>
+        <p:txBody>
+          <a:bodyPr rtlCol="0" anchor="ctr"/>
+          <a:lstStyle/>
+          <a:p>
+            <a:pPr algn="ctr"/>
+            <a:endParaRPr kumimoji="1" lang="zh-CN" altLang="en-US"/>
+          </a:p>
+        </p:txBody>
+      </p:sp>
+      <p:sp>
+        <p:nvSpPr>
+          <p:cNvPr id="28" name="矩形 27">
+            <a:extLst>
+              <a:ext uri="{FF2B5EF4-FFF2-40B4-BE49-F238E27FC236}">
+                <a16:creationId xmlns:a16="http://schemas.microsoft.com/office/drawing/2014/main" id="{BB6411D7-C066-B718-F764-16F508644E8B}"/>
+              </a:ext>
+            </a:extLst>
+          </p:cNvPr>
+          <p:cNvSpPr/>
+          <p:nvPr/>
+        </p:nvSpPr>
+        <p:spPr>
+          <a:xfrm>
+            <a:off x="5682571" y="5475068"/>
+            <a:ext cx="180000" cy="143956"/>
+          </a:xfrm>
+          <a:prstGeom prst="rect">
+            <a:avLst/>
+          </a:prstGeom>
+          <a:gradFill flip="none" rotWithShape="1">
+            <a:gsLst>
+              <a:gs pos="0">
+                <a:schemeClr val="accent2">
+                  <a:lumMod val="40000"/>
+                  <a:lumOff val="60000"/>
+                </a:schemeClr>
+              </a:gs>
+              <a:gs pos="54000">
+                <a:schemeClr val="accent2">
+                  <a:lumMod val="95000"/>
+                  <a:lumOff val="5000"/>
+                </a:schemeClr>
+              </a:gs>
+              <a:gs pos="100000">
+                <a:schemeClr val="accent2">
+                  <a:lumMod val="60000"/>
+                </a:schemeClr>
+              </a:gs>
+            </a:gsLst>
+            <a:path path="circle">
+              <a:fillToRect l="50000" t="130000" r="50000" b="-30000"/>
+            </a:path>
+            <a:tileRect/>
+          </a:gradFill>
+        </p:spPr>
+        <p:style>
+          <a:lnRef idx="2">
+            <a:schemeClr val="accent1">
+              <a:shade val="50000"/>
+            </a:schemeClr>
+          </a:lnRef>
+          <a:fillRef idx="1">
+            <a:schemeClr val="accent1"/>
+          </a:fillRef>
+          <a:effectRef idx="0">
+            <a:schemeClr val="accent1"/>
+          </a:effectRef>
+          <a:fontRef idx="minor">
+            <a:schemeClr val="lt1"/>
+          </a:fontRef>
+        </p:style>
+        <p:txBody>
+          <a:bodyPr rtlCol="0" anchor="ctr"/>
+          <a:lstStyle/>
+          <a:p>
+            <a:pPr algn="ctr"/>
+            <a:endParaRPr kumimoji="1" lang="zh-CN" altLang="en-US"/>
+          </a:p>
+        </p:txBody>
+      </p:sp>
+      <p:cxnSp>
+        <p:nvCxnSpPr>
+          <p:cNvPr id="56" name="直线箭头连接符 55">
+            <a:extLst>
+              <a:ext uri="{FF2B5EF4-FFF2-40B4-BE49-F238E27FC236}">
+                <a16:creationId xmlns:a16="http://schemas.microsoft.com/office/drawing/2014/main" id="{A1EA47E6-5C95-25BF-7B28-FC7254D0CF84}"/>
+              </a:ext>
+            </a:extLst>
+          </p:cNvPr>
+          <p:cNvCxnSpPr>
+            <a:cxnSpLocks/>
+          </p:cNvCxnSpPr>
+          <p:nvPr/>
+        </p:nvCxnSpPr>
+        <p:spPr>
+          <a:xfrm flipV="1">
+            <a:off x="3000290" y="4234328"/>
+            <a:ext cx="540000" cy="0"/>
+          </a:xfrm>
+          <a:prstGeom prst="straightConnector1">
+            <a:avLst/>
+          </a:prstGeom>
+          <a:ln w="25400" cmpd="sng">
+            <a:headEnd w="lg" len="lg"/>
+            <a:tailEnd type="stealth" w="lg" len="lg"/>
+          </a:ln>
+        </p:spPr>
+        <p:style>
+          <a:lnRef idx="1">
+            <a:schemeClr val="accent1"/>
+          </a:lnRef>
+          <a:fillRef idx="0">
+            <a:schemeClr val="accent1"/>
+          </a:fillRef>
+          <a:effectRef idx="0">
+            <a:schemeClr val="accent1"/>
+          </a:effectRef>
+          <a:fontRef idx="minor">
+            <a:schemeClr val="tx1"/>
+          </a:fontRef>
+        </p:style>
+      </p:cxnSp>
+      <p:sp>
+        <p:nvSpPr>
+          <p:cNvPr id="59" name="右大括号 58">
+            <a:extLst>
+              <a:ext uri="{FF2B5EF4-FFF2-40B4-BE49-F238E27FC236}">
+                <a16:creationId xmlns:a16="http://schemas.microsoft.com/office/drawing/2014/main" id="{178968AE-6945-C157-6902-42A6279077C1}"/>
+              </a:ext>
+            </a:extLst>
+          </p:cNvPr>
+          <p:cNvSpPr/>
+          <p:nvPr/>
+        </p:nvSpPr>
+        <p:spPr>
+          <a:xfrm>
+            <a:off x="7946086" y="1225315"/>
+            <a:ext cx="274225" cy="2139047"/>
+          </a:xfrm>
+          <a:prstGeom prst="rightBrace">
+            <a:avLst/>
+          </a:prstGeom>
+          <a:ln w="25400"/>
+        </p:spPr>
+        <p:style>
+          <a:lnRef idx="1">
+            <a:schemeClr val="accent1"/>
+          </a:lnRef>
+          <a:fillRef idx="0">
+            <a:schemeClr val="accent1"/>
+          </a:fillRef>
+          <a:effectRef idx="0">
+            <a:schemeClr val="accent1"/>
+          </a:effectRef>
+          <a:fontRef idx="minor">
+            <a:schemeClr val="tx1"/>
+          </a:fontRef>
+        </p:style>
+        <p:txBody>
+          <a:bodyPr rtlCol="0" anchor="ctr"/>
+          <a:lstStyle/>
+          <a:p>
+            <a:pPr algn="ctr"/>
+            <a:endParaRPr kumimoji="1" lang="zh-CN" altLang="en-US"/>
+          </a:p>
+        </p:txBody>
+      </p:sp>
+      <p:sp>
+        <p:nvSpPr>
+          <p:cNvPr id="60" name="文本框 59">
+            <a:extLst>
+              <a:ext uri="{FF2B5EF4-FFF2-40B4-BE49-F238E27FC236}">
+                <a16:creationId xmlns:a16="http://schemas.microsoft.com/office/drawing/2014/main" id="{604D29B3-9B4C-BA8F-609C-B0C6F061F50B}"/>
+              </a:ext>
+            </a:extLst>
+          </p:cNvPr>
+          <p:cNvSpPr txBox="1"/>
+          <p:nvPr/>
+        </p:nvSpPr>
+        <p:spPr>
+          <a:xfrm>
+            <a:off x="6572444" y="1947228"/>
+            <a:ext cx="434734" cy="418448"/>
+          </a:xfrm>
+          <a:prstGeom prst="rect">
+            <a:avLst/>
+          </a:prstGeom>
+          <a:noFill/>
+        </p:spPr>
+        <p:txBody>
+          <a:bodyPr wrap="square" rtlCol="0">
+            <a:spAutoFit/>
+          </a:bodyPr>
+          <a:lstStyle/>
+          <a:p>
+            <a:r>
+              <a:rPr kumimoji="1" lang="en-US" altLang="zh-CN" sz="2800" b="1" dirty="0"/>
+              <a:t>+</a:t>
+            </a:r>
+            <a:endParaRPr kumimoji="1" lang="zh-CN" altLang="en-US" sz="2800" b="1" dirty="0"/>
+          </a:p>
+        </p:txBody>
+      </p:sp>
+      <p:sp>
+        <p:nvSpPr>
+          <p:cNvPr id="67" name="文本框 66">
+            <a:extLst>
+              <a:ext uri="{FF2B5EF4-FFF2-40B4-BE49-F238E27FC236}">
+                <a16:creationId xmlns:a16="http://schemas.microsoft.com/office/drawing/2014/main" id="{BF643DD9-1090-33B3-AD3B-483F0503D103}"/>
+              </a:ext>
+            </a:extLst>
+          </p:cNvPr>
+          <p:cNvSpPr txBox="1"/>
+          <p:nvPr/>
+        </p:nvSpPr>
+        <p:spPr>
+          <a:xfrm>
+            <a:off x="7587245" y="3875930"/>
+            <a:ext cx="963725" cy="646331"/>
+          </a:xfrm>
+          <a:prstGeom prst="rect">
+            <a:avLst/>
+          </a:prstGeom>
+          <a:noFill/>
+        </p:spPr>
+        <p:txBody>
+          <a:bodyPr wrap="square" rtlCol="0">
+            <a:spAutoFit/>
+          </a:bodyPr>
+          <a:lstStyle/>
+          <a:p>
+            <a:r>
+              <a:rPr kumimoji="1" lang="en-US" altLang="zh-CN" dirty="0"/>
+              <a:t>Smooth</a:t>
+            </a:r>
+          </a:p>
+          <a:p>
+            <a:r>
+              <a:rPr kumimoji="1" lang="en-US" altLang="zh-CN" dirty="0"/>
+              <a:t>L1Loss</a:t>
+            </a:r>
+            <a:endParaRPr kumimoji="1" lang="zh-CN" altLang="en-US" dirty="0"/>
+          </a:p>
+        </p:txBody>
+      </p:sp>
+      <p:sp>
+        <p:nvSpPr>
+          <p:cNvPr id="78" name="梯形 77">
+            <a:extLst>
+              <a:ext uri="{FF2B5EF4-FFF2-40B4-BE49-F238E27FC236}">
+                <a16:creationId xmlns:a16="http://schemas.microsoft.com/office/drawing/2014/main" id="{14E275CF-2D2B-1B98-4FBB-FC3E0251CF4D}"/>
+              </a:ext>
+            </a:extLst>
+          </p:cNvPr>
+          <p:cNvSpPr/>
+          <p:nvPr/>
+        </p:nvSpPr>
+        <p:spPr>
+          <a:xfrm rot="16200000" flipH="1">
+            <a:off x="10049097" y="1851237"/>
+            <a:ext cx="1040867" cy="983784"/>
+          </a:xfrm>
+          <a:prstGeom prst="trapezoid">
+            <a:avLst>
+              <a:gd name="adj" fmla="val 28795"/>
+            </a:avLst>
+          </a:prstGeom>
+          <a:noFill/>
+          <a:ln w="38100">
+            <a:solidFill>
+              <a:schemeClr val="accent1"/>
+            </a:solidFill>
+          </a:ln>
+        </p:spPr>
+        <p:style>
+          <a:lnRef idx="2">
+            <a:schemeClr val="accent1">
+              <a:shade val="50000"/>
+            </a:schemeClr>
+          </a:lnRef>
+          <a:fillRef idx="1">
+            <a:schemeClr val="accent1"/>
+          </a:fillRef>
+          <a:effectRef idx="0">
+            <a:schemeClr val="accent1"/>
+          </a:effectRef>
+          <a:fontRef idx="minor">
+            <a:schemeClr val="lt1"/>
+          </a:fontRef>
+        </p:style>
+        <p:txBody>
+          <a:bodyPr rtlCol="0" anchor="ctr"/>
+          <a:lstStyle/>
+          <a:p>
+            <a:pPr algn="ctr"/>
+            <a:endParaRPr kumimoji="1" lang="zh-CN" altLang="en-US">
+              <a:ln w="0">
+                <a:solidFill>
+                  <a:sysClr val="windowText" lastClr="000000"/>
+                </a:solidFill>
+              </a:ln>
+              <a:solidFill>
+                <a:schemeClr val="tx1"/>
+              </a:solidFill>
+              <a:effectLst>
+                <a:outerShdw blurRad="50800" dist="38100" dir="2700000" algn="tl" rotWithShape="0">
+                  <a:prstClr val="black">
+                    <a:alpha val="40000"/>
+                  </a:prstClr>
+                </a:outerShdw>
+              </a:effectLst>
+            </a:endParaRPr>
+          </a:p>
+        </p:txBody>
+      </p:sp>
+      <p:cxnSp>
+        <p:nvCxnSpPr>
+          <p:cNvPr id="102" name="肘形连接符 101">
+            <a:extLst>
+              <a:ext uri="{FF2B5EF4-FFF2-40B4-BE49-F238E27FC236}">
+                <a16:creationId xmlns:a16="http://schemas.microsoft.com/office/drawing/2014/main" id="{ED1F92A0-A71E-A366-9575-1DE9D03B289E}"/>
+              </a:ext>
+            </a:extLst>
+          </p:cNvPr>
+          <p:cNvCxnSpPr>
+            <a:cxnSpLocks/>
+          </p:cNvCxnSpPr>
+          <p:nvPr/>
+        </p:nvCxnSpPr>
+        <p:spPr>
+          <a:xfrm rot="5400000" flipH="1" flipV="1">
+            <a:off x="6636001" y="2873098"/>
+            <a:ext cx="2820452" cy="1955348"/>
+          </a:xfrm>
+          <a:prstGeom prst="bentConnector3">
+            <a:avLst>
+              <a:gd name="adj1" fmla="val 50000"/>
+            </a:avLst>
+          </a:prstGeom>
+          <a:ln w="25400">
+            <a:solidFill>
+              <a:schemeClr val="accent2"/>
+            </a:solidFill>
+            <a:prstDash val="dash"/>
+            <a:headEnd type="triangle"/>
+            <a:tailEnd type="triangle"/>
+          </a:ln>
+        </p:spPr>
+        <p:style>
+          <a:lnRef idx="1">
+            <a:schemeClr val="accent1"/>
+          </a:lnRef>
+          <a:fillRef idx="0">
+            <a:schemeClr val="accent1"/>
+          </a:fillRef>
+          <a:effectRef idx="0">
+            <a:schemeClr val="accent1"/>
+          </a:effectRef>
+          <a:fontRef idx="minor">
+            <a:schemeClr val="tx1"/>
+          </a:fontRef>
+        </p:style>
+      </p:cxnSp>
+      <p:sp>
+        <p:nvSpPr>
+          <p:cNvPr id="115" name="矩形 114">
+            <a:extLst>
+              <a:ext uri="{FF2B5EF4-FFF2-40B4-BE49-F238E27FC236}">
+                <a16:creationId xmlns:a16="http://schemas.microsoft.com/office/drawing/2014/main" id="{2D23A697-EF82-3772-12F6-7300A9DC8626}"/>
+              </a:ext>
+            </a:extLst>
+          </p:cNvPr>
+          <p:cNvSpPr/>
+          <p:nvPr/>
+        </p:nvSpPr>
+        <p:spPr>
+          <a:xfrm>
+            <a:off x="5743484" y="2704391"/>
+            <a:ext cx="181997" cy="130947"/>
+          </a:xfrm>
+          <a:prstGeom prst="rect">
+            <a:avLst/>
+          </a:prstGeom>
+          <a:gradFill flip="none" rotWithShape="1">
+            <a:gsLst>
+              <a:gs pos="0">
+                <a:schemeClr val="accent1">
+                  <a:lumMod val="0"/>
+                  <a:lumOff val="100000"/>
+                </a:schemeClr>
+              </a:gs>
+              <a:gs pos="15000">
+                <a:schemeClr val="accent1">
+                  <a:lumMod val="0"/>
+                  <a:lumOff val="100000"/>
+                </a:schemeClr>
+              </a:gs>
+              <a:gs pos="100000">
+                <a:schemeClr val="accent1">
+                  <a:lumMod val="100000"/>
+                </a:schemeClr>
+              </a:gs>
+            </a:gsLst>
+            <a:path path="circle">
+              <a:fillToRect l="50000" t="-80000" r="50000" b="180000"/>
+            </a:path>
+            <a:tileRect/>
+          </a:gradFill>
+        </p:spPr>
+        <p:style>
+          <a:lnRef idx="2">
+            <a:schemeClr val="accent1">
+              <a:shade val="50000"/>
+            </a:schemeClr>
+          </a:lnRef>
+          <a:fillRef idx="1">
+            <a:schemeClr val="accent1"/>
+          </a:fillRef>
+          <a:effectRef idx="0">
+            <a:schemeClr val="accent1"/>
+          </a:effectRef>
+          <a:fontRef idx="minor">
+            <a:schemeClr val="lt1"/>
+          </a:fontRef>
+        </p:style>
+        <p:txBody>
+          <a:bodyPr rtlCol="0" anchor="ctr"/>
+          <a:lstStyle/>
+          <a:p>
+            <a:pPr algn="ctr"/>
+            <a:endParaRPr kumimoji="1" lang="zh-CN" altLang="en-US">
+              <a:solidFill>
+                <a:srgbClr val="FF0000"/>
+              </a:solidFill>
+            </a:endParaRPr>
+          </a:p>
+        </p:txBody>
+      </p:sp>
+      <p:sp>
+        <p:nvSpPr>
+          <p:cNvPr id="116" name="矩形 115">
+            <a:extLst>
+              <a:ext uri="{FF2B5EF4-FFF2-40B4-BE49-F238E27FC236}">
+                <a16:creationId xmlns:a16="http://schemas.microsoft.com/office/drawing/2014/main" id="{AED455DB-F5C8-95FB-A734-A9B78C4337A0}"/>
+              </a:ext>
+            </a:extLst>
+          </p:cNvPr>
+          <p:cNvSpPr/>
+          <p:nvPr/>
+        </p:nvSpPr>
+        <p:spPr>
+          <a:xfrm>
+            <a:off x="5743484" y="2880732"/>
+            <a:ext cx="181997" cy="130947"/>
+          </a:xfrm>
+          <a:prstGeom prst="rect">
+            <a:avLst/>
+          </a:prstGeom>
+          <a:gradFill flip="none" rotWithShape="1">
+            <a:gsLst>
+              <a:gs pos="0">
+                <a:schemeClr val="accent1">
+                  <a:lumMod val="0"/>
+                  <a:lumOff val="100000"/>
+                </a:schemeClr>
+              </a:gs>
+              <a:gs pos="15000">
+                <a:schemeClr val="accent1">
+                  <a:lumMod val="0"/>
+                  <a:lumOff val="100000"/>
+                </a:schemeClr>
+              </a:gs>
+              <a:gs pos="100000">
+                <a:schemeClr val="accent1">
+                  <a:lumMod val="100000"/>
+                </a:schemeClr>
+              </a:gs>
+            </a:gsLst>
+            <a:path path="circle">
+              <a:fillToRect l="50000" t="-80000" r="50000" b="180000"/>
+            </a:path>
+            <a:tileRect/>
+          </a:gradFill>
+        </p:spPr>
+        <p:style>
+          <a:lnRef idx="2">
+            <a:schemeClr val="accent1">
+              <a:shade val="50000"/>
+            </a:schemeClr>
+          </a:lnRef>
+          <a:fillRef idx="1">
+            <a:schemeClr val="accent1"/>
+          </a:fillRef>
+          <a:effectRef idx="0">
+            <a:schemeClr val="accent1"/>
+          </a:effectRef>
+          <a:fontRef idx="minor">
+            <a:schemeClr val="lt1"/>
+          </a:fontRef>
+        </p:style>
+        <p:txBody>
+          <a:bodyPr rtlCol="0" anchor="ctr"/>
+          <a:lstStyle/>
+          <a:p>
+            <a:pPr algn="ctr"/>
+            <a:endParaRPr kumimoji="1" lang="zh-CN" altLang="en-US"/>
+          </a:p>
+        </p:txBody>
+      </p:sp>
+      <p:sp>
+        <p:nvSpPr>
+          <p:cNvPr id="117" name="矩形 116">
+            <a:extLst>
+              <a:ext uri="{FF2B5EF4-FFF2-40B4-BE49-F238E27FC236}">
+                <a16:creationId xmlns:a16="http://schemas.microsoft.com/office/drawing/2014/main" id="{A38A37D9-7F89-84B7-C1E8-6929D6711747}"/>
+              </a:ext>
+            </a:extLst>
+          </p:cNvPr>
+          <p:cNvSpPr/>
+          <p:nvPr/>
+        </p:nvSpPr>
+        <p:spPr>
+          <a:xfrm>
+            <a:off x="5743484" y="3057074"/>
+            <a:ext cx="181997" cy="130947"/>
+          </a:xfrm>
+          <a:prstGeom prst="rect">
+            <a:avLst/>
+          </a:prstGeom>
+          <a:gradFill flip="none" rotWithShape="1">
+            <a:gsLst>
+              <a:gs pos="0">
+                <a:schemeClr val="accent1">
+                  <a:lumMod val="0"/>
+                  <a:lumOff val="100000"/>
+                </a:schemeClr>
+              </a:gs>
+              <a:gs pos="15000">
+                <a:schemeClr val="accent1">
+                  <a:lumMod val="0"/>
+                  <a:lumOff val="100000"/>
+                </a:schemeClr>
+              </a:gs>
+              <a:gs pos="100000">
+                <a:schemeClr val="accent1">
+                  <a:lumMod val="100000"/>
+                </a:schemeClr>
+              </a:gs>
+            </a:gsLst>
+            <a:path path="circle">
+              <a:fillToRect l="50000" t="-80000" r="50000" b="180000"/>
+            </a:path>
+            <a:tileRect/>
+          </a:gradFill>
+        </p:spPr>
+        <p:style>
+          <a:lnRef idx="2">
+            <a:schemeClr val="accent1">
+              <a:shade val="50000"/>
+            </a:schemeClr>
+          </a:lnRef>
+          <a:fillRef idx="1">
+            <a:schemeClr val="accent1"/>
+          </a:fillRef>
+          <a:effectRef idx="0">
+            <a:schemeClr val="accent1"/>
+          </a:effectRef>
+          <a:fontRef idx="minor">
+            <a:schemeClr val="lt1"/>
+          </a:fontRef>
+        </p:style>
+        <p:txBody>
+          <a:bodyPr rtlCol="0" anchor="ctr"/>
+          <a:lstStyle/>
+          <a:p>
+            <a:pPr algn="ctr"/>
+            <a:endParaRPr kumimoji="1" lang="zh-CN" altLang="en-US"/>
+          </a:p>
+        </p:txBody>
+      </p:sp>
+      <p:sp>
+        <p:nvSpPr>
+          <p:cNvPr id="118" name="矩形 117">
+            <a:extLst>
+              <a:ext uri="{FF2B5EF4-FFF2-40B4-BE49-F238E27FC236}">
+                <a16:creationId xmlns:a16="http://schemas.microsoft.com/office/drawing/2014/main" id="{8D147F84-7307-A9F7-5C6A-418CBAB9159E}"/>
+              </a:ext>
+            </a:extLst>
+          </p:cNvPr>
+          <p:cNvSpPr/>
+          <p:nvPr/>
+        </p:nvSpPr>
+        <p:spPr>
+          <a:xfrm>
+            <a:off x="5743484" y="3233415"/>
+            <a:ext cx="181997" cy="130947"/>
+          </a:xfrm>
+          <a:prstGeom prst="rect">
+            <a:avLst/>
+          </a:prstGeom>
+          <a:gradFill flip="none" rotWithShape="1">
+            <a:gsLst>
+              <a:gs pos="0">
+                <a:schemeClr val="accent1">
+                  <a:lumMod val="0"/>
+                  <a:lumOff val="100000"/>
+                </a:schemeClr>
+              </a:gs>
+              <a:gs pos="15000">
+                <a:schemeClr val="accent1">
+                  <a:lumMod val="0"/>
+                  <a:lumOff val="100000"/>
+                </a:schemeClr>
+              </a:gs>
+              <a:gs pos="100000">
+                <a:schemeClr val="accent1">
+                  <a:lumMod val="100000"/>
+                </a:schemeClr>
+              </a:gs>
+            </a:gsLst>
+            <a:path path="circle">
+              <a:fillToRect l="50000" t="-80000" r="50000" b="180000"/>
+            </a:path>
+            <a:tileRect/>
+          </a:gradFill>
+        </p:spPr>
+        <p:style>
+          <a:lnRef idx="2">
+            <a:schemeClr val="accent1">
+              <a:shade val="50000"/>
+            </a:schemeClr>
+          </a:lnRef>
+          <a:fillRef idx="1">
+            <a:schemeClr val="accent1"/>
+          </a:fillRef>
+          <a:effectRef idx="0">
+            <a:schemeClr val="accent1"/>
+          </a:effectRef>
+          <a:fontRef idx="minor">
+            <a:schemeClr val="lt1"/>
+          </a:fontRef>
+        </p:style>
+        <p:txBody>
+          <a:bodyPr rtlCol="0" anchor="ctr"/>
+          <a:lstStyle/>
+          <a:p>
+            <a:pPr algn="ctr"/>
+            <a:endParaRPr kumimoji="1" lang="zh-CN" altLang="en-US"/>
+          </a:p>
+        </p:txBody>
+      </p:sp>
+      <p:sp>
+        <p:nvSpPr>
+          <p:cNvPr id="119" name="文本框 118">
+            <a:extLst>
+              <a:ext uri="{FF2B5EF4-FFF2-40B4-BE49-F238E27FC236}">
+                <a16:creationId xmlns:a16="http://schemas.microsoft.com/office/drawing/2014/main" id="{D1EB56E9-9B77-E452-9C14-52DBECF8F60D}"/>
+              </a:ext>
+            </a:extLst>
+          </p:cNvPr>
+          <p:cNvSpPr txBox="1"/>
+          <p:nvPr/>
+        </p:nvSpPr>
+        <p:spPr>
+          <a:xfrm>
+            <a:off x="6049322" y="2768680"/>
+            <a:ext cx="1805766" cy="335853"/>
+          </a:xfrm>
+          <a:prstGeom prst="rect">
+            <a:avLst/>
+          </a:prstGeom>
+          <a:noFill/>
+        </p:spPr>
+        <p:txBody>
+          <a:bodyPr wrap="square">
+            <a:spAutoFit/>
+          </a:bodyPr>
+          <a:lstStyle/>
+          <a:p>
+            <a:r>
+              <a:rPr kumimoji="1" lang="en-US" altLang="zh-CN" sz="2400" dirty="0" err="1"/>
+              <a:t>Z</a:t>
+            </a:r>
+            <a:r>
+              <a:rPr kumimoji="1" lang="en-US" altLang="zh-CN" sz="2400" baseline="-25000" dirty="0" err="1"/>
+              <a:t>content_control</a:t>
+            </a:r>
+            <a:endParaRPr kumimoji="1" lang="zh-CN" altLang="en-US" sz="2400" baseline="-25000" dirty="0"/>
+          </a:p>
+        </p:txBody>
+      </p:sp>
+      <p:grpSp>
+        <p:nvGrpSpPr>
+          <p:cNvPr id="122" name="组合 121">
+            <a:extLst>
+              <a:ext uri="{FF2B5EF4-FFF2-40B4-BE49-F238E27FC236}">
+                <a16:creationId xmlns:a16="http://schemas.microsoft.com/office/drawing/2014/main" id="{F6B79FC1-1C1E-CA30-97D4-AACB10ABF8FD}"/>
+              </a:ext>
+            </a:extLst>
+          </p:cNvPr>
+          <p:cNvGrpSpPr/>
+          <p:nvPr/>
+        </p:nvGrpSpPr>
+        <p:grpSpPr>
+          <a:xfrm>
+            <a:off x="638352" y="3165336"/>
+            <a:ext cx="1853383" cy="987466"/>
+            <a:chOff x="1171325" y="2047872"/>
+            <a:chExt cx="1853383" cy="987466"/>
+          </a:xfrm>
+        </p:grpSpPr>
+        <p:sp>
+          <p:nvSpPr>
+            <p:cNvPr id="13" name="椭圆 12">
+              <a:extLst>
+                <a:ext uri="{FF2B5EF4-FFF2-40B4-BE49-F238E27FC236}">
+                  <a16:creationId xmlns:a16="http://schemas.microsoft.com/office/drawing/2014/main" id="{488C4366-BCEA-2985-6710-444248FA18C5}"/>
+                </a:ext>
+              </a:extLst>
+            </p:cNvPr>
+            <p:cNvSpPr/>
+            <p:nvPr/>
+          </p:nvSpPr>
+          <p:spPr>
+            <a:xfrm>
+              <a:off x="1171325" y="2047872"/>
+              <a:ext cx="1853383" cy="987466"/>
+            </a:xfrm>
+            <a:prstGeom prst="ellipse">
+              <a:avLst/>
+            </a:prstGeom>
+            <a:blipFill dpi="0" rotWithShape="1">
+              <a:blip r:embed="rId2">
+                <a:extLst>
+                  <a:ext uri="{28A0092B-C50C-407E-A947-70E740481C1C}">
+                    <a14:useLocalDpi xmlns:a14="http://schemas.microsoft.com/office/drawing/2010/main" val="0"/>
+                  </a:ext>
+                </a:extLst>
+              </a:blip>
+              <a:srcRect/>
+              <a:stretch>
+                <a:fillRect l="-1443" t="-16010" r="-22198"/>
+              </a:stretch>
+            </a:blipFill>
+          </p:spPr>
+          <p:style>
+            <a:lnRef idx="2">
+              <a:schemeClr val="accent1">
+                <a:shade val="50000"/>
+              </a:schemeClr>
+            </a:lnRef>
+            <a:fillRef idx="1">
+              <a:schemeClr val="accent1"/>
+            </a:fillRef>
+            <a:effectRef idx="0">
+              <a:schemeClr val="accent1"/>
+            </a:effectRef>
+            <a:fontRef idx="minor">
+              <a:schemeClr val="lt1"/>
+            </a:fontRef>
+          </p:style>
+          <p:txBody>
+            <a:bodyPr rtlCol="0" anchor="ctr"/>
+            <a:lstStyle/>
+            <a:p>
+              <a:pPr algn="ctr"/>
+              <a:endParaRPr kumimoji="1" lang="zh-CN" altLang="en-US"/>
+            </a:p>
+          </p:txBody>
+        </p:sp>
+        <p:sp>
+          <p:nvSpPr>
+            <p:cNvPr id="72" name="文本框 71">
+              <a:extLst>
+                <a:ext uri="{FF2B5EF4-FFF2-40B4-BE49-F238E27FC236}">
+                  <a16:creationId xmlns:a16="http://schemas.microsoft.com/office/drawing/2014/main" id="{5314B7BE-55F5-C257-DD73-97E0ECAFE213}"/>
+                </a:ext>
+              </a:extLst>
+            </p:cNvPr>
+            <p:cNvSpPr txBox="1"/>
+            <p:nvPr/>
+          </p:nvSpPr>
+          <p:spPr>
+            <a:xfrm>
+              <a:off x="1527114" y="2690876"/>
+              <a:ext cx="1244270" cy="309600"/>
+            </a:xfrm>
+            <a:prstGeom prst="rect">
+              <a:avLst/>
+            </a:prstGeom>
+            <a:noFill/>
+          </p:spPr>
+          <p:txBody>
+            <a:bodyPr wrap="square" rtlCol="0">
+              <a:spAutoFit/>
+            </a:bodyPr>
+            <a:lstStyle/>
+            <a:p>
+              <a:pPr algn="ctr"/>
+              <a:r>
+                <a:rPr kumimoji="1" lang="en-US" altLang="zh-CN" sz="1400" dirty="0"/>
+                <a:t>stimulated</a:t>
+              </a:r>
+              <a:endParaRPr kumimoji="1" lang="zh-CN" altLang="en-US" sz="1400" dirty="0"/>
+            </a:p>
+          </p:txBody>
+        </p:sp>
+      </p:grpSp>
+      <p:grpSp>
+        <p:nvGrpSpPr>
+          <p:cNvPr id="121" name="组合 120">
+            <a:extLst>
+              <a:ext uri="{FF2B5EF4-FFF2-40B4-BE49-F238E27FC236}">
+                <a16:creationId xmlns:a16="http://schemas.microsoft.com/office/drawing/2014/main" id="{F0D6D590-E0E9-4266-1879-60E12CC4841B}"/>
+              </a:ext>
+            </a:extLst>
+          </p:cNvPr>
+          <p:cNvGrpSpPr/>
+          <p:nvPr/>
+        </p:nvGrpSpPr>
+        <p:grpSpPr>
+          <a:xfrm>
+            <a:off x="603849" y="4249922"/>
+            <a:ext cx="1853383" cy="1083690"/>
+            <a:chOff x="1117595" y="3872335"/>
+            <a:chExt cx="1853383" cy="1083690"/>
+          </a:xfrm>
+        </p:grpSpPr>
+        <p:sp>
+          <p:nvSpPr>
+            <p:cNvPr id="94" name="椭圆 93">
+              <a:extLst>
+                <a:ext uri="{FF2B5EF4-FFF2-40B4-BE49-F238E27FC236}">
+                  <a16:creationId xmlns:a16="http://schemas.microsoft.com/office/drawing/2014/main" id="{15CB5189-69B0-7890-75CB-E25765F8DD5B}"/>
+                </a:ext>
+              </a:extLst>
+            </p:cNvPr>
+            <p:cNvSpPr/>
+            <p:nvPr/>
+          </p:nvSpPr>
+          <p:spPr>
+            <a:xfrm>
+              <a:off x="1117595" y="3916165"/>
+              <a:ext cx="1853383" cy="1039860"/>
+            </a:xfrm>
+            <a:prstGeom prst="ellipse">
+              <a:avLst/>
+            </a:prstGeom>
+            <a:blipFill dpi="0" rotWithShape="1">
+              <a:blip r:embed="rId3">
+                <a:extLst>
+                  <a:ext uri="{28A0092B-C50C-407E-A947-70E740481C1C}">
+                    <a14:useLocalDpi xmlns:a14="http://schemas.microsoft.com/office/drawing/2010/main" val="0"/>
+                  </a:ext>
+                </a:extLst>
+              </a:blip>
+              <a:srcRect/>
+              <a:stretch>
+                <a:fillRect l="-2247" t="-16126" r="-21548" b="1630"/>
+              </a:stretch>
+            </a:blipFill>
+          </p:spPr>
+          <p:style>
+            <a:lnRef idx="2">
+              <a:schemeClr val="accent1">
+                <a:shade val="50000"/>
+              </a:schemeClr>
+            </a:lnRef>
+            <a:fillRef idx="1">
+              <a:schemeClr val="accent1"/>
+            </a:fillRef>
+            <a:effectRef idx="0">
+              <a:schemeClr val="accent1"/>
+            </a:effectRef>
+            <a:fontRef idx="minor">
+              <a:schemeClr val="lt1"/>
+            </a:fontRef>
+          </p:style>
+          <p:txBody>
+            <a:bodyPr rtlCol="0" anchor="ctr"/>
+            <a:lstStyle/>
+            <a:p>
+              <a:pPr algn="ctr"/>
+              <a:endParaRPr kumimoji="1" lang="zh-CN" altLang="en-US"/>
+            </a:p>
+          </p:txBody>
+        </p:sp>
+        <p:sp>
+          <p:nvSpPr>
+            <p:cNvPr id="73" name="文本框 72">
+              <a:extLst>
+                <a:ext uri="{FF2B5EF4-FFF2-40B4-BE49-F238E27FC236}">
+                  <a16:creationId xmlns:a16="http://schemas.microsoft.com/office/drawing/2014/main" id="{6B8988A6-CC65-B308-FB60-89C3D9D53224}"/>
+                </a:ext>
+              </a:extLst>
+            </p:cNvPr>
+            <p:cNvSpPr txBox="1"/>
+            <p:nvPr/>
+          </p:nvSpPr>
+          <p:spPr>
+            <a:xfrm>
+              <a:off x="1564086" y="3872335"/>
+              <a:ext cx="962123" cy="307777"/>
+            </a:xfrm>
+            <a:prstGeom prst="rect">
+              <a:avLst/>
+            </a:prstGeom>
+            <a:noFill/>
+          </p:spPr>
+          <p:txBody>
+            <a:bodyPr wrap="square" rtlCol="0">
+              <a:spAutoFit/>
+            </a:bodyPr>
+            <a:lstStyle/>
+            <a:p>
+              <a:pPr algn="ctr"/>
+              <a:r>
+                <a:rPr kumimoji="1" lang="en-US" altLang="zh-CN" sz="1400" dirty="0"/>
+                <a:t>control</a:t>
+              </a:r>
+              <a:endParaRPr kumimoji="1" lang="zh-CN" altLang="en-US" sz="1400" dirty="0"/>
+            </a:p>
+          </p:txBody>
+        </p:sp>
+      </p:grpSp>
+      <p:cxnSp>
+        <p:nvCxnSpPr>
+          <p:cNvPr id="128" name="肘形连接符 127">
+            <a:extLst>
+              <a:ext uri="{FF2B5EF4-FFF2-40B4-BE49-F238E27FC236}">
+                <a16:creationId xmlns:a16="http://schemas.microsoft.com/office/drawing/2014/main" id="{509F55A9-1F29-E363-7D10-1D8650420688}"/>
+              </a:ext>
+            </a:extLst>
+          </p:cNvPr>
+          <p:cNvCxnSpPr>
+            <a:cxnSpLocks/>
+            <a:stCxn id="13" idx="6"/>
+          </p:cNvCxnSpPr>
+          <p:nvPr/>
+        </p:nvCxnSpPr>
+        <p:spPr>
+          <a:xfrm>
+            <a:off x="2491735" y="3659069"/>
+            <a:ext cx="508555" cy="591492"/>
+          </a:xfrm>
+          <a:prstGeom prst="bentConnector2">
+            <a:avLst/>
+          </a:prstGeom>
+          <a:ln w="22225"/>
+        </p:spPr>
+        <p:style>
+          <a:lnRef idx="1">
+            <a:schemeClr val="accent1"/>
+          </a:lnRef>
+          <a:fillRef idx="0">
+            <a:schemeClr val="accent1"/>
+          </a:fillRef>
+          <a:effectRef idx="0">
+            <a:schemeClr val="accent1"/>
+          </a:effectRef>
+          <a:fontRef idx="minor">
+            <a:schemeClr val="tx1"/>
+          </a:fontRef>
+        </p:style>
+      </p:cxnSp>
+      <p:cxnSp>
+        <p:nvCxnSpPr>
+          <p:cNvPr id="132" name="肘形连接符 131">
+            <a:extLst>
+              <a:ext uri="{FF2B5EF4-FFF2-40B4-BE49-F238E27FC236}">
+                <a16:creationId xmlns:a16="http://schemas.microsoft.com/office/drawing/2014/main" id="{E25A98BF-4BFC-8CD8-6605-952A2ABBA758}"/>
+              </a:ext>
+            </a:extLst>
+          </p:cNvPr>
+          <p:cNvCxnSpPr>
+            <a:cxnSpLocks/>
+            <a:stCxn id="94" idx="6"/>
+          </p:cNvCxnSpPr>
+          <p:nvPr/>
+        </p:nvCxnSpPr>
+        <p:spPr>
+          <a:xfrm flipV="1">
+            <a:off x="2457232" y="4249922"/>
+            <a:ext cx="543600" cy="563760"/>
+          </a:xfrm>
+          <a:prstGeom prst="bentConnector2">
+            <a:avLst/>
+          </a:prstGeom>
+          <a:ln w="22225"/>
+        </p:spPr>
+        <p:style>
+          <a:lnRef idx="1">
+            <a:schemeClr val="accent1"/>
+          </a:lnRef>
+          <a:fillRef idx="0">
+            <a:schemeClr val="accent1"/>
+          </a:fillRef>
+          <a:effectRef idx="0">
+            <a:schemeClr val="accent1"/>
+          </a:effectRef>
+          <a:fontRef idx="minor">
+            <a:schemeClr val="tx1"/>
+          </a:fontRef>
+        </p:style>
+      </p:cxnSp>
+      <p:sp>
+        <p:nvSpPr>
+          <p:cNvPr id="34" name="文本框 33">
+            <a:extLst>
+              <a:ext uri="{FF2B5EF4-FFF2-40B4-BE49-F238E27FC236}">
+                <a16:creationId xmlns:a16="http://schemas.microsoft.com/office/drawing/2014/main" id="{80174827-EC4A-2FDD-20FE-36C67D5E9A32}"/>
+              </a:ext>
+            </a:extLst>
+          </p:cNvPr>
+          <p:cNvSpPr txBox="1"/>
+          <p:nvPr/>
+        </p:nvSpPr>
+        <p:spPr>
+          <a:xfrm>
+            <a:off x="6041749" y="5076390"/>
+            <a:ext cx="2060179" cy="369219"/>
+          </a:xfrm>
+          <a:prstGeom prst="rect">
+            <a:avLst/>
+          </a:prstGeom>
+          <a:noFill/>
+        </p:spPr>
+        <p:txBody>
+          <a:bodyPr wrap="square" rtlCol="0">
+            <a:spAutoFit/>
+          </a:bodyPr>
+          <a:lstStyle/>
+          <a:p>
+            <a:r>
+              <a:rPr kumimoji="1" lang="en-US" altLang="zh-CN" sz="2400" dirty="0" err="1"/>
+              <a:t>Z</a:t>
+            </a:r>
+            <a:r>
+              <a:rPr kumimoji="1" lang="en-US" altLang="zh-CN" sz="2400" baseline="-25000" dirty="0" err="1"/>
+              <a:t>content_Stimulated</a:t>
+            </a:r>
+            <a:endParaRPr kumimoji="1" lang="zh-CN" altLang="en-US" sz="2400" baseline="-25000" dirty="0"/>
+          </a:p>
+        </p:txBody>
+      </p:sp>
+      <p:cxnSp>
+        <p:nvCxnSpPr>
+          <p:cNvPr id="146" name="直线连接符 145">
+            <a:extLst>
+              <a:ext uri="{FF2B5EF4-FFF2-40B4-BE49-F238E27FC236}">
+                <a16:creationId xmlns:a16="http://schemas.microsoft.com/office/drawing/2014/main" id="{9B024A07-4103-EFD6-4AEA-42E9C33CCE7D}"/>
+              </a:ext>
+            </a:extLst>
+          </p:cNvPr>
+          <p:cNvCxnSpPr/>
+          <p:nvPr/>
+        </p:nvCxnSpPr>
+        <p:spPr>
+          <a:xfrm>
+            <a:off x="4725914" y="4234328"/>
+            <a:ext cx="540000" cy="0"/>
+          </a:xfrm>
+          <a:prstGeom prst="line">
+            <a:avLst/>
+          </a:prstGeom>
+          <a:ln w="25400"/>
+        </p:spPr>
+        <p:style>
+          <a:lnRef idx="1">
+            <a:schemeClr val="accent1"/>
+          </a:lnRef>
+          <a:fillRef idx="0">
+            <a:schemeClr val="accent1"/>
+          </a:fillRef>
+          <a:effectRef idx="0">
+            <a:schemeClr val="accent1"/>
+          </a:effectRef>
+          <a:fontRef idx="minor">
+            <a:schemeClr val="tx1"/>
+          </a:fontRef>
+        </p:style>
+      </p:cxnSp>
+      <p:cxnSp>
+        <p:nvCxnSpPr>
+          <p:cNvPr id="150" name="肘形连接符 149">
+            <a:extLst>
+              <a:ext uri="{FF2B5EF4-FFF2-40B4-BE49-F238E27FC236}">
+                <a16:creationId xmlns:a16="http://schemas.microsoft.com/office/drawing/2014/main" id="{D654D1B8-D864-9297-ED3C-A52D7574A127}"/>
+              </a:ext>
+            </a:extLst>
+          </p:cNvPr>
+          <p:cNvCxnSpPr>
+            <a:cxnSpLocks/>
+          </p:cNvCxnSpPr>
+          <p:nvPr/>
+        </p:nvCxnSpPr>
+        <p:spPr>
+          <a:xfrm rot="16200000" flipH="1">
+            <a:off x="4926917" y="4552184"/>
+            <a:ext cx="1047811" cy="369817"/>
+          </a:xfrm>
+          <a:prstGeom prst="bentConnector2">
+            <a:avLst/>
+          </a:prstGeom>
+          <a:ln w="19050">
+            <a:tailEnd type="triangle"/>
+          </a:ln>
+        </p:spPr>
+        <p:style>
+          <a:lnRef idx="1">
+            <a:schemeClr val="accent1"/>
+          </a:lnRef>
+          <a:fillRef idx="0">
+            <a:schemeClr val="accent1"/>
+          </a:fillRef>
+          <a:effectRef idx="0">
+            <a:schemeClr val="accent1"/>
+          </a:effectRef>
+          <a:fontRef idx="minor">
+            <a:schemeClr val="tx1"/>
+          </a:fontRef>
+        </p:style>
+      </p:cxnSp>
+      <p:cxnSp>
+        <p:nvCxnSpPr>
+          <p:cNvPr id="158" name="肘形连接符 157">
+            <a:extLst>
+              <a:ext uri="{FF2B5EF4-FFF2-40B4-BE49-F238E27FC236}">
+                <a16:creationId xmlns:a16="http://schemas.microsoft.com/office/drawing/2014/main" id="{A33E6984-74D1-F8DF-F210-F8A650E4FB48}"/>
+              </a:ext>
+            </a:extLst>
+          </p:cNvPr>
+          <p:cNvCxnSpPr>
+            <a:cxnSpLocks/>
+            <a:endCxn id="117" idx="1"/>
+          </p:cNvCxnSpPr>
+          <p:nvPr/>
+        </p:nvCxnSpPr>
+        <p:spPr>
+          <a:xfrm rot="5400000" flipH="1" flipV="1">
+            <a:off x="4945010" y="3443453"/>
+            <a:ext cx="1119379" cy="477570"/>
+          </a:xfrm>
+          <a:prstGeom prst="bentConnector2">
+            <a:avLst/>
+          </a:prstGeom>
+          <a:ln w="19050">
+            <a:tailEnd type="triangle"/>
+          </a:ln>
+        </p:spPr>
+        <p:style>
+          <a:lnRef idx="1">
+            <a:schemeClr val="accent1"/>
+          </a:lnRef>
+          <a:fillRef idx="0">
+            <a:schemeClr val="accent1"/>
+          </a:fillRef>
+          <a:effectRef idx="0">
+            <a:schemeClr val="accent1"/>
+          </a:effectRef>
+          <a:fontRef idx="minor">
+            <a:schemeClr val="tx1"/>
+          </a:fontRef>
+        </p:style>
+      </p:cxnSp>
+      <p:grpSp>
+        <p:nvGrpSpPr>
+          <p:cNvPr id="68" name="组合 67">
+            <a:extLst>
+              <a:ext uri="{FF2B5EF4-FFF2-40B4-BE49-F238E27FC236}">
+                <a16:creationId xmlns:a16="http://schemas.microsoft.com/office/drawing/2014/main" id="{A20BA38C-FE4D-79AF-198B-BC7A6C9FEECF}"/>
+              </a:ext>
+            </a:extLst>
+          </p:cNvPr>
+          <p:cNvGrpSpPr>
+            <a:grpSpLocks noChangeAspect="1"/>
+          </p:cNvGrpSpPr>
+          <p:nvPr/>
+        </p:nvGrpSpPr>
+        <p:grpSpPr>
+          <a:xfrm>
+            <a:off x="9904565" y="3678371"/>
+            <a:ext cx="1283284" cy="720000"/>
+            <a:chOff x="1117595" y="3916165"/>
+            <a:chExt cx="1853383" cy="1039860"/>
+          </a:xfrm>
+        </p:grpSpPr>
+        <p:sp>
+          <p:nvSpPr>
+            <p:cNvPr id="69" name="椭圆 68">
+              <a:extLst>
+                <a:ext uri="{FF2B5EF4-FFF2-40B4-BE49-F238E27FC236}">
+                  <a16:creationId xmlns:a16="http://schemas.microsoft.com/office/drawing/2014/main" id="{AB99B3C5-7669-A5F9-7E1A-1ACD185ECF07}"/>
+                </a:ext>
+              </a:extLst>
+            </p:cNvPr>
+            <p:cNvSpPr/>
+            <p:nvPr/>
+          </p:nvSpPr>
+          <p:spPr>
+            <a:xfrm>
+              <a:off x="1117595" y="3916165"/>
+              <a:ext cx="1853383" cy="1039860"/>
+            </a:xfrm>
+            <a:prstGeom prst="ellipse">
+              <a:avLst/>
+            </a:prstGeom>
+            <a:blipFill dpi="0" rotWithShape="1">
+              <a:blip r:embed="rId3">
+                <a:extLst>
+                  <a:ext uri="{28A0092B-C50C-407E-A947-70E740481C1C}">
+                    <a14:useLocalDpi xmlns:a14="http://schemas.microsoft.com/office/drawing/2010/main" val="0"/>
+                  </a:ext>
+                </a:extLst>
+              </a:blip>
+              <a:srcRect/>
+              <a:stretch>
+                <a:fillRect l="-2247" t="-16126" r="-21548" b="1630"/>
+              </a:stretch>
+            </a:blipFill>
+          </p:spPr>
+          <p:style>
+            <a:lnRef idx="2">
+              <a:schemeClr val="accent1">
+                <a:shade val="50000"/>
+              </a:schemeClr>
+            </a:lnRef>
+            <a:fillRef idx="1">
+              <a:schemeClr val="accent1"/>
+            </a:fillRef>
+            <a:effectRef idx="0">
+              <a:schemeClr val="accent1"/>
+            </a:effectRef>
+            <a:fontRef idx="minor">
+              <a:schemeClr val="lt1"/>
+            </a:fontRef>
+          </p:style>
+          <p:txBody>
+            <a:bodyPr rtlCol="0" anchor="ctr"/>
+            <a:lstStyle/>
+            <a:p>
+              <a:pPr algn="ctr"/>
+              <a:endParaRPr kumimoji="1" lang="zh-CN" altLang="en-US"/>
+            </a:p>
+          </p:txBody>
+        </p:sp>
+        <p:sp>
+          <p:nvSpPr>
+            <p:cNvPr id="70" name="文本框 69">
+              <a:extLst>
+                <a:ext uri="{FF2B5EF4-FFF2-40B4-BE49-F238E27FC236}">
+                  <a16:creationId xmlns:a16="http://schemas.microsoft.com/office/drawing/2014/main" id="{1C8CF12B-C356-8C12-37BE-E2A404B655B7}"/>
+                </a:ext>
+              </a:extLst>
+            </p:cNvPr>
+            <p:cNvSpPr txBox="1"/>
+            <p:nvPr/>
+          </p:nvSpPr>
+          <p:spPr>
+            <a:xfrm>
+              <a:off x="1426194" y="3945722"/>
+              <a:ext cx="1236186" cy="412188"/>
+            </a:xfrm>
+            <a:prstGeom prst="rect">
+              <a:avLst/>
+            </a:prstGeom>
+            <a:noFill/>
+          </p:spPr>
+          <p:txBody>
+            <a:bodyPr wrap="square" rtlCol="0">
+              <a:spAutoFit/>
+            </a:bodyPr>
+            <a:lstStyle/>
+            <a:p>
+              <a:pPr algn="ctr">
+                <a:lnSpc>
+                  <a:spcPts val="700"/>
+                </a:lnSpc>
+              </a:pPr>
+              <a:r>
+                <a:rPr kumimoji="1" lang="en-US" altLang="zh-CN" sz="1050" b="1" dirty="0"/>
+                <a:t>^</a:t>
+              </a:r>
+            </a:p>
+            <a:p>
+              <a:pPr>
+                <a:lnSpc>
+                  <a:spcPts val="700"/>
+                </a:lnSpc>
+              </a:pPr>
+              <a:r>
+                <a:rPr kumimoji="1" lang="en-US" altLang="zh-CN" sz="1050" i="1" dirty="0" err="1"/>
+                <a:t>stimuluated</a:t>
+              </a:r>
+              <a:endParaRPr kumimoji="1" lang="zh-CN" altLang="en-US" sz="1050" i="1" dirty="0"/>
+            </a:p>
+          </p:txBody>
+        </p:sp>
+      </p:grpSp>
+      <p:grpSp>
+        <p:nvGrpSpPr>
+          <p:cNvPr id="71" name="组合 70">
+            <a:extLst>
+              <a:ext uri="{FF2B5EF4-FFF2-40B4-BE49-F238E27FC236}">
+                <a16:creationId xmlns:a16="http://schemas.microsoft.com/office/drawing/2014/main" id="{5A2C313D-A731-2B4F-1196-2588F1F5DC23}"/>
+              </a:ext>
+            </a:extLst>
+          </p:cNvPr>
+          <p:cNvGrpSpPr>
+            <a:grpSpLocks noChangeAspect="1"/>
+          </p:cNvGrpSpPr>
+          <p:nvPr/>
+        </p:nvGrpSpPr>
+        <p:grpSpPr>
+          <a:xfrm>
+            <a:off x="9904565" y="5032629"/>
+            <a:ext cx="1281103" cy="692383"/>
+            <a:chOff x="1171325" y="2047872"/>
+            <a:chExt cx="1853383" cy="1033504"/>
+          </a:xfrm>
+        </p:grpSpPr>
+        <p:sp>
+          <p:nvSpPr>
+            <p:cNvPr id="74" name="椭圆 73">
+              <a:extLst>
+                <a:ext uri="{FF2B5EF4-FFF2-40B4-BE49-F238E27FC236}">
+                  <a16:creationId xmlns:a16="http://schemas.microsoft.com/office/drawing/2014/main" id="{1DFEF3AD-0EE4-1E82-63D1-A50C83BD52EE}"/>
+                </a:ext>
+              </a:extLst>
+            </p:cNvPr>
+            <p:cNvSpPr/>
+            <p:nvPr/>
+          </p:nvSpPr>
+          <p:spPr>
+            <a:xfrm>
+              <a:off x="1171325" y="2047872"/>
+              <a:ext cx="1853383" cy="987466"/>
+            </a:xfrm>
+            <a:prstGeom prst="ellipse">
+              <a:avLst/>
+            </a:prstGeom>
+            <a:blipFill dpi="0" rotWithShape="1">
+              <a:blip r:embed="rId2">
+                <a:extLst>
+                  <a:ext uri="{28A0092B-C50C-407E-A947-70E740481C1C}">
+                    <a14:useLocalDpi xmlns:a14="http://schemas.microsoft.com/office/drawing/2010/main" val="0"/>
+                  </a:ext>
+                </a:extLst>
+              </a:blip>
+              <a:srcRect/>
+              <a:stretch>
+                <a:fillRect l="-1443" t="-16010" r="-22198"/>
+              </a:stretch>
+            </a:blipFill>
+          </p:spPr>
+          <p:style>
+            <a:lnRef idx="2">
+              <a:schemeClr val="accent1">
+                <a:shade val="50000"/>
+              </a:schemeClr>
+            </a:lnRef>
+            <a:fillRef idx="1">
+              <a:schemeClr val="accent1"/>
+            </a:fillRef>
+            <a:effectRef idx="0">
+              <a:schemeClr val="accent1"/>
+            </a:effectRef>
+            <a:fontRef idx="minor">
+              <a:schemeClr val="lt1"/>
+            </a:fontRef>
+          </p:style>
+          <p:txBody>
+            <a:bodyPr rtlCol="0" anchor="ctr"/>
+            <a:lstStyle/>
+            <a:p>
+              <a:pPr algn="ctr"/>
+              <a:endParaRPr kumimoji="1" lang="zh-CN" altLang="en-US"/>
+            </a:p>
+          </p:txBody>
+        </p:sp>
+        <p:sp>
+          <p:nvSpPr>
+            <p:cNvPr id="75" name="文本框 74">
+              <a:extLst>
+                <a:ext uri="{FF2B5EF4-FFF2-40B4-BE49-F238E27FC236}">
+                  <a16:creationId xmlns:a16="http://schemas.microsoft.com/office/drawing/2014/main" id="{9DADAD47-37C6-2BC9-65FF-F546787539C3}"/>
+                </a:ext>
+              </a:extLst>
+            </p:cNvPr>
+            <p:cNvSpPr txBox="1"/>
+            <p:nvPr/>
+          </p:nvSpPr>
+          <p:spPr>
+            <a:xfrm>
+              <a:off x="1527114" y="2690877"/>
+              <a:ext cx="1244269" cy="390499"/>
+            </a:xfrm>
+            <a:prstGeom prst="rect">
+              <a:avLst/>
+            </a:prstGeom>
+            <a:noFill/>
+          </p:spPr>
+          <p:txBody>
+            <a:bodyPr wrap="square" rtlCol="0">
+              <a:spAutoFit/>
+            </a:bodyPr>
+            <a:lstStyle/>
+            <a:p>
+              <a:r>
+                <a:rPr kumimoji="1" lang="en-US" altLang="zh-CN" sz="1100" dirty="0"/>
+                <a:t>stimulated</a:t>
+              </a:r>
+              <a:endParaRPr kumimoji="1" lang="zh-CN" altLang="en-US" sz="1100" dirty="0"/>
+            </a:p>
+          </p:txBody>
+        </p:sp>
+      </p:grpSp>
+      <p:sp>
+        <p:nvSpPr>
+          <p:cNvPr id="62" name="文本框 61">
+            <a:extLst>
+              <a:ext uri="{FF2B5EF4-FFF2-40B4-BE49-F238E27FC236}">
+                <a16:creationId xmlns:a16="http://schemas.microsoft.com/office/drawing/2014/main" id="{7FDAE9BD-3975-8968-B6C1-BF00840F0F7F}"/>
+              </a:ext>
+            </a:extLst>
+          </p:cNvPr>
+          <p:cNvSpPr txBox="1"/>
+          <p:nvPr/>
+        </p:nvSpPr>
+        <p:spPr>
+          <a:xfrm>
+            <a:off x="8538971" y="1973909"/>
+            <a:ext cx="994362" cy="369219"/>
+          </a:xfrm>
+          <a:prstGeom prst="rect">
+            <a:avLst/>
+          </a:prstGeom>
+          <a:noFill/>
+        </p:spPr>
+        <p:txBody>
+          <a:bodyPr wrap="square">
+            <a:spAutoFit/>
+          </a:bodyPr>
+          <a:lstStyle/>
+          <a:p>
+            <a:r>
+              <a:rPr kumimoji="1" lang="en-US" altLang="zh-CN" sz="2400" dirty="0" err="1"/>
+              <a:t>Z</a:t>
+            </a:r>
+            <a:r>
+              <a:rPr kumimoji="1" lang="en-US" altLang="zh-CN" sz="2400" baseline="-25000" dirty="0" err="1"/>
+              <a:t>predict</a:t>
+            </a:r>
+            <a:endParaRPr kumimoji="1" lang="zh-CN" altLang="en-US" sz="2400" baseline="-25000" dirty="0"/>
+          </a:p>
+        </p:txBody>
+      </p:sp>
+      <p:sp>
+        <p:nvSpPr>
+          <p:cNvPr id="18" name="文本框 17">
+            <a:extLst>
+              <a:ext uri="{FF2B5EF4-FFF2-40B4-BE49-F238E27FC236}">
+                <a16:creationId xmlns:a16="http://schemas.microsoft.com/office/drawing/2014/main" id="{5491CD5D-B2C9-5E05-D7D3-9F9599042303}"/>
+              </a:ext>
+            </a:extLst>
+          </p:cNvPr>
+          <p:cNvSpPr txBox="1"/>
+          <p:nvPr/>
+        </p:nvSpPr>
+        <p:spPr>
+          <a:xfrm>
+            <a:off x="10054806" y="2125307"/>
+            <a:ext cx="1029449" cy="369332"/>
           </a:xfrm>
           <a:prstGeom prst="rect">
             <a:avLst/>
@@ -6195,17 +12061,255 @@
           <a:lstStyle/>
           <a:p>
             <a:r>
-              <a:rPr kumimoji="1" lang="en-US" altLang="zh-CN" sz="3000" dirty="0"/>
-              <a:t>^</a:t>
+              <a:rPr kumimoji="1" lang="en-US" altLang="zh-CN" dirty="0"/>
+              <a:t>Decoder</a:t>
             </a:r>
-            <a:endParaRPr kumimoji="1" lang="zh-CN" altLang="en-US" sz="3000" dirty="0"/>
-          </a:p>
-        </p:txBody>
-      </p:sp>
+            <a:endParaRPr kumimoji="1" lang="zh-CN" altLang="en-US" dirty="0"/>
+          </a:p>
+        </p:txBody>
+      </p:sp>
+      <p:cxnSp>
+        <p:nvCxnSpPr>
+          <p:cNvPr id="21" name="肘形连接符 20">
+            <a:extLst>
+              <a:ext uri="{FF2B5EF4-FFF2-40B4-BE49-F238E27FC236}">
+                <a16:creationId xmlns:a16="http://schemas.microsoft.com/office/drawing/2014/main" id="{53D4B614-F841-C6C6-C4BE-313971094FF6}"/>
+              </a:ext>
+            </a:extLst>
+          </p:cNvPr>
+          <p:cNvCxnSpPr>
+            <a:stCxn id="18" idx="3"/>
+            <a:endCxn id="70" idx="0"/>
+          </p:cNvCxnSpPr>
+          <p:nvPr/>
+        </p:nvCxnSpPr>
+        <p:spPr>
+          <a:xfrm flipH="1">
+            <a:off x="10546207" y="2309973"/>
+            <a:ext cx="538048" cy="1388863"/>
+          </a:xfrm>
+          <a:prstGeom prst="bentConnector4">
+            <a:avLst>
+              <a:gd name="adj1" fmla="val -42487"/>
+              <a:gd name="adj2" fmla="val 56648"/>
+            </a:avLst>
+          </a:prstGeom>
+          <a:ln w="25400">
+            <a:tailEnd type="triangle"/>
+          </a:ln>
+        </p:spPr>
+        <p:style>
+          <a:lnRef idx="1">
+            <a:schemeClr val="accent1"/>
+          </a:lnRef>
+          <a:fillRef idx="0">
+            <a:schemeClr val="accent1"/>
+          </a:fillRef>
+          <a:effectRef idx="0">
+            <a:schemeClr val="accent1"/>
+          </a:effectRef>
+          <a:fontRef idx="minor">
+            <a:schemeClr val="tx1"/>
+          </a:fontRef>
+        </p:style>
+      </p:cxnSp>
+      <p:sp>
+        <p:nvSpPr>
+          <p:cNvPr id="99" name="左右箭头 98">
+            <a:extLst>
+              <a:ext uri="{FF2B5EF4-FFF2-40B4-BE49-F238E27FC236}">
+                <a16:creationId xmlns:a16="http://schemas.microsoft.com/office/drawing/2014/main" id="{A4371FCD-4607-9718-3F9D-B5E714FBB73E}"/>
+              </a:ext>
+            </a:extLst>
+          </p:cNvPr>
+          <p:cNvSpPr/>
+          <p:nvPr/>
+        </p:nvSpPr>
+        <p:spPr>
+          <a:xfrm rot="16243277">
+            <a:off x="10275875" y="4632695"/>
+            <a:ext cx="538483" cy="188728"/>
+          </a:xfrm>
+          <a:prstGeom prst="leftRightArrow">
+            <a:avLst>
+              <a:gd name="adj1" fmla="val 15289"/>
+              <a:gd name="adj2" fmla="val 98783"/>
+            </a:avLst>
+          </a:prstGeom>
+          <a:gradFill flip="none" rotWithShape="1">
+            <a:gsLst>
+              <a:gs pos="60000">
+                <a:srgbClr val="FFC000">
+                  <a:tint val="66000"/>
+                  <a:satMod val="160000"/>
+                </a:srgbClr>
+              </a:gs>
+              <a:gs pos="100000">
+                <a:srgbClr val="FFC000">
+                  <a:tint val="44500"/>
+                  <a:satMod val="160000"/>
+                </a:srgbClr>
+              </a:gs>
+              <a:gs pos="86000">
+                <a:srgbClr val="FFC000">
+                  <a:tint val="23500"/>
+                  <a:satMod val="160000"/>
+                </a:srgbClr>
+              </a:gs>
+            </a:gsLst>
+            <a:lin ang="16200000" scaled="1"/>
+            <a:tileRect/>
+          </a:gradFill>
+          <a:ln>
+            <a:noFill/>
+          </a:ln>
+        </p:spPr>
+        <p:style>
+          <a:lnRef idx="0">
+            <a:schemeClr val="accent1">
+              <a:tint val="60000"/>
+              <a:hueOff val="0"/>
+              <a:satOff val="0"/>
+              <a:lumOff val="0"/>
+              <a:alphaOff val="0"/>
+            </a:schemeClr>
+          </a:lnRef>
+          <a:fillRef idx="1">
+            <a:schemeClr val="accent1">
+              <a:tint val="60000"/>
+              <a:hueOff val="0"/>
+              <a:satOff val="0"/>
+              <a:lumOff val="0"/>
+              <a:alphaOff val="0"/>
+            </a:schemeClr>
+          </a:fillRef>
+          <a:effectRef idx="0">
+            <a:schemeClr val="accent1">
+              <a:tint val="60000"/>
+              <a:hueOff val="0"/>
+              <a:satOff val="0"/>
+              <a:lumOff val="0"/>
+              <a:alphaOff val="0"/>
+            </a:schemeClr>
+          </a:effectRef>
+          <a:fontRef idx="minor">
+            <a:schemeClr val="lt1"/>
+          </a:fontRef>
+        </p:style>
+      </p:sp>
+      <p:sp>
+        <p:nvSpPr>
+          <p:cNvPr id="25" name="文本框 24">
+            <a:extLst>
+              <a:ext uri="{FF2B5EF4-FFF2-40B4-BE49-F238E27FC236}">
+                <a16:creationId xmlns:a16="http://schemas.microsoft.com/office/drawing/2014/main" id="{A811F53F-4661-FA2B-D103-F2F0F6C44A9A}"/>
+              </a:ext>
+            </a:extLst>
+          </p:cNvPr>
+          <p:cNvSpPr txBox="1"/>
+          <p:nvPr/>
+        </p:nvSpPr>
+        <p:spPr>
+          <a:xfrm>
+            <a:off x="6239800" y="3961703"/>
+            <a:ext cx="65" cy="276999"/>
+          </a:xfrm>
+          <a:prstGeom prst="rect">
+            <a:avLst/>
+          </a:prstGeom>
+          <a:noFill/>
+        </p:spPr>
+        <p:txBody>
+          <a:bodyPr wrap="none" lIns="0" tIns="0" rIns="0" bIns="0" rtlCol="0">
+            <a:spAutoFit/>
+          </a:bodyPr>
+          <a:lstStyle/>
+          <a:p>
+            <a:endParaRPr kumimoji="1" lang="zh-CN" altLang="en-US" dirty="0"/>
+          </a:p>
+        </p:txBody>
+      </p:sp>
+      <p:sp>
+        <p:nvSpPr>
+          <p:cNvPr id="101" name="文本框 100">
+            <a:extLst>
+              <a:ext uri="{FF2B5EF4-FFF2-40B4-BE49-F238E27FC236}">
+                <a16:creationId xmlns:a16="http://schemas.microsoft.com/office/drawing/2014/main" id="{4A2D1583-D7F4-E62B-CB09-F56E3F658B5E}"/>
+              </a:ext>
+            </a:extLst>
+          </p:cNvPr>
+          <p:cNvSpPr txBox="1"/>
+          <p:nvPr/>
+        </p:nvSpPr>
+        <p:spPr>
+          <a:xfrm>
+            <a:off x="9194824" y="4543926"/>
+            <a:ext cx="1374706" cy="307777"/>
+          </a:xfrm>
+          <a:prstGeom prst="rect">
+            <a:avLst/>
+          </a:prstGeom>
+          <a:noFill/>
+        </p:spPr>
+        <p:txBody>
+          <a:bodyPr wrap="square">
+            <a:spAutoFit/>
+          </a:bodyPr>
+          <a:lstStyle/>
+          <a:p>
+            <a:r>
+              <a:rPr kumimoji="1" lang="en-US" altLang="zh-CN" sz="1400" dirty="0"/>
+              <a:t>SmoothL1Loss</a:t>
+            </a:r>
+            <a:endParaRPr kumimoji="1" lang="zh-CN" altLang="en-US" sz="1400" dirty="0"/>
+          </a:p>
+        </p:txBody>
+      </p:sp>
+      <p:cxnSp>
+        <p:nvCxnSpPr>
+          <p:cNvPr id="33" name="直线箭头连接符 32">
+            <a:extLst>
+              <a:ext uri="{FF2B5EF4-FFF2-40B4-BE49-F238E27FC236}">
+                <a16:creationId xmlns:a16="http://schemas.microsoft.com/office/drawing/2014/main" id="{B41C1027-1549-D2AE-9B07-2C3D97E0F882}"/>
+              </a:ext>
+            </a:extLst>
+          </p:cNvPr>
+          <p:cNvCxnSpPr>
+            <a:endCxn id="18" idx="1"/>
+          </p:cNvCxnSpPr>
+          <p:nvPr/>
+        </p:nvCxnSpPr>
+        <p:spPr>
+          <a:xfrm>
+            <a:off x="9458107" y="2309973"/>
+            <a:ext cx="596699" cy="0"/>
+          </a:xfrm>
+          <a:prstGeom prst="straightConnector1">
+            <a:avLst/>
+          </a:prstGeom>
+          <a:ln w="25400">
+            <a:tailEnd type="triangle"/>
+          </a:ln>
+        </p:spPr>
+        <p:style>
+          <a:lnRef idx="1">
+            <a:schemeClr val="accent1"/>
+          </a:lnRef>
+          <a:fillRef idx="0">
+            <a:schemeClr val="accent1"/>
+          </a:fillRef>
+          <a:effectRef idx="0">
+            <a:schemeClr val="accent1"/>
+          </a:effectRef>
+          <a:fontRef idx="minor">
+            <a:schemeClr val="tx1"/>
+          </a:fontRef>
+        </p:style>
+      </p:cxnSp>
     </p:spTree>
     <p:extLst>
       <p:ext uri="{BB962C8B-B14F-4D97-AF65-F5344CB8AC3E}">
-        <p14:creationId xmlns:p14="http://schemas.microsoft.com/office/powerpoint/2010/main" val="2392140532"/>
+        <p14:creationId xmlns:p14="http://schemas.microsoft.com/office/powerpoint/2010/main" val="127917626"/>
       </p:ext>
     </p:extLst>
   </p:cSld>

--- a/spaperb_graphs/two_encoder_one_loss_spaperb/two_encoder_one_loss_model.pptx
+++ b/spaperb_graphs/two_encoder_one_loss_spaperb/two_encoder_one_loss_model.pptx
@@ -5,9 +5,9 @@
     <p:sldMasterId id="2147483648" r:id="rId1"/>
   </p:sldMasterIdLst>
   <p:sldIdLst>
-    <p:sldId id="257" r:id="rId2"/>
-    <p:sldId id="258" r:id="rId3"/>
-    <p:sldId id="259" r:id="rId4"/>
+    <p:sldId id="259" r:id="rId2"/>
+    <p:sldId id="257" r:id="rId3"/>
+    <p:sldId id="258" r:id="rId4"/>
   </p:sldIdLst>
   <p:sldSz cx="12192000" cy="6858000"/>
   <p:notesSz cx="6858000" cy="9144000"/>
@@ -261,7 +261,7 @@
           <a:p>
             <a:fld id="{994B46F9-1436-CF44-87BB-35C23A1B13F8}" type="datetimeFigureOut">
               <a:rPr kumimoji="1" lang="zh-CN" altLang="en-US" smtClean="0"/>
-              <a:t>2023/7/27</a:t>
+              <a:t>2023/7/28</a:t>
             </a:fld>
             <a:endParaRPr kumimoji="1" lang="zh-CN" altLang="en-US"/>
           </a:p>
@@ -459,7 +459,7 @@
           <a:p>
             <a:fld id="{994B46F9-1436-CF44-87BB-35C23A1B13F8}" type="datetimeFigureOut">
               <a:rPr kumimoji="1" lang="zh-CN" altLang="en-US" smtClean="0"/>
-              <a:t>2023/7/27</a:t>
+              <a:t>2023/7/28</a:t>
             </a:fld>
             <a:endParaRPr kumimoji="1" lang="zh-CN" altLang="en-US"/>
           </a:p>
@@ -667,7 +667,7 @@
           <a:p>
             <a:fld id="{994B46F9-1436-CF44-87BB-35C23A1B13F8}" type="datetimeFigureOut">
               <a:rPr kumimoji="1" lang="zh-CN" altLang="en-US" smtClean="0"/>
-              <a:t>2023/7/27</a:t>
+              <a:t>2023/7/28</a:t>
             </a:fld>
             <a:endParaRPr kumimoji="1" lang="zh-CN" altLang="en-US"/>
           </a:p>
@@ -865,7 +865,7 @@
           <a:p>
             <a:fld id="{994B46F9-1436-CF44-87BB-35C23A1B13F8}" type="datetimeFigureOut">
               <a:rPr kumimoji="1" lang="zh-CN" altLang="en-US" smtClean="0"/>
-              <a:t>2023/7/27</a:t>
+              <a:t>2023/7/28</a:t>
             </a:fld>
             <a:endParaRPr kumimoji="1" lang="zh-CN" altLang="en-US"/>
           </a:p>
@@ -1140,7 +1140,7 @@
           <a:p>
             <a:fld id="{994B46F9-1436-CF44-87BB-35C23A1B13F8}" type="datetimeFigureOut">
               <a:rPr kumimoji="1" lang="zh-CN" altLang="en-US" smtClean="0"/>
-              <a:t>2023/7/27</a:t>
+              <a:t>2023/7/28</a:t>
             </a:fld>
             <a:endParaRPr kumimoji="1" lang="zh-CN" altLang="en-US"/>
           </a:p>
@@ -1405,7 +1405,7 @@
           <a:p>
             <a:fld id="{994B46F9-1436-CF44-87BB-35C23A1B13F8}" type="datetimeFigureOut">
               <a:rPr kumimoji="1" lang="zh-CN" altLang="en-US" smtClean="0"/>
-              <a:t>2023/7/27</a:t>
+              <a:t>2023/7/28</a:t>
             </a:fld>
             <a:endParaRPr kumimoji="1" lang="zh-CN" altLang="en-US"/>
           </a:p>
@@ -1817,7 +1817,7 @@
           <a:p>
             <a:fld id="{994B46F9-1436-CF44-87BB-35C23A1B13F8}" type="datetimeFigureOut">
               <a:rPr kumimoji="1" lang="zh-CN" altLang="en-US" smtClean="0"/>
-              <a:t>2023/7/27</a:t>
+              <a:t>2023/7/28</a:t>
             </a:fld>
             <a:endParaRPr kumimoji="1" lang="zh-CN" altLang="en-US"/>
           </a:p>
@@ -1958,7 +1958,7 @@
           <a:p>
             <a:fld id="{994B46F9-1436-CF44-87BB-35C23A1B13F8}" type="datetimeFigureOut">
               <a:rPr kumimoji="1" lang="zh-CN" altLang="en-US" smtClean="0"/>
-              <a:t>2023/7/27</a:t>
+              <a:t>2023/7/28</a:t>
             </a:fld>
             <a:endParaRPr kumimoji="1" lang="zh-CN" altLang="en-US"/>
           </a:p>
@@ -2071,7 +2071,7 @@
           <a:p>
             <a:fld id="{994B46F9-1436-CF44-87BB-35C23A1B13F8}" type="datetimeFigureOut">
               <a:rPr kumimoji="1" lang="zh-CN" altLang="en-US" smtClean="0"/>
-              <a:t>2023/7/27</a:t>
+              <a:t>2023/7/28</a:t>
             </a:fld>
             <a:endParaRPr kumimoji="1" lang="zh-CN" altLang="en-US"/>
           </a:p>
@@ -2382,7 +2382,7 @@
           <a:p>
             <a:fld id="{994B46F9-1436-CF44-87BB-35C23A1B13F8}" type="datetimeFigureOut">
               <a:rPr kumimoji="1" lang="zh-CN" altLang="en-US" smtClean="0"/>
-              <a:t>2023/7/27</a:t>
+              <a:t>2023/7/28</a:t>
             </a:fld>
             <a:endParaRPr kumimoji="1" lang="zh-CN" altLang="en-US"/>
           </a:p>
@@ -2670,7 +2670,7 @@
           <a:p>
             <a:fld id="{994B46F9-1436-CF44-87BB-35C23A1B13F8}" type="datetimeFigureOut">
               <a:rPr kumimoji="1" lang="zh-CN" altLang="en-US" smtClean="0"/>
-              <a:t>2023/7/27</a:t>
+              <a:t>2023/7/28</a:t>
             </a:fld>
             <a:endParaRPr kumimoji="1" lang="zh-CN" altLang="en-US"/>
           </a:p>
@@ -2911,7 +2911,7 @@
           <a:p>
             <a:fld id="{994B46F9-1436-CF44-87BB-35C23A1B13F8}" type="datetimeFigureOut">
               <a:rPr kumimoji="1" lang="zh-CN" altLang="en-US" smtClean="0"/>
-              <a:t>2023/7/27</a:t>
+              <a:t>2023/7/28</a:t>
             </a:fld>
             <a:endParaRPr kumimoji="1" lang="zh-CN" altLang="en-US"/>
           </a:p>
@@ -3344,7 +3344,7 @@
         </p:nvCxnSpPr>
         <p:spPr>
           <a:xfrm>
-            <a:off x="3184079" y="941223"/>
+            <a:off x="2637739" y="1595270"/>
             <a:ext cx="810000" cy="0"/>
           </a:xfrm>
           <a:prstGeom prst="straightConnector1">
@@ -3383,7 +3383,7 @@
         </p:nvSpPr>
         <p:spPr>
           <a:xfrm rot="5400000">
-            <a:off x="4204890" y="397100"/>
+            <a:off x="3658550" y="1051147"/>
             <a:ext cx="924564" cy="1088246"/>
           </a:xfrm>
           <a:prstGeom prst="trapezoid">
@@ -3451,7 +3451,7 @@
         </p:nvSpPr>
         <p:spPr>
           <a:xfrm>
-            <a:off x="4129791" y="608710"/>
+            <a:off x="3583451" y="1262757"/>
             <a:ext cx="997389" cy="516907"/>
           </a:xfrm>
           <a:prstGeom prst="rect">
@@ -3497,7 +3497,7 @@
         </p:nvCxnSpPr>
         <p:spPr>
           <a:xfrm>
-            <a:off x="5338920" y="954847"/>
+            <a:off x="4792580" y="1608894"/>
             <a:ext cx="810000" cy="0"/>
           </a:xfrm>
           <a:prstGeom prst="straightConnector1">
@@ -3536,7 +3536,7 @@
         </p:nvSpPr>
         <p:spPr>
           <a:xfrm>
-            <a:off x="6283452" y="603406"/>
+            <a:off x="5737112" y="1257453"/>
             <a:ext cx="180000" cy="143956"/>
           </a:xfrm>
           <a:prstGeom prst="rect">
@@ -3605,7 +3605,7 @@
         </p:nvSpPr>
         <p:spPr>
           <a:xfrm>
-            <a:off x="6283452" y="797267"/>
+            <a:off x="5737112" y="1451314"/>
             <a:ext cx="180000" cy="143956"/>
           </a:xfrm>
           <a:prstGeom prst="rect">
@@ -3674,7 +3674,7 @@
         </p:nvSpPr>
         <p:spPr>
           <a:xfrm>
-            <a:off x="6283452" y="991128"/>
+            <a:off x="5737112" y="1645175"/>
             <a:ext cx="180000" cy="143956"/>
           </a:xfrm>
           <a:prstGeom prst="rect">
@@ -3743,7 +3743,7 @@
         </p:nvSpPr>
         <p:spPr>
           <a:xfrm>
-            <a:off x="6283452" y="1184989"/>
+            <a:off x="5737112" y="1839036"/>
             <a:ext cx="180000" cy="143956"/>
           </a:xfrm>
           <a:prstGeom prst="rect">
@@ -3812,7 +3812,7 @@
         </p:nvSpPr>
         <p:spPr>
           <a:xfrm>
-            <a:off x="6931154" y="733727"/>
+            <a:off x="6384814" y="1387774"/>
             <a:ext cx="809994" cy="369219"/>
           </a:xfrm>
           <a:prstGeom prst="rect">
@@ -3835,3514 +3835,6 @@
               <a:t>style</a:t>
             </a:r>
             <a:endParaRPr kumimoji="1" lang="zh-CN" altLang="en-US" sz="2400" baseline="-25000" dirty="0"/>
-          </a:p>
-        </p:txBody>
-      </p:sp>
-      <p:sp>
-        <p:nvSpPr>
-          <p:cNvPr id="51" name="矩形 50">
-            <a:extLst>
-              <a:ext uri="{FF2B5EF4-FFF2-40B4-BE49-F238E27FC236}">
-                <a16:creationId xmlns:a16="http://schemas.microsoft.com/office/drawing/2014/main" id="{1FF473CC-F231-C68C-3592-1715005E3B55}"/>
-              </a:ext>
-            </a:extLst>
-          </p:cNvPr>
-          <p:cNvSpPr/>
-          <p:nvPr/>
-        </p:nvSpPr>
-        <p:spPr>
-          <a:xfrm>
-            <a:off x="2859535" y="571268"/>
-            <a:ext cx="180000" cy="143956"/>
-          </a:xfrm>
-          <a:prstGeom prst="rect">
-            <a:avLst/>
-          </a:prstGeom>
-          <a:gradFill flip="none" rotWithShape="1">
-            <a:gsLst>
-              <a:gs pos="0">
-                <a:schemeClr val="accent6">
-                  <a:lumMod val="67000"/>
-                </a:schemeClr>
-              </a:gs>
-              <a:gs pos="48000">
-                <a:schemeClr val="accent6">
-                  <a:lumMod val="97000"/>
-                  <a:lumOff val="3000"/>
-                </a:schemeClr>
-              </a:gs>
-              <a:gs pos="100000">
-                <a:schemeClr val="accent6">
-                  <a:lumMod val="60000"/>
-                  <a:lumOff val="40000"/>
-                </a:schemeClr>
-              </a:gs>
-            </a:gsLst>
-            <a:lin ang="16200000" scaled="1"/>
-            <a:tileRect/>
-          </a:gradFill>
-        </p:spPr>
-        <p:style>
-          <a:lnRef idx="2">
-            <a:schemeClr val="accent1">
-              <a:shade val="50000"/>
-            </a:schemeClr>
-          </a:lnRef>
-          <a:fillRef idx="1">
-            <a:schemeClr val="accent1"/>
-          </a:fillRef>
-          <a:effectRef idx="0">
-            <a:schemeClr val="accent1"/>
-          </a:effectRef>
-          <a:fontRef idx="minor">
-            <a:schemeClr val="lt1"/>
-          </a:fontRef>
-        </p:style>
-        <p:txBody>
-          <a:bodyPr rtlCol="0" anchor="ctr"/>
-          <a:lstStyle/>
-          <a:p>
-            <a:pPr algn="ctr"/>
-            <a:endParaRPr kumimoji="1" lang="zh-CN" altLang="en-US"/>
-          </a:p>
-        </p:txBody>
-      </p:sp>
-      <p:sp>
-        <p:nvSpPr>
-          <p:cNvPr id="52" name="矩形 51">
-            <a:extLst>
-              <a:ext uri="{FF2B5EF4-FFF2-40B4-BE49-F238E27FC236}">
-                <a16:creationId xmlns:a16="http://schemas.microsoft.com/office/drawing/2014/main" id="{7E862505-1462-6917-22AC-64B4B4188640}"/>
-              </a:ext>
-            </a:extLst>
-          </p:cNvPr>
-          <p:cNvSpPr/>
-          <p:nvPr/>
-        </p:nvSpPr>
-        <p:spPr>
-          <a:xfrm>
-            <a:off x="2859535" y="765129"/>
-            <a:ext cx="180000" cy="143956"/>
-          </a:xfrm>
-          <a:prstGeom prst="rect">
-            <a:avLst/>
-          </a:prstGeom>
-          <a:gradFill flip="none" rotWithShape="1">
-            <a:gsLst>
-              <a:gs pos="0">
-                <a:schemeClr val="accent6">
-                  <a:lumMod val="40000"/>
-                  <a:lumOff val="60000"/>
-                </a:schemeClr>
-              </a:gs>
-              <a:gs pos="46000">
-                <a:schemeClr val="accent6">
-                  <a:lumMod val="95000"/>
-                  <a:lumOff val="5000"/>
-                </a:schemeClr>
-              </a:gs>
-              <a:gs pos="100000">
-                <a:schemeClr val="accent6">
-                  <a:lumMod val="60000"/>
-                </a:schemeClr>
-              </a:gs>
-            </a:gsLst>
-            <a:path path="circle">
-              <a:fillToRect l="50000" t="130000" r="50000" b="-30000"/>
-            </a:path>
-            <a:tileRect/>
-          </a:gradFill>
-        </p:spPr>
-        <p:style>
-          <a:lnRef idx="2">
-            <a:schemeClr val="accent1">
-              <a:shade val="50000"/>
-            </a:schemeClr>
-          </a:lnRef>
-          <a:fillRef idx="1">
-            <a:schemeClr val="accent1"/>
-          </a:fillRef>
-          <a:effectRef idx="0">
-            <a:schemeClr val="accent1"/>
-          </a:effectRef>
-          <a:fontRef idx="minor">
-            <a:schemeClr val="lt1"/>
-          </a:fontRef>
-        </p:style>
-        <p:txBody>
-          <a:bodyPr rtlCol="0" anchor="ctr"/>
-          <a:lstStyle/>
-          <a:p>
-            <a:pPr algn="ctr"/>
-            <a:endParaRPr kumimoji="1" lang="zh-CN" altLang="en-US"/>
-          </a:p>
-        </p:txBody>
-      </p:sp>
-      <p:sp>
-        <p:nvSpPr>
-          <p:cNvPr id="53" name="矩形 52">
-            <a:extLst>
-              <a:ext uri="{FF2B5EF4-FFF2-40B4-BE49-F238E27FC236}">
-                <a16:creationId xmlns:a16="http://schemas.microsoft.com/office/drawing/2014/main" id="{80FAC281-D3D6-136D-B660-9C5D24E24E3F}"/>
-              </a:ext>
-            </a:extLst>
-          </p:cNvPr>
-          <p:cNvSpPr/>
-          <p:nvPr/>
-        </p:nvSpPr>
-        <p:spPr>
-          <a:xfrm>
-            <a:off x="2859535" y="958990"/>
-            <a:ext cx="180000" cy="143956"/>
-          </a:xfrm>
-          <a:prstGeom prst="rect">
-            <a:avLst/>
-          </a:prstGeom>
-          <a:gradFill flip="none" rotWithShape="1">
-            <a:gsLst>
-              <a:gs pos="0">
-                <a:schemeClr val="accent6">
-                  <a:lumMod val="0"/>
-                  <a:lumOff val="100000"/>
-                </a:schemeClr>
-              </a:gs>
-              <a:gs pos="35000">
-                <a:schemeClr val="accent6">
-                  <a:lumMod val="0"/>
-                  <a:lumOff val="100000"/>
-                </a:schemeClr>
-              </a:gs>
-              <a:gs pos="100000">
-                <a:schemeClr val="accent6">
-                  <a:lumMod val="100000"/>
-                </a:schemeClr>
-              </a:gs>
-            </a:gsLst>
-            <a:path path="circle">
-              <a:fillToRect l="50000" t="-80000" r="50000" b="180000"/>
-            </a:path>
-            <a:tileRect/>
-          </a:gradFill>
-        </p:spPr>
-        <p:style>
-          <a:lnRef idx="2">
-            <a:schemeClr val="accent1">
-              <a:shade val="50000"/>
-            </a:schemeClr>
-          </a:lnRef>
-          <a:fillRef idx="1">
-            <a:schemeClr val="accent1"/>
-          </a:fillRef>
-          <a:effectRef idx="0">
-            <a:schemeClr val="accent1"/>
-          </a:effectRef>
-          <a:fontRef idx="minor">
-            <a:schemeClr val="lt1"/>
-          </a:fontRef>
-        </p:style>
-        <p:txBody>
-          <a:bodyPr rtlCol="0" anchor="ctr"/>
-          <a:lstStyle/>
-          <a:p>
-            <a:pPr algn="ctr"/>
-            <a:endParaRPr kumimoji="1" lang="zh-CN" altLang="en-US"/>
-          </a:p>
-        </p:txBody>
-      </p:sp>
-      <p:sp>
-        <p:nvSpPr>
-          <p:cNvPr id="54" name="矩形 53">
-            <a:extLst>
-              <a:ext uri="{FF2B5EF4-FFF2-40B4-BE49-F238E27FC236}">
-                <a16:creationId xmlns:a16="http://schemas.microsoft.com/office/drawing/2014/main" id="{7A1B23FA-A553-81AF-1726-3E9C0231599C}"/>
-              </a:ext>
-            </a:extLst>
-          </p:cNvPr>
-          <p:cNvSpPr/>
-          <p:nvPr/>
-        </p:nvSpPr>
-        <p:spPr>
-          <a:xfrm>
-            <a:off x="2859535" y="1152850"/>
-            <a:ext cx="180000" cy="143956"/>
-          </a:xfrm>
-          <a:prstGeom prst="rect">
-            <a:avLst/>
-          </a:prstGeom>
-          <a:gradFill flip="none" rotWithShape="1">
-            <a:gsLst>
-              <a:gs pos="0">
-                <a:schemeClr val="accent6">
-                  <a:lumMod val="5000"/>
-                  <a:lumOff val="95000"/>
-                </a:schemeClr>
-              </a:gs>
-              <a:gs pos="74000">
-                <a:schemeClr val="accent6">
-                  <a:lumMod val="45000"/>
-                  <a:lumOff val="55000"/>
-                </a:schemeClr>
-              </a:gs>
-              <a:gs pos="83000">
-                <a:schemeClr val="accent6">
-                  <a:lumMod val="45000"/>
-                  <a:lumOff val="55000"/>
-                </a:schemeClr>
-              </a:gs>
-              <a:gs pos="100000">
-                <a:schemeClr val="accent6">
-                  <a:lumMod val="30000"/>
-                  <a:lumOff val="70000"/>
-                </a:schemeClr>
-              </a:gs>
-            </a:gsLst>
-            <a:lin ang="5400000" scaled="1"/>
-            <a:tileRect/>
-          </a:gradFill>
-        </p:spPr>
-        <p:style>
-          <a:lnRef idx="2">
-            <a:schemeClr val="accent1">
-              <a:shade val="50000"/>
-            </a:schemeClr>
-          </a:lnRef>
-          <a:fillRef idx="1">
-            <a:schemeClr val="accent1"/>
-          </a:fillRef>
-          <a:effectRef idx="0">
-            <a:schemeClr val="accent1"/>
-          </a:effectRef>
-          <a:fontRef idx="minor">
-            <a:schemeClr val="lt1"/>
-          </a:fontRef>
-        </p:style>
-        <p:txBody>
-          <a:bodyPr rtlCol="0" anchor="ctr"/>
-          <a:lstStyle/>
-          <a:p>
-            <a:pPr algn="ctr"/>
-            <a:endParaRPr kumimoji="1" lang="zh-CN" altLang="en-US"/>
-          </a:p>
-        </p:txBody>
-      </p:sp>
-      <p:sp>
-        <p:nvSpPr>
-          <p:cNvPr id="55" name="文本框 54">
-            <a:extLst>
-              <a:ext uri="{FF2B5EF4-FFF2-40B4-BE49-F238E27FC236}">
-                <a16:creationId xmlns:a16="http://schemas.microsoft.com/office/drawing/2014/main" id="{B7DE1804-1A21-61F6-7B7F-E9E70E3CB57A}"/>
-              </a:ext>
-            </a:extLst>
-          </p:cNvPr>
-          <p:cNvSpPr txBox="1"/>
-          <p:nvPr/>
-        </p:nvSpPr>
-        <p:spPr>
-          <a:xfrm>
-            <a:off x="2098016" y="707383"/>
-            <a:ext cx="764953" cy="492292"/>
-          </a:xfrm>
-          <a:prstGeom prst="rect">
-            <a:avLst/>
-          </a:prstGeom>
-          <a:noFill/>
-        </p:spPr>
-        <p:txBody>
-          <a:bodyPr wrap="square" rtlCol="0">
-            <a:spAutoFit/>
-          </a:bodyPr>
-          <a:lstStyle/>
-          <a:p>
-            <a:pPr algn="ctr"/>
-            <a:r>
-              <a:rPr kumimoji="1" lang="en-US" altLang="zh-CN" sz="1700" dirty="0"/>
-              <a:t>Style</a:t>
-            </a:r>
-          </a:p>
-          <a:p>
-            <a:pPr algn="ctr"/>
-            <a:r>
-              <a:rPr kumimoji="1" lang="en-US" altLang="zh-CN" sz="1700" dirty="0"/>
-              <a:t>vector</a:t>
-            </a:r>
-          </a:p>
-        </p:txBody>
-      </p:sp>
-      <p:sp>
-        <p:nvSpPr>
-          <p:cNvPr id="6" name="梯形 5">
-            <a:extLst>
-              <a:ext uri="{FF2B5EF4-FFF2-40B4-BE49-F238E27FC236}">
-                <a16:creationId xmlns:a16="http://schemas.microsoft.com/office/drawing/2014/main" id="{52EE0DD4-A064-7596-A675-6FD83554C458}"/>
-              </a:ext>
-            </a:extLst>
-          </p:cNvPr>
-          <p:cNvSpPr/>
-          <p:nvPr/>
-        </p:nvSpPr>
-        <p:spPr>
-          <a:xfrm rot="5400000">
-            <a:off x="4204890" y="2801969"/>
-            <a:ext cx="924564" cy="1088246"/>
-          </a:xfrm>
-          <a:prstGeom prst="trapezoid">
-            <a:avLst/>
-          </a:prstGeom>
-          <a:noFill/>
-          <a:ln w="38100">
-            <a:solidFill>
-              <a:schemeClr val="accent1"/>
-            </a:solidFill>
-          </a:ln>
-        </p:spPr>
-        <p:style>
-          <a:lnRef idx="2">
-            <a:schemeClr val="accent1">
-              <a:shade val="50000"/>
-            </a:schemeClr>
-          </a:lnRef>
-          <a:fillRef idx="1">
-            <a:schemeClr val="accent1"/>
-          </a:fillRef>
-          <a:effectRef idx="0">
-            <a:schemeClr val="accent1"/>
-          </a:effectRef>
-          <a:fontRef idx="minor">
-            <a:schemeClr val="lt1"/>
-          </a:fontRef>
-        </p:style>
-        <p:txBody>
-          <a:bodyPr rtlCol="0" anchor="ctr"/>
-          <a:lstStyle/>
-          <a:p>
-            <a:pPr algn="ctr"/>
-            <a:endParaRPr kumimoji="1" lang="zh-CN" altLang="en-US">
-              <a:ln w="0">
-                <a:solidFill>
-                  <a:sysClr val="windowText" lastClr="000000"/>
-                </a:solidFill>
-              </a:ln>
-              <a:solidFill>
-                <a:schemeClr val="tx1"/>
-              </a:solidFill>
-              <a:effectLst>
-                <a:outerShdw blurRad="50800" dist="38100" dir="2700000" algn="tl" rotWithShape="0">
-                  <a:prstClr val="black">
-                    <a:alpha val="40000"/>
-                  </a:prstClr>
-                </a:outerShdw>
-              </a:effectLst>
-            </a:endParaRPr>
-          </a:p>
-        </p:txBody>
-      </p:sp>
-      <p:sp>
-        <p:nvSpPr>
-          <p:cNvPr id="7" name="文本框 6">
-            <a:extLst>
-              <a:ext uri="{FF2B5EF4-FFF2-40B4-BE49-F238E27FC236}">
-                <a16:creationId xmlns:a16="http://schemas.microsoft.com/office/drawing/2014/main" id="{CB55584C-55C3-F25B-9A34-2364CD995933}"/>
-              </a:ext>
-            </a:extLst>
-          </p:cNvPr>
-          <p:cNvSpPr txBox="1"/>
-          <p:nvPr/>
-        </p:nvSpPr>
-        <p:spPr>
-          <a:xfrm>
-            <a:off x="4135549" y="3015661"/>
-            <a:ext cx="997389" cy="516907"/>
-          </a:xfrm>
-          <a:prstGeom prst="rect">
-            <a:avLst/>
-          </a:prstGeom>
-          <a:noFill/>
-        </p:spPr>
-        <p:txBody>
-          <a:bodyPr wrap="square" rtlCol="0">
-            <a:spAutoFit/>
-          </a:bodyPr>
-          <a:lstStyle/>
-          <a:p>
-            <a:r>
-              <a:rPr kumimoji="1" lang="en-US" altLang="zh-CN" dirty="0"/>
-              <a:t>Content</a:t>
-            </a:r>
-          </a:p>
-          <a:p>
-            <a:r>
-              <a:rPr kumimoji="1" lang="en-US" altLang="zh-CN" dirty="0"/>
-              <a:t>Encoder</a:t>
-            </a:r>
-            <a:endParaRPr kumimoji="1" lang="zh-CN" altLang="en-US" dirty="0"/>
-          </a:p>
-        </p:txBody>
-      </p:sp>
-      <p:sp>
-        <p:nvSpPr>
-          <p:cNvPr id="23" name="矩形 22">
-            <a:extLst>
-              <a:ext uri="{FF2B5EF4-FFF2-40B4-BE49-F238E27FC236}">
-                <a16:creationId xmlns:a16="http://schemas.microsoft.com/office/drawing/2014/main" id="{4E482811-448A-A751-D537-819AE2D54ACE}"/>
-              </a:ext>
-            </a:extLst>
-          </p:cNvPr>
-          <p:cNvSpPr/>
-          <p:nvPr/>
-        </p:nvSpPr>
-        <p:spPr>
-          <a:xfrm>
-            <a:off x="6215833" y="3989017"/>
-            <a:ext cx="180000" cy="143956"/>
-          </a:xfrm>
-          <a:prstGeom prst="rect">
-            <a:avLst/>
-          </a:prstGeom>
-          <a:gradFill flip="none" rotWithShape="1">
-            <a:gsLst>
-              <a:gs pos="0">
-                <a:schemeClr val="accent2">
-                  <a:lumMod val="40000"/>
-                  <a:lumOff val="60000"/>
-                </a:schemeClr>
-              </a:gs>
-              <a:gs pos="54000">
-                <a:schemeClr val="accent2">
-                  <a:lumMod val="95000"/>
-                  <a:lumOff val="5000"/>
-                </a:schemeClr>
-              </a:gs>
-              <a:gs pos="100000">
-                <a:schemeClr val="accent2">
-                  <a:lumMod val="60000"/>
-                </a:schemeClr>
-              </a:gs>
-            </a:gsLst>
-            <a:path path="circle">
-              <a:fillToRect l="50000" t="130000" r="50000" b="-30000"/>
-            </a:path>
-            <a:tileRect/>
-          </a:gradFill>
-        </p:spPr>
-        <p:style>
-          <a:lnRef idx="2">
-            <a:schemeClr val="accent1">
-              <a:shade val="50000"/>
-            </a:schemeClr>
-          </a:lnRef>
-          <a:fillRef idx="1">
-            <a:schemeClr val="accent1"/>
-          </a:fillRef>
-          <a:effectRef idx="0">
-            <a:schemeClr val="accent1"/>
-          </a:effectRef>
-          <a:fontRef idx="minor">
-            <a:schemeClr val="lt1"/>
-          </a:fontRef>
-        </p:style>
-        <p:txBody>
-          <a:bodyPr rtlCol="0" anchor="ctr"/>
-          <a:lstStyle/>
-          <a:p>
-            <a:pPr algn="ctr"/>
-            <a:endParaRPr kumimoji="1" lang="zh-CN" altLang="en-US"/>
-          </a:p>
-        </p:txBody>
-      </p:sp>
-      <p:sp>
-        <p:nvSpPr>
-          <p:cNvPr id="26" name="矩形 25">
-            <a:extLst>
-              <a:ext uri="{FF2B5EF4-FFF2-40B4-BE49-F238E27FC236}">
-                <a16:creationId xmlns:a16="http://schemas.microsoft.com/office/drawing/2014/main" id="{455C04DF-FBC2-34FC-7318-5D00BFFEB01E}"/>
-              </a:ext>
-            </a:extLst>
-          </p:cNvPr>
-          <p:cNvSpPr/>
-          <p:nvPr/>
-        </p:nvSpPr>
-        <p:spPr>
-          <a:xfrm>
-            <a:off x="6215833" y="4182877"/>
-            <a:ext cx="180000" cy="143956"/>
-          </a:xfrm>
-          <a:prstGeom prst="rect">
-            <a:avLst/>
-          </a:prstGeom>
-          <a:gradFill flip="none" rotWithShape="1">
-            <a:gsLst>
-              <a:gs pos="0">
-                <a:schemeClr val="accent2">
-                  <a:lumMod val="40000"/>
-                  <a:lumOff val="60000"/>
-                </a:schemeClr>
-              </a:gs>
-              <a:gs pos="54000">
-                <a:schemeClr val="accent2">
-                  <a:lumMod val="95000"/>
-                  <a:lumOff val="5000"/>
-                </a:schemeClr>
-              </a:gs>
-              <a:gs pos="100000">
-                <a:schemeClr val="accent2">
-                  <a:lumMod val="60000"/>
-                </a:schemeClr>
-              </a:gs>
-            </a:gsLst>
-            <a:path path="circle">
-              <a:fillToRect l="50000" t="130000" r="50000" b="-30000"/>
-            </a:path>
-            <a:tileRect/>
-          </a:gradFill>
-        </p:spPr>
-        <p:style>
-          <a:lnRef idx="2">
-            <a:schemeClr val="accent1">
-              <a:shade val="50000"/>
-            </a:schemeClr>
-          </a:lnRef>
-          <a:fillRef idx="1">
-            <a:schemeClr val="accent1"/>
-          </a:fillRef>
-          <a:effectRef idx="0">
-            <a:schemeClr val="accent1"/>
-          </a:effectRef>
-          <a:fontRef idx="minor">
-            <a:schemeClr val="lt1"/>
-          </a:fontRef>
-        </p:style>
-        <p:txBody>
-          <a:bodyPr rtlCol="0" anchor="ctr"/>
-          <a:lstStyle/>
-          <a:p>
-            <a:pPr algn="ctr"/>
-            <a:endParaRPr kumimoji="1" lang="zh-CN" altLang="en-US"/>
-          </a:p>
-        </p:txBody>
-      </p:sp>
-      <p:sp>
-        <p:nvSpPr>
-          <p:cNvPr id="27" name="矩形 26">
-            <a:extLst>
-              <a:ext uri="{FF2B5EF4-FFF2-40B4-BE49-F238E27FC236}">
-                <a16:creationId xmlns:a16="http://schemas.microsoft.com/office/drawing/2014/main" id="{9F71421C-07C9-407D-FC2F-AB9F81D60167}"/>
-              </a:ext>
-            </a:extLst>
-          </p:cNvPr>
-          <p:cNvSpPr/>
-          <p:nvPr/>
-        </p:nvSpPr>
-        <p:spPr>
-          <a:xfrm>
-            <a:off x="6215833" y="4376738"/>
-            <a:ext cx="180000" cy="143956"/>
-          </a:xfrm>
-          <a:prstGeom prst="rect">
-            <a:avLst/>
-          </a:prstGeom>
-          <a:gradFill flip="none" rotWithShape="1">
-            <a:gsLst>
-              <a:gs pos="0">
-                <a:schemeClr val="accent2">
-                  <a:lumMod val="40000"/>
-                  <a:lumOff val="60000"/>
-                </a:schemeClr>
-              </a:gs>
-              <a:gs pos="54000">
-                <a:schemeClr val="accent2">
-                  <a:lumMod val="95000"/>
-                  <a:lumOff val="5000"/>
-                </a:schemeClr>
-              </a:gs>
-              <a:gs pos="100000">
-                <a:schemeClr val="accent2">
-                  <a:lumMod val="60000"/>
-                </a:schemeClr>
-              </a:gs>
-            </a:gsLst>
-            <a:path path="circle">
-              <a:fillToRect l="50000" t="130000" r="50000" b="-30000"/>
-            </a:path>
-            <a:tileRect/>
-          </a:gradFill>
-        </p:spPr>
-        <p:style>
-          <a:lnRef idx="2">
-            <a:schemeClr val="accent1">
-              <a:shade val="50000"/>
-            </a:schemeClr>
-          </a:lnRef>
-          <a:fillRef idx="1">
-            <a:schemeClr val="accent1"/>
-          </a:fillRef>
-          <a:effectRef idx="0">
-            <a:schemeClr val="accent1"/>
-          </a:effectRef>
-          <a:fontRef idx="minor">
-            <a:schemeClr val="lt1"/>
-          </a:fontRef>
-        </p:style>
-        <p:txBody>
-          <a:bodyPr rtlCol="0" anchor="ctr"/>
-          <a:lstStyle/>
-          <a:p>
-            <a:pPr algn="ctr"/>
-            <a:endParaRPr kumimoji="1" lang="zh-CN" altLang="en-US"/>
-          </a:p>
-        </p:txBody>
-      </p:sp>
-      <p:sp>
-        <p:nvSpPr>
-          <p:cNvPr id="28" name="矩形 27">
-            <a:extLst>
-              <a:ext uri="{FF2B5EF4-FFF2-40B4-BE49-F238E27FC236}">
-                <a16:creationId xmlns:a16="http://schemas.microsoft.com/office/drawing/2014/main" id="{BB6411D7-C066-B718-F764-16F508644E8B}"/>
-              </a:ext>
-            </a:extLst>
-          </p:cNvPr>
-          <p:cNvSpPr/>
-          <p:nvPr/>
-        </p:nvSpPr>
-        <p:spPr>
-          <a:xfrm>
-            <a:off x="6215833" y="4570599"/>
-            <a:ext cx="180000" cy="143956"/>
-          </a:xfrm>
-          <a:prstGeom prst="rect">
-            <a:avLst/>
-          </a:prstGeom>
-          <a:gradFill flip="none" rotWithShape="1">
-            <a:gsLst>
-              <a:gs pos="0">
-                <a:schemeClr val="accent2">
-                  <a:lumMod val="40000"/>
-                  <a:lumOff val="60000"/>
-                </a:schemeClr>
-              </a:gs>
-              <a:gs pos="54000">
-                <a:schemeClr val="accent2">
-                  <a:lumMod val="95000"/>
-                  <a:lumOff val="5000"/>
-                </a:schemeClr>
-              </a:gs>
-              <a:gs pos="100000">
-                <a:schemeClr val="accent2">
-                  <a:lumMod val="60000"/>
-                </a:schemeClr>
-              </a:gs>
-            </a:gsLst>
-            <a:path path="circle">
-              <a:fillToRect l="50000" t="130000" r="50000" b="-30000"/>
-            </a:path>
-            <a:tileRect/>
-          </a:gradFill>
-        </p:spPr>
-        <p:style>
-          <a:lnRef idx="2">
-            <a:schemeClr val="accent1">
-              <a:shade val="50000"/>
-            </a:schemeClr>
-          </a:lnRef>
-          <a:fillRef idx="1">
-            <a:schemeClr val="accent1"/>
-          </a:fillRef>
-          <a:effectRef idx="0">
-            <a:schemeClr val="accent1"/>
-          </a:effectRef>
-          <a:fontRef idx="minor">
-            <a:schemeClr val="lt1"/>
-          </a:fontRef>
-        </p:style>
-        <p:txBody>
-          <a:bodyPr rtlCol="0" anchor="ctr"/>
-          <a:lstStyle/>
-          <a:p>
-            <a:pPr algn="ctr"/>
-            <a:endParaRPr kumimoji="1" lang="zh-CN" altLang="en-US"/>
-          </a:p>
-        </p:txBody>
-      </p:sp>
-      <p:cxnSp>
-        <p:nvCxnSpPr>
-          <p:cNvPr id="56" name="直线箭头连接符 55">
-            <a:extLst>
-              <a:ext uri="{FF2B5EF4-FFF2-40B4-BE49-F238E27FC236}">
-                <a16:creationId xmlns:a16="http://schemas.microsoft.com/office/drawing/2014/main" id="{A1EA47E6-5C95-25BF-7B28-FC7254D0CF84}"/>
-              </a:ext>
-            </a:extLst>
-          </p:cNvPr>
-          <p:cNvCxnSpPr>
-            <a:cxnSpLocks/>
-          </p:cNvCxnSpPr>
-          <p:nvPr/>
-        </p:nvCxnSpPr>
-        <p:spPr>
-          <a:xfrm flipV="1">
-            <a:off x="3533552" y="3329859"/>
-            <a:ext cx="540000" cy="0"/>
-          </a:xfrm>
-          <a:prstGeom prst="straightConnector1">
-            <a:avLst/>
-          </a:prstGeom>
-          <a:ln w="25400" cmpd="sng">
-            <a:headEnd w="lg" len="lg"/>
-            <a:tailEnd type="stealth" w="lg" len="lg"/>
-          </a:ln>
-        </p:spPr>
-        <p:style>
-          <a:lnRef idx="1">
-            <a:schemeClr val="accent1"/>
-          </a:lnRef>
-          <a:fillRef idx="0">
-            <a:schemeClr val="accent1"/>
-          </a:fillRef>
-          <a:effectRef idx="0">
-            <a:schemeClr val="accent1"/>
-          </a:effectRef>
-          <a:fontRef idx="minor">
-            <a:schemeClr val="tx1"/>
-          </a:fontRef>
-        </p:style>
-      </p:cxnSp>
-      <p:sp>
-        <p:nvSpPr>
-          <p:cNvPr id="59" name="右大括号 58">
-            <a:extLst>
-              <a:ext uri="{FF2B5EF4-FFF2-40B4-BE49-F238E27FC236}">
-                <a16:creationId xmlns:a16="http://schemas.microsoft.com/office/drawing/2014/main" id="{178968AE-6945-C157-6902-42A6279077C1}"/>
-              </a:ext>
-            </a:extLst>
-          </p:cNvPr>
-          <p:cNvSpPr/>
-          <p:nvPr/>
-        </p:nvSpPr>
-        <p:spPr>
-          <a:xfrm>
-            <a:off x="8479348" y="953529"/>
-            <a:ext cx="274225" cy="1097753"/>
-          </a:xfrm>
-          <a:prstGeom prst="rightBrace">
-            <a:avLst/>
-          </a:prstGeom>
-          <a:ln w="25400"/>
-        </p:spPr>
-        <p:style>
-          <a:lnRef idx="1">
-            <a:schemeClr val="accent1"/>
-          </a:lnRef>
-          <a:fillRef idx="0">
-            <a:schemeClr val="accent1"/>
-          </a:fillRef>
-          <a:effectRef idx="0">
-            <a:schemeClr val="accent1"/>
-          </a:effectRef>
-          <a:fontRef idx="minor">
-            <a:schemeClr val="tx1"/>
-          </a:fontRef>
-        </p:style>
-        <p:txBody>
-          <a:bodyPr rtlCol="0" anchor="ctr"/>
-          <a:lstStyle/>
-          <a:p>
-            <a:pPr algn="ctr"/>
-            <a:endParaRPr kumimoji="1" lang="zh-CN" altLang="en-US"/>
-          </a:p>
-        </p:txBody>
-      </p:sp>
-      <p:sp>
-        <p:nvSpPr>
-          <p:cNvPr id="60" name="文本框 59">
-            <a:extLst>
-              <a:ext uri="{FF2B5EF4-FFF2-40B4-BE49-F238E27FC236}">
-                <a16:creationId xmlns:a16="http://schemas.microsoft.com/office/drawing/2014/main" id="{604D29B3-9B4C-BA8F-609C-B0C6F061F50B}"/>
-              </a:ext>
-            </a:extLst>
-          </p:cNvPr>
-          <p:cNvSpPr txBox="1"/>
-          <p:nvPr/>
-        </p:nvSpPr>
-        <p:spPr>
-          <a:xfrm>
-            <a:off x="7118784" y="1293181"/>
-            <a:ext cx="434734" cy="418448"/>
-          </a:xfrm>
-          <a:prstGeom prst="rect">
-            <a:avLst/>
-          </a:prstGeom>
-          <a:noFill/>
-        </p:spPr>
-        <p:txBody>
-          <a:bodyPr wrap="square" rtlCol="0">
-            <a:spAutoFit/>
-          </a:bodyPr>
-          <a:lstStyle/>
-          <a:p>
-            <a:r>
-              <a:rPr kumimoji="1" lang="en-US" altLang="zh-CN" sz="2800" b="1" dirty="0"/>
-              <a:t>+</a:t>
-            </a:r>
-            <a:endParaRPr kumimoji="1" lang="zh-CN" altLang="en-US" sz="2800" b="1" dirty="0"/>
-          </a:p>
-        </p:txBody>
-      </p:sp>
-      <p:sp>
-        <p:nvSpPr>
-          <p:cNvPr id="67" name="文本框 66">
-            <a:extLst>
-              <a:ext uri="{FF2B5EF4-FFF2-40B4-BE49-F238E27FC236}">
-                <a16:creationId xmlns:a16="http://schemas.microsoft.com/office/drawing/2014/main" id="{BF643DD9-1090-33B3-AD3B-483F0503D103}"/>
-              </a:ext>
-            </a:extLst>
-          </p:cNvPr>
-          <p:cNvSpPr txBox="1"/>
-          <p:nvPr/>
-        </p:nvSpPr>
-        <p:spPr>
-          <a:xfrm>
-            <a:off x="8120507" y="2971461"/>
-            <a:ext cx="963725" cy="516907"/>
-          </a:xfrm>
-          <a:prstGeom prst="rect">
-            <a:avLst/>
-          </a:prstGeom>
-          <a:noFill/>
-        </p:spPr>
-        <p:txBody>
-          <a:bodyPr wrap="square" rtlCol="0">
-            <a:spAutoFit/>
-          </a:bodyPr>
-          <a:lstStyle/>
-          <a:p>
-            <a:r>
-              <a:rPr kumimoji="1" lang="en-US" altLang="zh-CN" dirty="0"/>
-              <a:t>Smooth</a:t>
-            </a:r>
-          </a:p>
-          <a:p>
-            <a:r>
-              <a:rPr kumimoji="1" lang="en-US" altLang="zh-CN" dirty="0"/>
-              <a:t>L1Loss</a:t>
-            </a:r>
-            <a:endParaRPr kumimoji="1" lang="zh-CN" altLang="en-US" dirty="0"/>
-          </a:p>
-        </p:txBody>
-      </p:sp>
-      <p:sp>
-        <p:nvSpPr>
-          <p:cNvPr id="78" name="梯形 77">
-            <a:extLst>
-              <a:ext uri="{FF2B5EF4-FFF2-40B4-BE49-F238E27FC236}">
-                <a16:creationId xmlns:a16="http://schemas.microsoft.com/office/drawing/2014/main" id="{14E275CF-2D2B-1B98-4FBB-FC3E0251CF4D}"/>
-              </a:ext>
-            </a:extLst>
-          </p:cNvPr>
-          <p:cNvSpPr/>
-          <p:nvPr/>
-        </p:nvSpPr>
-        <p:spPr>
-          <a:xfrm rot="16200000" flipH="1">
-            <a:off x="4442763" y="4946113"/>
-            <a:ext cx="841011" cy="1100318"/>
-          </a:xfrm>
-          <a:prstGeom prst="trapezoid">
-            <a:avLst/>
-          </a:prstGeom>
-          <a:noFill/>
-          <a:ln w="38100">
-            <a:solidFill>
-              <a:schemeClr val="accent1"/>
-            </a:solidFill>
-          </a:ln>
-        </p:spPr>
-        <p:style>
-          <a:lnRef idx="2">
-            <a:schemeClr val="accent1">
-              <a:shade val="50000"/>
-            </a:schemeClr>
-          </a:lnRef>
-          <a:fillRef idx="1">
-            <a:schemeClr val="accent1"/>
-          </a:fillRef>
-          <a:effectRef idx="0">
-            <a:schemeClr val="accent1"/>
-          </a:effectRef>
-          <a:fontRef idx="minor">
-            <a:schemeClr val="lt1"/>
-          </a:fontRef>
-        </p:style>
-        <p:txBody>
-          <a:bodyPr rtlCol="0" anchor="ctr"/>
-          <a:lstStyle/>
-          <a:p>
-            <a:pPr algn="ctr"/>
-            <a:endParaRPr kumimoji="1" lang="zh-CN" altLang="en-US">
-              <a:ln w="0">
-                <a:solidFill>
-                  <a:sysClr val="windowText" lastClr="000000"/>
-                </a:solidFill>
-              </a:ln>
-              <a:solidFill>
-                <a:schemeClr val="tx1"/>
-              </a:solidFill>
-              <a:effectLst>
-                <a:outerShdw blurRad="50800" dist="38100" dir="2700000" algn="tl" rotWithShape="0">
-                  <a:prstClr val="black">
-                    <a:alpha val="40000"/>
-                  </a:prstClr>
-                </a:outerShdw>
-              </a:effectLst>
-            </a:endParaRPr>
-          </a:p>
-        </p:txBody>
-      </p:sp>
-      <p:sp>
-        <p:nvSpPr>
-          <p:cNvPr id="79" name="文本框 78">
-            <a:extLst>
-              <a:ext uri="{FF2B5EF4-FFF2-40B4-BE49-F238E27FC236}">
-                <a16:creationId xmlns:a16="http://schemas.microsoft.com/office/drawing/2014/main" id="{8667367F-5EAF-3317-8597-2589CA7BEE44}"/>
-              </a:ext>
-            </a:extLst>
-          </p:cNvPr>
-          <p:cNvSpPr txBox="1"/>
-          <p:nvPr/>
-        </p:nvSpPr>
-        <p:spPr>
-          <a:xfrm>
-            <a:off x="4372387" y="5326183"/>
-            <a:ext cx="1040869" cy="268682"/>
-          </a:xfrm>
-          <a:prstGeom prst="rect">
-            <a:avLst/>
-          </a:prstGeom>
-          <a:noFill/>
-        </p:spPr>
-        <p:txBody>
-          <a:bodyPr wrap="none" rtlCol="0">
-            <a:spAutoFit/>
-          </a:bodyPr>
-          <a:lstStyle/>
-          <a:p>
-            <a:r>
-              <a:rPr kumimoji="1" lang="en-US" altLang="zh-CN" dirty="0"/>
-              <a:t>Decoder</a:t>
-            </a:r>
-            <a:endParaRPr kumimoji="1" lang="zh-CN" altLang="en-US" dirty="0"/>
-          </a:p>
-        </p:txBody>
-      </p:sp>
-      <p:cxnSp>
-        <p:nvCxnSpPr>
-          <p:cNvPr id="80" name="直线箭头连接符 79">
-            <a:extLst>
-              <a:ext uri="{FF2B5EF4-FFF2-40B4-BE49-F238E27FC236}">
-                <a16:creationId xmlns:a16="http://schemas.microsoft.com/office/drawing/2014/main" id="{F456F261-7BC2-5FEC-CFA7-385D2FF087BF}"/>
-              </a:ext>
-            </a:extLst>
-          </p:cNvPr>
-          <p:cNvCxnSpPr>
-            <a:cxnSpLocks/>
-          </p:cNvCxnSpPr>
-          <p:nvPr/>
-        </p:nvCxnSpPr>
-        <p:spPr>
-          <a:xfrm>
-            <a:off x="5572054" y="5510860"/>
-            <a:ext cx="818986" cy="0"/>
-          </a:xfrm>
-          <a:prstGeom prst="straightConnector1">
-            <a:avLst/>
-          </a:prstGeom>
-          <a:ln w="25400">
-            <a:tailEnd type="triangle"/>
-          </a:ln>
-        </p:spPr>
-        <p:style>
-          <a:lnRef idx="1">
-            <a:schemeClr val="accent1"/>
-          </a:lnRef>
-          <a:fillRef idx="0">
-            <a:schemeClr val="accent1"/>
-          </a:fillRef>
-          <a:effectRef idx="0">
-            <a:schemeClr val="accent1"/>
-          </a:effectRef>
-          <a:fontRef idx="minor">
-            <a:schemeClr val="tx1"/>
-          </a:fontRef>
-        </p:style>
-      </p:cxnSp>
-      <p:sp>
-        <p:nvSpPr>
-          <p:cNvPr id="81" name="矩形 80">
-            <a:extLst>
-              <a:ext uri="{FF2B5EF4-FFF2-40B4-BE49-F238E27FC236}">
-                <a16:creationId xmlns:a16="http://schemas.microsoft.com/office/drawing/2014/main" id="{A32E4BD9-AA3F-F101-B046-A1BCFBE835ED}"/>
-              </a:ext>
-            </a:extLst>
-          </p:cNvPr>
-          <p:cNvSpPr/>
-          <p:nvPr/>
-        </p:nvSpPr>
-        <p:spPr>
-          <a:xfrm>
-            <a:off x="1010128" y="5135930"/>
-            <a:ext cx="181997" cy="130947"/>
-          </a:xfrm>
-          <a:prstGeom prst="rect">
-            <a:avLst/>
-          </a:prstGeom>
-          <a:gradFill flip="none" rotWithShape="1">
-            <a:gsLst>
-              <a:gs pos="0">
-                <a:schemeClr val="accent1">
-                  <a:lumMod val="0"/>
-                  <a:lumOff val="100000"/>
-                </a:schemeClr>
-              </a:gs>
-              <a:gs pos="15000">
-                <a:schemeClr val="accent1">
-                  <a:lumMod val="0"/>
-                  <a:lumOff val="100000"/>
-                </a:schemeClr>
-              </a:gs>
-              <a:gs pos="100000">
-                <a:schemeClr val="accent1">
-                  <a:lumMod val="100000"/>
-                </a:schemeClr>
-              </a:gs>
-            </a:gsLst>
-            <a:path path="circle">
-              <a:fillToRect l="50000" t="-80000" r="50000" b="180000"/>
-            </a:path>
-            <a:tileRect/>
-          </a:gradFill>
-        </p:spPr>
-        <p:style>
-          <a:lnRef idx="2">
-            <a:schemeClr val="accent1">
-              <a:shade val="50000"/>
-            </a:schemeClr>
-          </a:lnRef>
-          <a:fillRef idx="1">
-            <a:schemeClr val="accent1"/>
-          </a:fillRef>
-          <a:effectRef idx="0">
-            <a:schemeClr val="accent1"/>
-          </a:effectRef>
-          <a:fontRef idx="minor">
-            <a:schemeClr val="lt1"/>
-          </a:fontRef>
-        </p:style>
-        <p:txBody>
-          <a:bodyPr rtlCol="0" anchor="ctr"/>
-          <a:lstStyle/>
-          <a:p>
-            <a:pPr algn="ctr"/>
-            <a:endParaRPr kumimoji="1" lang="zh-CN" altLang="en-US"/>
-          </a:p>
-        </p:txBody>
-      </p:sp>
-      <p:sp>
-        <p:nvSpPr>
-          <p:cNvPr id="82" name="矩形 81">
-            <a:extLst>
-              <a:ext uri="{FF2B5EF4-FFF2-40B4-BE49-F238E27FC236}">
-                <a16:creationId xmlns:a16="http://schemas.microsoft.com/office/drawing/2014/main" id="{6963C1FD-2C04-C60C-ECD0-21189B86928F}"/>
-              </a:ext>
-            </a:extLst>
-          </p:cNvPr>
-          <p:cNvSpPr/>
-          <p:nvPr/>
-        </p:nvSpPr>
-        <p:spPr>
-          <a:xfrm>
-            <a:off x="1010128" y="5312271"/>
-            <a:ext cx="181997" cy="130947"/>
-          </a:xfrm>
-          <a:prstGeom prst="rect">
-            <a:avLst/>
-          </a:prstGeom>
-          <a:gradFill flip="none" rotWithShape="1">
-            <a:gsLst>
-              <a:gs pos="0">
-                <a:schemeClr val="accent1">
-                  <a:lumMod val="0"/>
-                  <a:lumOff val="100000"/>
-                </a:schemeClr>
-              </a:gs>
-              <a:gs pos="15000">
-                <a:schemeClr val="accent1">
-                  <a:lumMod val="0"/>
-                  <a:lumOff val="100000"/>
-                </a:schemeClr>
-              </a:gs>
-              <a:gs pos="100000">
-                <a:schemeClr val="accent1">
-                  <a:lumMod val="100000"/>
-                </a:schemeClr>
-              </a:gs>
-            </a:gsLst>
-            <a:path path="circle">
-              <a:fillToRect l="50000" t="-80000" r="50000" b="180000"/>
-            </a:path>
-            <a:tileRect/>
-          </a:gradFill>
-        </p:spPr>
-        <p:style>
-          <a:lnRef idx="2">
-            <a:schemeClr val="accent1">
-              <a:shade val="50000"/>
-            </a:schemeClr>
-          </a:lnRef>
-          <a:fillRef idx="1">
-            <a:schemeClr val="accent1"/>
-          </a:fillRef>
-          <a:effectRef idx="0">
-            <a:schemeClr val="accent1"/>
-          </a:effectRef>
-          <a:fontRef idx="minor">
-            <a:schemeClr val="lt1"/>
-          </a:fontRef>
-        </p:style>
-        <p:txBody>
-          <a:bodyPr rtlCol="0" anchor="ctr"/>
-          <a:lstStyle/>
-          <a:p>
-            <a:pPr algn="ctr"/>
-            <a:endParaRPr kumimoji="1" lang="zh-CN" altLang="en-US"/>
-          </a:p>
-        </p:txBody>
-      </p:sp>
-      <p:sp>
-        <p:nvSpPr>
-          <p:cNvPr id="83" name="矩形 82">
-            <a:extLst>
-              <a:ext uri="{FF2B5EF4-FFF2-40B4-BE49-F238E27FC236}">
-                <a16:creationId xmlns:a16="http://schemas.microsoft.com/office/drawing/2014/main" id="{80A0577D-9A3F-3500-AA61-E7D7C1C2F6BF}"/>
-              </a:ext>
-            </a:extLst>
-          </p:cNvPr>
-          <p:cNvSpPr/>
-          <p:nvPr/>
-        </p:nvSpPr>
-        <p:spPr>
-          <a:xfrm>
-            <a:off x="1010128" y="5488613"/>
-            <a:ext cx="181997" cy="130947"/>
-          </a:xfrm>
-          <a:prstGeom prst="rect">
-            <a:avLst/>
-          </a:prstGeom>
-          <a:gradFill flip="none" rotWithShape="1">
-            <a:gsLst>
-              <a:gs pos="0">
-                <a:schemeClr val="accent1">
-                  <a:lumMod val="0"/>
-                  <a:lumOff val="100000"/>
-                </a:schemeClr>
-              </a:gs>
-              <a:gs pos="15000">
-                <a:schemeClr val="accent1">
-                  <a:lumMod val="0"/>
-                  <a:lumOff val="100000"/>
-                </a:schemeClr>
-              </a:gs>
-              <a:gs pos="100000">
-                <a:schemeClr val="accent1">
-                  <a:lumMod val="100000"/>
-                </a:schemeClr>
-              </a:gs>
-            </a:gsLst>
-            <a:path path="circle">
-              <a:fillToRect l="50000" t="-80000" r="50000" b="180000"/>
-            </a:path>
-            <a:tileRect/>
-          </a:gradFill>
-        </p:spPr>
-        <p:style>
-          <a:lnRef idx="2">
-            <a:schemeClr val="accent1">
-              <a:shade val="50000"/>
-            </a:schemeClr>
-          </a:lnRef>
-          <a:fillRef idx="1">
-            <a:schemeClr val="accent1"/>
-          </a:fillRef>
-          <a:effectRef idx="0">
-            <a:schemeClr val="accent1"/>
-          </a:effectRef>
-          <a:fontRef idx="minor">
-            <a:schemeClr val="lt1"/>
-          </a:fontRef>
-        </p:style>
-        <p:txBody>
-          <a:bodyPr rtlCol="0" anchor="ctr"/>
-          <a:lstStyle/>
-          <a:p>
-            <a:pPr algn="ctr"/>
-            <a:endParaRPr kumimoji="1" lang="zh-CN" altLang="en-US"/>
-          </a:p>
-        </p:txBody>
-      </p:sp>
-      <p:sp>
-        <p:nvSpPr>
-          <p:cNvPr id="84" name="矩形 83">
-            <a:extLst>
-              <a:ext uri="{FF2B5EF4-FFF2-40B4-BE49-F238E27FC236}">
-                <a16:creationId xmlns:a16="http://schemas.microsoft.com/office/drawing/2014/main" id="{EA66DF03-74F7-542C-6A15-FEE842E72059}"/>
-              </a:ext>
-            </a:extLst>
-          </p:cNvPr>
-          <p:cNvSpPr/>
-          <p:nvPr/>
-        </p:nvSpPr>
-        <p:spPr>
-          <a:xfrm>
-            <a:off x="1010128" y="5664954"/>
-            <a:ext cx="181997" cy="130947"/>
-          </a:xfrm>
-          <a:prstGeom prst="rect">
-            <a:avLst/>
-          </a:prstGeom>
-          <a:gradFill flip="none" rotWithShape="1">
-            <a:gsLst>
-              <a:gs pos="0">
-                <a:schemeClr val="accent1">
-                  <a:lumMod val="0"/>
-                  <a:lumOff val="100000"/>
-                </a:schemeClr>
-              </a:gs>
-              <a:gs pos="15000">
-                <a:schemeClr val="accent1">
-                  <a:lumMod val="0"/>
-                  <a:lumOff val="100000"/>
-                </a:schemeClr>
-              </a:gs>
-              <a:gs pos="100000">
-                <a:schemeClr val="accent1">
-                  <a:lumMod val="100000"/>
-                </a:schemeClr>
-              </a:gs>
-            </a:gsLst>
-            <a:path path="circle">
-              <a:fillToRect l="50000" t="-80000" r="50000" b="180000"/>
-            </a:path>
-            <a:tileRect/>
-          </a:gradFill>
-        </p:spPr>
-        <p:style>
-          <a:lnRef idx="2">
-            <a:schemeClr val="accent1">
-              <a:shade val="50000"/>
-            </a:schemeClr>
-          </a:lnRef>
-          <a:fillRef idx="1">
-            <a:schemeClr val="accent1"/>
-          </a:fillRef>
-          <a:effectRef idx="0">
-            <a:schemeClr val="accent1"/>
-          </a:effectRef>
-          <a:fontRef idx="minor">
-            <a:schemeClr val="lt1"/>
-          </a:fontRef>
-        </p:style>
-        <p:txBody>
-          <a:bodyPr rtlCol="0" anchor="ctr"/>
-          <a:lstStyle/>
-          <a:p>
-            <a:pPr algn="ctr"/>
-            <a:endParaRPr kumimoji="1" lang="zh-CN" altLang="en-US"/>
-          </a:p>
-        </p:txBody>
-      </p:sp>
-      <p:sp>
-        <p:nvSpPr>
-          <p:cNvPr id="85" name="文本框 84">
-            <a:extLst>
-              <a:ext uri="{FF2B5EF4-FFF2-40B4-BE49-F238E27FC236}">
-                <a16:creationId xmlns:a16="http://schemas.microsoft.com/office/drawing/2014/main" id="{CB1538F6-A49C-9F20-7824-6DD9BCDCB4D1}"/>
-              </a:ext>
-            </a:extLst>
-          </p:cNvPr>
-          <p:cNvSpPr txBox="1"/>
-          <p:nvPr/>
-        </p:nvSpPr>
-        <p:spPr>
-          <a:xfrm>
-            <a:off x="1373291" y="5275291"/>
-            <a:ext cx="1805766" cy="335853"/>
-          </a:xfrm>
-          <a:prstGeom prst="rect">
-            <a:avLst/>
-          </a:prstGeom>
-          <a:noFill/>
-        </p:spPr>
-        <p:txBody>
-          <a:bodyPr wrap="square">
-            <a:spAutoFit/>
-          </a:bodyPr>
-          <a:lstStyle/>
-          <a:p>
-            <a:r>
-              <a:rPr kumimoji="1" lang="en-US" altLang="zh-CN" sz="2400" dirty="0" err="1"/>
-              <a:t>Z</a:t>
-            </a:r>
-            <a:r>
-              <a:rPr kumimoji="1" lang="en-US" altLang="zh-CN" sz="2400" baseline="-25000" dirty="0" err="1"/>
-              <a:t>content_control</a:t>
-            </a:r>
-            <a:endParaRPr kumimoji="1" lang="zh-CN" altLang="en-US" sz="2400" baseline="-25000" dirty="0"/>
-          </a:p>
-        </p:txBody>
-      </p:sp>
-      <p:cxnSp>
-        <p:nvCxnSpPr>
-          <p:cNvPr id="86" name="直线箭头连接符 85">
-            <a:extLst>
-              <a:ext uri="{FF2B5EF4-FFF2-40B4-BE49-F238E27FC236}">
-                <a16:creationId xmlns:a16="http://schemas.microsoft.com/office/drawing/2014/main" id="{B3B4FBFD-309C-ECEC-CC9E-6740214E7AE5}"/>
-              </a:ext>
-            </a:extLst>
-          </p:cNvPr>
-          <p:cNvCxnSpPr>
-            <a:cxnSpLocks/>
-          </p:cNvCxnSpPr>
-          <p:nvPr/>
-        </p:nvCxnSpPr>
-        <p:spPr>
-          <a:xfrm flipV="1">
-            <a:off x="3254566" y="5510860"/>
-            <a:ext cx="818986" cy="0"/>
-          </a:xfrm>
-          <a:prstGeom prst="straightConnector1">
-            <a:avLst/>
-          </a:prstGeom>
-          <a:ln w="25400">
-            <a:tailEnd type="triangle"/>
-          </a:ln>
-        </p:spPr>
-        <p:style>
-          <a:lnRef idx="1">
-            <a:schemeClr val="accent1"/>
-          </a:lnRef>
-          <a:fillRef idx="0">
-            <a:schemeClr val="accent1"/>
-          </a:fillRef>
-          <a:effectRef idx="0">
-            <a:schemeClr val="accent1"/>
-          </a:effectRef>
-          <a:fontRef idx="minor">
-            <a:schemeClr val="tx1"/>
-          </a:fontRef>
-        </p:style>
-      </p:cxnSp>
-      <p:sp>
-        <p:nvSpPr>
-          <p:cNvPr id="89" name="文本框 88">
-            <a:extLst>
-              <a:ext uri="{FF2B5EF4-FFF2-40B4-BE49-F238E27FC236}">
-                <a16:creationId xmlns:a16="http://schemas.microsoft.com/office/drawing/2014/main" id="{1A271F79-0F7B-B6C6-B3B6-FD1BE8FE9FD3}"/>
-              </a:ext>
-            </a:extLst>
-          </p:cNvPr>
-          <p:cNvSpPr txBox="1"/>
-          <p:nvPr/>
-        </p:nvSpPr>
-        <p:spPr>
-          <a:xfrm>
-            <a:off x="9675875" y="4779949"/>
-            <a:ext cx="1347197" cy="291073"/>
-          </a:xfrm>
-          <a:prstGeom prst="rect">
-            <a:avLst/>
-          </a:prstGeom>
-          <a:noFill/>
-        </p:spPr>
-        <p:txBody>
-          <a:bodyPr wrap="none" rtlCol="0">
-            <a:spAutoFit/>
-          </a:bodyPr>
-          <a:lstStyle/>
-          <a:p>
-            <a:r>
-              <a:rPr kumimoji="1" lang="en-US" altLang="zh-CN" sz="2000" dirty="0"/>
-              <a:t>stimulated</a:t>
-            </a:r>
-            <a:endParaRPr kumimoji="1" lang="zh-CN" altLang="en-US" sz="2000" dirty="0"/>
-          </a:p>
-        </p:txBody>
-      </p:sp>
-      <p:sp>
-        <p:nvSpPr>
-          <p:cNvPr id="90" name="文本框 89">
-            <a:extLst>
-              <a:ext uri="{FF2B5EF4-FFF2-40B4-BE49-F238E27FC236}">
-                <a16:creationId xmlns:a16="http://schemas.microsoft.com/office/drawing/2014/main" id="{0CD5E31C-4FF8-1659-3D3A-E5DFB7C191F3}"/>
-              </a:ext>
-            </a:extLst>
-          </p:cNvPr>
-          <p:cNvSpPr txBox="1"/>
-          <p:nvPr/>
-        </p:nvSpPr>
-        <p:spPr>
-          <a:xfrm>
-            <a:off x="6523981" y="4773541"/>
-            <a:ext cx="1332416" cy="400110"/>
-          </a:xfrm>
-          <a:prstGeom prst="rect">
-            <a:avLst/>
-          </a:prstGeom>
-          <a:noFill/>
-        </p:spPr>
-        <p:txBody>
-          <a:bodyPr wrap="none" rtlCol="0">
-            <a:spAutoFit/>
-          </a:bodyPr>
-          <a:lstStyle/>
-          <a:p>
-            <a:r>
-              <a:rPr kumimoji="1" lang="en-US" altLang="zh-CN" sz="2000" i="1" dirty="0"/>
-              <a:t>stimulated</a:t>
-            </a:r>
-            <a:endParaRPr kumimoji="1" lang="zh-CN" altLang="en-US" sz="2000" i="1" dirty="0"/>
-          </a:p>
-        </p:txBody>
-      </p:sp>
-      <p:cxnSp>
-        <p:nvCxnSpPr>
-          <p:cNvPr id="91" name="直线箭头连接符 90">
-            <a:extLst>
-              <a:ext uri="{FF2B5EF4-FFF2-40B4-BE49-F238E27FC236}">
-                <a16:creationId xmlns:a16="http://schemas.microsoft.com/office/drawing/2014/main" id="{4BC841EE-7FEE-81F8-0C70-F7416464BC21}"/>
-              </a:ext>
-            </a:extLst>
-          </p:cNvPr>
-          <p:cNvCxnSpPr>
-            <a:cxnSpLocks/>
-          </p:cNvCxnSpPr>
-          <p:nvPr/>
-        </p:nvCxnSpPr>
-        <p:spPr>
-          <a:xfrm>
-            <a:off x="7903145" y="5468200"/>
-            <a:ext cx="1772730" cy="0"/>
-          </a:xfrm>
-          <a:prstGeom prst="straightConnector1">
-            <a:avLst/>
-          </a:prstGeom>
-          <a:ln w="19050">
-            <a:headEnd type="triangle"/>
-            <a:tailEnd type="triangle"/>
-          </a:ln>
-        </p:spPr>
-        <p:style>
-          <a:lnRef idx="1">
-            <a:schemeClr val="accent1"/>
-          </a:lnRef>
-          <a:fillRef idx="0">
-            <a:schemeClr val="accent1"/>
-          </a:fillRef>
-          <a:effectRef idx="0">
-            <a:schemeClr val="accent1"/>
-          </a:effectRef>
-          <a:fontRef idx="minor">
-            <a:schemeClr val="tx1"/>
-          </a:fontRef>
-        </p:style>
-      </p:cxnSp>
-      <p:sp>
-        <p:nvSpPr>
-          <p:cNvPr id="92" name="文本框 91">
-            <a:extLst>
-              <a:ext uri="{FF2B5EF4-FFF2-40B4-BE49-F238E27FC236}">
-                <a16:creationId xmlns:a16="http://schemas.microsoft.com/office/drawing/2014/main" id="{1F880A2E-503A-37B7-A04B-5B977CA18D7A}"/>
-              </a:ext>
-            </a:extLst>
-          </p:cNvPr>
-          <p:cNvSpPr txBox="1"/>
-          <p:nvPr/>
-        </p:nvSpPr>
-        <p:spPr>
-          <a:xfrm>
-            <a:off x="7959276" y="5472541"/>
-            <a:ext cx="1583831" cy="268682"/>
-          </a:xfrm>
-          <a:prstGeom prst="rect">
-            <a:avLst/>
-          </a:prstGeom>
-          <a:noFill/>
-        </p:spPr>
-        <p:txBody>
-          <a:bodyPr wrap="none" rtlCol="0">
-            <a:spAutoFit/>
-          </a:bodyPr>
-          <a:lstStyle/>
-          <a:p>
-            <a:r>
-              <a:rPr kumimoji="1" lang="en-US" altLang="zh-CN" dirty="0"/>
-              <a:t>SmoothL1loss</a:t>
-            </a:r>
-            <a:endParaRPr kumimoji="1" lang="zh-CN" altLang="en-US" dirty="0"/>
-          </a:p>
-        </p:txBody>
-      </p:sp>
-      <p:sp>
-        <p:nvSpPr>
-          <p:cNvPr id="93" name="文本框 92">
-            <a:extLst>
-              <a:ext uri="{FF2B5EF4-FFF2-40B4-BE49-F238E27FC236}">
-                <a16:creationId xmlns:a16="http://schemas.microsoft.com/office/drawing/2014/main" id="{76B927BB-55AD-7B6D-AAB7-AEF7BF2FA8F9}"/>
-              </a:ext>
-            </a:extLst>
-          </p:cNvPr>
-          <p:cNvSpPr txBox="1"/>
-          <p:nvPr/>
-        </p:nvSpPr>
-        <p:spPr>
-          <a:xfrm>
-            <a:off x="6952137" y="4584179"/>
-            <a:ext cx="446040" cy="553998"/>
-          </a:xfrm>
-          <a:prstGeom prst="rect">
-            <a:avLst/>
-          </a:prstGeom>
-          <a:noFill/>
-        </p:spPr>
-        <p:txBody>
-          <a:bodyPr wrap="square" rtlCol="0">
-            <a:spAutoFit/>
-          </a:bodyPr>
-          <a:lstStyle/>
-          <a:p>
-            <a:r>
-              <a:rPr kumimoji="1" lang="en-US" altLang="zh-CN" sz="3000" dirty="0"/>
-              <a:t>^</a:t>
-            </a:r>
-            <a:endParaRPr kumimoji="1" lang="zh-CN" altLang="en-US" sz="3000" dirty="0"/>
-          </a:p>
-        </p:txBody>
-      </p:sp>
-      <p:sp>
-        <p:nvSpPr>
-          <p:cNvPr id="95" name="椭圆 94">
-            <a:extLst>
-              <a:ext uri="{FF2B5EF4-FFF2-40B4-BE49-F238E27FC236}">
-                <a16:creationId xmlns:a16="http://schemas.microsoft.com/office/drawing/2014/main" id="{6667CFF6-6805-7B2B-644C-D6A2066EEF07}"/>
-              </a:ext>
-            </a:extLst>
-          </p:cNvPr>
-          <p:cNvSpPr/>
-          <p:nvPr/>
-        </p:nvSpPr>
-        <p:spPr>
-          <a:xfrm>
-            <a:off x="6523808" y="5189003"/>
-            <a:ext cx="1276670" cy="649349"/>
-          </a:xfrm>
-          <a:prstGeom prst="ellipse">
-            <a:avLst/>
-          </a:prstGeom>
-          <a:blipFill dpi="0" rotWithShape="1">
-            <a:blip r:embed="rId2">
-              <a:extLst>
-                <a:ext uri="{28A0092B-C50C-407E-A947-70E740481C1C}">
-                  <a14:useLocalDpi xmlns:a14="http://schemas.microsoft.com/office/drawing/2010/main" val="0"/>
-                </a:ext>
-              </a:extLst>
-            </a:blip>
-            <a:srcRect/>
-            <a:stretch>
-              <a:fillRect l="-2247" t="-16126" r="-21548" b="1630"/>
-            </a:stretch>
-          </a:blipFill>
-        </p:spPr>
-        <p:style>
-          <a:lnRef idx="2">
-            <a:schemeClr val="accent1">
-              <a:shade val="50000"/>
-            </a:schemeClr>
-          </a:lnRef>
-          <a:fillRef idx="1">
-            <a:schemeClr val="accent1"/>
-          </a:fillRef>
-          <a:effectRef idx="0">
-            <a:schemeClr val="accent1"/>
-          </a:effectRef>
-          <a:fontRef idx="minor">
-            <a:schemeClr val="lt1"/>
-          </a:fontRef>
-        </p:style>
-        <p:txBody>
-          <a:bodyPr rtlCol="0" anchor="ctr"/>
-          <a:lstStyle/>
-          <a:p>
-            <a:pPr algn="ctr"/>
-            <a:endParaRPr kumimoji="1" lang="zh-CN" altLang="en-US"/>
-          </a:p>
-        </p:txBody>
-      </p:sp>
-      <p:sp>
-        <p:nvSpPr>
-          <p:cNvPr id="96" name="椭圆 95">
-            <a:extLst>
-              <a:ext uri="{FF2B5EF4-FFF2-40B4-BE49-F238E27FC236}">
-                <a16:creationId xmlns:a16="http://schemas.microsoft.com/office/drawing/2014/main" id="{1D240AA7-C7EB-C773-C0A2-EE146C4EC97D}"/>
-              </a:ext>
-            </a:extLst>
-          </p:cNvPr>
-          <p:cNvSpPr/>
-          <p:nvPr/>
-        </p:nvSpPr>
-        <p:spPr>
-          <a:xfrm>
-            <a:off x="9834673" y="5201403"/>
-            <a:ext cx="1347198" cy="649349"/>
-          </a:xfrm>
-          <a:prstGeom prst="ellipse">
-            <a:avLst/>
-          </a:prstGeom>
-          <a:blipFill dpi="0" rotWithShape="1">
-            <a:blip r:embed="rId3">
-              <a:extLst>
-                <a:ext uri="{28A0092B-C50C-407E-A947-70E740481C1C}">
-                  <a14:useLocalDpi xmlns:a14="http://schemas.microsoft.com/office/drawing/2010/main" val="0"/>
-                </a:ext>
-              </a:extLst>
-            </a:blip>
-            <a:srcRect/>
-            <a:stretch>
-              <a:fillRect l="-1443" t="-16010" r="-22198"/>
-            </a:stretch>
-          </a:blipFill>
-        </p:spPr>
-        <p:style>
-          <a:lnRef idx="2">
-            <a:schemeClr val="accent1">
-              <a:shade val="50000"/>
-            </a:schemeClr>
-          </a:lnRef>
-          <a:fillRef idx="1">
-            <a:schemeClr val="accent1"/>
-          </a:fillRef>
-          <a:effectRef idx="0">
-            <a:schemeClr val="accent1"/>
-          </a:effectRef>
-          <a:fontRef idx="minor">
-            <a:schemeClr val="lt1"/>
-          </a:fontRef>
-        </p:style>
-        <p:txBody>
-          <a:bodyPr rtlCol="0" anchor="ctr"/>
-          <a:lstStyle/>
-          <a:p>
-            <a:pPr algn="ctr"/>
-            <a:endParaRPr kumimoji="1" lang="zh-CN" altLang="en-US"/>
-          </a:p>
-        </p:txBody>
-      </p:sp>
-      <p:cxnSp>
-        <p:nvCxnSpPr>
-          <p:cNvPr id="102" name="肘形连接符 101">
-            <a:extLst>
-              <a:ext uri="{FF2B5EF4-FFF2-40B4-BE49-F238E27FC236}">
-                <a16:creationId xmlns:a16="http://schemas.microsoft.com/office/drawing/2014/main" id="{ED1F92A0-A71E-A366-9575-1DE9D03B289E}"/>
-              </a:ext>
-            </a:extLst>
-          </p:cNvPr>
-          <p:cNvCxnSpPr>
-            <a:cxnSpLocks/>
-            <a:stCxn id="34" idx="0"/>
-          </p:cNvCxnSpPr>
-          <p:nvPr/>
-        </p:nvCxnSpPr>
-        <p:spPr>
-          <a:xfrm rot="5400000" flipH="1" flipV="1">
-            <a:off x="7410147" y="1965955"/>
-            <a:ext cx="2400920" cy="2011013"/>
-          </a:xfrm>
-          <a:prstGeom prst="bentConnector3">
-            <a:avLst>
-              <a:gd name="adj1" fmla="val 50000"/>
-            </a:avLst>
-          </a:prstGeom>
-          <a:ln w="25400">
-            <a:solidFill>
-              <a:schemeClr val="accent2"/>
-            </a:solidFill>
-            <a:prstDash val="dash"/>
-            <a:headEnd type="triangle"/>
-            <a:tailEnd type="triangle"/>
-          </a:ln>
-        </p:spPr>
-        <p:style>
-          <a:lnRef idx="1">
-            <a:schemeClr val="accent1"/>
-          </a:lnRef>
-          <a:fillRef idx="0">
-            <a:schemeClr val="accent1"/>
-          </a:fillRef>
-          <a:effectRef idx="0">
-            <a:schemeClr val="accent1"/>
-          </a:effectRef>
-          <a:fontRef idx="minor">
-            <a:schemeClr val="tx1"/>
-          </a:fontRef>
-        </p:style>
-      </p:cxnSp>
-      <p:cxnSp>
-        <p:nvCxnSpPr>
-          <p:cNvPr id="108" name="肘形连接符 107">
-            <a:extLst>
-              <a:ext uri="{FF2B5EF4-FFF2-40B4-BE49-F238E27FC236}">
-                <a16:creationId xmlns:a16="http://schemas.microsoft.com/office/drawing/2014/main" id="{E47C8058-2211-0E70-B980-38323AE2E2E5}"/>
-              </a:ext>
-            </a:extLst>
-          </p:cNvPr>
-          <p:cNvCxnSpPr>
-            <a:cxnSpLocks/>
-            <a:stCxn id="116" idx="1"/>
-          </p:cNvCxnSpPr>
-          <p:nvPr/>
-        </p:nvCxnSpPr>
-        <p:spPr>
-          <a:xfrm rot="10800000" flipV="1">
-            <a:off x="897070" y="2041736"/>
-            <a:ext cx="5379676" cy="3431283"/>
-          </a:xfrm>
-          <a:prstGeom prst="bentConnector3">
-            <a:avLst>
-              <a:gd name="adj1" fmla="val 104249"/>
-            </a:avLst>
-          </a:prstGeom>
-          <a:ln w="19050">
-            <a:prstDash val="lgDash"/>
-            <a:headEnd type="triangle"/>
-            <a:tailEnd type="triangle"/>
-          </a:ln>
-        </p:spPr>
-        <p:style>
-          <a:lnRef idx="1">
-            <a:schemeClr val="accent1"/>
-          </a:lnRef>
-          <a:fillRef idx="0">
-            <a:schemeClr val="accent1"/>
-          </a:fillRef>
-          <a:effectRef idx="0">
-            <a:schemeClr val="accent1"/>
-          </a:effectRef>
-          <a:fontRef idx="minor">
-            <a:schemeClr val="tx1"/>
-          </a:fontRef>
-        </p:style>
-      </p:cxnSp>
-      <p:sp>
-        <p:nvSpPr>
-          <p:cNvPr id="115" name="矩形 114">
-            <a:extLst>
-              <a:ext uri="{FF2B5EF4-FFF2-40B4-BE49-F238E27FC236}">
-                <a16:creationId xmlns:a16="http://schemas.microsoft.com/office/drawing/2014/main" id="{2D23A697-EF82-3772-12F6-7300A9DC8626}"/>
-              </a:ext>
-            </a:extLst>
-          </p:cNvPr>
-          <p:cNvSpPr/>
-          <p:nvPr/>
-        </p:nvSpPr>
-        <p:spPr>
-          <a:xfrm>
-            <a:off x="6276746" y="1799922"/>
-            <a:ext cx="181997" cy="130947"/>
-          </a:xfrm>
-          <a:prstGeom prst="rect">
-            <a:avLst/>
-          </a:prstGeom>
-          <a:gradFill flip="none" rotWithShape="1">
-            <a:gsLst>
-              <a:gs pos="0">
-                <a:schemeClr val="accent1">
-                  <a:lumMod val="0"/>
-                  <a:lumOff val="100000"/>
-                </a:schemeClr>
-              </a:gs>
-              <a:gs pos="15000">
-                <a:schemeClr val="accent1">
-                  <a:lumMod val="0"/>
-                  <a:lumOff val="100000"/>
-                </a:schemeClr>
-              </a:gs>
-              <a:gs pos="100000">
-                <a:schemeClr val="accent1">
-                  <a:lumMod val="100000"/>
-                </a:schemeClr>
-              </a:gs>
-            </a:gsLst>
-            <a:path path="circle">
-              <a:fillToRect l="50000" t="-80000" r="50000" b="180000"/>
-            </a:path>
-            <a:tileRect/>
-          </a:gradFill>
-        </p:spPr>
-        <p:style>
-          <a:lnRef idx="2">
-            <a:schemeClr val="accent1">
-              <a:shade val="50000"/>
-            </a:schemeClr>
-          </a:lnRef>
-          <a:fillRef idx="1">
-            <a:schemeClr val="accent1"/>
-          </a:fillRef>
-          <a:effectRef idx="0">
-            <a:schemeClr val="accent1"/>
-          </a:effectRef>
-          <a:fontRef idx="minor">
-            <a:schemeClr val="lt1"/>
-          </a:fontRef>
-        </p:style>
-        <p:txBody>
-          <a:bodyPr rtlCol="0" anchor="ctr"/>
-          <a:lstStyle/>
-          <a:p>
-            <a:pPr algn="ctr"/>
-            <a:endParaRPr kumimoji="1" lang="zh-CN" altLang="en-US">
-              <a:solidFill>
-                <a:srgbClr val="FF0000"/>
-              </a:solidFill>
-            </a:endParaRPr>
-          </a:p>
-        </p:txBody>
-      </p:sp>
-      <p:sp>
-        <p:nvSpPr>
-          <p:cNvPr id="116" name="矩形 115">
-            <a:extLst>
-              <a:ext uri="{FF2B5EF4-FFF2-40B4-BE49-F238E27FC236}">
-                <a16:creationId xmlns:a16="http://schemas.microsoft.com/office/drawing/2014/main" id="{AED455DB-F5C8-95FB-A734-A9B78C4337A0}"/>
-              </a:ext>
-            </a:extLst>
-          </p:cNvPr>
-          <p:cNvSpPr/>
-          <p:nvPr/>
-        </p:nvSpPr>
-        <p:spPr>
-          <a:xfrm>
-            <a:off x="6276746" y="1976263"/>
-            <a:ext cx="181997" cy="130947"/>
-          </a:xfrm>
-          <a:prstGeom prst="rect">
-            <a:avLst/>
-          </a:prstGeom>
-          <a:gradFill flip="none" rotWithShape="1">
-            <a:gsLst>
-              <a:gs pos="0">
-                <a:schemeClr val="accent1">
-                  <a:lumMod val="0"/>
-                  <a:lumOff val="100000"/>
-                </a:schemeClr>
-              </a:gs>
-              <a:gs pos="15000">
-                <a:schemeClr val="accent1">
-                  <a:lumMod val="0"/>
-                  <a:lumOff val="100000"/>
-                </a:schemeClr>
-              </a:gs>
-              <a:gs pos="100000">
-                <a:schemeClr val="accent1">
-                  <a:lumMod val="100000"/>
-                </a:schemeClr>
-              </a:gs>
-            </a:gsLst>
-            <a:path path="circle">
-              <a:fillToRect l="50000" t="-80000" r="50000" b="180000"/>
-            </a:path>
-            <a:tileRect/>
-          </a:gradFill>
-        </p:spPr>
-        <p:style>
-          <a:lnRef idx="2">
-            <a:schemeClr val="accent1">
-              <a:shade val="50000"/>
-            </a:schemeClr>
-          </a:lnRef>
-          <a:fillRef idx="1">
-            <a:schemeClr val="accent1"/>
-          </a:fillRef>
-          <a:effectRef idx="0">
-            <a:schemeClr val="accent1"/>
-          </a:effectRef>
-          <a:fontRef idx="minor">
-            <a:schemeClr val="lt1"/>
-          </a:fontRef>
-        </p:style>
-        <p:txBody>
-          <a:bodyPr rtlCol="0" anchor="ctr"/>
-          <a:lstStyle/>
-          <a:p>
-            <a:pPr algn="ctr"/>
-            <a:endParaRPr kumimoji="1" lang="zh-CN" altLang="en-US"/>
-          </a:p>
-        </p:txBody>
-      </p:sp>
-      <p:sp>
-        <p:nvSpPr>
-          <p:cNvPr id="117" name="矩形 116">
-            <a:extLst>
-              <a:ext uri="{FF2B5EF4-FFF2-40B4-BE49-F238E27FC236}">
-                <a16:creationId xmlns:a16="http://schemas.microsoft.com/office/drawing/2014/main" id="{A38A37D9-7F89-84B7-C1E8-6929D6711747}"/>
-              </a:ext>
-            </a:extLst>
-          </p:cNvPr>
-          <p:cNvSpPr/>
-          <p:nvPr/>
-        </p:nvSpPr>
-        <p:spPr>
-          <a:xfrm>
-            <a:off x="6276746" y="2152605"/>
-            <a:ext cx="181997" cy="130947"/>
-          </a:xfrm>
-          <a:prstGeom prst="rect">
-            <a:avLst/>
-          </a:prstGeom>
-          <a:gradFill flip="none" rotWithShape="1">
-            <a:gsLst>
-              <a:gs pos="0">
-                <a:schemeClr val="accent1">
-                  <a:lumMod val="0"/>
-                  <a:lumOff val="100000"/>
-                </a:schemeClr>
-              </a:gs>
-              <a:gs pos="15000">
-                <a:schemeClr val="accent1">
-                  <a:lumMod val="0"/>
-                  <a:lumOff val="100000"/>
-                </a:schemeClr>
-              </a:gs>
-              <a:gs pos="100000">
-                <a:schemeClr val="accent1">
-                  <a:lumMod val="100000"/>
-                </a:schemeClr>
-              </a:gs>
-            </a:gsLst>
-            <a:path path="circle">
-              <a:fillToRect l="50000" t="-80000" r="50000" b="180000"/>
-            </a:path>
-            <a:tileRect/>
-          </a:gradFill>
-        </p:spPr>
-        <p:style>
-          <a:lnRef idx="2">
-            <a:schemeClr val="accent1">
-              <a:shade val="50000"/>
-            </a:schemeClr>
-          </a:lnRef>
-          <a:fillRef idx="1">
-            <a:schemeClr val="accent1"/>
-          </a:fillRef>
-          <a:effectRef idx="0">
-            <a:schemeClr val="accent1"/>
-          </a:effectRef>
-          <a:fontRef idx="minor">
-            <a:schemeClr val="lt1"/>
-          </a:fontRef>
-        </p:style>
-        <p:txBody>
-          <a:bodyPr rtlCol="0" anchor="ctr"/>
-          <a:lstStyle/>
-          <a:p>
-            <a:pPr algn="ctr"/>
-            <a:endParaRPr kumimoji="1" lang="zh-CN" altLang="en-US"/>
-          </a:p>
-        </p:txBody>
-      </p:sp>
-      <p:sp>
-        <p:nvSpPr>
-          <p:cNvPr id="118" name="矩形 117">
-            <a:extLst>
-              <a:ext uri="{FF2B5EF4-FFF2-40B4-BE49-F238E27FC236}">
-                <a16:creationId xmlns:a16="http://schemas.microsoft.com/office/drawing/2014/main" id="{8D147F84-7307-A9F7-5C6A-418CBAB9159E}"/>
-              </a:ext>
-            </a:extLst>
-          </p:cNvPr>
-          <p:cNvSpPr/>
-          <p:nvPr/>
-        </p:nvSpPr>
-        <p:spPr>
-          <a:xfrm>
-            <a:off x="6276746" y="2328946"/>
-            <a:ext cx="181997" cy="130947"/>
-          </a:xfrm>
-          <a:prstGeom prst="rect">
-            <a:avLst/>
-          </a:prstGeom>
-          <a:gradFill flip="none" rotWithShape="1">
-            <a:gsLst>
-              <a:gs pos="0">
-                <a:schemeClr val="accent1">
-                  <a:lumMod val="0"/>
-                  <a:lumOff val="100000"/>
-                </a:schemeClr>
-              </a:gs>
-              <a:gs pos="15000">
-                <a:schemeClr val="accent1">
-                  <a:lumMod val="0"/>
-                  <a:lumOff val="100000"/>
-                </a:schemeClr>
-              </a:gs>
-              <a:gs pos="100000">
-                <a:schemeClr val="accent1">
-                  <a:lumMod val="100000"/>
-                </a:schemeClr>
-              </a:gs>
-            </a:gsLst>
-            <a:path path="circle">
-              <a:fillToRect l="50000" t="-80000" r="50000" b="180000"/>
-            </a:path>
-            <a:tileRect/>
-          </a:gradFill>
-        </p:spPr>
-        <p:style>
-          <a:lnRef idx="2">
-            <a:schemeClr val="accent1">
-              <a:shade val="50000"/>
-            </a:schemeClr>
-          </a:lnRef>
-          <a:fillRef idx="1">
-            <a:schemeClr val="accent1"/>
-          </a:fillRef>
-          <a:effectRef idx="0">
-            <a:schemeClr val="accent1"/>
-          </a:effectRef>
-          <a:fontRef idx="minor">
-            <a:schemeClr val="lt1"/>
-          </a:fontRef>
-        </p:style>
-        <p:txBody>
-          <a:bodyPr rtlCol="0" anchor="ctr"/>
-          <a:lstStyle/>
-          <a:p>
-            <a:pPr algn="ctr"/>
-            <a:endParaRPr kumimoji="1" lang="zh-CN" altLang="en-US"/>
-          </a:p>
-        </p:txBody>
-      </p:sp>
-      <p:sp>
-        <p:nvSpPr>
-          <p:cNvPr id="119" name="文本框 118">
-            <a:extLst>
-              <a:ext uri="{FF2B5EF4-FFF2-40B4-BE49-F238E27FC236}">
-                <a16:creationId xmlns:a16="http://schemas.microsoft.com/office/drawing/2014/main" id="{D1EB56E9-9B77-E452-9C14-52DBECF8F60D}"/>
-              </a:ext>
-            </a:extLst>
-          </p:cNvPr>
-          <p:cNvSpPr txBox="1"/>
-          <p:nvPr/>
-        </p:nvSpPr>
-        <p:spPr>
-          <a:xfrm>
-            <a:off x="6582584" y="1864211"/>
-            <a:ext cx="1805766" cy="335853"/>
-          </a:xfrm>
-          <a:prstGeom prst="rect">
-            <a:avLst/>
-          </a:prstGeom>
-          <a:noFill/>
-        </p:spPr>
-        <p:txBody>
-          <a:bodyPr wrap="square">
-            <a:spAutoFit/>
-          </a:bodyPr>
-          <a:lstStyle/>
-          <a:p>
-            <a:r>
-              <a:rPr kumimoji="1" lang="en-US" altLang="zh-CN" sz="2400" dirty="0" err="1"/>
-              <a:t>Z</a:t>
-            </a:r>
-            <a:r>
-              <a:rPr kumimoji="1" lang="en-US" altLang="zh-CN" sz="2400" baseline="-25000" dirty="0" err="1"/>
-              <a:t>content_control</a:t>
-            </a:r>
-            <a:endParaRPr kumimoji="1" lang="zh-CN" altLang="en-US" sz="2400" baseline="-25000" dirty="0"/>
-          </a:p>
-        </p:txBody>
-      </p:sp>
-      <p:grpSp>
-        <p:nvGrpSpPr>
-          <p:cNvPr id="122" name="组合 121">
-            <a:extLst>
-              <a:ext uri="{FF2B5EF4-FFF2-40B4-BE49-F238E27FC236}">
-                <a16:creationId xmlns:a16="http://schemas.microsoft.com/office/drawing/2014/main" id="{F6B79FC1-1C1E-CA30-97D4-AACB10ABF8FD}"/>
-              </a:ext>
-            </a:extLst>
-          </p:cNvPr>
-          <p:cNvGrpSpPr/>
-          <p:nvPr/>
-        </p:nvGrpSpPr>
-        <p:grpSpPr>
-          <a:xfrm>
-            <a:off x="1171614" y="2260867"/>
-            <a:ext cx="1853383" cy="987466"/>
-            <a:chOff x="1171325" y="2047872"/>
-            <a:chExt cx="1853383" cy="987466"/>
-          </a:xfrm>
-        </p:grpSpPr>
-        <p:sp>
-          <p:nvSpPr>
-            <p:cNvPr id="13" name="椭圆 12">
-              <a:extLst>
-                <a:ext uri="{FF2B5EF4-FFF2-40B4-BE49-F238E27FC236}">
-                  <a16:creationId xmlns:a16="http://schemas.microsoft.com/office/drawing/2014/main" id="{488C4366-BCEA-2985-6710-444248FA18C5}"/>
-                </a:ext>
-              </a:extLst>
-            </p:cNvPr>
-            <p:cNvSpPr/>
-            <p:nvPr/>
-          </p:nvSpPr>
-          <p:spPr>
-            <a:xfrm>
-              <a:off x="1171325" y="2047872"/>
-              <a:ext cx="1853383" cy="987466"/>
-            </a:xfrm>
-            <a:prstGeom prst="ellipse">
-              <a:avLst/>
-            </a:prstGeom>
-            <a:blipFill dpi="0" rotWithShape="1">
-              <a:blip r:embed="rId3">
-                <a:extLst>
-                  <a:ext uri="{28A0092B-C50C-407E-A947-70E740481C1C}">
-                    <a14:useLocalDpi xmlns:a14="http://schemas.microsoft.com/office/drawing/2010/main" val="0"/>
-                  </a:ext>
-                </a:extLst>
-              </a:blip>
-              <a:srcRect/>
-              <a:stretch>
-                <a:fillRect l="-1443" t="-16010" r="-22198"/>
-              </a:stretch>
-            </a:blipFill>
-          </p:spPr>
-          <p:style>
-            <a:lnRef idx="2">
-              <a:schemeClr val="accent1">
-                <a:shade val="50000"/>
-              </a:schemeClr>
-            </a:lnRef>
-            <a:fillRef idx="1">
-              <a:schemeClr val="accent1"/>
-            </a:fillRef>
-            <a:effectRef idx="0">
-              <a:schemeClr val="accent1"/>
-            </a:effectRef>
-            <a:fontRef idx="minor">
-              <a:schemeClr val="lt1"/>
-            </a:fontRef>
-          </p:style>
-          <p:txBody>
-            <a:bodyPr rtlCol="0" anchor="ctr"/>
-            <a:lstStyle/>
-            <a:p>
-              <a:pPr algn="ctr"/>
-              <a:endParaRPr kumimoji="1" lang="zh-CN" altLang="en-US"/>
-            </a:p>
-          </p:txBody>
-        </p:sp>
-        <p:sp>
-          <p:nvSpPr>
-            <p:cNvPr id="72" name="文本框 71">
-              <a:extLst>
-                <a:ext uri="{FF2B5EF4-FFF2-40B4-BE49-F238E27FC236}">
-                  <a16:creationId xmlns:a16="http://schemas.microsoft.com/office/drawing/2014/main" id="{5314B7BE-55F5-C257-DD73-97E0ECAFE213}"/>
-                </a:ext>
-              </a:extLst>
-            </p:cNvPr>
-            <p:cNvSpPr txBox="1"/>
-            <p:nvPr/>
-          </p:nvSpPr>
-          <p:spPr>
-            <a:xfrm>
-              <a:off x="1527114" y="2690877"/>
-              <a:ext cx="1244270" cy="338554"/>
-            </a:xfrm>
-            <a:prstGeom prst="rect">
-              <a:avLst/>
-            </a:prstGeom>
-            <a:noFill/>
-          </p:spPr>
-          <p:txBody>
-            <a:bodyPr wrap="square" rtlCol="0">
-              <a:spAutoFit/>
-            </a:bodyPr>
-            <a:lstStyle/>
-            <a:p>
-              <a:r>
-                <a:rPr kumimoji="1" lang="en-US" altLang="zh-CN" sz="1600" dirty="0"/>
-                <a:t>stimulated</a:t>
-              </a:r>
-              <a:endParaRPr kumimoji="1" lang="zh-CN" altLang="en-US" sz="1600" dirty="0"/>
-            </a:p>
-          </p:txBody>
-        </p:sp>
-      </p:grpSp>
-      <p:grpSp>
-        <p:nvGrpSpPr>
-          <p:cNvPr id="121" name="组合 120">
-            <a:extLst>
-              <a:ext uri="{FF2B5EF4-FFF2-40B4-BE49-F238E27FC236}">
-                <a16:creationId xmlns:a16="http://schemas.microsoft.com/office/drawing/2014/main" id="{F0D6D590-E0E9-4266-1879-60E12CC4841B}"/>
-              </a:ext>
-            </a:extLst>
-          </p:cNvPr>
-          <p:cNvGrpSpPr/>
-          <p:nvPr/>
-        </p:nvGrpSpPr>
-        <p:grpSpPr>
-          <a:xfrm>
-            <a:off x="1137111" y="3373690"/>
-            <a:ext cx="1853383" cy="1055453"/>
-            <a:chOff x="1117595" y="3900572"/>
-            <a:chExt cx="1853383" cy="1055453"/>
-          </a:xfrm>
-        </p:grpSpPr>
-        <p:sp>
-          <p:nvSpPr>
-            <p:cNvPr id="94" name="椭圆 93">
-              <a:extLst>
-                <a:ext uri="{FF2B5EF4-FFF2-40B4-BE49-F238E27FC236}">
-                  <a16:creationId xmlns:a16="http://schemas.microsoft.com/office/drawing/2014/main" id="{15CB5189-69B0-7890-75CB-E25765F8DD5B}"/>
-                </a:ext>
-              </a:extLst>
-            </p:cNvPr>
-            <p:cNvSpPr/>
-            <p:nvPr/>
-          </p:nvSpPr>
-          <p:spPr>
-            <a:xfrm>
-              <a:off x="1117595" y="3916165"/>
-              <a:ext cx="1853383" cy="1039860"/>
-            </a:xfrm>
-            <a:prstGeom prst="ellipse">
-              <a:avLst/>
-            </a:prstGeom>
-            <a:blipFill dpi="0" rotWithShape="1">
-              <a:blip r:embed="rId2">
-                <a:extLst>
-                  <a:ext uri="{28A0092B-C50C-407E-A947-70E740481C1C}">
-                    <a14:useLocalDpi xmlns:a14="http://schemas.microsoft.com/office/drawing/2010/main" val="0"/>
-                  </a:ext>
-                </a:extLst>
-              </a:blip>
-              <a:srcRect/>
-              <a:stretch>
-                <a:fillRect l="-2247" t="-16126" r="-21548" b="1630"/>
-              </a:stretch>
-            </a:blipFill>
-          </p:spPr>
-          <p:style>
-            <a:lnRef idx="2">
-              <a:schemeClr val="accent1">
-                <a:shade val="50000"/>
-              </a:schemeClr>
-            </a:lnRef>
-            <a:fillRef idx="1">
-              <a:schemeClr val="accent1"/>
-            </a:fillRef>
-            <a:effectRef idx="0">
-              <a:schemeClr val="accent1"/>
-            </a:effectRef>
-            <a:fontRef idx="minor">
-              <a:schemeClr val="lt1"/>
-            </a:fontRef>
-          </p:style>
-          <p:txBody>
-            <a:bodyPr rtlCol="0" anchor="ctr"/>
-            <a:lstStyle/>
-            <a:p>
-              <a:pPr algn="ctr"/>
-              <a:endParaRPr kumimoji="1" lang="zh-CN" altLang="en-US"/>
-            </a:p>
-          </p:txBody>
-        </p:sp>
-        <p:sp>
-          <p:nvSpPr>
-            <p:cNvPr id="73" name="文本框 72">
-              <a:extLst>
-                <a:ext uri="{FF2B5EF4-FFF2-40B4-BE49-F238E27FC236}">
-                  <a16:creationId xmlns:a16="http://schemas.microsoft.com/office/drawing/2014/main" id="{6B8988A6-CC65-B308-FB60-89C3D9D53224}"/>
-                </a:ext>
-              </a:extLst>
-            </p:cNvPr>
-            <p:cNvSpPr txBox="1"/>
-            <p:nvPr/>
-          </p:nvSpPr>
-          <p:spPr>
-            <a:xfrm>
-              <a:off x="1656264" y="3900572"/>
-              <a:ext cx="962123" cy="338554"/>
-            </a:xfrm>
-            <a:prstGeom prst="rect">
-              <a:avLst/>
-            </a:prstGeom>
-            <a:noFill/>
-          </p:spPr>
-          <p:txBody>
-            <a:bodyPr wrap="square" rtlCol="0">
-              <a:spAutoFit/>
-            </a:bodyPr>
-            <a:lstStyle/>
-            <a:p>
-              <a:r>
-                <a:rPr kumimoji="1" lang="en-US" altLang="zh-CN" sz="1600" dirty="0"/>
-                <a:t>control</a:t>
-              </a:r>
-              <a:endParaRPr kumimoji="1" lang="zh-CN" altLang="en-US" sz="1600" dirty="0"/>
-            </a:p>
-          </p:txBody>
-        </p:sp>
-      </p:grpSp>
-      <p:cxnSp>
-        <p:nvCxnSpPr>
-          <p:cNvPr id="128" name="肘形连接符 127">
-            <a:extLst>
-              <a:ext uri="{FF2B5EF4-FFF2-40B4-BE49-F238E27FC236}">
-                <a16:creationId xmlns:a16="http://schemas.microsoft.com/office/drawing/2014/main" id="{509F55A9-1F29-E363-7D10-1D8650420688}"/>
-              </a:ext>
-            </a:extLst>
-          </p:cNvPr>
-          <p:cNvCxnSpPr>
-            <a:cxnSpLocks/>
-            <a:stCxn id="13" idx="6"/>
-          </p:cNvCxnSpPr>
-          <p:nvPr/>
-        </p:nvCxnSpPr>
-        <p:spPr>
-          <a:xfrm>
-            <a:off x="3024997" y="2754600"/>
-            <a:ext cx="508555" cy="591492"/>
-          </a:xfrm>
-          <a:prstGeom prst="bentConnector2">
-            <a:avLst/>
-          </a:prstGeom>
-          <a:ln w="22225"/>
-        </p:spPr>
-        <p:style>
-          <a:lnRef idx="1">
-            <a:schemeClr val="accent1"/>
-          </a:lnRef>
-          <a:fillRef idx="0">
-            <a:schemeClr val="accent1"/>
-          </a:fillRef>
-          <a:effectRef idx="0">
-            <a:schemeClr val="accent1"/>
-          </a:effectRef>
-          <a:fontRef idx="minor">
-            <a:schemeClr val="tx1"/>
-          </a:fontRef>
-        </p:style>
-      </p:cxnSp>
-      <p:cxnSp>
-        <p:nvCxnSpPr>
-          <p:cNvPr id="132" name="肘形连接符 131">
-            <a:extLst>
-              <a:ext uri="{FF2B5EF4-FFF2-40B4-BE49-F238E27FC236}">
-                <a16:creationId xmlns:a16="http://schemas.microsoft.com/office/drawing/2014/main" id="{E25A98BF-4BFC-8CD8-6605-952A2ABBA758}"/>
-              </a:ext>
-            </a:extLst>
-          </p:cNvPr>
-          <p:cNvCxnSpPr>
-            <a:cxnSpLocks/>
-            <a:stCxn id="94" idx="6"/>
-          </p:cNvCxnSpPr>
-          <p:nvPr/>
-        </p:nvCxnSpPr>
-        <p:spPr>
-          <a:xfrm flipV="1">
-            <a:off x="2990494" y="3345453"/>
-            <a:ext cx="543600" cy="563760"/>
-          </a:xfrm>
-          <a:prstGeom prst="bentConnector2">
-            <a:avLst/>
-          </a:prstGeom>
-          <a:ln w="22225"/>
-        </p:spPr>
-        <p:style>
-          <a:lnRef idx="1">
-            <a:schemeClr val="accent1"/>
-          </a:lnRef>
-          <a:fillRef idx="0">
-            <a:schemeClr val="accent1"/>
-          </a:fillRef>
-          <a:effectRef idx="0">
-            <a:schemeClr val="accent1"/>
-          </a:effectRef>
-          <a:fontRef idx="minor">
-            <a:schemeClr val="tx1"/>
-          </a:fontRef>
-        </p:style>
-      </p:cxnSp>
-      <p:sp>
-        <p:nvSpPr>
-          <p:cNvPr id="62" name="文本框 61">
-            <a:extLst>
-              <a:ext uri="{FF2B5EF4-FFF2-40B4-BE49-F238E27FC236}">
-                <a16:creationId xmlns:a16="http://schemas.microsoft.com/office/drawing/2014/main" id="{7FDAE9BD-3975-8968-B6C1-BF00840F0F7F}"/>
-              </a:ext>
-            </a:extLst>
-          </p:cNvPr>
-          <p:cNvSpPr txBox="1"/>
-          <p:nvPr/>
-        </p:nvSpPr>
-        <p:spPr>
-          <a:xfrm>
-            <a:off x="9095486" y="1283115"/>
-            <a:ext cx="994362" cy="369219"/>
-          </a:xfrm>
-          <a:prstGeom prst="rect">
-            <a:avLst/>
-          </a:prstGeom>
-          <a:noFill/>
-        </p:spPr>
-        <p:txBody>
-          <a:bodyPr wrap="square">
-            <a:spAutoFit/>
-          </a:bodyPr>
-          <a:lstStyle/>
-          <a:p>
-            <a:r>
-              <a:rPr kumimoji="1" lang="en-US" altLang="zh-CN" sz="2400" dirty="0" err="1"/>
-              <a:t>Z</a:t>
-            </a:r>
-            <a:r>
-              <a:rPr kumimoji="1" lang="en-US" altLang="zh-CN" sz="2400" baseline="-25000" dirty="0" err="1"/>
-              <a:t>predict</a:t>
-            </a:r>
-            <a:endParaRPr kumimoji="1" lang="zh-CN" altLang="en-US" sz="2400" baseline="-25000" dirty="0"/>
-          </a:p>
-        </p:txBody>
-      </p:sp>
-      <p:sp>
-        <p:nvSpPr>
-          <p:cNvPr id="34" name="文本框 33">
-            <a:extLst>
-              <a:ext uri="{FF2B5EF4-FFF2-40B4-BE49-F238E27FC236}">
-                <a16:creationId xmlns:a16="http://schemas.microsoft.com/office/drawing/2014/main" id="{80174827-EC4A-2FDD-20FE-36C67D5E9A32}"/>
-              </a:ext>
-            </a:extLst>
-          </p:cNvPr>
-          <p:cNvSpPr txBox="1"/>
-          <p:nvPr/>
-        </p:nvSpPr>
-        <p:spPr>
-          <a:xfrm>
-            <a:off x="6575011" y="4171921"/>
-            <a:ext cx="2060179" cy="369219"/>
-          </a:xfrm>
-          <a:prstGeom prst="rect">
-            <a:avLst/>
-          </a:prstGeom>
-          <a:noFill/>
-        </p:spPr>
-        <p:txBody>
-          <a:bodyPr wrap="square" rtlCol="0">
-            <a:spAutoFit/>
-          </a:bodyPr>
-          <a:lstStyle/>
-          <a:p>
-            <a:r>
-              <a:rPr kumimoji="1" lang="en-US" altLang="zh-CN" sz="2400" dirty="0" err="1"/>
-              <a:t>Z</a:t>
-            </a:r>
-            <a:r>
-              <a:rPr kumimoji="1" lang="en-US" altLang="zh-CN" sz="2400" baseline="-25000" dirty="0" err="1"/>
-              <a:t>content_Stimulated</a:t>
-            </a:r>
-            <a:endParaRPr kumimoji="1" lang="zh-CN" altLang="en-US" sz="2400" baseline="-25000" dirty="0"/>
-          </a:p>
-        </p:txBody>
-      </p:sp>
-      <p:cxnSp>
-        <p:nvCxnSpPr>
-          <p:cNvPr id="146" name="直线连接符 145">
-            <a:extLst>
-              <a:ext uri="{FF2B5EF4-FFF2-40B4-BE49-F238E27FC236}">
-                <a16:creationId xmlns:a16="http://schemas.microsoft.com/office/drawing/2014/main" id="{9B024A07-4103-EFD6-4AEA-42E9C33CCE7D}"/>
-              </a:ext>
-            </a:extLst>
-          </p:cNvPr>
-          <p:cNvCxnSpPr/>
-          <p:nvPr/>
-        </p:nvCxnSpPr>
-        <p:spPr>
-          <a:xfrm>
-            <a:off x="5259176" y="3329859"/>
-            <a:ext cx="540000" cy="0"/>
-          </a:xfrm>
-          <a:prstGeom prst="line">
-            <a:avLst/>
-          </a:prstGeom>
-          <a:ln w="25400"/>
-        </p:spPr>
-        <p:style>
-          <a:lnRef idx="1">
-            <a:schemeClr val="accent1"/>
-          </a:lnRef>
-          <a:fillRef idx="0">
-            <a:schemeClr val="accent1"/>
-          </a:fillRef>
-          <a:effectRef idx="0">
-            <a:schemeClr val="accent1"/>
-          </a:effectRef>
-          <a:fontRef idx="minor">
-            <a:schemeClr val="tx1"/>
-          </a:fontRef>
-        </p:style>
-      </p:cxnSp>
-      <p:cxnSp>
-        <p:nvCxnSpPr>
-          <p:cNvPr id="150" name="肘形连接符 149">
-            <a:extLst>
-              <a:ext uri="{FF2B5EF4-FFF2-40B4-BE49-F238E27FC236}">
-                <a16:creationId xmlns:a16="http://schemas.microsoft.com/office/drawing/2014/main" id="{D654D1B8-D864-9297-ED3C-A52D7574A127}"/>
-              </a:ext>
-            </a:extLst>
-          </p:cNvPr>
-          <p:cNvCxnSpPr>
-            <a:cxnSpLocks/>
-          </p:cNvCxnSpPr>
-          <p:nvPr/>
-        </p:nvCxnSpPr>
-        <p:spPr>
-          <a:xfrm rot="16200000" flipH="1">
-            <a:off x="5460179" y="3647715"/>
-            <a:ext cx="1047811" cy="369817"/>
-          </a:xfrm>
-          <a:prstGeom prst="bentConnector2">
-            <a:avLst/>
-          </a:prstGeom>
-          <a:ln w="19050">
-            <a:tailEnd type="triangle"/>
-          </a:ln>
-        </p:spPr>
-        <p:style>
-          <a:lnRef idx="1">
-            <a:schemeClr val="accent1"/>
-          </a:lnRef>
-          <a:fillRef idx="0">
-            <a:schemeClr val="accent1"/>
-          </a:fillRef>
-          <a:effectRef idx="0">
-            <a:schemeClr val="accent1"/>
-          </a:effectRef>
-          <a:fontRef idx="minor">
-            <a:schemeClr val="tx1"/>
-          </a:fontRef>
-        </p:style>
-      </p:cxnSp>
-      <p:cxnSp>
-        <p:nvCxnSpPr>
-          <p:cNvPr id="158" name="肘形连接符 157">
-            <a:extLst>
-              <a:ext uri="{FF2B5EF4-FFF2-40B4-BE49-F238E27FC236}">
-                <a16:creationId xmlns:a16="http://schemas.microsoft.com/office/drawing/2014/main" id="{A33E6984-74D1-F8DF-F210-F8A650E4FB48}"/>
-              </a:ext>
-            </a:extLst>
-          </p:cNvPr>
-          <p:cNvCxnSpPr>
-            <a:cxnSpLocks/>
-            <a:endCxn id="117" idx="1"/>
-          </p:cNvCxnSpPr>
-          <p:nvPr/>
-        </p:nvCxnSpPr>
-        <p:spPr>
-          <a:xfrm rot="5400000" flipH="1" flipV="1">
-            <a:off x="5478272" y="2538984"/>
-            <a:ext cx="1119379" cy="477570"/>
-          </a:xfrm>
-          <a:prstGeom prst="bentConnector2">
-            <a:avLst/>
-          </a:prstGeom>
-          <a:ln w="19050">
-            <a:tailEnd type="triangle"/>
-          </a:ln>
-        </p:spPr>
-        <p:style>
-          <a:lnRef idx="1">
-            <a:schemeClr val="accent1"/>
-          </a:lnRef>
-          <a:fillRef idx="0">
-            <a:schemeClr val="accent1"/>
-          </a:fillRef>
-          <a:effectRef idx="0">
-            <a:schemeClr val="accent1"/>
-          </a:effectRef>
-          <a:fontRef idx="minor">
-            <a:schemeClr val="tx1"/>
-          </a:fontRef>
-        </p:style>
-      </p:cxnSp>
-    </p:spTree>
-    <p:extLst>
-      <p:ext uri="{BB962C8B-B14F-4D97-AF65-F5344CB8AC3E}">
-        <p14:creationId xmlns:p14="http://schemas.microsoft.com/office/powerpoint/2010/main" val="1989855085"/>
-      </p:ext>
-    </p:extLst>
-  </p:cSld>
-  <p:clrMapOvr>
-    <a:masterClrMapping/>
-  </p:clrMapOvr>
-</p:sld>
-</file>
-
-<file path=ppt/slides/slide2.xml><?xml version="1.0" encoding="utf-8"?>
-<p:sld xmlns:a="http://schemas.openxmlformats.org/drawingml/2006/main" xmlns:r="http://schemas.openxmlformats.org/officeDocument/2006/relationships" xmlns:p="http://schemas.openxmlformats.org/presentationml/2006/main">
-  <p:cSld>
-    <p:spTree>
-      <p:nvGrpSpPr>
-        <p:cNvPr id="1" name=""/>
-        <p:cNvGrpSpPr/>
-        <p:nvPr/>
-      </p:nvGrpSpPr>
-      <p:grpSpPr>
-        <a:xfrm>
-          <a:off x="0" y="0"/>
-          <a:ext cx="0" cy="0"/>
-          <a:chOff x="0" y="0"/>
-          <a:chExt cx="0" cy="0"/>
-        </a:xfrm>
-      </p:grpSpPr>
-      <p:cxnSp>
-        <p:nvCxnSpPr>
-          <p:cNvPr id="15" name="直线箭头连接符 14">
-            <a:extLst>
-              <a:ext uri="{FF2B5EF4-FFF2-40B4-BE49-F238E27FC236}">
-                <a16:creationId xmlns:a16="http://schemas.microsoft.com/office/drawing/2014/main" id="{00B5E50B-1C48-8AF2-A583-D3E03134A3C2}"/>
-              </a:ext>
-            </a:extLst>
-          </p:cNvPr>
-          <p:cNvCxnSpPr>
-            <a:cxnSpLocks/>
-          </p:cNvCxnSpPr>
-          <p:nvPr/>
-        </p:nvCxnSpPr>
-        <p:spPr>
-          <a:xfrm>
-            <a:off x="2637739" y="1595270"/>
-            <a:ext cx="810000" cy="0"/>
-          </a:xfrm>
-          <a:prstGeom prst="straightConnector1">
-            <a:avLst/>
-          </a:prstGeom>
-          <a:ln w="25400">
-            <a:tailEnd type="triangle"/>
-          </a:ln>
-        </p:spPr>
-        <p:style>
-          <a:lnRef idx="1">
-            <a:schemeClr val="accent1"/>
-          </a:lnRef>
-          <a:fillRef idx="0">
-            <a:schemeClr val="accent1"/>
-          </a:fillRef>
-          <a:effectRef idx="0">
-            <a:schemeClr val="accent1"/>
-          </a:effectRef>
-          <a:fontRef idx="minor">
-            <a:schemeClr val="tx1"/>
-          </a:fontRef>
-        </p:style>
-      </p:cxnSp>
-      <p:sp>
-        <p:nvSpPr>
-          <p:cNvPr id="37" name="梯形 36">
-            <a:extLst>
-              <a:ext uri="{FF2B5EF4-FFF2-40B4-BE49-F238E27FC236}">
-                <a16:creationId xmlns:a16="http://schemas.microsoft.com/office/drawing/2014/main" id="{DECDBFCC-FBDF-407A-6769-A403E26006F7}"/>
-              </a:ext>
-            </a:extLst>
-          </p:cNvPr>
-          <p:cNvSpPr/>
-          <p:nvPr/>
-        </p:nvSpPr>
-        <p:spPr>
-          <a:xfrm rot="5400000">
-            <a:off x="3658550" y="1051147"/>
-            <a:ext cx="924564" cy="1088246"/>
-          </a:xfrm>
-          <a:prstGeom prst="trapezoid">
-            <a:avLst/>
-          </a:prstGeom>
-          <a:noFill/>
-          <a:ln w="38100">
-            <a:solidFill>
-              <a:schemeClr val="accent1"/>
-            </a:solidFill>
-          </a:ln>
-        </p:spPr>
-        <p:style>
-          <a:lnRef idx="2">
-            <a:schemeClr val="accent1">
-              <a:shade val="50000"/>
-            </a:schemeClr>
-          </a:lnRef>
-          <a:fillRef idx="1">
-            <a:schemeClr val="accent1"/>
-          </a:fillRef>
-          <a:effectRef idx="0">
-            <a:schemeClr val="accent1"/>
-          </a:effectRef>
-          <a:fontRef idx="minor">
-            <a:schemeClr val="lt1"/>
-          </a:fontRef>
-        </p:style>
-        <p:txBody>
-          <a:bodyPr rtlCol="0" anchor="ctr"/>
-          <a:lstStyle/>
-          <a:p>
-            <a:pPr algn="ctr"/>
-            <a:endParaRPr kumimoji="1" lang="zh-CN" altLang="en-US">
-              <a:ln w="0">
-                <a:solidFill>
-                  <a:sysClr val="windowText" lastClr="000000"/>
-                </a:solidFill>
-              </a:ln>
-              <a:solidFill>
-                <a:schemeClr val="tx1"/>
-              </a:solidFill>
-              <a:effectLst>
-                <a:outerShdw blurRad="50800" dist="38100" dir="2700000" algn="tl" rotWithShape="0">
-                  <a:prstClr val="black">
-                    <a:alpha val="40000"/>
-                  </a:prstClr>
-                </a:outerShdw>
-              </a:effectLst>
-            </a:endParaRPr>
-          </a:p>
-        </p:txBody>
-      </p:sp>
-      <p:sp>
-        <p:nvSpPr>
-          <p:cNvPr id="38" name="文本框 37">
-            <a:extLst>
-              <a:ext uri="{FF2B5EF4-FFF2-40B4-BE49-F238E27FC236}">
-                <a16:creationId xmlns:a16="http://schemas.microsoft.com/office/drawing/2014/main" id="{DEB31574-D34A-59A9-B086-5F501F790F48}"/>
-              </a:ext>
-            </a:extLst>
-          </p:cNvPr>
-          <p:cNvSpPr txBox="1"/>
-          <p:nvPr/>
-        </p:nvSpPr>
-        <p:spPr>
-          <a:xfrm>
-            <a:off x="3583451" y="1262757"/>
-            <a:ext cx="997389" cy="516907"/>
-          </a:xfrm>
-          <a:prstGeom prst="rect">
-            <a:avLst/>
-          </a:prstGeom>
-          <a:noFill/>
-        </p:spPr>
-        <p:txBody>
-          <a:bodyPr wrap="square" rtlCol="0">
-            <a:spAutoFit/>
-          </a:bodyPr>
-          <a:lstStyle/>
-          <a:p>
-            <a:pPr algn="ctr"/>
-            <a:r>
-              <a:rPr kumimoji="1" lang="en-US" altLang="zh-CN" dirty="0"/>
-              <a:t>Style</a:t>
-            </a:r>
-          </a:p>
-          <a:p>
-            <a:pPr algn="ctr"/>
-            <a:r>
-              <a:rPr kumimoji="1" lang="en-US" altLang="zh-CN" dirty="0"/>
-              <a:t>Encoder</a:t>
-            </a:r>
-            <a:endParaRPr kumimoji="1" lang="zh-CN" altLang="en-US" dirty="0"/>
-          </a:p>
-        </p:txBody>
-      </p:sp>
-      <p:cxnSp>
-        <p:nvCxnSpPr>
-          <p:cNvPr id="39" name="直线箭头连接符 38">
-            <a:extLst>
-              <a:ext uri="{FF2B5EF4-FFF2-40B4-BE49-F238E27FC236}">
-                <a16:creationId xmlns:a16="http://schemas.microsoft.com/office/drawing/2014/main" id="{E3A2E065-DA9F-1EEF-298A-9E9AF3E69D64}"/>
-              </a:ext>
-            </a:extLst>
-          </p:cNvPr>
-          <p:cNvCxnSpPr>
-            <a:cxnSpLocks/>
-          </p:cNvCxnSpPr>
-          <p:nvPr/>
-        </p:nvCxnSpPr>
-        <p:spPr>
-          <a:xfrm>
-            <a:off x="4792580" y="1608894"/>
-            <a:ext cx="810000" cy="0"/>
-          </a:xfrm>
-          <a:prstGeom prst="straightConnector1">
-            <a:avLst/>
-          </a:prstGeom>
-          <a:ln w="25400">
-            <a:tailEnd type="triangle"/>
-          </a:ln>
-        </p:spPr>
-        <p:style>
-          <a:lnRef idx="1">
-            <a:schemeClr val="accent1"/>
-          </a:lnRef>
-          <a:fillRef idx="0">
-            <a:schemeClr val="accent1"/>
-          </a:fillRef>
-          <a:effectRef idx="0">
-            <a:schemeClr val="accent1"/>
-          </a:effectRef>
-          <a:fontRef idx="minor">
-            <a:schemeClr val="tx1"/>
-          </a:fontRef>
-        </p:style>
-      </p:cxnSp>
-      <p:sp>
-        <p:nvSpPr>
-          <p:cNvPr id="45" name="矩形 44">
-            <a:extLst>
-              <a:ext uri="{FF2B5EF4-FFF2-40B4-BE49-F238E27FC236}">
-                <a16:creationId xmlns:a16="http://schemas.microsoft.com/office/drawing/2014/main" id="{8ED0C11E-DF20-4719-2035-8E5D2405CEBE}"/>
-              </a:ext>
-            </a:extLst>
-          </p:cNvPr>
-          <p:cNvSpPr/>
-          <p:nvPr/>
-        </p:nvSpPr>
-        <p:spPr>
-          <a:xfrm>
-            <a:off x="5737112" y="1257453"/>
-            <a:ext cx="180000" cy="143956"/>
-          </a:xfrm>
-          <a:prstGeom prst="rect">
-            <a:avLst/>
-          </a:prstGeom>
-          <a:gradFill flip="none" rotWithShape="1">
-            <a:gsLst>
-              <a:gs pos="0">
-                <a:schemeClr val="accent6">
-                  <a:lumMod val="67000"/>
-                </a:schemeClr>
-              </a:gs>
-              <a:gs pos="48000">
-                <a:schemeClr val="accent6">
-                  <a:lumMod val="97000"/>
-                  <a:lumOff val="3000"/>
-                </a:schemeClr>
-              </a:gs>
-              <a:gs pos="100000">
-                <a:schemeClr val="accent6">
-                  <a:lumMod val="60000"/>
-                  <a:lumOff val="40000"/>
-                </a:schemeClr>
-              </a:gs>
-            </a:gsLst>
-            <a:lin ang="16200000" scaled="1"/>
-            <a:tileRect/>
-          </a:gradFill>
-        </p:spPr>
-        <p:style>
-          <a:lnRef idx="2">
-            <a:schemeClr val="accent1">
-              <a:shade val="50000"/>
-            </a:schemeClr>
-          </a:lnRef>
-          <a:fillRef idx="1">
-            <a:schemeClr val="accent1"/>
-          </a:fillRef>
-          <a:effectRef idx="0">
-            <a:schemeClr val="accent1"/>
-          </a:effectRef>
-          <a:fontRef idx="minor">
-            <a:schemeClr val="lt1"/>
-          </a:fontRef>
-        </p:style>
-        <p:txBody>
-          <a:bodyPr rtlCol="0" anchor="ctr"/>
-          <a:lstStyle/>
-          <a:p>
-            <a:pPr algn="ctr"/>
-            <a:endParaRPr kumimoji="1" lang="zh-CN" altLang="en-US"/>
-          </a:p>
-        </p:txBody>
-      </p:sp>
-      <p:sp>
-        <p:nvSpPr>
-          <p:cNvPr id="46" name="矩形 45">
-            <a:extLst>
-              <a:ext uri="{FF2B5EF4-FFF2-40B4-BE49-F238E27FC236}">
-                <a16:creationId xmlns:a16="http://schemas.microsoft.com/office/drawing/2014/main" id="{BFB4FE99-C8F0-028F-00D3-19B49D6BFF59}"/>
-              </a:ext>
-            </a:extLst>
-          </p:cNvPr>
-          <p:cNvSpPr/>
-          <p:nvPr/>
-        </p:nvSpPr>
-        <p:spPr>
-          <a:xfrm>
-            <a:off x="5737112" y="1451314"/>
-            <a:ext cx="180000" cy="143956"/>
-          </a:xfrm>
-          <a:prstGeom prst="rect">
-            <a:avLst/>
-          </a:prstGeom>
-          <a:gradFill flip="none" rotWithShape="1">
-            <a:gsLst>
-              <a:gs pos="0">
-                <a:schemeClr val="accent6">
-                  <a:lumMod val="67000"/>
-                </a:schemeClr>
-              </a:gs>
-              <a:gs pos="48000">
-                <a:schemeClr val="accent6">
-                  <a:lumMod val="97000"/>
-                  <a:lumOff val="3000"/>
-                </a:schemeClr>
-              </a:gs>
-              <a:gs pos="100000">
-                <a:schemeClr val="accent6">
-                  <a:lumMod val="60000"/>
-                  <a:lumOff val="40000"/>
-                </a:schemeClr>
-              </a:gs>
-            </a:gsLst>
-            <a:lin ang="16200000" scaled="1"/>
-            <a:tileRect/>
-          </a:gradFill>
-        </p:spPr>
-        <p:style>
-          <a:lnRef idx="2">
-            <a:schemeClr val="accent1">
-              <a:shade val="50000"/>
-            </a:schemeClr>
-          </a:lnRef>
-          <a:fillRef idx="1">
-            <a:schemeClr val="accent1"/>
-          </a:fillRef>
-          <a:effectRef idx="0">
-            <a:schemeClr val="accent1"/>
-          </a:effectRef>
-          <a:fontRef idx="minor">
-            <a:schemeClr val="lt1"/>
-          </a:fontRef>
-        </p:style>
-        <p:txBody>
-          <a:bodyPr rtlCol="0" anchor="ctr"/>
-          <a:lstStyle/>
-          <a:p>
-            <a:pPr algn="ctr"/>
-            <a:endParaRPr kumimoji="1" lang="zh-CN" altLang="en-US"/>
-          </a:p>
-        </p:txBody>
-      </p:sp>
-      <p:sp>
-        <p:nvSpPr>
-          <p:cNvPr id="47" name="矩形 46">
-            <a:extLst>
-              <a:ext uri="{FF2B5EF4-FFF2-40B4-BE49-F238E27FC236}">
-                <a16:creationId xmlns:a16="http://schemas.microsoft.com/office/drawing/2014/main" id="{E41AB206-FBA4-3209-8A1E-7D289A78A194}"/>
-              </a:ext>
-            </a:extLst>
-          </p:cNvPr>
-          <p:cNvSpPr/>
-          <p:nvPr/>
-        </p:nvSpPr>
-        <p:spPr>
-          <a:xfrm>
-            <a:off x="5737112" y="1645175"/>
-            <a:ext cx="180000" cy="143956"/>
-          </a:xfrm>
-          <a:prstGeom prst="rect">
-            <a:avLst/>
-          </a:prstGeom>
-          <a:gradFill flip="none" rotWithShape="1">
-            <a:gsLst>
-              <a:gs pos="0">
-                <a:schemeClr val="accent6">
-                  <a:lumMod val="67000"/>
-                </a:schemeClr>
-              </a:gs>
-              <a:gs pos="48000">
-                <a:schemeClr val="accent6">
-                  <a:lumMod val="97000"/>
-                  <a:lumOff val="3000"/>
-                </a:schemeClr>
-              </a:gs>
-              <a:gs pos="100000">
-                <a:schemeClr val="accent6">
-                  <a:lumMod val="60000"/>
-                  <a:lumOff val="40000"/>
-                </a:schemeClr>
-              </a:gs>
-            </a:gsLst>
-            <a:lin ang="16200000" scaled="1"/>
-            <a:tileRect/>
-          </a:gradFill>
-        </p:spPr>
-        <p:style>
-          <a:lnRef idx="2">
-            <a:schemeClr val="accent1">
-              <a:shade val="50000"/>
-            </a:schemeClr>
-          </a:lnRef>
-          <a:fillRef idx="1">
-            <a:schemeClr val="accent1"/>
-          </a:fillRef>
-          <a:effectRef idx="0">
-            <a:schemeClr val="accent1"/>
-          </a:effectRef>
-          <a:fontRef idx="minor">
-            <a:schemeClr val="lt1"/>
-          </a:fontRef>
-        </p:style>
-        <p:txBody>
-          <a:bodyPr rtlCol="0" anchor="ctr"/>
-          <a:lstStyle/>
-          <a:p>
-            <a:pPr algn="ctr"/>
-            <a:endParaRPr kumimoji="1" lang="zh-CN" altLang="en-US"/>
-          </a:p>
-        </p:txBody>
-      </p:sp>
-      <p:sp>
-        <p:nvSpPr>
-          <p:cNvPr id="48" name="矩形 47">
-            <a:extLst>
-              <a:ext uri="{FF2B5EF4-FFF2-40B4-BE49-F238E27FC236}">
-                <a16:creationId xmlns:a16="http://schemas.microsoft.com/office/drawing/2014/main" id="{30D3F566-EF4A-BEA8-A1A1-439C0F4815F0}"/>
-              </a:ext>
-            </a:extLst>
-          </p:cNvPr>
-          <p:cNvSpPr/>
-          <p:nvPr/>
-        </p:nvSpPr>
-        <p:spPr>
-          <a:xfrm>
-            <a:off x="5737112" y="1839036"/>
-            <a:ext cx="180000" cy="143956"/>
-          </a:xfrm>
-          <a:prstGeom prst="rect">
-            <a:avLst/>
-          </a:prstGeom>
-          <a:gradFill flip="none" rotWithShape="1">
-            <a:gsLst>
-              <a:gs pos="0">
-                <a:schemeClr val="accent6">
-                  <a:lumMod val="67000"/>
-                </a:schemeClr>
-              </a:gs>
-              <a:gs pos="48000">
-                <a:schemeClr val="accent6">
-                  <a:lumMod val="97000"/>
-                  <a:lumOff val="3000"/>
-                </a:schemeClr>
-              </a:gs>
-              <a:gs pos="100000">
-                <a:schemeClr val="accent6">
-                  <a:lumMod val="60000"/>
-                  <a:lumOff val="40000"/>
-                </a:schemeClr>
-              </a:gs>
-            </a:gsLst>
-            <a:lin ang="16200000" scaled="1"/>
-            <a:tileRect/>
-          </a:gradFill>
-        </p:spPr>
-        <p:style>
-          <a:lnRef idx="2">
-            <a:schemeClr val="accent1">
-              <a:shade val="50000"/>
-            </a:schemeClr>
-          </a:lnRef>
-          <a:fillRef idx="1">
-            <a:schemeClr val="accent1"/>
-          </a:fillRef>
-          <a:effectRef idx="0">
-            <a:schemeClr val="accent1"/>
-          </a:effectRef>
-          <a:fontRef idx="minor">
-            <a:schemeClr val="lt1"/>
-          </a:fontRef>
-        </p:style>
-        <p:txBody>
-          <a:bodyPr rtlCol="0" anchor="ctr"/>
-          <a:lstStyle/>
-          <a:p>
-            <a:pPr algn="ctr"/>
-            <a:endParaRPr kumimoji="1" lang="zh-CN" altLang="en-US"/>
-          </a:p>
-        </p:txBody>
-      </p:sp>
-      <p:sp>
-        <p:nvSpPr>
-          <p:cNvPr id="50" name="文本框 49">
-            <a:extLst>
-              <a:ext uri="{FF2B5EF4-FFF2-40B4-BE49-F238E27FC236}">
-                <a16:creationId xmlns:a16="http://schemas.microsoft.com/office/drawing/2014/main" id="{2808AF0C-AF29-FAE3-F7AB-302482540354}"/>
-              </a:ext>
-            </a:extLst>
-          </p:cNvPr>
-          <p:cNvSpPr txBox="1"/>
-          <p:nvPr/>
-        </p:nvSpPr>
-        <p:spPr>
-          <a:xfrm>
-            <a:off x="6384814" y="1387774"/>
-            <a:ext cx="809994" cy="369219"/>
-          </a:xfrm>
-          <a:prstGeom prst="rect">
-            <a:avLst/>
-          </a:prstGeom>
-          <a:noFill/>
-        </p:spPr>
-        <p:txBody>
-          <a:bodyPr wrap="square">
-            <a:spAutoFit/>
-          </a:bodyPr>
-          <a:lstStyle/>
-          <a:p>
-            <a:r>
-              <a:rPr kumimoji="1" lang="en-US" altLang="zh-CN" sz="2400" dirty="0" err="1"/>
-              <a:t>Z</a:t>
-            </a:r>
-            <a:r>
-              <a:rPr kumimoji="1" lang="en-US" altLang="zh-CN" sz="2400" baseline="-25000" dirty="0" err="1"/>
-              <a:t>style</a:t>
-            </a:r>
-            <a:endParaRPr kumimoji="1" lang="zh-CN" altLang="en-US" sz="2400" baseline="-25000" dirty="0"/>
-          </a:p>
-        </p:txBody>
-      </p:sp>
-      <p:sp>
-        <p:nvSpPr>
-          <p:cNvPr id="51" name="矩形 50">
-            <a:extLst>
-              <a:ext uri="{FF2B5EF4-FFF2-40B4-BE49-F238E27FC236}">
-                <a16:creationId xmlns:a16="http://schemas.microsoft.com/office/drawing/2014/main" id="{1FF473CC-F231-C68C-3592-1715005E3B55}"/>
-              </a:ext>
-            </a:extLst>
-          </p:cNvPr>
-          <p:cNvSpPr/>
-          <p:nvPr/>
-        </p:nvSpPr>
-        <p:spPr>
-          <a:xfrm>
-            <a:off x="2313195" y="1225315"/>
-            <a:ext cx="180000" cy="143956"/>
-          </a:xfrm>
-          <a:prstGeom prst="rect">
-            <a:avLst/>
-          </a:prstGeom>
-          <a:gradFill flip="none" rotWithShape="1">
-            <a:gsLst>
-              <a:gs pos="0">
-                <a:schemeClr val="accent6">
-                  <a:lumMod val="67000"/>
-                </a:schemeClr>
-              </a:gs>
-              <a:gs pos="48000">
-                <a:schemeClr val="accent6">
-                  <a:lumMod val="97000"/>
-                  <a:lumOff val="3000"/>
-                </a:schemeClr>
-              </a:gs>
-              <a:gs pos="100000">
-                <a:schemeClr val="accent6">
-                  <a:lumMod val="60000"/>
-                  <a:lumOff val="40000"/>
-                </a:schemeClr>
-              </a:gs>
-            </a:gsLst>
-            <a:lin ang="16200000" scaled="1"/>
-            <a:tileRect/>
-          </a:gradFill>
-        </p:spPr>
-        <p:style>
-          <a:lnRef idx="2">
-            <a:schemeClr val="accent1">
-              <a:shade val="50000"/>
-            </a:schemeClr>
-          </a:lnRef>
-          <a:fillRef idx="1">
-            <a:schemeClr val="accent1"/>
-          </a:fillRef>
-          <a:effectRef idx="0">
-            <a:schemeClr val="accent1"/>
-          </a:effectRef>
-          <a:fontRef idx="minor">
-            <a:schemeClr val="lt1"/>
-          </a:fontRef>
-        </p:style>
-        <p:txBody>
-          <a:bodyPr rtlCol="0" anchor="ctr"/>
-          <a:lstStyle/>
-          <a:p>
-            <a:pPr algn="ctr"/>
-            <a:endParaRPr kumimoji="1" lang="zh-CN" altLang="en-US"/>
-          </a:p>
-        </p:txBody>
-      </p:sp>
-      <p:sp>
-        <p:nvSpPr>
-          <p:cNvPr id="52" name="矩形 51">
-            <a:extLst>
-              <a:ext uri="{FF2B5EF4-FFF2-40B4-BE49-F238E27FC236}">
-                <a16:creationId xmlns:a16="http://schemas.microsoft.com/office/drawing/2014/main" id="{7E862505-1462-6917-22AC-64B4B4188640}"/>
-              </a:ext>
-            </a:extLst>
-          </p:cNvPr>
-          <p:cNvSpPr/>
-          <p:nvPr/>
-        </p:nvSpPr>
-        <p:spPr>
-          <a:xfrm>
-            <a:off x="2313195" y="1419176"/>
-            <a:ext cx="180000" cy="143956"/>
-          </a:xfrm>
-          <a:prstGeom prst="rect">
-            <a:avLst/>
-          </a:prstGeom>
-          <a:gradFill flip="none" rotWithShape="1">
-            <a:gsLst>
-              <a:gs pos="0">
-                <a:schemeClr val="accent6">
-                  <a:lumMod val="40000"/>
-                  <a:lumOff val="60000"/>
-                </a:schemeClr>
-              </a:gs>
-              <a:gs pos="46000">
-                <a:schemeClr val="accent6">
-                  <a:lumMod val="95000"/>
-                  <a:lumOff val="5000"/>
-                </a:schemeClr>
-              </a:gs>
-              <a:gs pos="100000">
-                <a:schemeClr val="accent6">
-                  <a:lumMod val="60000"/>
-                </a:schemeClr>
-              </a:gs>
-            </a:gsLst>
-            <a:path path="circle">
-              <a:fillToRect l="50000" t="130000" r="50000" b="-30000"/>
-            </a:path>
-            <a:tileRect/>
-          </a:gradFill>
-        </p:spPr>
-        <p:style>
-          <a:lnRef idx="2">
-            <a:schemeClr val="accent1">
-              <a:shade val="50000"/>
-            </a:schemeClr>
-          </a:lnRef>
-          <a:fillRef idx="1">
-            <a:schemeClr val="accent1"/>
-          </a:fillRef>
-          <a:effectRef idx="0">
-            <a:schemeClr val="accent1"/>
-          </a:effectRef>
-          <a:fontRef idx="minor">
-            <a:schemeClr val="lt1"/>
-          </a:fontRef>
-        </p:style>
-        <p:txBody>
-          <a:bodyPr rtlCol="0" anchor="ctr"/>
-          <a:lstStyle/>
-          <a:p>
-            <a:pPr algn="ctr"/>
-            <a:endParaRPr kumimoji="1" lang="zh-CN" altLang="en-US"/>
-          </a:p>
-        </p:txBody>
-      </p:sp>
-      <p:sp>
-        <p:nvSpPr>
-          <p:cNvPr id="53" name="矩形 52">
-            <a:extLst>
-              <a:ext uri="{FF2B5EF4-FFF2-40B4-BE49-F238E27FC236}">
-                <a16:creationId xmlns:a16="http://schemas.microsoft.com/office/drawing/2014/main" id="{80FAC281-D3D6-136D-B660-9C5D24E24E3F}"/>
-              </a:ext>
-            </a:extLst>
-          </p:cNvPr>
-          <p:cNvSpPr/>
-          <p:nvPr/>
-        </p:nvSpPr>
-        <p:spPr>
-          <a:xfrm>
-            <a:off x="2313195" y="1613037"/>
-            <a:ext cx="180000" cy="143956"/>
-          </a:xfrm>
-          <a:prstGeom prst="rect">
-            <a:avLst/>
-          </a:prstGeom>
-          <a:gradFill flip="none" rotWithShape="1">
-            <a:gsLst>
-              <a:gs pos="0">
-                <a:schemeClr val="accent6">
-                  <a:lumMod val="0"/>
-                  <a:lumOff val="100000"/>
-                </a:schemeClr>
-              </a:gs>
-              <a:gs pos="35000">
-                <a:schemeClr val="accent6">
-                  <a:lumMod val="0"/>
-                  <a:lumOff val="100000"/>
-                </a:schemeClr>
-              </a:gs>
-              <a:gs pos="100000">
-                <a:schemeClr val="accent6">
-                  <a:lumMod val="100000"/>
-                </a:schemeClr>
-              </a:gs>
-            </a:gsLst>
-            <a:path path="circle">
-              <a:fillToRect l="50000" t="-80000" r="50000" b="180000"/>
-            </a:path>
-            <a:tileRect/>
-          </a:gradFill>
-        </p:spPr>
-        <p:style>
-          <a:lnRef idx="2">
-            <a:schemeClr val="accent1">
-              <a:shade val="50000"/>
-            </a:schemeClr>
-          </a:lnRef>
-          <a:fillRef idx="1">
-            <a:schemeClr val="accent1"/>
-          </a:fillRef>
-          <a:effectRef idx="0">
-            <a:schemeClr val="accent1"/>
-          </a:effectRef>
-          <a:fontRef idx="minor">
-            <a:schemeClr val="lt1"/>
-          </a:fontRef>
-        </p:style>
-        <p:txBody>
-          <a:bodyPr rtlCol="0" anchor="ctr"/>
-          <a:lstStyle/>
-          <a:p>
-            <a:pPr algn="ctr"/>
-            <a:endParaRPr kumimoji="1" lang="zh-CN" altLang="en-US"/>
-          </a:p>
-        </p:txBody>
-      </p:sp>
-      <p:sp>
-        <p:nvSpPr>
-          <p:cNvPr id="54" name="矩形 53">
-            <a:extLst>
-              <a:ext uri="{FF2B5EF4-FFF2-40B4-BE49-F238E27FC236}">
-                <a16:creationId xmlns:a16="http://schemas.microsoft.com/office/drawing/2014/main" id="{7A1B23FA-A553-81AF-1726-3E9C0231599C}"/>
-              </a:ext>
-            </a:extLst>
-          </p:cNvPr>
-          <p:cNvSpPr/>
-          <p:nvPr/>
-        </p:nvSpPr>
-        <p:spPr>
-          <a:xfrm>
-            <a:off x="2313195" y="1806897"/>
-            <a:ext cx="180000" cy="143956"/>
-          </a:xfrm>
-          <a:prstGeom prst="rect">
-            <a:avLst/>
-          </a:prstGeom>
-          <a:gradFill flip="none" rotWithShape="1">
-            <a:gsLst>
-              <a:gs pos="0">
-                <a:schemeClr val="accent6">
-                  <a:lumMod val="5000"/>
-                  <a:lumOff val="95000"/>
-                </a:schemeClr>
-              </a:gs>
-              <a:gs pos="74000">
-                <a:schemeClr val="accent6">
-                  <a:lumMod val="45000"/>
-                  <a:lumOff val="55000"/>
-                </a:schemeClr>
-              </a:gs>
-              <a:gs pos="83000">
-                <a:schemeClr val="accent6">
-                  <a:lumMod val="45000"/>
-                  <a:lumOff val="55000"/>
-                </a:schemeClr>
-              </a:gs>
-              <a:gs pos="100000">
-                <a:schemeClr val="accent6">
-                  <a:lumMod val="30000"/>
-                  <a:lumOff val="70000"/>
-                </a:schemeClr>
-              </a:gs>
-            </a:gsLst>
-            <a:lin ang="5400000" scaled="1"/>
-            <a:tileRect/>
-          </a:gradFill>
-        </p:spPr>
-        <p:style>
-          <a:lnRef idx="2">
-            <a:schemeClr val="accent1">
-              <a:shade val="50000"/>
-            </a:schemeClr>
-          </a:lnRef>
-          <a:fillRef idx="1">
-            <a:schemeClr val="accent1"/>
-          </a:fillRef>
-          <a:effectRef idx="0">
-            <a:schemeClr val="accent1"/>
-          </a:effectRef>
-          <a:fontRef idx="minor">
-            <a:schemeClr val="lt1"/>
-          </a:fontRef>
-        </p:style>
-        <p:txBody>
-          <a:bodyPr rtlCol="0" anchor="ctr"/>
-          <a:lstStyle/>
-          <a:p>
-            <a:pPr algn="ctr"/>
-            <a:endParaRPr kumimoji="1" lang="zh-CN" altLang="en-US"/>
-          </a:p>
-        </p:txBody>
-      </p:sp>
-      <p:sp>
-        <p:nvSpPr>
-          <p:cNvPr id="55" name="文本框 54">
-            <a:extLst>
-              <a:ext uri="{FF2B5EF4-FFF2-40B4-BE49-F238E27FC236}">
-                <a16:creationId xmlns:a16="http://schemas.microsoft.com/office/drawing/2014/main" id="{B7DE1804-1A21-61F6-7B7F-E9E70E3CB57A}"/>
-              </a:ext>
-            </a:extLst>
-          </p:cNvPr>
-          <p:cNvSpPr txBox="1"/>
-          <p:nvPr/>
-        </p:nvSpPr>
-        <p:spPr>
-          <a:xfrm>
-            <a:off x="1551676" y="1361430"/>
-            <a:ext cx="764953" cy="492292"/>
-          </a:xfrm>
-          <a:prstGeom prst="rect">
-            <a:avLst/>
-          </a:prstGeom>
-          <a:noFill/>
-        </p:spPr>
-        <p:txBody>
-          <a:bodyPr wrap="square" rtlCol="0">
-            <a:spAutoFit/>
-          </a:bodyPr>
-          <a:lstStyle/>
-          <a:p>
-            <a:pPr algn="ctr"/>
-            <a:r>
-              <a:rPr kumimoji="1" lang="en-US" altLang="zh-CN" sz="1700" dirty="0"/>
-              <a:t>Style</a:t>
-            </a:r>
-          </a:p>
-          <a:p>
-            <a:pPr algn="ctr"/>
-            <a:r>
-              <a:rPr kumimoji="1" lang="en-US" altLang="zh-CN" sz="1700" dirty="0"/>
-              <a:t>vector</a:t>
-            </a:r>
           </a:p>
         </p:txBody>
       </p:sp>
@@ -9391,10 +5883,3262 @@
           </a:fontRef>
         </p:style>
       </p:cxnSp>
+      <p:pic>
+        <p:nvPicPr>
+          <p:cNvPr id="2" name="图片 1">
+            <a:extLst>
+              <a:ext uri="{FF2B5EF4-FFF2-40B4-BE49-F238E27FC236}">
+                <a16:creationId xmlns:a16="http://schemas.microsoft.com/office/drawing/2014/main" id="{2963D0E8-4DBF-6ADF-0370-80777D4D5954}"/>
+              </a:ext>
+            </a:extLst>
+          </p:cNvPr>
+          <p:cNvPicPr>
+            <a:picLocks noChangeAspect="1"/>
+          </p:cNvPicPr>
+          <p:nvPr/>
+        </p:nvPicPr>
+        <p:blipFill>
+          <a:blip r:embed="rId4"/>
+          <a:stretch>
+            <a:fillRect/>
+          </a:stretch>
+        </p:blipFill>
+        <p:spPr>
+          <a:xfrm>
+            <a:off x="658960" y="1032383"/>
+            <a:ext cx="1866797" cy="1080000"/>
+          </a:xfrm>
+          <a:prstGeom prst="rect">
+            <a:avLst/>
+          </a:prstGeom>
+        </p:spPr>
+      </p:pic>
+      <p:sp>
+        <p:nvSpPr>
+          <p:cNvPr id="61" name="文本框 60">
+            <a:extLst>
+              <a:ext uri="{FF2B5EF4-FFF2-40B4-BE49-F238E27FC236}">
+                <a16:creationId xmlns:a16="http://schemas.microsoft.com/office/drawing/2014/main" id="{A020A2DD-5115-4FCD-4AE1-5B9481B0854A}"/>
+              </a:ext>
+            </a:extLst>
+          </p:cNvPr>
+          <p:cNvSpPr txBox="1"/>
+          <p:nvPr/>
+        </p:nvSpPr>
+        <p:spPr>
+          <a:xfrm>
+            <a:off x="466699" y="662817"/>
+            <a:ext cx="2299154" cy="369332"/>
+          </a:xfrm>
+          <a:prstGeom prst="rect">
+            <a:avLst/>
+          </a:prstGeom>
+          <a:noFill/>
+        </p:spPr>
+        <p:txBody>
+          <a:bodyPr wrap="square">
+            <a:spAutoFit/>
+          </a:bodyPr>
+          <a:lstStyle/>
+          <a:p>
+            <a:pPr algn="ctr"/>
+            <a:r>
+              <a:rPr kumimoji="1" lang="en-US" altLang="zh-CN" dirty="0"/>
+              <a:t>Style</a:t>
+            </a:r>
+            <a:r>
+              <a:rPr kumimoji="1" lang="zh-CN" altLang="en-US" dirty="0"/>
+              <a:t> </a:t>
+            </a:r>
+            <a:r>
+              <a:rPr kumimoji="1" lang="en-US" altLang="zh-CN" dirty="0"/>
+              <a:t>Vector</a:t>
+            </a:r>
+          </a:p>
+        </p:txBody>
+      </p:sp>
     </p:spTree>
     <p:extLst>
       <p:ext uri="{BB962C8B-B14F-4D97-AF65-F5344CB8AC3E}">
-        <p14:creationId xmlns:p14="http://schemas.microsoft.com/office/powerpoint/2010/main" val="723409829"/>
+        <p14:creationId xmlns:p14="http://schemas.microsoft.com/office/powerpoint/2010/main" val="127917626"/>
+      </p:ext>
+    </p:extLst>
+  </p:cSld>
+  <p:clrMapOvr>
+    <a:masterClrMapping/>
+  </p:clrMapOvr>
+</p:sld>
+</file>
+
+<file path=ppt/slides/slide2.xml><?xml version="1.0" encoding="utf-8"?>
+<p:sld xmlns:a="http://schemas.openxmlformats.org/drawingml/2006/main" xmlns:r="http://schemas.openxmlformats.org/officeDocument/2006/relationships" xmlns:p="http://schemas.openxmlformats.org/presentationml/2006/main">
+  <p:cSld>
+    <p:spTree>
+      <p:nvGrpSpPr>
+        <p:cNvPr id="1" name=""/>
+        <p:cNvGrpSpPr/>
+        <p:nvPr/>
+      </p:nvGrpSpPr>
+      <p:grpSpPr>
+        <a:xfrm>
+          <a:off x="0" y="0"/>
+          <a:ext cx="0" cy="0"/>
+          <a:chOff x="0" y="0"/>
+          <a:chExt cx="0" cy="0"/>
+        </a:xfrm>
+      </p:grpSpPr>
+      <p:cxnSp>
+        <p:nvCxnSpPr>
+          <p:cNvPr id="15" name="直线箭头连接符 14">
+            <a:extLst>
+              <a:ext uri="{FF2B5EF4-FFF2-40B4-BE49-F238E27FC236}">
+                <a16:creationId xmlns:a16="http://schemas.microsoft.com/office/drawing/2014/main" id="{00B5E50B-1C48-8AF2-A583-D3E03134A3C2}"/>
+              </a:ext>
+            </a:extLst>
+          </p:cNvPr>
+          <p:cNvCxnSpPr>
+            <a:cxnSpLocks/>
+          </p:cNvCxnSpPr>
+          <p:nvPr/>
+        </p:nvCxnSpPr>
+        <p:spPr>
+          <a:xfrm>
+            <a:off x="3184079" y="941223"/>
+            <a:ext cx="810000" cy="0"/>
+          </a:xfrm>
+          <a:prstGeom prst="straightConnector1">
+            <a:avLst/>
+          </a:prstGeom>
+          <a:ln w="25400">
+            <a:tailEnd type="triangle"/>
+          </a:ln>
+        </p:spPr>
+        <p:style>
+          <a:lnRef idx="1">
+            <a:schemeClr val="accent1"/>
+          </a:lnRef>
+          <a:fillRef idx="0">
+            <a:schemeClr val="accent1"/>
+          </a:fillRef>
+          <a:effectRef idx="0">
+            <a:schemeClr val="accent1"/>
+          </a:effectRef>
+          <a:fontRef idx="minor">
+            <a:schemeClr val="tx1"/>
+          </a:fontRef>
+        </p:style>
+      </p:cxnSp>
+      <p:sp>
+        <p:nvSpPr>
+          <p:cNvPr id="37" name="梯形 36">
+            <a:extLst>
+              <a:ext uri="{FF2B5EF4-FFF2-40B4-BE49-F238E27FC236}">
+                <a16:creationId xmlns:a16="http://schemas.microsoft.com/office/drawing/2014/main" id="{DECDBFCC-FBDF-407A-6769-A403E26006F7}"/>
+              </a:ext>
+            </a:extLst>
+          </p:cNvPr>
+          <p:cNvSpPr/>
+          <p:nvPr/>
+        </p:nvSpPr>
+        <p:spPr>
+          <a:xfrm rot="5400000">
+            <a:off x="4204890" y="397100"/>
+            <a:ext cx="924564" cy="1088246"/>
+          </a:xfrm>
+          <a:prstGeom prst="trapezoid">
+            <a:avLst/>
+          </a:prstGeom>
+          <a:noFill/>
+          <a:ln w="38100">
+            <a:solidFill>
+              <a:schemeClr val="accent1"/>
+            </a:solidFill>
+          </a:ln>
+        </p:spPr>
+        <p:style>
+          <a:lnRef idx="2">
+            <a:schemeClr val="accent1">
+              <a:shade val="50000"/>
+            </a:schemeClr>
+          </a:lnRef>
+          <a:fillRef idx="1">
+            <a:schemeClr val="accent1"/>
+          </a:fillRef>
+          <a:effectRef idx="0">
+            <a:schemeClr val="accent1"/>
+          </a:effectRef>
+          <a:fontRef idx="minor">
+            <a:schemeClr val="lt1"/>
+          </a:fontRef>
+        </p:style>
+        <p:txBody>
+          <a:bodyPr rtlCol="0" anchor="ctr"/>
+          <a:lstStyle/>
+          <a:p>
+            <a:pPr algn="ctr"/>
+            <a:endParaRPr kumimoji="1" lang="zh-CN" altLang="en-US">
+              <a:ln w="0">
+                <a:solidFill>
+                  <a:sysClr val="windowText" lastClr="000000"/>
+                </a:solidFill>
+              </a:ln>
+              <a:solidFill>
+                <a:schemeClr val="tx1"/>
+              </a:solidFill>
+              <a:effectLst>
+                <a:outerShdw blurRad="50800" dist="38100" dir="2700000" algn="tl" rotWithShape="0">
+                  <a:prstClr val="black">
+                    <a:alpha val="40000"/>
+                  </a:prstClr>
+                </a:outerShdw>
+              </a:effectLst>
+            </a:endParaRPr>
+          </a:p>
+        </p:txBody>
+      </p:sp>
+      <p:sp>
+        <p:nvSpPr>
+          <p:cNvPr id="38" name="文本框 37">
+            <a:extLst>
+              <a:ext uri="{FF2B5EF4-FFF2-40B4-BE49-F238E27FC236}">
+                <a16:creationId xmlns:a16="http://schemas.microsoft.com/office/drawing/2014/main" id="{DEB31574-D34A-59A9-B086-5F501F790F48}"/>
+              </a:ext>
+            </a:extLst>
+          </p:cNvPr>
+          <p:cNvSpPr txBox="1"/>
+          <p:nvPr/>
+        </p:nvSpPr>
+        <p:spPr>
+          <a:xfrm>
+            <a:off x="4129791" y="608710"/>
+            <a:ext cx="997389" cy="516907"/>
+          </a:xfrm>
+          <a:prstGeom prst="rect">
+            <a:avLst/>
+          </a:prstGeom>
+          <a:noFill/>
+        </p:spPr>
+        <p:txBody>
+          <a:bodyPr wrap="square" rtlCol="0">
+            <a:spAutoFit/>
+          </a:bodyPr>
+          <a:lstStyle/>
+          <a:p>
+            <a:pPr algn="ctr"/>
+            <a:r>
+              <a:rPr kumimoji="1" lang="en-US" altLang="zh-CN" dirty="0"/>
+              <a:t>Style</a:t>
+            </a:r>
+          </a:p>
+          <a:p>
+            <a:pPr algn="ctr"/>
+            <a:r>
+              <a:rPr kumimoji="1" lang="en-US" altLang="zh-CN" dirty="0"/>
+              <a:t>Encoder</a:t>
+            </a:r>
+            <a:endParaRPr kumimoji="1" lang="zh-CN" altLang="en-US" dirty="0"/>
+          </a:p>
+        </p:txBody>
+      </p:sp>
+      <p:cxnSp>
+        <p:nvCxnSpPr>
+          <p:cNvPr id="39" name="直线箭头连接符 38">
+            <a:extLst>
+              <a:ext uri="{FF2B5EF4-FFF2-40B4-BE49-F238E27FC236}">
+                <a16:creationId xmlns:a16="http://schemas.microsoft.com/office/drawing/2014/main" id="{E3A2E065-DA9F-1EEF-298A-9E9AF3E69D64}"/>
+              </a:ext>
+            </a:extLst>
+          </p:cNvPr>
+          <p:cNvCxnSpPr>
+            <a:cxnSpLocks/>
+          </p:cNvCxnSpPr>
+          <p:nvPr/>
+        </p:nvCxnSpPr>
+        <p:spPr>
+          <a:xfrm>
+            <a:off x="5338920" y="954847"/>
+            <a:ext cx="810000" cy="0"/>
+          </a:xfrm>
+          <a:prstGeom prst="straightConnector1">
+            <a:avLst/>
+          </a:prstGeom>
+          <a:ln w="25400">
+            <a:tailEnd type="triangle"/>
+          </a:ln>
+        </p:spPr>
+        <p:style>
+          <a:lnRef idx="1">
+            <a:schemeClr val="accent1"/>
+          </a:lnRef>
+          <a:fillRef idx="0">
+            <a:schemeClr val="accent1"/>
+          </a:fillRef>
+          <a:effectRef idx="0">
+            <a:schemeClr val="accent1"/>
+          </a:effectRef>
+          <a:fontRef idx="minor">
+            <a:schemeClr val="tx1"/>
+          </a:fontRef>
+        </p:style>
+      </p:cxnSp>
+      <p:sp>
+        <p:nvSpPr>
+          <p:cNvPr id="45" name="矩形 44">
+            <a:extLst>
+              <a:ext uri="{FF2B5EF4-FFF2-40B4-BE49-F238E27FC236}">
+                <a16:creationId xmlns:a16="http://schemas.microsoft.com/office/drawing/2014/main" id="{8ED0C11E-DF20-4719-2035-8E5D2405CEBE}"/>
+              </a:ext>
+            </a:extLst>
+          </p:cNvPr>
+          <p:cNvSpPr/>
+          <p:nvPr/>
+        </p:nvSpPr>
+        <p:spPr>
+          <a:xfrm>
+            <a:off x="6283452" y="603406"/>
+            <a:ext cx="180000" cy="143956"/>
+          </a:xfrm>
+          <a:prstGeom prst="rect">
+            <a:avLst/>
+          </a:prstGeom>
+          <a:gradFill flip="none" rotWithShape="1">
+            <a:gsLst>
+              <a:gs pos="0">
+                <a:schemeClr val="accent6">
+                  <a:lumMod val="67000"/>
+                </a:schemeClr>
+              </a:gs>
+              <a:gs pos="48000">
+                <a:schemeClr val="accent6">
+                  <a:lumMod val="97000"/>
+                  <a:lumOff val="3000"/>
+                </a:schemeClr>
+              </a:gs>
+              <a:gs pos="100000">
+                <a:schemeClr val="accent6">
+                  <a:lumMod val="60000"/>
+                  <a:lumOff val="40000"/>
+                </a:schemeClr>
+              </a:gs>
+            </a:gsLst>
+            <a:lin ang="16200000" scaled="1"/>
+            <a:tileRect/>
+          </a:gradFill>
+        </p:spPr>
+        <p:style>
+          <a:lnRef idx="2">
+            <a:schemeClr val="accent1">
+              <a:shade val="50000"/>
+            </a:schemeClr>
+          </a:lnRef>
+          <a:fillRef idx="1">
+            <a:schemeClr val="accent1"/>
+          </a:fillRef>
+          <a:effectRef idx="0">
+            <a:schemeClr val="accent1"/>
+          </a:effectRef>
+          <a:fontRef idx="minor">
+            <a:schemeClr val="lt1"/>
+          </a:fontRef>
+        </p:style>
+        <p:txBody>
+          <a:bodyPr rtlCol="0" anchor="ctr"/>
+          <a:lstStyle/>
+          <a:p>
+            <a:pPr algn="ctr"/>
+            <a:endParaRPr kumimoji="1" lang="zh-CN" altLang="en-US"/>
+          </a:p>
+        </p:txBody>
+      </p:sp>
+      <p:sp>
+        <p:nvSpPr>
+          <p:cNvPr id="46" name="矩形 45">
+            <a:extLst>
+              <a:ext uri="{FF2B5EF4-FFF2-40B4-BE49-F238E27FC236}">
+                <a16:creationId xmlns:a16="http://schemas.microsoft.com/office/drawing/2014/main" id="{BFB4FE99-C8F0-028F-00D3-19B49D6BFF59}"/>
+              </a:ext>
+            </a:extLst>
+          </p:cNvPr>
+          <p:cNvSpPr/>
+          <p:nvPr/>
+        </p:nvSpPr>
+        <p:spPr>
+          <a:xfrm>
+            <a:off x="6283452" y="797267"/>
+            <a:ext cx="180000" cy="143956"/>
+          </a:xfrm>
+          <a:prstGeom prst="rect">
+            <a:avLst/>
+          </a:prstGeom>
+          <a:gradFill flip="none" rotWithShape="1">
+            <a:gsLst>
+              <a:gs pos="0">
+                <a:schemeClr val="accent6">
+                  <a:lumMod val="67000"/>
+                </a:schemeClr>
+              </a:gs>
+              <a:gs pos="48000">
+                <a:schemeClr val="accent6">
+                  <a:lumMod val="97000"/>
+                  <a:lumOff val="3000"/>
+                </a:schemeClr>
+              </a:gs>
+              <a:gs pos="100000">
+                <a:schemeClr val="accent6">
+                  <a:lumMod val="60000"/>
+                  <a:lumOff val="40000"/>
+                </a:schemeClr>
+              </a:gs>
+            </a:gsLst>
+            <a:lin ang="16200000" scaled="1"/>
+            <a:tileRect/>
+          </a:gradFill>
+        </p:spPr>
+        <p:style>
+          <a:lnRef idx="2">
+            <a:schemeClr val="accent1">
+              <a:shade val="50000"/>
+            </a:schemeClr>
+          </a:lnRef>
+          <a:fillRef idx="1">
+            <a:schemeClr val="accent1"/>
+          </a:fillRef>
+          <a:effectRef idx="0">
+            <a:schemeClr val="accent1"/>
+          </a:effectRef>
+          <a:fontRef idx="minor">
+            <a:schemeClr val="lt1"/>
+          </a:fontRef>
+        </p:style>
+        <p:txBody>
+          <a:bodyPr rtlCol="0" anchor="ctr"/>
+          <a:lstStyle/>
+          <a:p>
+            <a:pPr algn="ctr"/>
+            <a:endParaRPr kumimoji="1" lang="zh-CN" altLang="en-US"/>
+          </a:p>
+        </p:txBody>
+      </p:sp>
+      <p:sp>
+        <p:nvSpPr>
+          <p:cNvPr id="47" name="矩形 46">
+            <a:extLst>
+              <a:ext uri="{FF2B5EF4-FFF2-40B4-BE49-F238E27FC236}">
+                <a16:creationId xmlns:a16="http://schemas.microsoft.com/office/drawing/2014/main" id="{E41AB206-FBA4-3209-8A1E-7D289A78A194}"/>
+              </a:ext>
+            </a:extLst>
+          </p:cNvPr>
+          <p:cNvSpPr/>
+          <p:nvPr/>
+        </p:nvSpPr>
+        <p:spPr>
+          <a:xfrm>
+            <a:off x="6283452" y="991128"/>
+            <a:ext cx="180000" cy="143956"/>
+          </a:xfrm>
+          <a:prstGeom prst="rect">
+            <a:avLst/>
+          </a:prstGeom>
+          <a:gradFill flip="none" rotWithShape="1">
+            <a:gsLst>
+              <a:gs pos="0">
+                <a:schemeClr val="accent6">
+                  <a:lumMod val="67000"/>
+                </a:schemeClr>
+              </a:gs>
+              <a:gs pos="48000">
+                <a:schemeClr val="accent6">
+                  <a:lumMod val="97000"/>
+                  <a:lumOff val="3000"/>
+                </a:schemeClr>
+              </a:gs>
+              <a:gs pos="100000">
+                <a:schemeClr val="accent6">
+                  <a:lumMod val="60000"/>
+                  <a:lumOff val="40000"/>
+                </a:schemeClr>
+              </a:gs>
+            </a:gsLst>
+            <a:lin ang="16200000" scaled="1"/>
+            <a:tileRect/>
+          </a:gradFill>
+        </p:spPr>
+        <p:style>
+          <a:lnRef idx="2">
+            <a:schemeClr val="accent1">
+              <a:shade val="50000"/>
+            </a:schemeClr>
+          </a:lnRef>
+          <a:fillRef idx="1">
+            <a:schemeClr val="accent1"/>
+          </a:fillRef>
+          <a:effectRef idx="0">
+            <a:schemeClr val="accent1"/>
+          </a:effectRef>
+          <a:fontRef idx="minor">
+            <a:schemeClr val="lt1"/>
+          </a:fontRef>
+        </p:style>
+        <p:txBody>
+          <a:bodyPr rtlCol="0" anchor="ctr"/>
+          <a:lstStyle/>
+          <a:p>
+            <a:pPr algn="ctr"/>
+            <a:endParaRPr kumimoji="1" lang="zh-CN" altLang="en-US"/>
+          </a:p>
+        </p:txBody>
+      </p:sp>
+      <p:sp>
+        <p:nvSpPr>
+          <p:cNvPr id="48" name="矩形 47">
+            <a:extLst>
+              <a:ext uri="{FF2B5EF4-FFF2-40B4-BE49-F238E27FC236}">
+                <a16:creationId xmlns:a16="http://schemas.microsoft.com/office/drawing/2014/main" id="{30D3F566-EF4A-BEA8-A1A1-439C0F4815F0}"/>
+              </a:ext>
+            </a:extLst>
+          </p:cNvPr>
+          <p:cNvSpPr/>
+          <p:nvPr/>
+        </p:nvSpPr>
+        <p:spPr>
+          <a:xfrm>
+            <a:off x="6283452" y="1184989"/>
+            <a:ext cx="180000" cy="143956"/>
+          </a:xfrm>
+          <a:prstGeom prst="rect">
+            <a:avLst/>
+          </a:prstGeom>
+          <a:gradFill flip="none" rotWithShape="1">
+            <a:gsLst>
+              <a:gs pos="0">
+                <a:schemeClr val="accent6">
+                  <a:lumMod val="67000"/>
+                </a:schemeClr>
+              </a:gs>
+              <a:gs pos="48000">
+                <a:schemeClr val="accent6">
+                  <a:lumMod val="97000"/>
+                  <a:lumOff val="3000"/>
+                </a:schemeClr>
+              </a:gs>
+              <a:gs pos="100000">
+                <a:schemeClr val="accent6">
+                  <a:lumMod val="60000"/>
+                  <a:lumOff val="40000"/>
+                </a:schemeClr>
+              </a:gs>
+            </a:gsLst>
+            <a:lin ang="16200000" scaled="1"/>
+            <a:tileRect/>
+          </a:gradFill>
+        </p:spPr>
+        <p:style>
+          <a:lnRef idx="2">
+            <a:schemeClr val="accent1">
+              <a:shade val="50000"/>
+            </a:schemeClr>
+          </a:lnRef>
+          <a:fillRef idx="1">
+            <a:schemeClr val="accent1"/>
+          </a:fillRef>
+          <a:effectRef idx="0">
+            <a:schemeClr val="accent1"/>
+          </a:effectRef>
+          <a:fontRef idx="minor">
+            <a:schemeClr val="lt1"/>
+          </a:fontRef>
+        </p:style>
+        <p:txBody>
+          <a:bodyPr rtlCol="0" anchor="ctr"/>
+          <a:lstStyle/>
+          <a:p>
+            <a:pPr algn="ctr"/>
+            <a:endParaRPr kumimoji="1" lang="zh-CN" altLang="en-US"/>
+          </a:p>
+        </p:txBody>
+      </p:sp>
+      <p:sp>
+        <p:nvSpPr>
+          <p:cNvPr id="50" name="文本框 49">
+            <a:extLst>
+              <a:ext uri="{FF2B5EF4-FFF2-40B4-BE49-F238E27FC236}">
+                <a16:creationId xmlns:a16="http://schemas.microsoft.com/office/drawing/2014/main" id="{2808AF0C-AF29-FAE3-F7AB-302482540354}"/>
+              </a:ext>
+            </a:extLst>
+          </p:cNvPr>
+          <p:cNvSpPr txBox="1"/>
+          <p:nvPr/>
+        </p:nvSpPr>
+        <p:spPr>
+          <a:xfrm>
+            <a:off x="6931154" y="733727"/>
+            <a:ext cx="809994" cy="369219"/>
+          </a:xfrm>
+          <a:prstGeom prst="rect">
+            <a:avLst/>
+          </a:prstGeom>
+          <a:noFill/>
+        </p:spPr>
+        <p:txBody>
+          <a:bodyPr wrap="square">
+            <a:spAutoFit/>
+          </a:bodyPr>
+          <a:lstStyle/>
+          <a:p>
+            <a:r>
+              <a:rPr kumimoji="1" lang="en-US" altLang="zh-CN" sz="2400" dirty="0" err="1"/>
+              <a:t>Z</a:t>
+            </a:r>
+            <a:r>
+              <a:rPr kumimoji="1" lang="en-US" altLang="zh-CN" sz="2400" baseline="-25000" dirty="0" err="1"/>
+              <a:t>style</a:t>
+            </a:r>
+            <a:endParaRPr kumimoji="1" lang="zh-CN" altLang="en-US" sz="2400" baseline="-25000" dirty="0"/>
+          </a:p>
+        </p:txBody>
+      </p:sp>
+      <p:sp>
+        <p:nvSpPr>
+          <p:cNvPr id="51" name="矩形 50">
+            <a:extLst>
+              <a:ext uri="{FF2B5EF4-FFF2-40B4-BE49-F238E27FC236}">
+                <a16:creationId xmlns:a16="http://schemas.microsoft.com/office/drawing/2014/main" id="{1FF473CC-F231-C68C-3592-1715005E3B55}"/>
+              </a:ext>
+            </a:extLst>
+          </p:cNvPr>
+          <p:cNvSpPr/>
+          <p:nvPr/>
+        </p:nvSpPr>
+        <p:spPr>
+          <a:xfrm>
+            <a:off x="2859535" y="571268"/>
+            <a:ext cx="180000" cy="143956"/>
+          </a:xfrm>
+          <a:prstGeom prst="rect">
+            <a:avLst/>
+          </a:prstGeom>
+          <a:gradFill flip="none" rotWithShape="1">
+            <a:gsLst>
+              <a:gs pos="0">
+                <a:schemeClr val="accent6">
+                  <a:lumMod val="67000"/>
+                </a:schemeClr>
+              </a:gs>
+              <a:gs pos="48000">
+                <a:schemeClr val="accent6">
+                  <a:lumMod val="97000"/>
+                  <a:lumOff val="3000"/>
+                </a:schemeClr>
+              </a:gs>
+              <a:gs pos="100000">
+                <a:schemeClr val="accent6">
+                  <a:lumMod val="60000"/>
+                  <a:lumOff val="40000"/>
+                </a:schemeClr>
+              </a:gs>
+            </a:gsLst>
+            <a:lin ang="16200000" scaled="1"/>
+            <a:tileRect/>
+          </a:gradFill>
+        </p:spPr>
+        <p:style>
+          <a:lnRef idx="2">
+            <a:schemeClr val="accent1">
+              <a:shade val="50000"/>
+            </a:schemeClr>
+          </a:lnRef>
+          <a:fillRef idx="1">
+            <a:schemeClr val="accent1"/>
+          </a:fillRef>
+          <a:effectRef idx="0">
+            <a:schemeClr val="accent1"/>
+          </a:effectRef>
+          <a:fontRef idx="minor">
+            <a:schemeClr val="lt1"/>
+          </a:fontRef>
+        </p:style>
+        <p:txBody>
+          <a:bodyPr rtlCol="0" anchor="ctr"/>
+          <a:lstStyle/>
+          <a:p>
+            <a:pPr algn="ctr"/>
+            <a:endParaRPr kumimoji="1" lang="zh-CN" altLang="en-US"/>
+          </a:p>
+        </p:txBody>
+      </p:sp>
+      <p:sp>
+        <p:nvSpPr>
+          <p:cNvPr id="52" name="矩形 51">
+            <a:extLst>
+              <a:ext uri="{FF2B5EF4-FFF2-40B4-BE49-F238E27FC236}">
+                <a16:creationId xmlns:a16="http://schemas.microsoft.com/office/drawing/2014/main" id="{7E862505-1462-6917-22AC-64B4B4188640}"/>
+              </a:ext>
+            </a:extLst>
+          </p:cNvPr>
+          <p:cNvSpPr/>
+          <p:nvPr/>
+        </p:nvSpPr>
+        <p:spPr>
+          <a:xfrm>
+            <a:off x="2859535" y="765129"/>
+            <a:ext cx="180000" cy="143956"/>
+          </a:xfrm>
+          <a:prstGeom prst="rect">
+            <a:avLst/>
+          </a:prstGeom>
+          <a:gradFill flip="none" rotWithShape="1">
+            <a:gsLst>
+              <a:gs pos="0">
+                <a:schemeClr val="accent6">
+                  <a:lumMod val="40000"/>
+                  <a:lumOff val="60000"/>
+                </a:schemeClr>
+              </a:gs>
+              <a:gs pos="46000">
+                <a:schemeClr val="accent6">
+                  <a:lumMod val="95000"/>
+                  <a:lumOff val="5000"/>
+                </a:schemeClr>
+              </a:gs>
+              <a:gs pos="100000">
+                <a:schemeClr val="accent6">
+                  <a:lumMod val="60000"/>
+                </a:schemeClr>
+              </a:gs>
+            </a:gsLst>
+            <a:path path="circle">
+              <a:fillToRect l="50000" t="130000" r="50000" b="-30000"/>
+            </a:path>
+            <a:tileRect/>
+          </a:gradFill>
+        </p:spPr>
+        <p:style>
+          <a:lnRef idx="2">
+            <a:schemeClr val="accent1">
+              <a:shade val="50000"/>
+            </a:schemeClr>
+          </a:lnRef>
+          <a:fillRef idx="1">
+            <a:schemeClr val="accent1"/>
+          </a:fillRef>
+          <a:effectRef idx="0">
+            <a:schemeClr val="accent1"/>
+          </a:effectRef>
+          <a:fontRef idx="minor">
+            <a:schemeClr val="lt1"/>
+          </a:fontRef>
+        </p:style>
+        <p:txBody>
+          <a:bodyPr rtlCol="0" anchor="ctr"/>
+          <a:lstStyle/>
+          <a:p>
+            <a:pPr algn="ctr"/>
+            <a:endParaRPr kumimoji="1" lang="zh-CN" altLang="en-US"/>
+          </a:p>
+        </p:txBody>
+      </p:sp>
+      <p:sp>
+        <p:nvSpPr>
+          <p:cNvPr id="53" name="矩形 52">
+            <a:extLst>
+              <a:ext uri="{FF2B5EF4-FFF2-40B4-BE49-F238E27FC236}">
+                <a16:creationId xmlns:a16="http://schemas.microsoft.com/office/drawing/2014/main" id="{80FAC281-D3D6-136D-B660-9C5D24E24E3F}"/>
+              </a:ext>
+            </a:extLst>
+          </p:cNvPr>
+          <p:cNvSpPr/>
+          <p:nvPr/>
+        </p:nvSpPr>
+        <p:spPr>
+          <a:xfrm>
+            <a:off x="2859535" y="958990"/>
+            <a:ext cx="180000" cy="143956"/>
+          </a:xfrm>
+          <a:prstGeom prst="rect">
+            <a:avLst/>
+          </a:prstGeom>
+          <a:gradFill flip="none" rotWithShape="1">
+            <a:gsLst>
+              <a:gs pos="0">
+                <a:schemeClr val="accent6">
+                  <a:lumMod val="0"/>
+                  <a:lumOff val="100000"/>
+                </a:schemeClr>
+              </a:gs>
+              <a:gs pos="35000">
+                <a:schemeClr val="accent6">
+                  <a:lumMod val="0"/>
+                  <a:lumOff val="100000"/>
+                </a:schemeClr>
+              </a:gs>
+              <a:gs pos="100000">
+                <a:schemeClr val="accent6">
+                  <a:lumMod val="100000"/>
+                </a:schemeClr>
+              </a:gs>
+            </a:gsLst>
+            <a:path path="circle">
+              <a:fillToRect l="50000" t="-80000" r="50000" b="180000"/>
+            </a:path>
+            <a:tileRect/>
+          </a:gradFill>
+        </p:spPr>
+        <p:style>
+          <a:lnRef idx="2">
+            <a:schemeClr val="accent1">
+              <a:shade val="50000"/>
+            </a:schemeClr>
+          </a:lnRef>
+          <a:fillRef idx="1">
+            <a:schemeClr val="accent1"/>
+          </a:fillRef>
+          <a:effectRef idx="0">
+            <a:schemeClr val="accent1"/>
+          </a:effectRef>
+          <a:fontRef idx="minor">
+            <a:schemeClr val="lt1"/>
+          </a:fontRef>
+        </p:style>
+        <p:txBody>
+          <a:bodyPr rtlCol="0" anchor="ctr"/>
+          <a:lstStyle/>
+          <a:p>
+            <a:pPr algn="ctr"/>
+            <a:endParaRPr kumimoji="1" lang="zh-CN" altLang="en-US"/>
+          </a:p>
+        </p:txBody>
+      </p:sp>
+      <p:sp>
+        <p:nvSpPr>
+          <p:cNvPr id="54" name="矩形 53">
+            <a:extLst>
+              <a:ext uri="{FF2B5EF4-FFF2-40B4-BE49-F238E27FC236}">
+                <a16:creationId xmlns:a16="http://schemas.microsoft.com/office/drawing/2014/main" id="{7A1B23FA-A553-81AF-1726-3E9C0231599C}"/>
+              </a:ext>
+            </a:extLst>
+          </p:cNvPr>
+          <p:cNvSpPr/>
+          <p:nvPr/>
+        </p:nvSpPr>
+        <p:spPr>
+          <a:xfrm>
+            <a:off x="2859535" y="1152850"/>
+            <a:ext cx="180000" cy="143956"/>
+          </a:xfrm>
+          <a:prstGeom prst="rect">
+            <a:avLst/>
+          </a:prstGeom>
+          <a:gradFill flip="none" rotWithShape="1">
+            <a:gsLst>
+              <a:gs pos="0">
+                <a:schemeClr val="accent6">
+                  <a:lumMod val="5000"/>
+                  <a:lumOff val="95000"/>
+                </a:schemeClr>
+              </a:gs>
+              <a:gs pos="74000">
+                <a:schemeClr val="accent6">
+                  <a:lumMod val="45000"/>
+                  <a:lumOff val="55000"/>
+                </a:schemeClr>
+              </a:gs>
+              <a:gs pos="83000">
+                <a:schemeClr val="accent6">
+                  <a:lumMod val="45000"/>
+                  <a:lumOff val="55000"/>
+                </a:schemeClr>
+              </a:gs>
+              <a:gs pos="100000">
+                <a:schemeClr val="accent6">
+                  <a:lumMod val="30000"/>
+                  <a:lumOff val="70000"/>
+                </a:schemeClr>
+              </a:gs>
+            </a:gsLst>
+            <a:lin ang="5400000" scaled="1"/>
+            <a:tileRect/>
+          </a:gradFill>
+        </p:spPr>
+        <p:style>
+          <a:lnRef idx="2">
+            <a:schemeClr val="accent1">
+              <a:shade val="50000"/>
+            </a:schemeClr>
+          </a:lnRef>
+          <a:fillRef idx="1">
+            <a:schemeClr val="accent1"/>
+          </a:fillRef>
+          <a:effectRef idx="0">
+            <a:schemeClr val="accent1"/>
+          </a:effectRef>
+          <a:fontRef idx="minor">
+            <a:schemeClr val="lt1"/>
+          </a:fontRef>
+        </p:style>
+        <p:txBody>
+          <a:bodyPr rtlCol="0" anchor="ctr"/>
+          <a:lstStyle/>
+          <a:p>
+            <a:pPr algn="ctr"/>
+            <a:endParaRPr kumimoji="1" lang="zh-CN" altLang="en-US"/>
+          </a:p>
+        </p:txBody>
+      </p:sp>
+      <p:sp>
+        <p:nvSpPr>
+          <p:cNvPr id="55" name="文本框 54">
+            <a:extLst>
+              <a:ext uri="{FF2B5EF4-FFF2-40B4-BE49-F238E27FC236}">
+                <a16:creationId xmlns:a16="http://schemas.microsoft.com/office/drawing/2014/main" id="{B7DE1804-1A21-61F6-7B7F-E9E70E3CB57A}"/>
+              </a:ext>
+            </a:extLst>
+          </p:cNvPr>
+          <p:cNvSpPr txBox="1"/>
+          <p:nvPr/>
+        </p:nvSpPr>
+        <p:spPr>
+          <a:xfrm>
+            <a:off x="2098016" y="707383"/>
+            <a:ext cx="764953" cy="492292"/>
+          </a:xfrm>
+          <a:prstGeom prst="rect">
+            <a:avLst/>
+          </a:prstGeom>
+          <a:noFill/>
+        </p:spPr>
+        <p:txBody>
+          <a:bodyPr wrap="square" rtlCol="0">
+            <a:spAutoFit/>
+          </a:bodyPr>
+          <a:lstStyle/>
+          <a:p>
+            <a:pPr algn="ctr"/>
+            <a:r>
+              <a:rPr kumimoji="1" lang="en-US" altLang="zh-CN" sz="1700" dirty="0"/>
+              <a:t>Style</a:t>
+            </a:r>
+          </a:p>
+          <a:p>
+            <a:pPr algn="ctr"/>
+            <a:r>
+              <a:rPr kumimoji="1" lang="en-US" altLang="zh-CN" sz="1700" dirty="0"/>
+              <a:t>vector</a:t>
+            </a:r>
+          </a:p>
+        </p:txBody>
+      </p:sp>
+      <p:sp>
+        <p:nvSpPr>
+          <p:cNvPr id="6" name="梯形 5">
+            <a:extLst>
+              <a:ext uri="{FF2B5EF4-FFF2-40B4-BE49-F238E27FC236}">
+                <a16:creationId xmlns:a16="http://schemas.microsoft.com/office/drawing/2014/main" id="{52EE0DD4-A064-7596-A675-6FD83554C458}"/>
+              </a:ext>
+            </a:extLst>
+          </p:cNvPr>
+          <p:cNvSpPr/>
+          <p:nvPr/>
+        </p:nvSpPr>
+        <p:spPr>
+          <a:xfrm rot="5400000">
+            <a:off x="4204890" y="2801969"/>
+            <a:ext cx="924564" cy="1088246"/>
+          </a:xfrm>
+          <a:prstGeom prst="trapezoid">
+            <a:avLst/>
+          </a:prstGeom>
+          <a:noFill/>
+          <a:ln w="38100">
+            <a:solidFill>
+              <a:schemeClr val="accent1"/>
+            </a:solidFill>
+          </a:ln>
+        </p:spPr>
+        <p:style>
+          <a:lnRef idx="2">
+            <a:schemeClr val="accent1">
+              <a:shade val="50000"/>
+            </a:schemeClr>
+          </a:lnRef>
+          <a:fillRef idx="1">
+            <a:schemeClr val="accent1"/>
+          </a:fillRef>
+          <a:effectRef idx="0">
+            <a:schemeClr val="accent1"/>
+          </a:effectRef>
+          <a:fontRef idx="minor">
+            <a:schemeClr val="lt1"/>
+          </a:fontRef>
+        </p:style>
+        <p:txBody>
+          <a:bodyPr rtlCol="0" anchor="ctr"/>
+          <a:lstStyle/>
+          <a:p>
+            <a:pPr algn="ctr"/>
+            <a:endParaRPr kumimoji="1" lang="zh-CN" altLang="en-US">
+              <a:ln w="0">
+                <a:solidFill>
+                  <a:sysClr val="windowText" lastClr="000000"/>
+                </a:solidFill>
+              </a:ln>
+              <a:solidFill>
+                <a:schemeClr val="tx1"/>
+              </a:solidFill>
+              <a:effectLst>
+                <a:outerShdw blurRad="50800" dist="38100" dir="2700000" algn="tl" rotWithShape="0">
+                  <a:prstClr val="black">
+                    <a:alpha val="40000"/>
+                  </a:prstClr>
+                </a:outerShdw>
+              </a:effectLst>
+            </a:endParaRPr>
+          </a:p>
+        </p:txBody>
+      </p:sp>
+      <p:sp>
+        <p:nvSpPr>
+          <p:cNvPr id="7" name="文本框 6">
+            <a:extLst>
+              <a:ext uri="{FF2B5EF4-FFF2-40B4-BE49-F238E27FC236}">
+                <a16:creationId xmlns:a16="http://schemas.microsoft.com/office/drawing/2014/main" id="{CB55584C-55C3-F25B-9A34-2364CD995933}"/>
+              </a:ext>
+            </a:extLst>
+          </p:cNvPr>
+          <p:cNvSpPr txBox="1"/>
+          <p:nvPr/>
+        </p:nvSpPr>
+        <p:spPr>
+          <a:xfrm>
+            <a:off x="4135549" y="3015661"/>
+            <a:ext cx="997389" cy="516907"/>
+          </a:xfrm>
+          <a:prstGeom prst="rect">
+            <a:avLst/>
+          </a:prstGeom>
+          <a:noFill/>
+        </p:spPr>
+        <p:txBody>
+          <a:bodyPr wrap="square" rtlCol="0">
+            <a:spAutoFit/>
+          </a:bodyPr>
+          <a:lstStyle/>
+          <a:p>
+            <a:r>
+              <a:rPr kumimoji="1" lang="en-US" altLang="zh-CN" dirty="0"/>
+              <a:t>Content</a:t>
+            </a:r>
+          </a:p>
+          <a:p>
+            <a:r>
+              <a:rPr kumimoji="1" lang="en-US" altLang="zh-CN" dirty="0"/>
+              <a:t>Encoder</a:t>
+            </a:r>
+            <a:endParaRPr kumimoji="1" lang="zh-CN" altLang="en-US" dirty="0"/>
+          </a:p>
+        </p:txBody>
+      </p:sp>
+      <p:sp>
+        <p:nvSpPr>
+          <p:cNvPr id="23" name="矩形 22">
+            <a:extLst>
+              <a:ext uri="{FF2B5EF4-FFF2-40B4-BE49-F238E27FC236}">
+                <a16:creationId xmlns:a16="http://schemas.microsoft.com/office/drawing/2014/main" id="{4E482811-448A-A751-D537-819AE2D54ACE}"/>
+              </a:ext>
+            </a:extLst>
+          </p:cNvPr>
+          <p:cNvSpPr/>
+          <p:nvPr/>
+        </p:nvSpPr>
+        <p:spPr>
+          <a:xfrm>
+            <a:off x="6215833" y="3989017"/>
+            <a:ext cx="180000" cy="143956"/>
+          </a:xfrm>
+          <a:prstGeom prst="rect">
+            <a:avLst/>
+          </a:prstGeom>
+          <a:gradFill flip="none" rotWithShape="1">
+            <a:gsLst>
+              <a:gs pos="0">
+                <a:schemeClr val="accent2">
+                  <a:lumMod val="40000"/>
+                  <a:lumOff val="60000"/>
+                </a:schemeClr>
+              </a:gs>
+              <a:gs pos="54000">
+                <a:schemeClr val="accent2">
+                  <a:lumMod val="95000"/>
+                  <a:lumOff val="5000"/>
+                </a:schemeClr>
+              </a:gs>
+              <a:gs pos="100000">
+                <a:schemeClr val="accent2">
+                  <a:lumMod val="60000"/>
+                </a:schemeClr>
+              </a:gs>
+            </a:gsLst>
+            <a:path path="circle">
+              <a:fillToRect l="50000" t="130000" r="50000" b="-30000"/>
+            </a:path>
+            <a:tileRect/>
+          </a:gradFill>
+        </p:spPr>
+        <p:style>
+          <a:lnRef idx="2">
+            <a:schemeClr val="accent1">
+              <a:shade val="50000"/>
+            </a:schemeClr>
+          </a:lnRef>
+          <a:fillRef idx="1">
+            <a:schemeClr val="accent1"/>
+          </a:fillRef>
+          <a:effectRef idx="0">
+            <a:schemeClr val="accent1"/>
+          </a:effectRef>
+          <a:fontRef idx="minor">
+            <a:schemeClr val="lt1"/>
+          </a:fontRef>
+        </p:style>
+        <p:txBody>
+          <a:bodyPr rtlCol="0" anchor="ctr"/>
+          <a:lstStyle/>
+          <a:p>
+            <a:pPr algn="ctr"/>
+            <a:endParaRPr kumimoji="1" lang="zh-CN" altLang="en-US"/>
+          </a:p>
+        </p:txBody>
+      </p:sp>
+      <p:sp>
+        <p:nvSpPr>
+          <p:cNvPr id="26" name="矩形 25">
+            <a:extLst>
+              <a:ext uri="{FF2B5EF4-FFF2-40B4-BE49-F238E27FC236}">
+                <a16:creationId xmlns:a16="http://schemas.microsoft.com/office/drawing/2014/main" id="{455C04DF-FBC2-34FC-7318-5D00BFFEB01E}"/>
+              </a:ext>
+            </a:extLst>
+          </p:cNvPr>
+          <p:cNvSpPr/>
+          <p:nvPr/>
+        </p:nvSpPr>
+        <p:spPr>
+          <a:xfrm>
+            <a:off x="6215833" y="4182877"/>
+            <a:ext cx="180000" cy="143956"/>
+          </a:xfrm>
+          <a:prstGeom prst="rect">
+            <a:avLst/>
+          </a:prstGeom>
+          <a:gradFill flip="none" rotWithShape="1">
+            <a:gsLst>
+              <a:gs pos="0">
+                <a:schemeClr val="accent2">
+                  <a:lumMod val="40000"/>
+                  <a:lumOff val="60000"/>
+                </a:schemeClr>
+              </a:gs>
+              <a:gs pos="54000">
+                <a:schemeClr val="accent2">
+                  <a:lumMod val="95000"/>
+                  <a:lumOff val="5000"/>
+                </a:schemeClr>
+              </a:gs>
+              <a:gs pos="100000">
+                <a:schemeClr val="accent2">
+                  <a:lumMod val="60000"/>
+                </a:schemeClr>
+              </a:gs>
+            </a:gsLst>
+            <a:path path="circle">
+              <a:fillToRect l="50000" t="130000" r="50000" b="-30000"/>
+            </a:path>
+            <a:tileRect/>
+          </a:gradFill>
+        </p:spPr>
+        <p:style>
+          <a:lnRef idx="2">
+            <a:schemeClr val="accent1">
+              <a:shade val="50000"/>
+            </a:schemeClr>
+          </a:lnRef>
+          <a:fillRef idx="1">
+            <a:schemeClr val="accent1"/>
+          </a:fillRef>
+          <a:effectRef idx="0">
+            <a:schemeClr val="accent1"/>
+          </a:effectRef>
+          <a:fontRef idx="minor">
+            <a:schemeClr val="lt1"/>
+          </a:fontRef>
+        </p:style>
+        <p:txBody>
+          <a:bodyPr rtlCol="0" anchor="ctr"/>
+          <a:lstStyle/>
+          <a:p>
+            <a:pPr algn="ctr"/>
+            <a:endParaRPr kumimoji="1" lang="zh-CN" altLang="en-US"/>
+          </a:p>
+        </p:txBody>
+      </p:sp>
+      <p:sp>
+        <p:nvSpPr>
+          <p:cNvPr id="27" name="矩形 26">
+            <a:extLst>
+              <a:ext uri="{FF2B5EF4-FFF2-40B4-BE49-F238E27FC236}">
+                <a16:creationId xmlns:a16="http://schemas.microsoft.com/office/drawing/2014/main" id="{9F71421C-07C9-407D-FC2F-AB9F81D60167}"/>
+              </a:ext>
+            </a:extLst>
+          </p:cNvPr>
+          <p:cNvSpPr/>
+          <p:nvPr/>
+        </p:nvSpPr>
+        <p:spPr>
+          <a:xfrm>
+            <a:off x="6215833" y="4376738"/>
+            <a:ext cx="180000" cy="143956"/>
+          </a:xfrm>
+          <a:prstGeom prst="rect">
+            <a:avLst/>
+          </a:prstGeom>
+          <a:gradFill flip="none" rotWithShape="1">
+            <a:gsLst>
+              <a:gs pos="0">
+                <a:schemeClr val="accent2">
+                  <a:lumMod val="40000"/>
+                  <a:lumOff val="60000"/>
+                </a:schemeClr>
+              </a:gs>
+              <a:gs pos="54000">
+                <a:schemeClr val="accent2">
+                  <a:lumMod val="95000"/>
+                  <a:lumOff val="5000"/>
+                </a:schemeClr>
+              </a:gs>
+              <a:gs pos="100000">
+                <a:schemeClr val="accent2">
+                  <a:lumMod val="60000"/>
+                </a:schemeClr>
+              </a:gs>
+            </a:gsLst>
+            <a:path path="circle">
+              <a:fillToRect l="50000" t="130000" r="50000" b="-30000"/>
+            </a:path>
+            <a:tileRect/>
+          </a:gradFill>
+        </p:spPr>
+        <p:style>
+          <a:lnRef idx="2">
+            <a:schemeClr val="accent1">
+              <a:shade val="50000"/>
+            </a:schemeClr>
+          </a:lnRef>
+          <a:fillRef idx="1">
+            <a:schemeClr val="accent1"/>
+          </a:fillRef>
+          <a:effectRef idx="0">
+            <a:schemeClr val="accent1"/>
+          </a:effectRef>
+          <a:fontRef idx="minor">
+            <a:schemeClr val="lt1"/>
+          </a:fontRef>
+        </p:style>
+        <p:txBody>
+          <a:bodyPr rtlCol="0" anchor="ctr"/>
+          <a:lstStyle/>
+          <a:p>
+            <a:pPr algn="ctr"/>
+            <a:endParaRPr kumimoji="1" lang="zh-CN" altLang="en-US"/>
+          </a:p>
+        </p:txBody>
+      </p:sp>
+      <p:sp>
+        <p:nvSpPr>
+          <p:cNvPr id="28" name="矩形 27">
+            <a:extLst>
+              <a:ext uri="{FF2B5EF4-FFF2-40B4-BE49-F238E27FC236}">
+                <a16:creationId xmlns:a16="http://schemas.microsoft.com/office/drawing/2014/main" id="{BB6411D7-C066-B718-F764-16F508644E8B}"/>
+              </a:ext>
+            </a:extLst>
+          </p:cNvPr>
+          <p:cNvSpPr/>
+          <p:nvPr/>
+        </p:nvSpPr>
+        <p:spPr>
+          <a:xfrm>
+            <a:off x="6215833" y="4570599"/>
+            <a:ext cx="180000" cy="143956"/>
+          </a:xfrm>
+          <a:prstGeom prst="rect">
+            <a:avLst/>
+          </a:prstGeom>
+          <a:gradFill flip="none" rotWithShape="1">
+            <a:gsLst>
+              <a:gs pos="0">
+                <a:schemeClr val="accent2">
+                  <a:lumMod val="40000"/>
+                  <a:lumOff val="60000"/>
+                </a:schemeClr>
+              </a:gs>
+              <a:gs pos="54000">
+                <a:schemeClr val="accent2">
+                  <a:lumMod val="95000"/>
+                  <a:lumOff val="5000"/>
+                </a:schemeClr>
+              </a:gs>
+              <a:gs pos="100000">
+                <a:schemeClr val="accent2">
+                  <a:lumMod val="60000"/>
+                </a:schemeClr>
+              </a:gs>
+            </a:gsLst>
+            <a:path path="circle">
+              <a:fillToRect l="50000" t="130000" r="50000" b="-30000"/>
+            </a:path>
+            <a:tileRect/>
+          </a:gradFill>
+        </p:spPr>
+        <p:style>
+          <a:lnRef idx="2">
+            <a:schemeClr val="accent1">
+              <a:shade val="50000"/>
+            </a:schemeClr>
+          </a:lnRef>
+          <a:fillRef idx="1">
+            <a:schemeClr val="accent1"/>
+          </a:fillRef>
+          <a:effectRef idx="0">
+            <a:schemeClr val="accent1"/>
+          </a:effectRef>
+          <a:fontRef idx="minor">
+            <a:schemeClr val="lt1"/>
+          </a:fontRef>
+        </p:style>
+        <p:txBody>
+          <a:bodyPr rtlCol="0" anchor="ctr"/>
+          <a:lstStyle/>
+          <a:p>
+            <a:pPr algn="ctr"/>
+            <a:endParaRPr kumimoji="1" lang="zh-CN" altLang="en-US"/>
+          </a:p>
+        </p:txBody>
+      </p:sp>
+      <p:cxnSp>
+        <p:nvCxnSpPr>
+          <p:cNvPr id="56" name="直线箭头连接符 55">
+            <a:extLst>
+              <a:ext uri="{FF2B5EF4-FFF2-40B4-BE49-F238E27FC236}">
+                <a16:creationId xmlns:a16="http://schemas.microsoft.com/office/drawing/2014/main" id="{A1EA47E6-5C95-25BF-7B28-FC7254D0CF84}"/>
+              </a:ext>
+            </a:extLst>
+          </p:cNvPr>
+          <p:cNvCxnSpPr>
+            <a:cxnSpLocks/>
+          </p:cNvCxnSpPr>
+          <p:nvPr/>
+        </p:nvCxnSpPr>
+        <p:spPr>
+          <a:xfrm flipV="1">
+            <a:off x="3533552" y="3329859"/>
+            <a:ext cx="540000" cy="0"/>
+          </a:xfrm>
+          <a:prstGeom prst="straightConnector1">
+            <a:avLst/>
+          </a:prstGeom>
+          <a:ln w="25400" cmpd="sng">
+            <a:headEnd w="lg" len="lg"/>
+            <a:tailEnd type="stealth" w="lg" len="lg"/>
+          </a:ln>
+        </p:spPr>
+        <p:style>
+          <a:lnRef idx="1">
+            <a:schemeClr val="accent1"/>
+          </a:lnRef>
+          <a:fillRef idx="0">
+            <a:schemeClr val="accent1"/>
+          </a:fillRef>
+          <a:effectRef idx="0">
+            <a:schemeClr val="accent1"/>
+          </a:effectRef>
+          <a:fontRef idx="minor">
+            <a:schemeClr val="tx1"/>
+          </a:fontRef>
+        </p:style>
+      </p:cxnSp>
+      <p:sp>
+        <p:nvSpPr>
+          <p:cNvPr id="59" name="右大括号 58">
+            <a:extLst>
+              <a:ext uri="{FF2B5EF4-FFF2-40B4-BE49-F238E27FC236}">
+                <a16:creationId xmlns:a16="http://schemas.microsoft.com/office/drawing/2014/main" id="{178968AE-6945-C157-6902-42A6279077C1}"/>
+              </a:ext>
+            </a:extLst>
+          </p:cNvPr>
+          <p:cNvSpPr/>
+          <p:nvPr/>
+        </p:nvSpPr>
+        <p:spPr>
+          <a:xfrm>
+            <a:off x="8479348" y="953529"/>
+            <a:ext cx="274225" cy="1097753"/>
+          </a:xfrm>
+          <a:prstGeom prst="rightBrace">
+            <a:avLst/>
+          </a:prstGeom>
+          <a:ln w="25400"/>
+        </p:spPr>
+        <p:style>
+          <a:lnRef idx="1">
+            <a:schemeClr val="accent1"/>
+          </a:lnRef>
+          <a:fillRef idx="0">
+            <a:schemeClr val="accent1"/>
+          </a:fillRef>
+          <a:effectRef idx="0">
+            <a:schemeClr val="accent1"/>
+          </a:effectRef>
+          <a:fontRef idx="minor">
+            <a:schemeClr val="tx1"/>
+          </a:fontRef>
+        </p:style>
+        <p:txBody>
+          <a:bodyPr rtlCol="0" anchor="ctr"/>
+          <a:lstStyle/>
+          <a:p>
+            <a:pPr algn="ctr"/>
+            <a:endParaRPr kumimoji="1" lang="zh-CN" altLang="en-US"/>
+          </a:p>
+        </p:txBody>
+      </p:sp>
+      <p:sp>
+        <p:nvSpPr>
+          <p:cNvPr id="60" name="文本框 59">
+            <a:extLst>
+              <a:ext uri="{FF2B5EF4-FFF2-40B4-BE49-F238E27FC236}">
+                <a16:creationId xmlns:a16="http://schemas.microsoft.com/office/drawing/2014/main" id="{604D29B3-9B4C-BA8F-609C-B0C6F061F50B}"/>
+              </a:ext>
+            </a:extLst>
+          </p:cNvPr>
+          <p:cNvSpPr txBox="1"/>
+          <p:nvPr/>
+        </p:nvSpPr>
+        <p:spPr>
+          <a:xfrm>
+            <a:off x="7118784" y="1293181"/>
+            <a:ext cx="434734" cy="418448"/>
+          </a:xfrm>
+          <a:prstGeom prst="rect">
+            <a:avLst/>
+          </a:prstGeom>
+          <a:noFill/>
+        </p:spPr>
+        <p:txBody>
+          <a:bodyPr wrap="square" rtlCol="0">
+            <a:spAutoFit/>
+          </a:bodyPr>
+          <a:lstStyle/>
+          <a:p>
+            <a:r>
+              <a:rPr kumimoji="1" lang="en-US" altLang="zh-CN" sz="2800" b="1" dirty="0"/>
+              <a:t>+</a:t>
+            </a:r>
+            <a:endParaRPr kumimoji="1" lang="zh-CN" altLang="en-US" sz="2800" b="1" dirty="0"/>
+          </a:p>
+        </p:txBody>
+      </p:sp>
+      <p:sp>
+        <p:nvSpPr>
+          <p:cNvPr id="67" name="文本框 66">
+            <a:extLst>
+              <a:ext uri="{FF2B5EF4-FFF2-40B4-BE49-F238E27FC236}">
+                <a16:creationId xmlns:a16="http://schemas.microsoft.com/office/drawing/2014/main" id="{BF643DD9-1090-33B3-AD3B-483F0503D103}"/>
+              </a:ext>
+            </a:extLst>
+          </p:cNvPr>
+          <p:cNvSpPr txBox="1"/>
+          <p:nvPr/>
+        </p:nvSpPr>
+        <p:spPr>
+          <a:xfrm>
+            <a:off x="8120507" y="2971461"/>
+            <a:ext cx="963725" cy="516907"/>
+          </a:xfrm>
+          <a:prstGeom prst="rect">
+            <a:avLst/>
+          </a:prstGeom>
+          <a:noFill/>
+        </p:spPr>
+        <p:txBody>
+          <a:bodyPr wrap="square" rtlCol="0">
+            <a:spAutoFit/>
+          </a:bodyPr>
+          <a:lstStyle/>
+          <a:p>
+            <a:r>
+              <a:rPr kumimoji="1" lang="en-US" altLang="zh-CN" dirty="0"/>
+              <a:t>Smooth</a:t>
+            </a:r>
+          </a:p>
+          <a:p>
+            <a:r>
+              <a:rPr kumimoji="1" lang="en-US" altLang="zh-CN" dirty="0"/>
+              <a:t>L1Loss</a:t>
+            </a:r>
+            <a:endParaRPr kumimoji="1" lang="zh-CN" altLang="en-US" dirty="0"/>
+          </a:p>
+        </p:txBody>
+      </p:sp>
+      <p:sp>
+        <p:nvSpPr>
+          <p:cNvPr id="78" name="梯形 77">
+            <a:extLst>
+              <a:ext uri="{FF2B5EF4-FFF2-40B4-BE49-F238E27FC236}">
+                <a16:creationId xmlns:a16="http://schemas.microsoft.com/office/drawing/2014/main" id="{14E275CF-2D2B-1B98-4FBB-FC3E0251CF4D}"/>
+              </a:ext>
+            </a:extLst>
+          </p:cNvPr>
+          <p:cNvSpPr/>
+          <p:nvPr/>
+        </p:nvSpPr>
+        <p:spPr>
+          <a:xfrm rot="16200000" flipH="1">
+            <a:off x="4442763" y="4946113"/>
+            <a:ext cx="841011" cy="1100318"/>
+          </a:xfrm>
+          <a:prstGeom prst="trapezoid">
+            <a:avLst/>
+          </a:prstGeom>
+          <a:noFill/>
+          <a:ln w="38100">
+            <a:solidFill>
+              <a:schemeClr val="accent1"/>
+            </a:solidFill>
+          </a:ln>
+        </p:spPr>
+        <p:style>
+          <a:lnRef idx="2">
+            <a:schemeClr val="accent1">
+              <a:shade val="50000"/>
+            </a:schemeClr>
+          </a:lnRef>
+          <a:fillRef idx="1">
+            <a:schemeClr val="accent1"/>
+          </a:fillRef>
+          <a:effectRef idx="0">
+            <a:schemeClr val="accent1"/>
+          </a:effectRef>
+          <a:fontRef idx="minor">
+            <a:schemeClr val="lt1"/>
+          </a:fontRef>
+        </p:style>
+        <p:txBody>
+          <a:bodyPr rtlCol="0" anchor="ctr"/>
+          <a:lstStyle/>
+          <a:p>
+            <a:pPr algn="ctr"/>
+            <a:endParaRPr kumimoji="1" lang="zh-CN" altLang="en-US">
+              <a:ln w="0">
+                <a:solidFill>
+                  <a:sysClr val="windowText" lastClr="000000"/>
+                </a:solidFill>
+              </a:ln>
+              <a:solidFill>
+                <a:schemeClr val="tx1"/>
+              </a:solidFill>
+              <a:effectLst>
+                <a:outerShdw blurRad="50800" dist="38100" dir="2700000" algn="tl" rotWithShape="0">
+                  <a:prstClr val="black">
+                    <a:alpha val="40000"/>
+                  </a:prstClr>
+                </a:outerShdw>
+              </a:effectLst>
+            </a:endParaRPr>
+          </a:p>
+        </p:txBody>
+      </p:sp>
+      <p:sp>
+        <p:nvSpPr>
+          <p:cNvPr id="79" name="文本框 78">
+            <a:extLst>
+              <a:ext uri="{FF2B5EF4-FFF2-40B4-BE49-F238E27FC236}">
+                <a16:creationId xmlns:a16="http://schemas.microsoft.com/office/drawing/2014/main" id="{8667367F-5EAF-3317-8597-2589CA7BEE44}"/>
+              </a:ext>
+            </a:extLst>
+          </p:cNvPr>
+          <p:cNvSpPr txBox="1"/>
+          <p:nvPr/>
+        </p:nvSpPr>
+        <p:spPr>
+          <a:xfrm>
+            <a:off x="4372387" y="5326183"/>
+            <a:ext cx="1040869" cy="268682"/>
+          </a:xfrm>
+          <a:prstGeom prst="rect">
+            <a:avLst/>
+          </a:prstGeom>
+          <a:noFill/>
+        </p:spPr>
+        <p:txBody>
+          <a:bodyPr wrap="none" rtlCol="0">
+            <a:spAutoFit/>
+          </a:bodyPr>
+          <a:lstStyle/>
+          <a:p>
+            <a:r>
+              <a:rPr kumimoji="1" lang="en-US" altLang="zh-CN" dirty="0"/>
+              <a:t>Decoder</a:t>
+            </a:r>
+            <a:endParaRPr kumimoji="1" lang="zh-CN" altLang="en-US" dirty="0"/>
+          </a:p>
+        </p:txBody>
+      </p:sp>
+      <p:cxnSp>
+        <p:nvCxnSpPr>
+          <p:cNvPr id="80" name="直线箭头连接符 79">
+            <a:extLst>
+              <a:ext uri="{FF2B5EF4-FFF2-40B4-BE49-F238E27FC236}">
+                <a16:creationId xmlns:a16="http://schemas.microsoft.com/office/drawing/2014/main" id="{F456F261-7BC2-5FEC-CFA7-385D2FF087BF}"/>
+              </a:ext>
+            </a:extLst>
+          </p:cNvPr>
+          <p:cNvCxnSpPr>
+            <a:cxnSpLocks/>
+          </p:cNvCxnSpPr>
+          <p:nvPr/>
+        </p:nvCxnSpPr>
+        <p:spPr>
+          <a:xfrm>
+            <a:off x="5572054" y="5510860"/>
+            <a:ext cx="818986" cy="0"/>
+          </a:xfrm>
+          <a:prstGeom prst="straightConnector1">
+            <a:avLst/>
+          </a:prstGeom>
+          <a:ln w="25400">
+            <a:tailEnd type="triangle"/>
+          </a:ln>
+        </p:spPr>
+        <p:style>
+          <a:lnRef idx="1">
+            <a:schemeClr val="accent1"/>
+          </a:lnRef>
+          <a:fillRef idx="0">
+            <a:schemeClr val="accent1"/>
+          </a:fillRef>
+          <a:effectRef idx="0">
+            <a:schemeClr val="accent1"/>
+          </a:effectRef>
+          <a:fontRef idx="minor">
+            <a:schemeClr val="tx1"/>
+          </a:fontRef>
+        </p:style>
+      </p:cxnSp>
+      <p:sp>
+        <p:nvSpPr>
+          <p:cNvPr id="81" name="矩形 80">
+            <a:extLst>
+              <a:ext uri="{FF2B5EF4-FFF2-40B4-BE49-F238E27FC236}">
+                <a16:creationId xmlns:a16="http://schemas.microsoft.com/office/drawing/2014/main" id="{A32E4BD9-AA3F-F101-B046-A1BCFBE835ED}"/>
+              </a:ext>
+            </a:extLst>
+          </p:cNvPr>
+          <p:cNvSpPr/>
+          <p:nvPr/>
+        </p:nvSpPr>
+        <p:spPr>
+          <a:xfrm>
+            <a:off x="1010128" y="5135930"/>
+            <a:ext cx="181997" cy="130947"/>
+          </a:xfrm>
+          <a:prstGeom prst="rect">
+            <a:avLst/>
+          </a:prstGeom>
+          <a:gradFill flip="none" rotWithShape="1">
+            <a:gsLst>
+              <a:gs pos="0">
+                <a:schemeClr val="accent1">
+                  <a:lumMod val="0"/>
+                  <a:lumOff val="100000"/>
+                </a:schemeClr>
+              </a:gs>
+              <a:gs pos="15000">
+                <a:schemeClr val="accent1">
+                  <a:lumMod val="0"/>
+                  <a:lumOff val="100000"/>
+                </a:schemeClr>
+              </a:gs>
+              <a:gs pos="100000">
+                <a:schemeClr val="accent1">
+                  <a:lumMod val="100000"/>
+                </a:schemeClr>
+              </a:gs>
+            </a:gsLst>
+            <a:path path="circle">
+              <a:fillToRect l="50000" t="-80000" r="50000" b="180000"/>
+            </a:path>
+            <a:tileRect/>
+          </a:gradFill>
+        </p:spPr>
+        <p:style>
+          <a:lnRef idx="2">
+            <a:schemeClr val="accent1">
+              <a:shade val="50000"/>
+            </a:schemeClr>
+          </a:lnRef>
+          <a:fillRef idx="1">
+            <a:schemeClr val="accent1"/>
+          </a:fillRef>
+          <a:effectRef idx="0">
+            <a:schemeClr val="accent1"/>
+          </a:effectRef>
+          <a:fontRef idx="minor">
+            <a:schemeClr val="lt1"/>
+          </a:fontRef>
+        </p:style>
+        <p:txBody>
+          <a:bodyPr rtlCol="0" anchor="ctr"/>
+          <a:lstStyle/>
+          <a:p>
+            <a:pPr algn="ctr"/>
+            <a:endParaRPr kumimoji="1" lang="zh-CN" altLang="en-US"/>
+          </a:p>
+        </p:txBody>
+      </p:sp>
+      <p:sp>
+        <p:nvSpPr>
+          <p:cNvPr id="82" name="矩形 81">
+            <a:extLst>
+              <a:ext uri="{FF2B5EF4-FFF2-40B4-BE49-F238E27FC236}">
+                <a16:creationId xmlns:a16="http://schemas.microsoft.com/office/drawing/2014/main" id="{6963C1FD-2C04-C60C-ECD0-21189B86928F}"/>
+              </a:ext>
+            </a:extLst>
+          </p:cNvPr>
+          <p:cNvSpPr/>
+          <p:nvPr/>
+        </p:nvSpPr>
+        <p:spPr>
+          <a:xfrm>
+            <a:off x="1010128" y="5312271"/>
+            <a:ext cx="181997" cy="130947"/>
+          </a:xfrm>
+          <a:prstGeom prst="rect">
+            <a:avLst/>
+          </a:prstGeom>
+          <a:gradFill flip="none" rotWithShape="1">
+            <a:gsLst>
+              <a:gs pos="0">
+                <a:schemeClr val="accent1">
+                  <a:lumMod val="0"/>
+                  <a:lumOff val="100000"/>
+                </a:schemeClr>
+              </a:gs>
+              <a:gs pos="15000">
+                <a:schemeClr val="accent1">
+                  <a:lumMod val="0"/>
+                  <a:lumOff val="100000"/>
+                </a:schemeClr>
+              </a:gs>
+              <a:gs pos="100000">
+                <a:schemeClr val="accent1">
+                  <a:lumMod val="100000"/>
+                </a:schemeClr>
+              </a:gs>
+            </a:gsLst>
+            <a:path path="circle">
+              <a:fillToRect l="50000" t="-80000" r="50000" b="180000"/>
+            </a:path>
+            <a:tileRect/>
+          </a:gradFill>
+        </p:spPr>
+        <p:style>
+          <a:lnRef idx="2">
+            <a:schemeClr val="accent1">
+              <a:shade val="50000"/>
+            </a:schemeClr>
+          </a:lnRef>
+          <a:fillRef idx="1">
+            <a:schemeClr val="accent1"/>
+          </a:fillRef>
+          <a:effectRef idx="0">
+            <a:schemeClr val="accent1"/>
+          </a:effectRef>
+          <a:fontRef idx="minor">
+            <a:schemeClr val="lt1"/>
+          </a:fontRef>
+        </p:style>
+        <p:txBody>
+          <a:bodyPr rtlCol="0" anchor="ctr"/>
+          <a:lstStyle/>
+          <a:p>
+            <a:pPr algn="ctr"/>
+            <a:endParaRPr kumimoji="1" lang="zh-CN" altLang="en-US"/>
+          </a:p>
+        </p:txBody>
+      </p:sp>
+      <p:sp>
+        <p:nvSpPr>
+          <p:cNvPr id="83" name="矩形 82">
+            <a:extLst>
+              <a:ext uri="{FF2B5EF4-FFF2-40B4-BE49-F238E27FC236}">
+                <a16:creationId xmlns:a16="http://schemas.microsoft.com/office/drawing/2014/main" id="{80A0577D-9A3F-3500-AA61-E7D7C1C2F6BF}"/>
+              </a:ext>
+            </a:extLst>
+          </p:cNvPr>
+          <p:cNvSpPr/>
+          <p:nvPr/>
+        </p:nvSpPr>
+        <p:spPr>
+          <a:xfrm>
+            <a:off x="1010128" y="5488613"/>
+            <a:ext cx="181997" cy="130947"/>
+          </a:xfrm>
+          <a:prstGeom prst="rect">
+            <a:avLst/>
+          </a:prstGeom>
+          <a:gradFill flip="none" rotWithShape="1">
+            <a:gsLst>
+              <a:gs pos="0">
+                <a:schemeClr val="accent1">
+                  <a:lumMod val="0"/>
+                  <a:lumOff val="100000"/>
+                </a:schemeClr>
+              </a:gs>
+              <a:gs pos="15000">
+                <a:schemeClr val="accent1">
+                  <a:lumMod val="0"/>
+                  <a:lumOff val="100000"/>
+                </a:schemeClr>
+              </a:gs>
+              <a:gs pos="100000">
+                <a:schemeClr val="accent1">
+                  <a:lumMod val="100000"/>
+                </a:schemeClr>
+              </a:gs>
+            </a:gsLst>
+            <a:path path="circle">
+              <a:fillToRect l="50000" t="-80000" r="50000" b="180000"/>
+            </a:path>
+            <a:tileRect/>
+          </a:gradFill>
+        </p:spPr>
+        <p:style>
+          <a:lnRef idx="2">
+            <a:schemeClr val="accent1">
+              <a:shade val="50000"/>
+            </a:schemeClr>
+          </a:lnRef>
+          <a:fillRef idx="1">
+            <a:schemeClr val="accent1"/>
+          </a:fillRef>
+          <a:effectRef idx="0">
+            <a:schemeClr val="accent1"/>
+          </a:effectRef>
+          <a:fontRef idx="minor">
+            <a:schemeClr val="lt1"/>
+          </a:fontRef>
+        </p:style>
+        <p:txBody>
+          <a:bodyPr rtlCol="0" anchor="ctr"/>
+          <a:lstStyle/>
+          <a:p>
+            <a:pPr algn="ctr"/>
+            <a:endParaRPr kumimoji="1" lang="zh-CN" altLang="en-US"/>
+          </a:p>
+        </p:txBody>
+      </p:sp>
+      <p:sp>
+        <p:nvSpPr>
+          <p:cNvPr id="84" name="矩形 83">
+            <a:extLst>
+              <a:ext uri="{FF2B5EF4-FFF2-40B4-BE49-F238E27FC236}">
+                <a16:creationId xmlns:a16="http://schemas.microsoft.com/office/drawing/2014/main" id="{EA66DF03-74F7-542C-6A15-FEE842E72059}"/>
+              </a:ext>
+            </a:extLst>
+          </p:cNvPr>
+          <p:cNvSpPr/>
+          <p:nvPr/>
+        </p:nvSpPr>
+        <p:spPr>
+          <a:xfrm>
+            <a:off x="1010128" y="5664954"/>
+            <a:ext cx="181997" cy="130947"/>
+          </a:xfrm>
+          <a:prstGeom prst="rect">
+            <a:avLst/>
+          </a:prstGeom>
+          <a:gradFill flip="none" rotWithShape="1">
+            <a:gsLst>
+              <a:gs pos="0">
+                <a:schemeClr val="accent1">
+                  <a:lumMod val="0"/>
+                  <a:lumOff val="100000"/>
+                </a:schemeClr>
+              </a:gs>
+              <a:gs pos="15000">
+                <a:schemeClr val="accent1">
+                  <a:lumMod val="0"/>
+                  <a:lumOff val="100000"/>
+                </a:schemeClr>
+              </a:gs>
+              <a:gs pos="100000">
+                <a:schemeClr val="accent1">
+                  <a:lumMod val="100000"/>
+                </a:schemeClr>
+              </a:gs>
+            </a:gsLst>
+            <a:path path="circle">
+              <a:fillToRect l="50000" t="-80000" r="50000" b="180000"/>
+            </a:path>
+            <a:tileRect/>
+          </a:gradFill>
+        </p:spPr>
+        <p:style>
+          <a:lnRef idx="2">
+            <a:schemeClr val="accent1">
+              <a:shade val="50000"/>
+            </a:schemeClr>
+          </a:lnRef>
+          <a:fillRef idx="1">
+            <a:schemeClr val="accent1"/>
+          </a:fillRef>
+          <a:effectRef idx="0">
+            <a:schemeClr val="accent1"/>
+          </a:effectRef>
+          <a:fontRef idx="minor">
+            <a:schemeClr val="lt1"/>
+          </a:fontRef>
+        </p:style>
+        <p:txBody>
+          <a:bodyPr rtlCol="0" anchor="ctr"/>
+          <a:lstStyle/>
+          <a:p>
+            <a:pPr algn="ctr"/>
+            <a:endParaRPr kumimoji="1" lang="zh-CN" altLang="en-US"/>
+          </a:p>
+        </p:txBody>
+      </p:sp>
+      <p:sp>
+        <p:nvSpPr>
+          <p:cNvPr id="85" name="文本框 84">
+            <a:extLst>
+              <a:ext uri="{FF2B5EF4-FFF2-40B4-BE49-F238E27FC236}">
+                <a16:creationId xmlns:a16="http://schemas.microsoft.com/office/drawing/2014/main" id="{CB1538F6-A49C-9F20-7824-6DD9BCDCB4D1}"/>
+              </a:ext>
+            </a:extLst>
+          </p:cNvPr>
+          <p:cNvSpPr txBox="1"/>
+          <p:nvPr/>
+        </p:nvSpPr>
+        <p:spPr>
+          <a:xfrm>
+            <a:off x="1373291" y="5275291"/>
+            <a:ext cx="1805766" cy="335853"/>
+          </a:xfrm>
+          <a:prstGeom prst="rect">
+            <a:avLst/>
+          </a:prstGeom>
+          <a:noFill/>
+        </p:spPr>
+        <p:txBody>
+          <a:bodyPr wrap="square">
+            <a:spAutoFit/>
+          </a:bodyPr>
+          <a:lstStyle/>
+          <a:p>
+            <a:r>
+              <a:rPr kumimoji="1" lang="en-US" altLang="zh-CN" sz="2400" dirty="0" err="1"/>
+              <a:t>Z</a:t>
+            </a:r>
+            <a:r>
+              <a:rPr kumimoji="1" lang="en-US" altLang="zh-CN" sz="2400" baseline="-25000" dirty="0" err="1"/>
+              <a:t>content_control</a:t>
+            </a:r>
+            <a:endParaRPr kumimoji="1" lang="zh-CN" altLang="en-US" sz="2400" baseline="-25000" dirty="0"/>
+          </a:p>
+        </p:txBody>
+      </p:sp>
+      <p:cxnSp>
+        <p:nvCxnSpPr>
+          <p:cNvPr id="86" name="直线箭头连接符 85">
+            <a:extLst>
+              <a:ext uri="{FF2B5EF4-FFF2-40B4-BE49-F238E27FC236}">
+                <a16:creationId xmlns:a16="http://schemas.microsoft.com/office/drawing/2014/main" id="{B3B4FBFD-309C-ECEC-CC9E-6740214E7AE5}"/>
+              </a:ext>
+            </a:extLst>
+          </p:cNvPr>
+          <p:cNvCxnSpPr>
+            <a:cxnSpLocks/>
+          </p:cNvCxnSpPr>
+          <p:nvPr/>
+        </p:nvCxnSpPr>
+        <p:spPr>
+          <a:xfrm flipV="1">
+            <a:off x="3254566" y="5510860"/>
+            <a:ext cx="818986" cy="0"/>
+          </a:xfrm>
+          <a:prstGeom prst="straightConnector1">
+            <a:avLst/>
+          </a:prstGeom>
+          <a:ln w="25400">
+            <a:tailEnd type="triangle"/>
+          </a:ln>
+        </p:spPr>
+        <p:style>
+          <a:lnRef idx="1">
+            <a:schemeClr val="accent1"/>
+          </a:lnRef>
+          <a:fillRef idx="0">
+            <a:schemeClr val="accent1"/>
+          </a:fillRef>
+          <a:effectRef idx="0">
+            <a:schemeClr val="accent1"/>
+          </a:effectRef>
+          <a:fontRef idx="minor">
+            <a:schemeClr val="tx1"/>
+          </a:fontRef>
+        </p:style>
+      </p:cxnSp>
+      <p:sp>
+        <p:nvSpPr>
+          <p:cNvPr id="89" name="文本框 88">
+            <a:extLst>
+              <a:ext uri="{FF2B5EF4-FFF2-40B4-BE49-F238E27FC236}">
+                <a16:creationId xmlns:a16="http://schemas.microsoft.com/office/drawing/2014/main" id="{1A271F79-0F7B-B6C6-B3B6-FD1BE8FE9FD3}"/>
+              </a:ext>
+            </a:extLst>
+          </p:cNvPr>
+          <p:cNvSpPr txBox="1"/>
+          <p:nvPr/>
+        </p:nvSpPr>
+        <p:spPr>
+          <a:xfrm>
+            <a:off x="9675875" y="4779949"/>
+            <a:ext cx="1347197" cy="291073"/>
+          </a:xfrm>
+          <a:prstGeom prst="rect">
+            <a:avLst/>
+          </a:prstGeom>
+          <a:noFill/>
+        </p:spPr>
+        <p:txBody>
+          <a:bodyPr wrap="none" rtlCol="0">
+            <a:spAutoFit/>
+          </a:bodyPr>
+          <a:lstStyle/>
+          <a:p>
+            <a:r>
+              <a:rPr kumimoji="1" lang="en-US" altLang="zh-CN" sz="2000" dirty="0"/>
+              <a:t>stimulated</a:t>
+            </a:r>
+            <a:endParaRPr kumimoji="1" lang="zh-CN" altLang="en-US" sz="2000" dirty="0"/>
+          </a:p>
+        </p:txBody>
+      </p:sp>
+      <p:sp>
+        <p:nvSpPr>
+          <p:cNvPr id="90" name="文本框 89">
+            <a:extLst>
+              <a:ext uri="{FF2B5EF4-FFF2-40B4-BE49-F238E27FC236}">
+                <a16:creationId xmlns:a16="http://schemas.microsoft.com/office/drawing/2014/main" id="{0CD5E31C-4FF8-1659-3D3A-E5DFB7C191F3}"/>
+              </a:ext>
+            </a:extLst>
+          </p:cNvPr>
+          <p:cNvSpPr txBox="1"/>
+          <p:nvPr/>
+        </p:nvSpPr>
+        <p:spPr>
+          <a:xfrm>
+            <a:off x="6523981" y="4773541"/>
+            <a:ext cx="1332416" cy="400110"/>
+          </a:xfrm>
+          <a:prstGeom prst="rect">
+            <a:avLst/>
+          </a:prstGeom>
+          <a:noFill/>
+        </p:spPr>
+        <p:txBody>
+          <a:bodyPr wrap="none" rtlCol="0">
+            <a:spAutoFit/>
+          </a:bodyPr>
+          <a:lstStyle/>
+          <a:p>
+            <a:r>
+              <a:rPr kumimoji="1" lang="en-US" altLang="zh-CN" sz="2000" i="1" dirty="0"/>
+              <a:t>stimulated</a:t>
+            </a:r>
+            <a:endParaRPr kumimoji="1" lang="zh-CN" altLang="en-US" sz="2000" i="1" dirty="0"/>
+          </a:p>
+        </p:txBody>
+      </p:sp>
+      <p:cxnSp>
+        <p:nvCxnSpPr>
+          <p:cNvPr id="91" name="直线箭头连接符 90">
+            <a:extLst>
+              <a:ext uri="{FF2B5EF4-FFF2-40B4-BE49-F238E27FC236}">
+                <a16:creationId xmlns:a16="http://schemas.microsoft.com/office/drawing/2014/main" id="{4BC841EE-7FEE-81F8-0C70-F7416464BC21}"/>
+              </a:ext>
+            </a:extLst>
+          </p:cNvPr>
+          <p:cNvCxnSpPr>
+            <a:cxnSpLocks/>
+          </p:cNvCxnSpPr>
+          <p:nvPr/>
+        </p:nvCxnSpPr>
+        <p:spPr>
+          <a:xfrm>
+            <a:off x="7903145" y="5468200"/>
+            <a:ext cx="1772730" cy="0"/>
+          </a:xfrm>
+          <a:prstGeom prst="straightConnector1">
+            <a:avLst/>
+          </a:prstGeom>
+          <a:ln w="19050">
+            <a:headEnd type="triangle"/>
+            <a:tailEnd type="triangle"/>
+          </a:ln>
+        </p:spPr>
+        <p:style>
+          <a:lnRef idx="1">
+            <a:schemeClr val="accent1"/>
+          </a:lnRef>
+          <a:fillRef idx="0">
+            <a:schemeClr val="accent1"/>
+          </a:fillRef>
+          <a:effectRef idx="0">
+            <a:schemeClr val="accent1"/>
+          </a:effectRef>
+          <a:fontRef idx="minor">
+            <a:schemeClr val="tx1"/>
+          </a:fontRef>
+        </p:style>
+      </p:cxnSp>
+      <p:sp>
+        <p:nvSpPr>
+          <p:cNvPr id="92" name="文本框 91">
+            <a:extLst>
+              <a:ext uri="{FF2B5EF4-FFF2-40B4-BE49-F238E27FC236}">
+                <a16:creationId xmlns:a16="http://schemas.microsoft.com/office/drawing/2014/main" id="{1F880A2E-503A-37B7-A04B-5B977CA18D7A}"/>
+              </a:ext>
+            </a:extLst>
+          </p:cNvPr>
+          <p:cNvSpPr txBox="1"/>
+          <p:nvPr/>
+        </p:nvSpPr>
+        <p:spPr>
+          <a:xfrm>
+            <a:off x="7959276" y="5472541"/>
+            <a:ext cx="1583831" cy="268682"/>
+          </a:xfrm>
+          <a:prstGeom prst="rect">
+            <a:avLst/>
+          </a:prstGeom>
+          <a:noFill/>
+        </p:spPr>
+        <p:txBody>
+          <a:bodyPr wrap="none" rtlCol="0">
+            <a:spAutoFit/>
+          </a:bodyPr>
+          <a:lstStyle/>
+          <a:p>
+            <a:r>
+              <a:rPr kumimoji="1" lang="en-US" altLang="zh-CN" dirty="0"/>
+              <a:t>SmoothL1loss</a:t>
+            </a:r>
+            <a:endParaRPr kumimoji="1" lang="zh-CN" altLang="en-US" dirty="0"/>
+          </a:p>
+        </p:txBody>
+      </p:sp>
+      <p:sp>
+        <p:nvSpPr>
+          <p:cNvPr id="93" name="文本框 92">
+            <a:extLst>
+              <a:ext uri="{FF2B5EF4-FFF2-40B4-BE49-F238E27FC236}">
+                <a16:creationId xmlns:a16="http://schemas.microsoft.com/office/drawing/2014/main" id="{76B927BB-55AD-7B6D-AAB7-AEF7BF2FA8F9}"/>
+              </a:ext>
+            </a:extLst>
+          </p:cNvPr>
+          <p:cNvSpPr txBox="1"/>
+          <p:nvPr/>
+        </p:nvSpPr>
+        <p:spPr>
+          <a:xfrm>
+            <a:off x="6952137" y="4584179"/>
+            <a:ext cx="446040" cy="553998"/>
+          </a:xfrm>
+          <a:prstGeom prst="rect">
+            <a:avLst/>
+          </a:prstGeom>
+          <a:noFill/>
+        </p:spPr>
+        <p:txBody>
+          <a:bodyPr wrap="square" rtlCol="0">
+            <a:spAutoFit/>
+          </a:bodyPr>
+          <a:lstStyle/>
+          <a:p>
+            <a:r>
+              <a:rPr kumimoji="1" lang="en-US" altLang="zh-CN" sz="3000" dirty="0"/>
+              <a:t>^</a:t>
+            </a:r>
+            <a:endParaRPr kumimoji="1" lang="zh-CN" altLang="en-US" sz="3000" dirty="0"/>
+          </a:p>
+        </p:txBody>
+      </p:sp>
+      <p:sp>
+        <p:nvSpPr>
+          <p:cNvPr id="95" name="椭圆 94">
+            <a:extLst>
+              <a:ext uri="{FF2B5EF4-FFF2-40B4-BE49-F238E27FC236}">
+                <a16:creationId xmlns:a16="http://schemas.microsoft.com/office/drawing/2014/main" id="{6667CFF6-6805-7B2B-644C-D6A2066EEF07}"/>
+              </a:ext>
+            </a:extLst>
+          </p:cNvPr>
+          <p:cNvSpPr/>
+          <p:nvPr/>
+        </p:nvSpPr>
+        <p:spPr>
+          <a:xfrm>
+            <a:off x="6523808" y="5189003"/>
+            <a:ext cx="1276670" cy="649349"/>
+          </a:xfrm>
+          <a:prstGeom prst="ellipse">
+            <a:avLst/>
+          </a:prstGeom>
+          <a:blipFill dpi="0" rotWithShape="1">
+            <a:blip r:embed="rId2">
+              <a:extLst>
+                <a:ext uri="{28A0092B-C50C-407E-A947-70E740481C1C}">
+                  <a14:useLocalDpi xmlns:a14="http://schemas.microsoft.com/office/drawing/2010/main" val="0"/>
+                </a:ext>
+              </a:extLst>
+            </a:blip>
+            <a:srcRect/>
+            <a:stretch>
+              <a:fillRect l="-2247" t="-16126" r="-21548" b="1630"/>
+            </a:stretch>
+          </a:blipFill>
+        </p:spPr>
+        <p:style>
+          <a:lnRef idx="2">
+            <a:schemeClr val="accent1">
+              <a:shade val="50000"/>
+            </a:schemeClr>
+          </a:lnRef>
+          <a:fillRef idx="1">
+            <a:schemeClr val="accent1"/>
+          </a:fillRef>
+          <a:effectRef idx="0">
+            <a:schemeClr val="accent1"/>
+          </a:effectRef>
+          <a:fontRef idx="minor">
+            <a:schemeClr val="lt1"/>
+          </a:fontRef>
+        </p:style>
+        <p:txBody>
+          <a:bodyPr rtlCol="0" anchor="ctr"/>
+          <a:lstStyle/>
+          <a:p>
+            <a:pPr algn="ctr"/>
+            <a:endParaRPr kumimoji="1" lang="zh-CN" altLang="en-US"/>
+          </a:p>
+        </p:txBody>
+      </p:sp>
+      <p:sp>
+        <p:nvSpPr>
+          <p:cNvPr id="96" name="椭圆 95">
+            <a:extLst>
+              <a:ext uri="{FF2B5EF4-FFF2-40B4-BE49-F238E27FC236}">
+                <a16:creationId xmlns:a16="http://schemas.microsoft.com/office/drawing/2014/main" id="{1D240AA7-C7EB-C773-C0A2-EE146C4EC97D}"/>
+              </a:ext>
+            </a:extLst>
+          </p:cNvPr>
+          <p:cNvSpPr/>
+          <p:nvPr/>
+        </p:nvSpPr>
+        <p:spPr>
+          <a:xfrm>
+            <a:off x="9834673" y="5201403"/>
+            <a:ext cx="1347198" cy="649349"/>
+          </a:xfrm>
+          <a:prstGeom prst="ellipse">
+            <a:avLst/>
+          </a:prstGeom>
+          <a:blipFill dpi="0" rotWithShape="1">
+            <a:blip r:embed="rId3">
+              <a:extLst>
+                <a:ext uri="{28A0092B-C50C-407E-A947-70E740481C1C}">
+                  <a14:useLocalDpi xmlns:a14="http://schemas.microsoft.com/office/drawing/2010/main" val="0"/>
+                </a:ext>
+              </a:extLst>
+            </a:blip>
+            <a:srcRect/>
+            <a:stretch>
+              <a:fillRect l="-1443" t="-16010" r="-22198"/>
+            </a:stretch>
+          </a:blipFill>
+        </p:spPr>
+        <p:style>
+          <a:lnRef idx="2">
+            <a:schemeClr val="accent1">
+              <a:shade val="50000"/>
+            </a:schemeClr>
+          </a:lnRef>
+          <a:fillRef idx="1">
+            <a:schemeClr val="accent1"/>
+          </a:fillRef>
+          <a:effectRef idx="0">
+            <a:schemeClr val="accent1"/>
+          </a:effectRef>
+          <a:fontRef idx="minor">
+            <a:schemeClr val="lt1"/>
+          </a:fontRef>
+        </p:style>
+        <p:txBody>
+          <a:bodyPr rtlCol="0" anchor="ctr"/>
+          <a:lstStyle/>
+          <a:p>
+            <a:pPr algn="ctr"/>
+            <a:endParaRPr kumimoji="1" lang="zh-CN" altLang="en-US"/>
+          </a:p>
+        </p:txBody>
+      </p:sp>
+      <p:cxnSp>
+        <p:nvCxnSpPr>
+          <p:cNvPr id="102" name="肘形连接符 101">
+            <a:extLst>
+              <a:ext uri="{FF2B5EF4-FFF2-40B4-BE49-F238E27FC236}">
+                <a16:creationId xmlns:a16="http://schemas.microsoft.com/office/drawing/2014/main" id="{ED1F92A0-A71E-A366-9575-1DE9D03B289E}"/>
+              </a:ext>
+            </a:extLst>
+          </p:cNvPr>
+          <p:cNvCxnSpPr>
+            <a:cxnSpLocks/>
+            <a:stCxn id="34" idx="0"/>
+          </p:cNvCxnSpPr>
+          <p:nvPr/>
+        </p:nvCxnSpPr>
+        <p:spPr>
+          <a:xfrm rot="5400000" flipH="1" flipV="1">
+            <a:off x="7410147" y="1965955"/>
+            <a:ext cx="2400920" cy="2011013"/>
+          </a:xfrm>
+          <a:prstGeom prst="bentConnector3">
+            <a:avLst>
+              <a:gd name="adj1" fmla="val 50000"/>
+            </a:avLst>
+          </a:prstGeom>
+          <a:ln w="25400">
+            <a:solidFill>
+              <a:schemeClr val="accent2"/>
+            </a:solidFill>
+            <a:prstDash val="dash"/>
+            <a:headEnd type="triangle"/>
+            <a:tailEnd type="triangle"/>
+          </a:ln>
+        </p:spPr>
+        <p:style>
+          <a:lnRef idx="1">
+            <a:schemeClr val="accent1"/>
+          </a:lnRef>
+          <a:fillRef idx="0">
+            <a:schemeClr val="accent1"/>
+          </a:fillRef>
+          <a:effectRef idx="0">
+            <a:schemeClr val="accent1"/>
+          </a:effectRef>
+          <a:fontRef idx="minor">
+            <a:schemeClr val="tx1"/>
+          </a:fontRef>
+        </p:style>
+      </p:cxnSp>
+      <p:cxnSp>
+        <p:nvCxnSpPr>
+          <p:cNvPr id="108" name="肘形连接符 107">
+            <a:extLst>
+              <a:ext uri="{FF2B5EF4-FFF2-40B4-BE49-F238E27FC236}">
+                <a16:creationId xmlns:a16="http://schemas.microsoft.com/office/drawing/2014/main" id="{E47C8058-2211-0E70-B980-38323AE2E2E5}"/>
+              </a:ext>
+            </a:extLst>
+          </p:cNvPr>
+          <p:cNvCxnSpPr>
+            <a:cxnSpLocks/>
+            <a:stCxn id="116" idx="1"/>
+          </p:cNvCxnSpPr>
+          <p:nvPr/>
+        </p:nvCxnSpPr>
+        <p:spPr>
+          <a:xfrm rot="10800000" flipV="1">
+            <a:off x="897070" y="2041736"/>
+            <a:ext cx="5379676" cy="3431283"/>
+          </a:xfrm>
+          <a:prstGeom prst="bentConnector3">
+            <a:avLst>
+              <a:gd name="adj1" fmla="val 104249"/>
+            </a:avLst>
+          </a:prstGeom>
+          <a:ln w="19050">
+            <a:prstDash val="lgDash"/>
+            <a:headEnd type="triangle"/>
+            <a:tailEnd type="triangle"/>
+          </a:ln>
+        </p:spPr>
+        <p:style>
+          <a:lnRef idx="1">
+            <a:schemeClr val="accent1"/>
+          </a:lnRef>
+          <a:fillRef idx="0">
+            <a:schemeClr val="accent1"/>
+          </a:fillRef>
+          <a:effectRef idx="0">
+            <a:schemeClr val="accent1"/>
+          </a:effectRef>
+          <a:fontRef idx="minor">
+            <a:schemeClr val="tx1"/>
+          </a:fontRef>
+        </p:style>
+      </p:cxnSp>
+      <p:sp>
+        <p:nvSpPr>
+          <p:cNvPr id="115" name="矩形 114">
+            <a:extLst>
+              <a:ext uri="{FF2B5EF4-FFF2-40B4-BE49-F238E27FC236}">
+                <a16:creationId xmlns:a16="http://schemas.microsoft.com/office/drawing/2014/main" id="{2D23A697-EF82-3772-12F6-7300A9DC8626}"/>
+              </a:ext>
+            </a:extLst>
+          </p:cNvPr>
+          <p:cNvSpPr/>
+          <p:nvPr/>
+        </p:nvSpPr>
+        <p:spPr>
+          <a:xfrm>
+            <a:off x="6276746" y="1799922"/>
+            <a:ext cx="181997" cy="130947"/>
+          </a:xfrm>
+          <a:prstGeom prst="rect">
+            <a:avLst/>
+          </a:prstGeom>
+          <a:gradFill flip="none" rotWithShape="1">
+            <a:gsLst>
+              <a:gs pos="0">
+                <a:schemeClr val="accent1">
+                  <a:lumMod val="0"/>
+                  <a:lumOff val="100000"/>
+                </a:schemeClr>
+              </a:gs>
+              <a:gs pos="15000">
+                <a:schemeClr val="accent1">
+                  <a:lumMod val="0"/>
+                  <a:lumOff val="100000"/>
+                </a:schemeClr>
+              </a:gs>
+              <a:gs pos="100000">
+                <a:schemeClr val="accent1">
+                  <a:lumMod val="100000"/>
+                </a:schemeClr>
+              </a:gs>
+            </a:gsLst>
+            <a:path path="circle">
+              <a:fillToRect l="50000" t="-80000" r="50000" b="180000"/>
+            </a:path>
+            <a:tileRect/>
+          </a:gradFill>
+        </p:spPr>
+        <p:style>
+          <a:lnRef idx="2">
+            <a:schemeClr val="accent1">
+              <a:shade val="50000"/>
+            </a:schemeClr>
+          </a:lnRef>
+          <a:fillRef idx="1">
+            <a:schemeClr val="accent1"/>
+          </a:fillRef>
+          <a:effectRef idx="0">
+            <a:schemeClr val="accent1"/>
+          </a:effectRef>
+          <a:fontRef idx="minor">
+            <a:schemeClr val="lt1"/>
+          </a:fontRef>
+        </p:style>
+        <p:txBody>
+          <a:bodyPr rtlCol="0" anchor="ctr"/>
+          <a:lstStyle/>
+          <a:p>
+            <a:pPr algn="ctr"/>
+            <a:endParaRPr kumimoji="1" lang="zh-CN" altLang="en-US">
+              <a:solidFill>
+                <a:srgbClr val="FF0000"/>
+              </a:solidFill>
+            </a:endParaRPr>
+          </a:p>
+        </p:txBody>
+      </p:sp>
+      <p:sp>
+        <p:nvSpPr>
+          <p:cNvPr id="116" name="矩形 115">
+            <a:extLst>
+              <a:ext uri="{FF2B5EF4-FFF2-40B4-BE49-F238E27FC236}">
+                <a16:creationId xmlns:a16="http://schemas.microsoft.com/office/drawing/2014/main" id="{AED455DB-F5C8-95FB-A734-A9B78C4337A0}"/>
+              </a:ext>
+            </a:extLst>
+          </p:cNvPr>
+          <p:cNvSpPr/>
+          <p:nvPr/>
+        </p:nvSpPr>
+        <p:spPr>
+          <a:xfrm>
+            <a:off x="6276746" y="1976263"/>
+            <a:ext cx="181997" cy="130947"/>
+          </a:xfrm>
+          <a:prstGeom prst="rect">
+            <a:avLst/>
+          </a:prstGeom>
+          <a:gradFill flip="none" rotWithShape="1">
+            <a:gsLst>
+              <a:gs pos="0">
+                <a:schemeClr val="accent1">
+                  <a:lumMod val="0"/>
+                  <a:lumOff val="100000"/>
+                </a:schemeClr>
+              </a:gs>
+              <a:gs pos="15000">
+                <a:schemeClr val="accent1">
+                  <a:lumMod val="0"/>
+                  <a:lumOff val="100000"/>
+                </a:schemeClr>
+              </a:gs>
+              <a:gs pos="100000">
+                <a:schemeClr val="accent1">
+                  <a:lumMod val="100000"/>
+                </a:schemeClr>
+              </a:gs>
+            </a:gsLst>
+            <a:path path="circle">
+              <a:fillToRect l="50000" t="-80000" r="50000" b="180000"/>
+            </a:path>
+            <a:tileRect/>
+          </a:gradFill>
+        </p:spPr>
+        <p:style>
+          <a:lnRef idx="2">
+            <a:schemeClr val="accent1">
+              <a:shade val="50000"/>
+            </a:schemeClr>
+          </a:lnRef>
+          <a:fillRef idx="1">
+            <a:schemeClr val="accent1"/>
+          </a:fillRef>
+          <a:effectRef idx="0">
+            <a:schemeClr val="accent1"/>
+          </a:effectRef>
+          <a:fontRef idx="minor">
+            <a:schemeClr val="lt1"/>
+          </a:fontRef>
+        </p:style>
+        <p:txBody>
+          <a:bodyPr rtlCol="0" anchor="ctr"/>
+          <a:lstStyle/>
+          <a:p>
+            <a:pPr algn="ctr"/>
+            <a:endParaRPr kumimoji="1" lang="zh-CN" altLang="en-US"/>
+          </a:p>
+        </p:txBody>
+      </p:sp>
+      <p:sp>
+        <p:nvSpPr>
+          <p:cNvPr id="117" name="矩形 116">
+            <a:extLst>
+              <a:ext uri="{FF2B5EF4-FFF2-40B4-BE49-F238E27FC236}">
+                <a16:creationId xmlns:a16="http://schemas.microsoft.com/office/drawing/2014/main" id="{A38A37D9-7F89-84B7-C1E8-6929D6711747}"/>
+              </a:ext>
+            </a:extLst>
+          </p:cNvPr>
+          <p:cNvSpPr/>
+          <p:nvPr/>
+        </p:nvSpPr>
+        <p:spPr>
+          <a:xfrm>
+            <a:off x="6276746" y="2152605"/>
+            <a:ext cx="181997" cy="130947"/>
+          </a:xfrm>
+          <a:prstGeom prst="rect">
+            <a:avLst/>
+          </a:prstGeom>
+          <a:gradFill flip="none" rotWithShape="1">
+            <a:gsLst>
+              <a:gs pos="0">
+                <a:schemeClr val="accent1">
+                  <a:lumMod val="0"/>
+                  <a:lumOff val="100000"/>
+                </a:schemeClr>
+              </a:gs>
+              <a:gs pos="15000">
+                <a:schemeClr val="accent1">
+                  <a:lumMod val="0"/>
+                  <a:lumOff val="100000"/>
+                </a:schemeClr>
+              </a:gs>
+              <a:gs pos="100000">
+                <a:schemeClr val="accent1">
+                  <a:lumMod val="100000"/>
+                </a:schemeClr>
+              </a:gs>
+            </a:gsLst>
+            <a:path path="circle">
+              <a:fillToRect l="50000" t="-80000" r="50000" b="180000"/>
+            </a:path>
+            <a:tileRect/>
+          </a:gradFill>
+        </p:spPr>
+        <p:style>
+          <a:lnRef idx="2">
+            <a:schemeClr val="accent1">
+              <a:shade val="50000"/>
+            </a:schemeClr>
+          </a:lnRef>
+          <a:fillRef idx="1">
+            <a:schemeClr val="accent1"/>
+          </a:fillRef>
+          <a:effectRef idx="0">
+            <a:schemeClr val="accent1"/>
+          </a:effectRef>
+          <a:fontRef idx="minor">
+            <a:schemeClr val="lt1"/>
+          </a:fontRef>
+        </p:style>
+        <p:txBody>
+          <a:bodyPr rtlCol="0" anchor="ctr"/>
+          <a:lstStyle/>
+          <a:p>
+            <a:pPr algn="ctr"/>
+            <a:endParaRPr kumimoji="1" lang="zh-CN" altLang="en-US"/>
+          </a:p>
+        </p:txBody>
+      </p:sp>
+      <p:sp>
+        <p:nvSpPr>
+          <p:cNvPr id="118" name="矩形 117">
+            <a:extLst>
+              <a:ext uri="{FF2B5EF4-FFF2-40B4-BE49-F238E27FC236}">
+                <a16:creationId xmlns:a16="http://schemas.microsoft.com/office/drawing/2014/main" id="{8D147F84-7307-A9F7-5C6A-418CBAB9159E}"/>
+              </a:ext>
+            </a:extLst>
+          </p:cNvPr>
+          <p:cNvSpPr/>
+          <p:nvPr/>
+        </p:nvSpPr>
+        <p:spPr>
+          <a:xfrm>
+            <a:off x="6276746" y="2328946"/>
+            <a:ext cx="181997" cy="130947"/>
+          </a:xfrm>
+          <a:prstGeom prst="rect">
+            <a:avLst/>
+          </a:prstGeom>
+          <a:gradFill flip="none" rotWithShape="1">
+            <a:gsLst>
+              <a:gs pos="0">
+                <a:schemeClr val="accent1">
+                  <a:lumMod val="0"/>
+                  <a:lumOff val="100000"/>
+                </a:schemeClr>
+              </a:gs>
+              <a:gs pos="15000">
+                <a:schemeClr val="accent1">
+                  <a:lumMod val="0"/>
+                  <a:lumOff val="100000"/>
+                </a:schemeClr>
+              </a:gs>
+              <a:gs pos="100000">
+                <a:schemeClr val="accent1">
+                  <a:lumMod val="100000"/>
+                </a:schemeClr>
+              </a:gs>
+            </a:gsLst>
+            <a:path path="circle">
+              <a:fillToRect l="50000" t="-80000" r="50000" b="180000"/>
+            </a:path>
+            <a:tileRect/>
+          </a:gradFill>
+        </p:spPr>
+        <p:style>
+          <a:lnRef idx="2">
+            <a:schemeClr val="accent1">
+              <a:shade val="50000"/>
+            </a:schemeClr>
+          </a:lnRef>
+          <a:fillRef idx="1">
+            <a:schemeClr val="accent1"/>
+          </a:fillRef>
+          <a:effectRef idx="0">
+            <a:schemeClr val="accent1"/>
+          </a:effectRef>
+          <a:fontRef idx="minor">
+            <a:schemeClr val="lt1"/>
+          </a:fontRef>
+        </p:style>
+        <p:txBody>
+          <a:bodyPr rtlCol="0" anchor="ctr"/>
+          <a:lstStyle/>
+          <a:p>
+            <a:pPr algn="ctr"/>
+            <a:endParaRPr kumimoji="1" lang="zh-CN" altLang="en-US"/>
+          </a:p>
+        </p:txBody>
+      </p:sp>
+      <p:sp>
+        <p:nvSpPr>
+          <p:cNvPr id="119" name="文本框 118">
+            <a:extLst>
+              <a:ext uri="{FF2B5EF4-FFF2-40B4-BE49-F238E27FC236}">
+                <a16:creationId xmlns:a16="http://schemas.microsoft.com/office/drawing/2014/main" id="{D1EB56E9-9B77-E452-9C14-52DBECF8F60D}"/>
+              </a:ext>
+            </a:extLst>
+          </p:cNvPr>
+          <p:cNvSpPr txBox="1"/>
+          <p:nvPr/>
+        </p:nvSpPr>
+        <p:spPr>
+          <a:xfrm>
+            <a:off x="6582584" y="1864211"/>
+            <a:ext cx="1805766" cy="335853"/>
+          </a:xfrm>
+          <a:prstGeom prst="rect">
+            <a:avLst/>
+          </a:prstGeom>
+          <a:noFill/>
+        </p:spPr>
+        <p:txBody>
+          <a:bodyPr wrap="square">
+            <a:spAutoFit/>
+          </a:bodyPr>
+          <a:lstStyle/>
+          <a:p>
+            <a:r>
+              <a:rPr kumimoji="1" lang="en-US" altLang="zh-CN" sz="2400" dirty="0" err="1"/>
+              <a:t>Z</a:t>
+            </a:r>
+            <a:r>
+              <a:rPr kumimoji="1" lang="en-US" altLang="zh-CN" sz="2400" baseline="-25000" dirty="0" err="1"/>
+              <a:t>content_control</a:t>
+            </a:r>
+            <a:endParaRPr kumimoji="1" lang="zh-CN" altLang="en-US" sz="2400" baseline="-25000" dirty="0"/>
+          </a:p>
+        </p:txBody>
+      </p:sp>
+      <p:grpSp>
+        <p:nvGrpSpPr>
+          <p:cNvPr id="122" name="组合 121">
+            <a:extLst>
+              <a:ext uri="{FF2B5EF4-FFF2-40B4-BE49-F238E27FC236}">
+                <a16:creationId xmlns:a16="http://schemas.microsoft.com/office/drawing/2014/main" id="{F6B79FC1-1C1E-CA30-97D4-AACB10ABF8FD}"/>
+              </a:ext>
+            </a:extLst>
+          </p:cNvPr>
+          <p:cNvGrpSpPr/>
+          <p:nvPr/>
+        </p:nvGrpSpPr>
+        <p:grpSpPr>
+          <a:xfrm>
+            <a:off x="1171614" y="2260867"/>
+            <a:ext cx="1853383" cy="987466"/>
+            <a:chOff x="1171325" y="2047872"/>
+            <a:chExt cx="1853383" cy="987466"/>
+          </a:xfrm>
+        </p:grpSpPr>
+        <p:sp>
+          <p:nvSpPr>
+            <p:cNvPr id="13" name="椭圆 12">
+              <a:extLst>
+                <a:ext uri="{FF2B5EF4-FFF2-40B4-BE49-F238E27FC236}">
+                  <a16:creationId xmlns:a16="http://schemas.microsoft.com/office/drawing/2014/main" id="{488C4366-BCEA-2985-6710-444248FA18C5}"/>
+                </a:ext>
+              </a:extLst>
+            </p:cNvPr>
+            <p:cNvSpPr/>
+            <p:nvPr/>
+          </p:nvSpPr>
+          <p:spPr>
+            <a:xfrm>
+              <a:off x="1171325" y="2047872"/>
+              <a:ext cx="1853383" cy="987466"/>
+            </a:xfrm>
+            <a:prstGeom prst="ellipse">
+              <a:avLst/>
+            </a:prstGeom>
+            <a:blipFill dpi="0" rotWithShape="1">
+              <a:blip r:embed="rId3">
+                <a:extLst>
+                  <a:ext uri="{28A0092B-C50C-407E-A947-70E740481C1C}">
+                    <a14:useLocalDpi xmlns:a14="http://schemas.microsoft.com/office/drawing/2010/main" val="0"/>
+                  </a:ext>
+                </a:extLst>
+              </a:blip>
+              <a:srcRect/>
+              <a:stretch>
+                <a:fillRect l="-1443" t="-16010" r="-22198"/>
+              </a:stretch>
+            </a:blipFill>
+          </p:spPr>
+          <p:style>
+            <a:lnRef idx="2">
+              <a:schemeClr val="accent1">
+                <a:shade val="50000"/>
+              </a:schemeClr>
+            </a:lnRef>
+            <a:fillRef idx="1">
+              <a:schemeClr val="accent1"/>
+            </a:fillRef>
+            <a:effectRef idx="0">
+              <a:schemeClr val="accent1"/>
+            </a:effectRef>
+            <a:fontRef idx="minor">
+              <a:schemeClr val="lt1"/>
+            </a:fontRef>
+          </p:style>
+          <p:txBody>
+            <a:bodyPr rtlCol="0" anchor="ctr"/>
+            <a:lstStyle/>
+            <a:p>
+              <a:pPr algn="ctr"/>
+              <a:endParaRPr kumimoji="1" lang="zh-CN" altLang="en-US"/>
+            </a:p>
+          </p:txBody>
+        </p:sp>
+        <p:sp>
+          <p:nvSpPr>
+            <p:cNvPr id="72" name="文本框 71">
+              <a:extLst>
+                <a:ext uri="{FF2B5EF4-FFF2-40B4-BE49-F238E27FC236}">
+                  <a16:creationId xmlns:a16="http://schemas.microsoft.com/office/drawing/2014/main" id="{5314B7BE-55F5-C257-DD73-97E0ECAFE213}"/>
+                </a:ext>
+              </a:extLst>
+            </p:cNvPr>
+            <p:cNvSpPr txBox="1"/>
+            <p:nvPr/>
+          </p:nvSpPr>
+          <p:spPr>
+            <a:xfrm>
+              <a:off x="1527114" y="2690877"/>
+              <a:ext cx="1244270" cy="338554"/>
+            </a:xfrm>
+            <a:prstGeom prst="rect">
+              <a:avLst/>
+            </a:prstGeom>
+            <a:noFill/>
+          </p:spPr>
+          <p:txBody>
+            <a:bodyPr wrap="square" rtlCol="0">
+              <a:spAutoFit/>
+            </a:bodyPr>
+            <a:lstStyle/>
+            <a:p>
+              <a:r>
+                <a:rPr kumimoji="1" lang="en-US" altLang="zh-CN" sz="1600" dirty="0"/>
+                <a:t>stimulated</a:t>
+              </a:r>
+              <a:endParaRPr kumimoji="1" lang="zh-CN" altLang="en-US" sz="1600" dirty="0"/>
+            </a:p>
+          </p:txBody>
+        </p:sp>
+      </p:grpSp>
+      <p:grpSp>
+        <p:nvGrpSpPr>
+          <p:cNvPr id="121" name="组合 120">
+            <a:extLst>
+              <a:ext uri="{FF2B5EF4-FFF2-40B4-BE49-F238E27FC236}">
+                <a16:creationId xmlns:a16="http://schemas.microsoft.com/office/drawing/2014/main" id="{F0D6D590-E0E9-4266-1879-60E12CC4841B}"/>
+              </a:ext>
+            </a:extLst>
+          </p:cNvPr>
+          <p:cNvGrpSpPr/>
+          <p:nvPr/>
+        </p:nvGrpSpPr>
+        <p:grpSpPr>
+          <a:xfrm>
+            <a:off x="1137111" y="3373690"/>
+            <a:ext cx="1853383" cy="1055453"/>
+            <a:chOff x="1117595" y="3900572"/>
+            <a:chExt cx="1853383" cy="1055453"/>
+          </a:xfrm>
+        </p:grpSpPr>
+        <p:sp>
+          <p:nvSpPr>
+            <p:cNvPr id="94" name="椭圆 93">
+              <a:extLst>
+                <a:ext uri="{FF2B5EF4-FFF2-40B4-BE49-F238E27FC236}">
+                  <a16:creationId xmlns:a16="http://schemas.microsoft.com/office/drawing/2014/main" id="{15CB5189-69B0-7890-75CB-E25765F8DD5B}"/>
+                </a:ext>
+              </a:extLst>
+            </p:cNvPr>
+            <p:cNvSpPr/>
+            <p:nvPr/>
+          </p:nvSpPr>
+          <p:spPr>
+            <a:xfrm>
+              <a:off x="1117595" y="3916165"/>
+              <a:ext cx="1853383" cy="1039860"/>
+            </a:xfrm>
+            <a:prstGeom prst="ellipse">
+              <a:avLst/>
+            </a:prstGeom>
+            <a:blipFill dpi="0" rotWithShape="1">
+              <a:blip r:embed="rId2">
+                <a:extLst>
+                  <a:ext uri="{28A0092B-C50C-407E-A947-70E740481C1C}">
+                    <a14:useLocalDpi xmlns:a14="http://schemas.microsoft.com/office/drawing/2010/main" val="0"/>
+                  </a:ext>
+                </a:extLst>
+              </a:blip>
+              <a:srcRect/>
+              <a:stretch>
+                <a:fillRect l="-2247" t="-16126" r="-21548" b="1630"/>
+              </a:stretch>
+            </a:blipFill>
+          </p:spPr>
+          <p:style>
+            <a:lnRef idx="2">
+              <a:schemeClr val="accent1">
+                <a:shade val="50000"/>
+              </a:schemeClr>
+            </a:lnRef>
+            <a:fillRef idx="1">
+              <a:schemeClr val="accent1"/>
+            </a:fillRef>
+            <a:effectRef idx="0">
+              <a:schemeClr val="accent1"/>
+            </a:effectRef>
+            <a:fontRef idx="minor">
+              <a:schemeClr val="lt1"/>
+            </a:fontRef>
+          </p:style>
+          <p:txBody>
+            <a:bodyPr rtlCol="0" anchor="ctr"/>
+            <a:lstStyle/>
+            <a:p>
+              <a:pPr algn="ctr"/>
+              <a:endParaRPr kumimoji="1" lang="zh-CN" altLang="en-US"/>
+            </a:p>
+          </p:txBody>
+        </p:sp>
+        <p:sp>
+          <p:nvSpPr>
+            <p:cNvPr id="73" name="文本框 72">
+              <a:extLst>
+                <a:ext uri="{FF2B5EF4-FFF2-40B4-BE49-F238E27FC236}">
+                  <a16:creationId xmlns:a16="http://schemas.microsoft.com/office/drawing/2014/main" id="{6B8988A6-CC65-B308-FB60-89C3D9D53224}"/>
+                </a:ext>
+              </a:extLst>
+            </p:cNvPr>
+            <p:cNvSpPr txBox="1"/>
+            <p:nvPr/>
+          </p:nvSpPr>
+          <p:spPr>
+            <a:xfrm>
+              <a:off x="1656264" y="3900572"/>
+              <a:ext cx="962123" cy="338554"/>
+            </a:xfrm>
+            <a:prstGeom prst="rect">
+              <a:avLst/>
+            </a:prstGeom>
+            <a:noFill/>
+          </p:spPr>
+          <p:txBody>
+            <a:bodyPr wrap="square" rtlCol="0">
+              <a:spAutoFit/>
+            </a:bodyPr>
+            <a:lstStyle/>
+            <a:p>
+              <a:r>
+                <a:rPr kumimoji="1" lang="en-US" altLang="zh-CN" sz="1600" dirty="0"/>
+                <a:t>control</a:t>
+              </a:r>
+              <a:endParaRPr kumimoji="1" lang="zh-CN" altLang="en-US" sz="1600" dirty="0"/>
+            </a:p>
+          </p:txBody>
+        </p:sp>
+      </p:grpSp>
+      <p:cxnSp>
+        <p:nvCxnSpPr>
+          <p:cNvPr id="128" name="肘形连接符 127">
+            <a:extLst>
+              <a:ext uri="{FF2B5EF4-FFF2-40B4-BE49-F238E27FC236}">
+                <a16:creationId xmlns:a16="http://schemas.microsoft.com/office/drawing/2014/main" id="{509F55A9-1F29-E363-7D10-1D8650420688}"/>
+              </a:ext>
+            </a:extLst>
+          </p:cNvPr>
+          <p:cNvCxnSpPr>
+            <a:cxnSpLocks/>
+            <a:stCxn id="13" idx="6"/>
+          </p:cNvCxnSpPr>
+          <p:nvPr/>
+        </p:nvCxnSpPr>
+        <p:spPr>
+          <a:xfrm>
+            <a:off x="3024997" y="2754600"/>
+            <a:ext cx="508555" cy="591492"/>
+          </a:xfrm>
+          <a:prstGeom prst="bentConnector2">
+            <a:avLst/>
+          </a:prstGeom>
+          <a:ln w="22225"/>
+        </p:spPr>
+        <p:style>
+          <a:lnRef idx="1">
+            <a:schemeClr val="accent1"/>
+          </a:lnRef>
+          <a:fillRef idx="0">
+            <a:schemeClr val="accent1"/>
+          </a:fillRef>
+          <a:effectRef idx="0">
+            <a:schemeClr val="accent1"/>
+          </a:effectRef>
+          <a:fontRef idx="minor">
+            <a:schemeClr val="tx1"/>
+          </a:fontRef>
+        </p:style>
+      </p:cxnSp>
+      <p:cxnSp>
+        <p:nvCxnSpPr>
+          <p:cNvPr id="132" name="肘形连接符 131">
+            <a:extLst>
+              <a:ext uri="{FF2B5EF4-FFF2-40B4-BE49-F238E27FC236}">
+                <a16:creationId xmlns:a16="http://schemas.microsoft.com/office/drawing/2014/main" id="{E25A98BF-4BFC-8CD8-6605-952A2ABBA758}"/>
+              </a:ext>
+            </a:extLst>
+          </p:cNvPr>
+          <p:cNvCxnSpPr>
+            <a:cxnSpLocks/>
+            <a:stCxn id="94" idx="6"/>
+          </p:cNvCxnSpPr>
+          <p:nvPr/>
+        </p:nvCxnSpPr>
+        <p:spPr>
+          <a:xfrm flipV="1">
+            <a:off x="2990494" y="3345453"/>
+            <a:ext cx="543600" cy="563760"/>
+          </a:xfrm>
+          <a:prstGeom prst="bentConnector2">
+            <a:avLst/>
+          </a:prstGeom>
+          <a:ln w="22225"/>
+        </p:spPr>
+        <p:style>
+          <a:lnRef idx="1">
+            <a:schemeClr val="accent1"/>
+          </a:lnRef>
+          <a:fillRef idx="0">
+            <a:schemeClr val="accent1"/>
+          </a:fillRef>
+          <a:effectRef idx="0">
+            <a:schemeClr val="accent1"/>
+          </a:effectRef>
+          <a:fontRef idx="minor">
+            <a:schemeClr val="tx1"/>
+          </a:fontRef>
+        </p:style>
+      </p:cxnSp>
+      <p:sp>
+        <p:nvSpPr>
+          <p:cNvPr id="62" name="文本框 61">
+            <a:extLst>
+              <a:ext uri="{FF2B5EF4-FFF2-40B4-BE49-F238E27FC236}">
+                <a16:creationId xmlns:a16="http://schemas.microsoft.com/office/drawing/2014/main" id="{7FDAE9BD-3975-8968-B6C1-BF00840F0F7F}"/>
+              </a:ext>
+            </a:extLst>
+          </p:cNvPr>
+          <p:cNvSpPr txBox="1"/>
+          <p:nvPr/>
+        </p:nvSpPr>
+        <p:spPr>
+          <a:xfrm>
+            <a:off x="9095486" y="1283115"/>
+            <a:ext cx="994362" cy="369219"/>
+          </a:xfrm>
+          <a:prstGeom prst="rect">
+            <a:avLst/>
+          </a:prstGeom>
+          <a:noFill/>
+        </p:spPr>
+        <p:txBody>
+          <a:bodyPr wrap="square">
+            <a:spAutoFit/>
+          </a:bodyPr>
+          <a:lstStyle/>
+          <a:p>
+            <a:r>
+              <a:rPr kumimoji="1" lang="en-US" altLang="zh-CN" sz="2400" dirty="0" err="1"/>
+              <a:t>Z</a:t>
+            </a:r>
+            <a:r>
+              <a:rPr kumimoji="1" lang="en-US" altLang="zh-CN" sz="2400" baseline="-25000" dirty="0" err="1"/>
+              <a:t>predict</a:t>
+            </a:r>
+            <a:endParaRPr kumimoji="1" lang="zh-CN" altLang="en-US" sz="2400" baseline="-25000" dirty="0"/>
+          </a:p>
+        </p:txBody>
+      </p:sp>
+      <p:sp>
+        <p:nvSpPr>
+          <p:cNvPr id="34" name="文本框 33">
+            <a:extLst>
+              <a:ext uri="{FF2B5EF4-FFF2-40B4-BE49-F238E27FC236}">
+                <a16:creationId xmlns:a16="http://schemas.microsoft.com/office/drawing/2014/main" id="{80174827-EC4A-2FDD-20FE-36C67D5E9A32}"/>
+              </a:ext>
+            </a:extLst>
+          </p:cNvPr>
+          <p:cNvSpPr txBox="1"/>
+          <p:nvPr/>
+        </p:nvSpPr>
+        <p:spPr>
+          <a:xfrm>
+            <a:off x="6575011" y="4171921"/>
+            <a:ext cx="2060179" cy="369219"/>
+          </a:xfrm>
+          <a:prstGeom prst="rect">
+            <a:avLst/>
+          </a:prstGeom>
+          <a:noFill/>
+        </p:spPr>
+        <p:txBody>
+          <a:bodyPr wrap="square" rtlCol="0">
+            <a:spAutoFit/>
+          </a:bodyPr>
+          <a:lstStyle/>
+          <a:p>
+            <a:r>
+              <a:rPr kumimoji="1" lang="en-US" altLang="zh-CN" sz="2400" dirty="0" err="1"/>
+              <a:t>Z</a:t>
+            </a:r>
+            <a:r>
+              <a:rPr kumimoji="1" lang="en-US" altLang="zh-CN" sz="2400" baseline="-25000" dirty="0" err="1"/>
+              <a:t>content_Stimulated</a:t>
+            </a:r>
+            <a:endParaRPr kumimoji="1" lang="zh-CN" altLang="en-US" sz="2400" baseline="-25000" dirty="0"/>
+          </a:p>
+        </p:txBody>
+      </p:sp>
+      <p:cxnSp>
+        <p:nvCxnSpPr>
+          <p:cNvPr id="146" name="直线连接符 145">
+            <a:extLst>
+              <a:ext uri="{FF2B5EF4-FFF2-40B4-BE49-F238E27FC236}">
+                <a16:creationId xmlns:a16="http://schemas.microsoft.com/office/drawing/2014/main" id="{9B024A07-4103-EFD6-4AEA-42E9C33CCE7D}"/>
+              </a:ext>
+            </a:extLst>
+          </p:cNvPr>
+          <p:cNvCxnSpPr/>
+          <p:nvPr/>
+        </p:nvCxnSpPr>
+        <p:spPr>
+          <a:xfrm>
+            <a:off x="5259176" y="3329859"/>
+            <a:ext cx="540000" cy="0"/>
+          </a:xfrm>
+          <a:prstGeom prst="line">
+            <a:avLst/>
+          </a:prstGeom>
+          <a:ln w="25400"/>
+        </p:spPr>
+        <p:style>
+          <a:lnRef idx="1">
+            <a:schemeClr val="accent1"/>
+          </a:lnRef>
+          <a:fillRef idx="0">
+            <a:schemeClr val="accent1"/>
+          </a:fillRef>
+          <a:effectRef idx="0">
+            <a:schemeClr val="accent1"/>
+          </a:effectRef>
+          <a:fontRef idx="minor">
+            <a:schemeClr val="tx1"/>
+          </a:fontRef>
+        </p:style>
+      </p:cxnSp>
+      <p:cxnSp>
+        <p:nvCxnSpPr>
+          <p:cNvPr id="150" name="肘形连接符 149">
+            <a:extLst>
+              <a:ext uri="{FF2B5EF4-FFF2-40B4-BE49-F238E27FC236}">
+                <a16:creationId xmlns:a16="http://schemas.microsoft.com/office/drawing/2014/main" id="{D654D1B8-D864-9297-ED3C-A52D7574A127}"/>
+              </a:ext>
+            </a:extLst>
+          </p:cNvPr>
+          <p:cNvCxnSpPr>
+            <a:cxnSpLocks/>
+          </p:cNvCxnSpPr>
+          <p:nvPr/>
+        </p:nvCxnSpPr>
+        <p:spPr>
+          <a:xfrm rot="16200000" flipH="1">
+            <a:off x="5460179" y="3647715"/>
+            <a:ext cx="1047811" cy="369817"/>
+          </a:xfrm>
+          <a:prstGeom prst="bentConnector2">
+            <a:avLst/>
+          </a:prstGeom>
+          <a:ln w="19050">
+            <a:tailEnd type="triangle"/>
+          </a:ln>
+        </p:spPr>
+        <p:style>
+          <a:lnRef idx="1">
+            <a:schemeClr val="accent1"/>
+          </a:lnRef>
+          <a:fillRef idx="0">
+            <a:schemeClr val="accent1"/>
+          </a:fillRef>
+          <a:effectRef idx="0">
+            <a:schemeClr val="accent1"/>
+          </a:effectRef>
+          <a:fontRef idx="minor">
+            <a:schemeClr val="tx1"/>
+          </a:fontRef>
+        </p:style>
+      </p:cxnSp>
+      <p:cxnSp>
+        <p:nvCxnSpPr>
+          <p:cNvPr id="158" name="肘形连接符 157">
+            <a:extLst>
+              <a:ext uri="{FF2B5EF4-FFF2-40B4-BE49-F238E27FC236}">
+                <a16:creationId xmlns:a16="http://schemas.microsoft.com/office/drawing/2014/main" id="{A33E6984-74D1-F8DF-F210-F8A650E4FB48}"/>
+              </a:ext>
+            </a:extLst>
+          </p:cNvPr>
+          <p:cNvCxnSpPr>
+            <a:cxnSpLocks/>
+            <a:endCxn id="117" idx="1"/>
+          </p:cNvCxnSpPr>
+          <p:nvPr/>
+        </p:nvCxnSpPr>
+        <p:spPr>
+          <a:xfrm rot="5400000" flipH="1" flipV="1">
+            <a:off x="5478272" y="2538984"/>
+            <a:ext cx="1119379" cy="477570"/>
+          </a:xfrm>
+          <a:prstGeom prst="bentConnector2">
+            <a:avLst/>
+          </a:prstGeom>
+          <a:ln w="19050">
+            <a:tailEnd type="triangle"/>
+          </a:ln>
+        </p:spPr>
+        <p:style>
+          <a:lnRef idx="1">
+            <a:schemeClr val="accent1"/>
+          </a:lnRef>
+          <a:fillRef idx="0">
+            <a:schemeClr val="accent1"/>
+          </a:fillRef>
+          <a:effectRef idx="0">
+            <a:schemeClr val="accent1"/>
+          </a:effectRef>
+          <a:fontRef idx="minor">
+            <a:schemeClr val="tx1"/>
+          </a:fontRef>
+        </p:style>
+      </p:cxnSp>
+    </p:spTree>
+    <p:extLst>
+      <p:ext uri="{BB962C8B-B14F-4D97-AF65-F5344CB8AC3E}">
+        <p14:creationId xmlns:p14="http://schemas.microsoft.com/office/powerpoint/2010/main" val="1989855085"/>
       </p:ext>
     </p:extLst>
   </p:cSld>
@@ -12309,7 +12053,7 @@
     </p:spTree>
     <p:extLst>
       <p:ext uri="{BB962C8B-B14F-4D97-AF65-F5344CB8AC3E}">
-        <p14:creationId xmlns:p14="http://schemas.microsoft.com/office/powerpoint/2010/main" val="127917626"/>
+        <p14:creationId xmlns:p14="http://schemas.microsoft.com/office/powerpoint/2010/main" val="723409829"/>
       </p:ext>
     </p:extLst>
   </p:cSld>
